--- a/lectures/05/Обработка ошибок и исключительных ситуаций.pptx
+++ b/lectures/05/Обработка ошибок и исключительных ситуаций.pptx
@@ -36,8 +36,8 @@
     <p:sldId id="329" r:id="rId27"/>
     <p:sldId id="330" r:id="rId28"/>
     <p:sldId id="331" r:id="rId29"/>
-    <p:sldId id="332" r:id="rId30"/>
-    <p:sldId id="333" r:id="rId31"/>
+    <p:sldId id="333" r:id="rId30"/>
+    <p:sldId id="332" r:id="rId31"/>
     <p:sldId id="334" r:id="rId32"/>
     <p:sldId id="335" r:id="rId33"/>
     <p:sldId id="336" r:id="rId34"/>
@@ -202,7 +202,7 @@
   </p:defaultTextStyle>
   <p:extLst>
     <p:ext uri="{EFAFB233-063F-42B5-8137-9DF3F51BA10A}">
-      <p15:sldGuideLst xmlns:p15="http://schemas.microsoft.com/office/powerpoint/2012/main">
+      <p15:sldGuideLst xmlns:p15="http://schemas.microsoft.com/office/powerpoint/2012/main" xmlns="">
         <p15:guide id="1" orient="horz" pos="2160">
           <p15:clr>
             <a:srgbClr val="A4A3A4"/>
@@ -6899,7 +6899,7 @@
             <a:fld id="{66C85EC8-63E2-4E97-ABD1-AB8BE39E8F3E}" type="datetimeFigureOut">
               <a:rPr lang="ru-RU" smtClean="0"/>
               <a:pPr/>
-              <a:t>17.11.2016</a:t>
+              <a:t>16.04.2020</a:t>
             </a:fld>
             <a:endParaRPr lang="ru-RU"/>
           </a:p>
@@ -9032,7 +9032,7 @@
     </p:spTree>
     <p:extLst>
       <p:ext uri="{BB962C8B-B14F-4D97-AF65-F5344CB8AC3E}">
-        <p14:creationId xmlns:p14="http://schemas.microsoft.com/office/powerpoint/2010/main" val="4054074359"/>
+        <p14:creationId xmlns:p14="http://schemas.microsoft.com/office/powerpoint/2010/main" val="268489734"/>
       </p:ext>
     </p:extLst>
   </p:cSld>
@@ -9202,7 +9202,7 @@
     </p:spTree>
     <p:extLst>
       <p:ext uri="{BB962C8B-B14F-4D97-AF65-F5344CB8AC3E}">
-        <p14:creationId xmlns:p14="http://schemas.microsoft.com/office/powerpoint/2010/main" val="268489734"/>
+        <p14:creationId xmlns:p14="http://schemas.microsoft.com/office/powerpoint/2010/main" val="4054074359"/>
       </p:ext>
     </p:extLst>
   </p:cSld>
@@ -16250,9 +16250,243 @@
   <p:timing>
     <p:tnLst>
       <p:par>
-        <p:cTn id="1" dur="indefinite" restart="never" nodeType="tmRoot"/>
+        <p:cTn id="1" dur="indefinite" restart="never" nodeType="tmRoot">
+          <p:childTnLst>
+            <p:seq concurrent="1" nextAc="seek">
+              <p:cTn id="2" dur="indefinite" nodeType="mainSeq">
+                <p:childTnLst>
+                  <p:par>
+                    <p:cTn id="3" fill="hold">
+                      <p:stCondLst>
+                        <p:cond delay="indefinite"/>
+                      </p:stCondLst>
+                      <p:childTnLst>
+                        <p:par>
+                          <p:cTn id="4" fill="hold">
+                            <p:stCondLst>
+                              <p:cond delay="0"/>
+                            </p:stCondLst>
+                            <p:childTnLst>
+                              <p:par>
+                                <p:cTn id="5" presetID="10" presetClass="entr" presetSubtype="0" fill="hold" grpId="0" nodeType="clickEffect">
+                                  <p:stCondLst>
+                                    <p:cond delay="0"/>
+                                  </p:stCondLst>
+                                  <p:childTnLst>
+                                    <p:set>
+                                      <p:cBhvr>
+                                        <p:cTn id="6" dur="1" fill="hold">
+                                          <p:stCondLst>
+                                            <p:cond delay="0"/>
+                                          </p:stCondLst>
+                                        </p:cTn>
+                                        <p:tgtEl>
+                                          <p:spTgt spid="3">
+                                            <p:txEl>
+                                              <p:pRg st="0" end="0"/>
+                                            </p:txEl>
+                                          </p:spTgt>
+                                        </p:tgtEl>
+                                        <p:attrNameLst>
+                                          <p:attrName>style.visibility</p:attrName>
+                                        </p:attrNameLst>
+                                      </p:cBhvr>
+                                      <p:to>
+                                        <p:strVal val="visible"/>
+                                      </p:to>
+                                    </p:set>
+                                    <p:animEffect transition="in" filter="fade">
+                                      <p:cBhvr>
+                                        <p:cTn id="7" dur="500"/>
+                                        <p:tgtEl>
+                                          <p:spTgt spid="3">
+                                            <p:txEl>
+                                              <p:pRg st="0" end="0"/>
+                                            </p:txEl>
+                                          </p:spTgt>
+                                        </p:tgtEl>
+                                      </p:cBhvr>
+                                    </p:animEffect>
+                                  </p:childTnLst>
+                                </p:cTn>
+                              </p:par>
+                              <p:par>
+                                <p:cTn id="8" presetID="10" presetClass="entr" presetSubtype="0" fill="hold" grpId="0" nodeType="withEffect">
+                                  <p:stCondLst>
+                                    <p:cond delay="0"/>
+                                  </p:stCondLst>
+                                  <p:childTnLst>
+                                    <p:set>
+                                      <p:cBhvr>
+                                        <p:cTn id="9" dur="1" fill="hold">
+                                          <p:stCondLst>
+                                            <p:cond delay="0"/>
+                                          </p:stCondLst>
+                                        </p:cTn>
+                                        <p:tgtEl>
+                                          <p:spTgt spid="3">
+                                            <p:txEl>
+                                              <p:pRg st="1" end="1"/>
+                                            </p:txEl>
+                                          </p:spTgt>
+                                        </p:tgtEl>
+                                        <p:attrNameLst>
+                                          <p:attrName>style.visibility</p:attrName>
+                                        </p:attrNameLst>
+                                      </p:cBhvr>
+                                      <p:to>
+                                        <p:strVal val="visible"/>
+                                      </p:to>
+                                    </p:set>
+                                    <p:animEffect transition="in" filter="fade">
+                                      <p:cBhvr>
+                                        <p:cTn id="10" dur="500"/>
+                                        <p:tgtEl>
+                                          <p:spTgt spid="3">
+                                            <p:txEl>
+                                              <p:pRg st="1" end="1"/>
+                                            </p:txEl>
+                                          </p:spTgt>
+                                        </p:tgtEl>
+                                      </p:cBhvr>
+                                    </p:animEffect>
+                                  </p:childTnLst>
+                                </p:cTn>
+                              </p:par>
+                            </p:childTnLst>
+                          </p:cTn>
+                        </p:par>
+                      </p:childTnLst>
+                    </p:cTn>
+                  </p:par>
+                  <p:par>
+                    <p:cTn id="11" fill="hold">
+                      <p:stCondLst>
+                        <p:cond delay="indefinite"/>
+                      </p:stCondLst>
+                      <p:childTnLst>
+                        <p:par>
+                          <p:cTn id="12" fill="hold">
+                            <p:stCondLst>
+                              <p:cond delay="0"/>
+                            </p:stCondLst>
+                            <p:childTnLst>
+                              <p:par>
+                                <p:cTn id="13" presetID="10" presetClass="entr" presetSubtype="0" fill="hold" grpId="0" nodeType="clickEffect">
+                                  <p:stCondLst>
+                                    <p:cond delay="0"/>
+                                  </p:stCondLst>
+                                  <p:childTnLst>
+                                    <p:set>
+                                      <p:cBhvr>
+                                        <p:cTn id="14" dur="1" fill="hold">
+                                          <p:stCondLst>
+                                            <p:cond delay="0"/>
+                                          </p:stCondLst>
+                                        </p:cTn>
+                                        <p:tgtEl>
+                                          <p:spTgt spid="3">
+                                            <p:txEl>
+                                              <p:pRg st="2" end="2"/>
+                                            </p:txEl>
+                                          </p:spTgt>
+                                        </p:tgtEl>
+                                        <p:attrNameLst>
+                                          <p:attrName>style.visibility</p:attrName>
+                                        </p:attrNameLst>
+                                      </p:cBhvr>
+                                      <p:to>
+                                        <p:strVal val="visible"/>
+                                      </p:to>
+                                    </p:set>
+                                    <p:animEffect transition="in" filter="fade">
+                                      <p:cBhvr>
+                                        <p:cTn id="15" dur="500"/>
+                                        <p:tgtEl>
+                                          <p:spTgt spid="3">
+                                            <p:txEl>
+                                              <p:pRg st="2" end="2"/>
+                                            </p:txEl>
+                                          </p:spTgt>
+                                        </p:tgtEl>
+                                      </p:cBhvr>
+                                    </p:animEffect>
+                                  </p:childTnLst>
+                                </p:cTn>
+                              </p:par>
+                              <p:par>
+                                <p:cTn id="16" presetID="10" presetClass="entr" presetSubtype="0" fill="hold" grpId="0" nodeType="withEffect">
+                                  <p:stCondLst>
+                                    <p:cond delay="0"/>
+                                  </p:stCondLst>
+                                  <p:childTnLst>
+                                    <p:set>
+                                      <p:cBhvr>
+                                        <p:cTn id="17" dur="1" fill="hold">
+                                          <p:stCondLst>
+                                            <p:cond delay="0"/>
+                                          </p:stCondLst>
+                                        </p:cTn>
+                                        <p:tgtEl>
+                                          <p:spTgt spid="3">
+                                            <p:txEl>
+                                              <p:pRg st="3" end="3"/>
+                                            </p:txEl>
+                                          </p:spTgt>
+                                        </p:tgtEl>
+                                        <p:attrNameLst>
+                                          <p:attrName>style.visibility</p:attrName>
+                                        </p:attrNameLst>
+                                      </p:cBhvr>
+                                      <p:to>
+                                        <p:strVal val="visible"/>
+                                      </p:to>
+                                    </p:set>
+                                    <p:animEffect transition="in" filter="fade">
+                                      <p:cBhvr>
+                                        <p:cTn id="18" dur="500"/>
+                                        <p:tgtEl>
+                                          <p:spTgt spid="3">
+                                            <p:txEl>
+                                              <p:pRg st="3" end="3"/>
+                                            </p:txEl>
+                                          </p:spTgt>
+                                        </p:tgtEl>
+                                      </p:cBhvr>
+                                    </p:animEffect>
+                                  </p:childTnLst>
+                                </p:cTn>
+                              </p:par>
+                            </p:childTnLst>
+                          </p:cTn>
+                        </p:par>
+                      </p:childTnLst>
+                    </p:cTn>
+                  </p:par>
+                </p:childTnLst>
+              </p:cTn>
+              <p:prevCondLst>
+                <p:cond evt="onPrev" delay="0">
+                  <p:tgtEl>
+                    <p:sldTgt/>
+                  </p:tgtEl>
+                </p:cond>
+              </p:prevCondLst>
+              <p:nextCondLst>
+                <p:cond evt="onNext" delay="0">
+                  <p:tgtEl>
+                    <p:sldTgt/>
+                  </p:tgtEl>
+                </p:cond>
+              </p:nextCondLst>
+            </p:seq>
+          </p:childTnLst>
+        </p:cTn>
       </p:par>
     </p:tnLst>
+    <p:bldLst>
+      <p:bldP spid="3" grpId="0" build="p"/>
+    </p:bldLst>
   </p:timing>
 </p:sld>
 </file>
@@ -16563,44 +16797,35 @@
               <a:rPr lang="en-US" sz="1400" b="1" dirty="0" smtClean="0">
                 <a:latin typeface="Courier New" pitchFamily="49" charset="0"/>
               </a:rPr>
+              <a:t>	}</a:t>
+            </a:r>
+          </a:p>
+          <a:p>
+            <a:pPr defTabSz="261938"/>
+            <a:r>
+              <a:rPr lang="en-US" sz="1400" b="1" dirty="0">
+                <a:latin typeface="Courier New" pitchFamily="49" charset="0"/>
+              </a:rPr>
               <a:t>	</a:t>
             </a:r>
             <a:r>
               <a:rPr lang="en-US" sz="1400" b="1" dirty="0" smtClean="0">
                 <a:latin typeface="Courier New" pitchFamily="49" charset="0"/>
               </a:rPr>
-              <a:t>}</a:t>
-            </a:r>
-          </a:p>
-          <a:p>
-            <a:pPr defTabSz="261938"/>
-            <a:r>
-              <a:rPr lang="en-US" sz="1400" b="1" dirty="0">
-                <a:latin typeface="Courier New" pitchFamily="49" charset="0"/>
-              </a:rPr>
-              <a:t>	</a:t>
+              <a:t>virtual ~</a:t>
+            </a:r>
+            <a:r>
+              <a:rPr lang="en-US" sz="1400" b="1" dirty="0" err="1" smtClean="0">
+                <a:latin typeface="Courier New" pitchFamily="49" charset="0"/>
+              </a:rPr>
+              <a:t>CBase</a:t>
             </a:r>
             <a:r>
               <a:rPr lang="en-US" sz="1400" b="1" dirty="0" smtClean="0">
                 <a:latin typeface="Courier New" pitchFamily="49" charset="0"/>
               </a:rPr>
-              <a:t>virtual ~</a:t>
-            </a:r>
-            <a:r>
-              <a:rPr lang="en-US" sz="1400" b="1" dirty="0" err="1" smtClean="0">
-                <a:latin typeface="Courier New" pitchFamily="49" charset="0"/>
-              </a:rPr>
-              <a:t>CBase</a:t>
-            </a:r>
-            <a:r>
-              <a:rPr lang="en-US" sz="1400" b="1" dirty="0" smtClean="0">
-                <a:latin typeface="Courier New" pitchFamily="49" charset="0"/>
-              </a:rPr>
               <a:t>() = default;</a:t>
             </a:r>
-            <a:endParaRPr lang="en-US" sz="1400" b="1" dirty="0" smtClean="0">
-              <a:latin typeface="Courier New" pitchFamily="49" charset="0"/>
-            </a:endParaRPr>
           </a:p>
           <a:p>
             <a:pPr defTabSz="261938"/>
@@ -16794,7 +17019,13 @@
               <a:rPr lang="en-US" sz="1400" b="1" dirty="0" smtClean="0">
                 <a:latin typeface="Courier New" pitchFamily="49" charset="0"/>
               </a:rPr>
-              <a:t>	virtual void </a:t>
+              <a:t>	</a:t>
+            </a:r>
+            <a:r>
+              <a:rPr lang="en-US" sz="1400" b="1" dirty="0" smtClean="0">
+                <a:latin typeface="Courier New" pitchFamily="49" charset="0"/>
+              </a:rPr>
+              <a:t>void </a:t>
             </a:r>
             <a:r>
               <a:rPr lang="en-US" sz="1400" b="1" dirty="0" err="1" smtClean="0">
@@ -17678,44 +17909,35 @@
               <a:rPr lang="en-US" sz="1400" b="1" dirty="0" smtClean="0">
                 <a:latin typeface="Courier New" pitchFamily="49" charset="0"/>
               </a:rPr>
-              <a:t>	</a:t>
+              <a:t>	}</a:t>
+            </a:r>
+          </a:p>
+          <a:p>
+            <a:pPr defTabSz="261938"/>
+            <a:r>
+              <a:rPr lang="en-US" sz="1400" b="1" dirty="0">
+                <a:latin typeface="Courier New" pitchFamily="49" charset="0"/>
+              </a:rPr>
+              <a:t>	virtual ~</a:t>
+            </a:r>
+            <a:r>
+              <a:rPr lang="en-US" sz="1400" b="1" dirty="0" err="1">
+                <a:latin typeface="Courier New" pitchFamily="49" charset="0"/>
+              </a:rPr>
+              <a:t>CBase</a:t>
+            </a:r>
+            <a:r>
+              <a:rPr lang="en-US" sz="1400" b="1" dirty="0">
+                <a:latin typeface="Courier New" pitchFamily="49" charset="0"/>
+              </a:rPr>
+              <a:t>() = default</a:t>
             </a:r>
             <a:r>
               <a:rPr lang="en-US" sz="1400" b="1" dirty="0" smtClean="0">
                 <a:latin typeface="Courier New" pitchFamily="49" charset="0"/>
               </a:rPr>
-              <a:t>}</a:t>
-            </a:r>
-          </a:p>
-          <a:p>
-            <a:pPr defTabSz="261938"/>
-            <a:r>
-              <a:rPr lang="en-US" sz="1400" b="1" dirty="0">
-                <a:latin typeface="Courier New" pitchFamily="49" charset="0"/>
-              </a:rPr>
-              <a:t>	virtual ~</a:t>
-            </a:r>
-            <a:r>
-              <a:rPr lang="en-US" sz="1400" b="1" dirty="0" err="1">
-                <a:latin typeface="Courier New" pitchFamily="49" charset="0"/>
-              </a:rPr>
-              <a:t>CBase</a:t>
-            </a:r>
-            <a:r>
-              <a:rPr lang="en-US" sz="1400" b="1" dirty="0">
-                <a:latin typeface="Courier New" pitchFamily="49" charset="0"/>
-              </a:rPr>
-              <a:t>() = default</a:t>
-            </a:r>
-            <a:r>
-              <a:rPr lang="en-US" sz="1400" b="1" dirty="0" smtClean="0">
-                <a:latin typeface="Courier New" pitchFamily="49" charset="0"/>
-              </a:rPr>
               <a:t>;</a:t>
             </a:r>
-            <a:endParaRPr lang="en-US" sz="1400" b="1" dirty="0" smtClean="0">
-              <a:latin typeface="Courier New" pitchFamily="49" charset="0"/>
-            </a:endParaRPr>
           </a:p>
           <a:p>
             <a:pPr defTabSz="261938"/>
@@ -17909,7 +18131,13 @@
               <a:rPr lang="en-US" sz="1400" b="1" dirty="0" smtClean="0">
                 <a:latin typeface="Courier New" pitchFamily="49" charset="0"/>
               </a:rPr>
-              <a:t>	virtual void </a:t>
+              <a:t>	</a:t>
+            </a:r>
+            <a:r>
+              <a:rPr lang="en-US" sz="1400" b="1" dirty="0" smtClean="0">
+                <a:latin typeface="Courier New" pitchFamily="49" charset="0"/>
+              </a:rPr>
+              <a:t>void </a:t>
             </a:r>
             <a:r>
               <a:rPr lang="en-US" sz="1400" b="1" dirty="0" err="1" smtClean="0">
@@ -18729,9 +18957,408 @@
   <p:timing>
     <p:tnLst>
       <p:par>
-        <p:cTn id="1" dur="indefinite" restart="never" nodeType="tmRoot"/>
+        <p:cTn id="1" dur="indefinite" restart="never" nodeType="tmRoot">
+          <p:childTnLst>
+            <p:seq concurrent="1" nextAc="seek">
+              <p:cTn id="2" dur="indefinite" nodeType="mainSeq">
+                <p:childTnLst>
+                  <p:par>
+                    <p:cTn id="3" fill="hold">
+                      <p:stCondLst>
+                        <p:cond delay="indefinite"/>
+                      </p:stCondLst>
+                      <p:childTnLst>
+                        <p:par>
+                          <p:cTn id="4" fill="hold">
+                            <p:stCondLst>
+                              <p:cond delay="0"/>
+                            </p:stCondLst>
+                            <p:childTnLst>
+                              <p:par>
+                                <p:cTn id="5" presetID="10" presetClass="entr" presetSubtype="0" fill="hold" grpId="0" nodeType="clickEffect">
+                                  <p:stCondLst>
+                                    <p:cond delay="0"/>
+                                  </p:stCondLst>
+                                  <p:childTnLst>
+                                    <p:set>
+                                      <p:cBhvr>
+                                        <p:cTn id="6" dur="1" fill="hold">
+                                          <p:stCondLst>
+                                            <p:cond delay="0"/>
+                                          </p:stCondLst>
+                                        </p:cTn>
+                                        <p:tgtEl>
+                                          <p:spTgt spid="61443">
+                                            <p:txEl>
+                                              <p:pRg st="0" end="0"/>
+                                            </p:txEl>
+                                          </p:spTgt>
+                                        </p:tgtEl>
+                                        <p:attrNameLst>
+                                          <p:attrName>style.visibility</p:attrName>
+                                        </p:attrNameLst>
+                                      </p:cBhvr>
+                                      <p:to>
+                                        <p:strVal val="visible"/>
+                                      </p:to>
+                                    </p:set>
+                                    <p:animEffect transition="in" filter="fade">
+                                      <p:cBhvr>
+                                        <p:cTn id="7" dur="500"/>
+                                        <p:tgtEl>
+                                          <p:spTgt spid="61443">
+                                            <p:txEl>
+                                              <p:pRg st="0" end="0"/>
+                                            </p:txEl>
+                                          </p:spTgt>
+                                        </p:tgtEl>
+                                      </p:cBhvr>
+                                    </p:animEffect>
+                                  </p:childTnLst>
+                                </p:cTn>
+                              </p:par>
+                            </p:childTnLst>
+                          </p:cTn>
+                        </p:par>
+                      </p:childTnLst>
+                    </p:cTn>
+                  </p:par>
+                  <p:par>
+                    <p:cTn id="8" fill="hold">
+                      <p:stCondLst>
+                        <p:cond delay="indefinite"/>
+                      </p:stCondLst>
+                      <p:childTnLst>
+                        <p:par>
+                          <p:cTn id="9" fill="hold">
+                            <p:stCondLst>
+                              <p:cond delay="0"/>
+                            </p:stCondLst>
+                            <p:childTnLst>
+                              <p:par>
+                                <p:cTn id="10" presetID="10" presetClass="entr" presetSubtype="0" fill="hold" grpId="0" nodeType="clickEffect">
+                                  <p:stCondLst>
+                                    <p:cond delay="0"/>
+                                  </p:stCondLst>
+                                  <p:childTnLst>
+                                    <p:set>
+                                      <p:cBhvr>
+                                        <p:cTn id="11" dur="1" fill="hold">
+                                          <p:stCondLst>
+                                            <p:cond delay="0"/>
+                                          </p:stCondLst>
+                                        </p:cTn>
+                                        <p:tgtEl>
+                                          <p:spTgt spid="61443">
+                                            <p:txEl>
+                                              <p:pRg st="1" end="1"/>
+                                            </p:txEl>
+                                          </p:spTgt>
+                                        </p:tgtEl>
+                                        <p:attrNameLst>
+                                          <p:attrName>style.visibility</p:attrName>
+                                        </p:attrNameLst>
+                                      </p:cBhvr>
+                                      <p:to>
+                                        <p:strVal val="visible"/>
+                                      </p:to>
+                                    </p:set>
+                                    <p:animEffect transition="in" filter="fade">
+                                      <p:cBhvr>
+                                        <p:cTn id="12" dur="500"/>
+                                        <p:tgtEl>
+                                          <p:spTgt spid="61443">
+                                            <p:txEl>
+                                              <p:pRg st="1" end="1"/>
+                                            </p:txEl>
+                                          </p:spTgt>
+                                        </p:tgtEl>
+                                      </p:cBhvr>
+                                    </p:animEffect>
+                                  </p:childTnLst>
+                                </p:cTn>
+                              </p:par>
+                              <p:par>
+                                <p:cTn id="13" presetID="10" presetClass="entr" presetSubtype="0" fill="hold" grpId="0" nodeType="withEffect">
+                                  <p:stCondLst>
+                                    <p:cond delay="0"/>
+                                  </p:stCondLst>
+                                  <p:childTnLst>
+                                    <p:set>
+                                      <p:cBhvr>
+                                        <p:cTn id="14" dur="1" fill="hold">
+                                          <p:stCondLst>
+                                            <p:cond delay="0"/>
+                                          </p:stCondLst>
+                                        </p:cTn>
+                                        <p:tgtEl>
+                                          <p:spTgt spid="61443">
+                                            <p:txEl>
+                                              <p:pRg st="2" end="2"/>
+                                            </p:txEl>
+                                          </p:spTgt>
+                                        </p:tgtEl>
+                                        <p:attrNameLst>
+                                          <p:attrName>style.visibility</p:attrName>
+                                        </p:attrNameLst>
+                                      </p:cBhvr>
+                                      <p:to>
+                                        <p:strVal val="visible"/>
+                                      </p:to>
+                                    </p:set>
+                                    <p:animEffect transition="in" filter="fade">
+                                      <p:cBhvr>
+                                        <p:cTn id="15" dur="500"/>
+                                        <p:tgtEl>
+                                          <p:spTgt spid="61443">
+                                            <p:txEl>
+                                              <p:pRg st="2" end="2"/>
+                                            </p:txEl>
+                                          </p:spTgt>
+                                        </p:tgtEl>
+                                      </p:cBhvr>
+                                    </p:animEffect>
+                                  </p:childTnLst>
+                                </p:cTn>
+                              </p:par>
+                            </p:childTnLst>
+                          </p:cTn>
+                        </p:par>
+                      </p:childTnLst>
+                    </p:cTn>
+                  </p:par>
+                  <p:par>
+                    <p:cTn id="16" fill="hold">
+                      <p:stCondLst>
+                        <p:cond delay="indefinite"/>
+                      </p:stCondLst>
+                      <p:childTnLst>
+                        <p:par>
+                          <p:cTn id="17" fill="hold">
+                            <p:stCondLst>
+                              <p:cond delay="0"/>
+                            </p:stCondLst>
+                            <p:childTnLst>
+                              <p:par>
+                                <p:cTn id="18" presetID="10" presetClass="entr" presetSubtype="0" fill="hold" grpId="0" nodeType="clickEffect">
+                                  <p:stCondLst>
+                                    <p:cond delay="0"/>
+                                  </p:stCondLst>
+                                  <p:childTnLst>
+                                    <p:set>
+                                      <p:cBhvr>
+                                        <p:cTn id="19" dur="1" fill="hold">
+                                          <p:stCondLst>
+                                            <p:cond delay="0"/>
+                                          </p:stCondLst>
+                                        </p:cTn>
+                                        <p:tgtEl>
+                                          <p:spTgt spid="61443">
+                                            <p:txEl>
+                                              <p:pRg st="3" end="3"/>
+                                            </p:txEl>
+                                          </p:spTgt>
+                                        </p:tgtEl>
+                                        <p:attrNameLst>
+                                          <p:attrName>style.visibility</p:attrName>
+                                        </p:attrNameLst>
+                                      </p:cBhvr>
+                                      <p:to>
+                                        <p:strVal val="visible"/>
+                                      </p:to>
+                                    </p:set>
+                                    <p:animEffect transition="in" filter="fade">
+                                      <p:cBhvr>
+                                        <p:cTn id="20" dur="500"/>
+                                        <p:tgtEl>
+                                          <p:spTgt spid="61443">
+                                            <p:txEl>
+                                              <p:pRg st="3" end="3"/>
+                                            </p:txEl>
+                                          </p:spTgt>
+                                        </p:tgtEl>
+                                      </p:cBhvr>
+                                    </p:animEffect>
+                                  </p:childTnLst>
+                                </p:cTn>
+                              </p:par>
+                              <p:par>
+                                <p:cTn id="21" presetID="10" presetClass="entr" presetSubtype="0" fill="hold" grpId="0" nodeType="withEffect">
+                                  <p:stCondLst>
+                                    <p:cond delay="0"/>
+                                  </p:stCondLst>
+                                  <p:childTnLst>
+                                    <p:set>
+                                      <p:cBhvr>
+                                        <p:cTn id="22" dur="1" fill="hold">
+                                          <p:stCondLst>
+                                            <p:cond delay="0"/>
+                                          </p:stCondLst>
+                                        </p:cTn>
+                                        <p:tgtEl>
+                                          <p:spTgt spid="61443">
+                                            <p:txEl>
+                                              <p:pRg st="4" end="4"/>
+                                            </p:txEl>
+                                          </p:spTgt>
+                                        </p:tgtEl>
+                                        <p:attrNameLst>
+                                          <p:attrName>style.visibility</p:attrName>
+                                        </p:attrNameLst>
+                                      </p:cBhvr>
+                                      <p:to>
+                                        <p:strVal val="visible"/>
+                                      </p:to>
+                                    </p:set>
+                                    <p:animEffect transition="in" filter="fade">
+                                      <p:cBhvr>
+                                        <p:cTn id="23" dur="500"/>
+                                        <p:tgtEl>
+                                          <p:spTgt spid="61443">
+                                            <p:txEl>
+                                              <p:pRg st="4" end="4"/>
+                                            </p:txEl>
+                                          </p:spTgt>
+                                        </p:tgtEl>
+                                      </p:cBhvr>
+                                    </p:animEffect>
+                                  </p:childTnLst>
+                                </p:cTn>
+                              </p:par>
+                            </p:childTnLst>
+                          </p:cTn>
+                        </p:par>
+                      </p:childTnLst>
+                    </p:cTn>
+                  </p:par>
+                  <p:par>
+                    <p:cTn id="24" fill="hold">
+                      <p:stCondLst>
+                        <p:cond delay="indefinite"/>
+                      </p:stCondLst>
+                      <p:childTnLst>
+                        <p:par>
+                          <p:cTn id="25" fill="hold">
+                            <p:stCondLst>
+                              <p:cond delay="0"/>
+                            </p:stCondLst>
+                            <p:childTnLst>
+                              <p:par>
+                                <p:cTn id="26" presetID="10" presetClass="entr" presetSubtype="0" fill="hold" grpId="0" nodeType="clickEffect">
+                                  <p:stCondLst>
+                                    <p:cond delay="0"/>
+                                  </p:stCondLst>
+                                  <p:childTnLst>
+                                    <p:set>
+                                      <p:cBhvr>
+                                        <p:cTn id="27" dur="1" fill="hold">
+                                          <p:stCondLst>
+                                            <p:cond delay="0"/>
+                                          </p:stCondLst>
+                                        </p:cTn>
+                                        <p:tgtEl>
+                                          <p:spTgt spid="61443">
+                                            <p:txEl>
+                                              <p:pRg st="5" end="5"/>
+                                            </p:txEl>
+                                          </p:spTgt>
+                                        </p:tgtEl>
+                                        <p:attrNameLst>
+                                          <p:attrName>style.visibility</p:attrName>
+                                        </p:attrNameLst>
+                                      </p:cBhvr>
+                                      <p:to>
+                                        <p:strVal val="visible"/>
+                                      </p:to>
+                                    </p:set>
+                                    <p:animEffect transition="in" filter="fade">
+                                      <p:cBhvr>
+                                        <p:cTn id="28" dur="500"/>
+                                        <p:tgtEl>
+                                          <p:spTgt spid="61443">
+                                            <p:txEl>
+                                              <p:pRg st="5" end="5"/>
+                                            </p:txEl>
+                                          </p:spTgt>
+                                        </p:tgtEl>
+                                      </p:cBhvr>
+                                    </p:animEffect>
+                                  </p:childTnLst>
+                                </p:cTn>
+                              </p:par>
+                              <p:par>
+                                <p:cTn id="29" presetID="10" presetClass="entr" presetSubtype="0" fill="hold" grpId="0" nodeType="withEffect">
+                                  <p:stCondLst>
+                                    <p:cond delay="0"/>
+                                  </p:stCondLst>
+                                  <p:childTnLst>
+                                    <p:set>
+                                      <p:cBhvr>
+                                        <p:cTn id="30" dur="1" fill="hold">
+                                          <p:stCondLst>
+                                            <p:cond delay="0"/>
+                                          </p:stCondLst>
+                                        </p:cTn>
+                                        <p:tgtEl>
+                                          <p:spTgt spid="61443">
+                                            <p:txEl>
+                                              <p:pRg st="6" end="6"/>
+                                            </p:txEl>
+                                          </p:spTgt>
+                                        </p:tgtEl>
+                                        <p:attrNameLst>
+                                          <p:attrName>style.visibility</p:attrName>
+                                        </p:attrNameLst>
+                                      </p:cBhvr>
+                                      <p:to>
+                                        <p:strVal val="visible"/>
+                                      </p:to>
+                                    </p:set>
+                                    <p:animEffect transition="in" filter="fade">
+                                      <p:cBhvr>
+                                        <p:cTn id="31" dur="500"/>
+                                        <p:tgtEl>
+                                          <p:spTgt spid="61443">
+                                            <p:txEl>
+                                              <p:pRg st="6" end="6"/>
+                                            </p:txEl>
+                                          </p:spTgt>
+                                        </p:tgtEl>
+                                      </p:cBhvr>
+                                    </p:animEffect>
+                                  </p:childTnLst>
+                                </p:cTn>
+                              </p:par>
+                            </p:childTnLst>
+                          </p:cTn>
+                        </p:par>
+                      </p:childTnLst>
+                    </p:cTn>
+                  </p:par>
+                </p:childTnLst>
+              </p:cTn>
+              <p:prevCondLst>
+                <p:cond evt="onPrev" delay="0">
+                  <p:tgtEl>
+                    <p:sldTgt/>
+                  </p:tgtEl>
+                </p:cond>
+              </p:prevCondLst>
+              <p:nextCondLst>
+                <p:cond evt="onNext" delay="0">
+                  <p:tgtEl>
+                    <p:sldTgt/>
+                  </p:tgtEl>
+                </p:cond>
+              </p:nextCondLst>
+            </p:seq>
+          </p:childTnLst>
+        </p:cTn>
       </p:par>
     </p:tnLst>
+    <p:bldLst>
+      <p:bldP spid="61443" grpId="0" build="p"/>
+    </p:bldLst>
   </p:timing>
 </p:sld>
 </file>
@@ -18961,9 +19588,340 @@
   <p:timing>
     <p:tnLst>
       <p:par>
-        <p:cTn id="1" dur="indefinite" restart="never" nodeType="tmRoot"/>
+        <p:cTn id="1" dur="indefinite" restart="never" nodeType="tmRoot">
+          <p:childTnLst>
+            <p:seq concurrent="1" nextAc="seek">
+              <p:cTn id="2" dur="indefinite" nodeType="mainSeq">
+                <p:childTnLst>
+                  <p:par>
+                    <p:cTn id="3" fill="hold">
+                      <p:stCondLst>
+                        <p:cond delay="indefinite"/>
+                      </p:stCondLst>
+                      <p:childTnLst>
+                        <p:par>
+                          <p:cTn id="4" fill="hold">
+                            <p:stCondLst>
+                              <p:cond delay="0"/>
+                            </p:stCondLst>
+                            <p:childTnLst>
+                              <p:par>
+                                <p:cTn id="5" presetID="10" presetClass="entr" presetSubtype="0" fill="hold" grpId="0" nodeType="clickEffect">
+                                  <p:stCondLst>
+                                    <p:cond delay="0"/>
+                                  </p:stCondLst>
+                                  <p:childTnLst>
+                                    <p:set>
+                                      <p:cBhvr>
+                                        <p:cTn id="6" dur="1" fill="hold">
+                                          <p:stCondLst>
+                                            <p:cond delay="0"/>
+                                          </p:stCondLst>
+                                        </p:cTn>
+                                        <p:tgtEl>
+                                          <p:spTgt spid="3">
+                                            <p:txEl>
+                                              <p:pRg st="0" end="0"/>
+                                            </p:txEl>
+                                          </p:spTgt>
+                                        </p:tgtEl>
+                                        <p:attrNameLst>
+                                          <p:attrName>style.visibility</p:attrName>
+                                        </p:attrNameLst>
+                                      </p:cBhvr>
+                                      <p:to>
+                                        <p:strVal val="visible"/>
+                                      </p:to>
+                                    </p:set>
+                                    <p:animEffect transition="in" filter="fade">
+                                      <p:cBhvr>
+                                        <p:cTn id="7" dur="500"/>
+                                        <p:tgtEl>
+                                          <p:spTgt spid="3">
+                                            <p:txEl>
+                                              <p:pRg st="0" end="0"/>
+                                            </p:txEl>
+                                          </p:spTgt>
+                                        </p:tgtEl>
+                                      </p:cBhvr>
+                                    </p:animEffect>
+                                  </p:childTnLst>
+                                </p:cTn>
+                              </p:par>
+                            </p:childTnLst>
+                          </p:cTn>
+                        </p:par>
+                      </p:childTnLst>
+                    </p:cTn>
+                  </p:par>
+                  <p:par>
+                    <p:cTn id="8" fill="hold">
+                      <p:stCondLst>
+                        <p:cond delay="indefinite"/>
+                      </p:stCondLst>
+                      <p:childTnLst>
+                        <p:par>
+                          <p:cTn id="9" fill="hold">
+                            <p:stCondLst>
+                              <p:cond delay="0"/>
+                            </p:stCondLst>
+                            <p:childTnLst>
+                              <p:par>
+                                <p:cTn id="10" presetID="10" presetClass="entr" presetSubtype="0" fill="hold" grpId="0" nodeType="clickEffect">
+                                  <p:stCondLst>
+                                    <p:cond delay="0"/>
+                                  </p:stCondLst>
+                                  <p:childTnLst>
+                                    <p:set>
+                                      <p:cBhvr>
+                                        <p:cTn id="11" dur="1" fill="hold">
+                                          <p:stCondLst>
+                                            <p:cond delay="0"/>
+                                          </p:stCondLst>
+                                        </p:cTn>
+                                        <p:tgtEl>
+                                          <p:spTgt spid="3">
+                                            <p:txEl>
+                                              <p:pRg st="1" end="1"/>
+                                            </p:txEl>
+                                          </p:spTgt>
+                                        </p:tgtEl>
+                                        <p:attrNameLst>
+                                          <p:attrName>style.visibility</p:attrName>
+                                        </p:attrNameLst>
+                                      </p:cBhvr>
+                                      <p:to>
+                                        <p:strVal val="visible"/>
+                                      </p:to>
+                                    </p:set>
+                                    <p:animEffect transition="in" filter="fade">
+                                      <p:cBhvr>
+                                        <p:cTn id="12" dur="500"/>
+                                        <p:tgtEl>
+                                          <p:spTgt spid="3">
+                                            <p:txEl>
+                                              <p:pRg st="1" end="1"/>
+                                            </p:txEl>
+                                          </p:spTgt>
+                                        </p:tgtEl>
+                                      </p:cBhvr>
+                                    </p:animEffect>
+                                  </p:childTnLst>
+                                </p:cTn>
+                              </p:par>
+                            </p:childTnLst>
+                          </p:cTn>
+                        </p:par>
+                      </p:childTnLst>
+                    </p:cTn>
+                  </p:par>
+                  <p:par>
+                    <p:cTn id="13" fill="hold">
+                      <p:stCondLst>
+                        <p:cond delay="indefinite"/>
+                      </p:stCondLst>
+                      <p:childTnLst>
+                        <p:par>
+                          <p:cTn id="14" fill="hold">
+                            <p:stCondLst>
+                              <p:cond delay="0"/>
+                            </p:stCondLst>
+                            <p:childTnLst>
+                              <p:par>
+                                <p:cTn id="15" presetID="10" presetClass="entr" presetSubtype="0" fill="hold" grpId="0" nodeType="clickEffect">
+                                  <p:stCondLst>
+                                    <p:cond delay="0"/>
+                                  </p:stCondLst>
+                                  <p:childTnLst>
+                                    <p:set>
+                                      <p:cBhvr>
+                                        <p:cTn id="16" dur="1" fill="hold">
+                                          <p:stCondLst>
+                                            <p:cond delay="0"/>
+                                          </p:stCondLst>
+                                        </p:cTn>
+                                        <p:tgtEl>
+                                          <p:spTgt spid="3">
+                                            <p:txEl>
+                                              <p:pRg st="2" end="2"/>
+                                            </p:txEl>
+                                          </p:spTgt>
+                                        </p:tgtEl>
+                                        <p:attrNameLst>
+                                          <p:attrName>style.visibility</p:attrName>
+                                        </p:attrNameLst>
+                                      </p:cBhvr>
+                                      <p:to>
+                                        <p:strVal val="visible"/>
+                                      </p:to>
+                                    </p:set>
+                                    <p:animEffect transition="in" filter="fade">
+                                      <p:cBhvr>
+                                        <p:cTn id="17" dur="500"/>
+                                        <p:tgtEl>
+                                          <p:spTgt spid="3">
+                                            <p:txEl>
+                                              <p:pRg st="2" end="2"/>
+                                            </p:txEl>
+                                          </p:spTgt>
+                                        </p:tgtEl>
+                                      </p:cBhvr>
+                                    </p:animEffect>
+                                  </p:childTnLst>
+                                </p:cTn>
+                              </p:par>
+                            </p:childTnLst>
+                          </p:cTn>
+                        </p:par>
+                      </p:childTnLst>
+                    </p:cTn>
+                  </p:par>
+                  <p:par>
+                    <p:cTn id="18" fill="hold">
+                      <p:stCondLst>
+                        <p:cond delay="indefinite"/>
+                      </p:stCondLst>
+                      <p:childTnLst>
+                        <p:par>
+                          <p:cTn id="19" fill="hold">
+                            <p:stCondLst>
+                              <p:cond delay="0"/>
+                            </p:stCondLst>
+                            <p:childTnLst>
+                              <p:par>
+                                <p:cTn id="20" presetID="10" presetClass="entr" presetSubtype="0" fill="hold" grpId="0" nodeType="clickEffect">
+                                  <p:stCondLst>
+                                    <p:cond delay="0"/>
+                                  </p:stCondLst>
+                                  <p:childTnLst>
+                                    <p:set>
+                                      <p:cBhvr>
+                                        <p:cTn id="21" dur="1" fill="hold">
+                                          <p:stCondLst>
+                                            <p:cond delay="0"/>
+                                          </p:stCondLst>
+                                        </p:cTn>
+                                        <p:tgtEl>
+                                          <p:spTgt spid="3">
+                                            <p:txEl>
+                                              <p:pRg st="3" end="3"/>
+                                            </p:txEl>
+                                          </p:spTgt>
+                                        </p:tgtEl>
+                                        <p:attrNameLst>
+                                          <p:attrName>style.visibility</p:attrName>
+                                        </p:attrNameLst>
+                                      </p:cBhvr>
+                                      <p:to>
+                                        <p:strVal val="visible"/>
+                                      </p:to>
+                                    </p:set>
+                                    <p:animEffect transition="in" filter="fade">
+                                      <p:cBhvr>
+                                        <p:cTn id="22" dur="500"/>
+                                        <p:tgtEl>
+                                          <p:spTgt spid="3">
+                                            <p:txEl>
+                                              <p:pRg st="3" end="3"/>
+                                            </p:txEl>
+                                          </p:spTgt>
+                                        </p:tgtEl>
+                                      </p:cBhvr>
+                                    </p:animEffect>
+                                  </p:childTnLst>
+                                </p:cTn>
+                              </p:par>
+                            </p:childTnLst>
+                          </p:cTn>
+                        </p:par>
+                      </p:childTnLst>
+                    </p:cTn>
+                  </p:par>
+                  <p:par>
+                    <p:cTn id="23" fill="hold">
+                      <p:stCondLst>
+                        <p:cond delay="indefinite"/>
+                      </p:stCondLst>
+                      <p:childTnLst>
+                        <p:par>
+                          <p:cTn id="24" fill="hold">
+                            <p:stCondLst>
+                              <p:cond delay="0"/>
+                            </p:stCondLst>
+                            <p:childTnLst>
+                              <p:par>
+                                <p:cTn id="25" presetID="10" presetClass="entr" presetSubtype="0" fill="hold" grpId="0" nodeType="clickEffect">
+                                  <p:stCondLst>
+                                    <p:cond delay="0"/>
+                                  </p:stCondLst>
+                                  <p:childTnLst>
+                                    <p:set>
+                                      <p:cBhvr>
+                                        <p:cTn id="26" dur="1" fill="hold">
+                                          <p:stCondLst>
+                                            <p:cond delay="0"/>
+                                          </p:stCondLst>
+                                        </p:cTn>
+                                        <p:tgtEl>
+                                          <p:spTgt spid="3">
+                                            <p:txEl>
+                                              <p:pRg st="4" end="4"/>
+                                            </p:txEl>
+                                          </p:spTgt>
+                                        </p:tgtEl>
+                                        <p:attrNameLst>
+                                          <p:attrName>style.visibility</p:attrName>
+                                        </p:attrNameLst>
+                                      </p:cBhvr>
+                                      <p:to>
+                                        <p:strVal val="visible"/>
+                                      </p:to>
+                                    </p:set>
+                                    <p:animEffect transition="in" filter="fade">
+                                      <p:cBhvr>
+                                        <p:cTn id="27" dur="500"/>
+                                        <p:tgtEl>
+                                          <p:spTgt spid="3">
+                                            <p:txEl>
+                                              <p:pRg st="4" end="4"/>
+                                            </p:txEl>
+                                          </p:spTgt>
+                                        </p:tgtEl>
+                                      </p:cBhvr>
+                                    </p:animEffect>
+                                  </p:childTnLst>
+                                </p:cTn>
+                              </p:par>
+                            </p:childTnLst>
+                          </p:cTn>
+                        </p:par>
+                      </p:childTnLst>
+                    </p:cTn>
+                  </p:par>
+                </p:childTnLst>
+              </p:cTn>
+              <p:prevCondLst>
+                <p:cond evt="onPrev" delay="0">
+                  <p:tgtEl>
+                    <p:sldTgt/>
+                  </p:tgtEl>
+                </p:cond>
+              </p:prevCondLst>
+              <p:nextCondLst>
+                <p:cond evt="onNext" delay="0">
+                  <p:tgtEl>
+                    <p:sldTgt/>
+                  </p:tgtEl>
+                </p:cond>
+              </p:nextCondLst>
+            </p:seq>
+          </p:childTnLst>
+        </p:cTn>
       </p:par>
     </p:tnLst>
+    <p:bldLst>
+      <p:bldP spid="3" grpId="0" build="p"/>
+    </p:bldLst>
   </p:timing>
 </p:sld>
 </file>
@@ -19088,9 +20046,365 @@
   <p:timing>
     <p:tnLst>
       <p:par>
-        <p:cTn id="1" dur="indefinite" restart="never" nodeType="tmRoot"/>
+        <p:cTn id="1" dur="indefinite" restart="never" nodeType="tmRoot">
+          <p:childTnLst>
+            <p:seq concurrent="1" nextAc="seek">
+              <p:cTn id="2" dur="indefinite" nodeType="mainSeq">
+                <p:childTnLst>
+                  <p:par>
+                    <p:cTn id="3" fill="hold">
+                      <p:stCondLst>
+                        <p:cond delay="indefinite"/>
+                      </p:stCondLst>
+                      <p:childTnLst>
+                        <p:par>
+                          <p:cTn id="4" fill="hold">
+                            <p:stCondLst>
+                              <p:cond delay="0"/>
+                            </p:stCondLst>
+                            <p:childTnLst>
+                              <p:par>
+                                <p:cTn id="5" presetID="10" presetClass="entr" presetSubtype="0" fill="hold" grpId="0" nodeType="clickEffect">
+                                  <p:stCondLst>
+                                    <p:cond delay="0"/>
+                                  </p:stCondLst>
+                                  <p:childTnLst>
+                                    <p:set>
+                                      <p:cBhvr>
+                                        <p:cTn id="6" dur="1" fill="hold">
+                                          <p:stCondLst>
+                                            <p:cond delay="0"/>
+                                          </p:stCondLst>
+                                        </p:cTn>
+                                        <p:tgtEl>
+                                          <p:spTgt spid="62467">
+                                            <p:txEl>
+                                              <p:pRg st="0" end="0"/>
+                                            </p:txEl>
+                                          </p:spTgt>
+                                        </p:tgtEl>
+                                        <p:attrNameLst>
+                                          <p:attrName>style.visibility</p:attrName>
+                                        </p:attrNameLst>
+                                      </p:cBhvr>
+                                      <p:to>
+                                        <p:strVal val="visible"/>
+                                      </p:to>
+                                    </p:set>
+                                    <p:animEffect transition="in" filter="fade">
+                                      <p:cBhvr>
+                                        <p:cTn id="7" dur="500"/>
+                                        <p:tgtEl>
+                                          <p:spTgt spid="62467">
+                                            <p:txEl>
+                                              <p:pRg st="0" end="0"/>
+                                            </p:txEl>
+                                          </p:spTgt>
+                                        </p:tgtEl>
+                                      </p:cBhvr>
+                                    </p:animEffect>
+                                  </p:childTnLst>
+                                </p:cTn>
+                              </p:par>
+                              <p:par>
+                                <p:cTn id="8" presetID="10" presetClass="entr" presetSubtype="0" fill="hold" grpId="0" nodeType="withEffect">
+                                  <p:stCondLst>
+                                    <p:cond delay="0"/>
+                                  </p:stCondLst>
+                                  <p:childTnLst>
+                                    <p:set>
+                                      <p:cBhvr>
+                                        <p:cTn id="9" dur="1" fill="hold">
+                                          <p:stCondLst>
+                                            <p:cond delay="0"/>
+                                          </p:stCondLst>
+                                        </p:cTn>
+                                        <p:tgtEl>
+                                          <p:spTgt spid="62467">
+                                            <p:txEl>
+                                              <p:pRg st="1" end="1"/>
+                                            </p:txEl>
+                                          </p:spTgt>
+                                        </p:tgtEl>
+                                        <p:attrNameLst>
+                                          <p:attrName>style.visibility</p:attrName>
+                                        </p:attrNameLst>
+                                      </p:cBhvr>
+                                      <p:to>
+                                        <p:strVal val="visible"/>
+                                      </p:to>
+                                    </p:set>
+                                    <p:animEffect transition="in" filter="fade">
+                                      <p:cBhvr>
+                                        <p:cTn id="10" dur="500"/>
+                                        <p:tgtEl>
+                                          <p:spTgt spid="62467">
+                                            <p:txEl>
+                                              <p:pRg st="1" end="1"/>
+                                            </p:txEl>
+                                          </p:spTgt>
+                                        </p:tgtEl>
+                                      </p:cBhvr>
+                                    </p:animEffect>
+                                  </p:childTnLst>
+                                </p:cTn>
+                              </p:par>
+                            </p:childTnLst>
+                          </p:cTn>
+                        </p:par>
+                      </p:childTnLst>
+                    </p:cTn>
+                  </p:par>
+                  <p:par>
+                    <p:cTn id="11" fill="hold">
+                      <p:stCondLst>
+                        <p:cond delay="indefinite"/>
+                      </p:stCondLst>
+                      <p:childTnLst>
+                        <p:par>
+                          <p:cTn id="12" fill="hold">
+                            <p:stCondLst>
+                              <p:cond delay="0"/>
+                            </p:stCondLst>
+                            <p:childTnLst>
+                              <p:par>
+                                <p:cTn id="13" presetID="10" presetClass="entr" presetSubtype="0" fill="hold" grpId="0" nodeType="clickEffect">
+                                  <p:stCondLst>
+                                    <p:cond delay="0"/>
+                                  </p:stCondLst>
+                                  <p:childTnLst>
+                                    <p:set>
+                                      <p:cBhvr>
+                                        <p:cTn id="14" dur="1" fill="hold">
+                                          <p:stCondLst>
+                                            <p:cond delay="0"/>
+                                          </p:stCondLst>
+                                        </p:cTn>
+                                        <p:tgtEl>
+                                          <p:spTgt spid="62467">
+                                            <p:txEl>
+                                              <p:pRg st="2" end="2"/>
+                                            </p:txEl>
+                                          </p:spTgt>
+                                        </p:tgtEl>
+                                        <p:attrNameLst>
+                                          <p:attrName>style.visibility</p:attrName>
+                                        </p:attrNameLst>
+                                      </p:cBhvr>
+                                      <p:to>
+                                        <p:strVal val="visible"/>
+                                      </p:to>
+                                    </p:set>
+                                    <p:animEffect transition="in" filter="fade">
+                                      <p:cBhvr>
+                                        <p:cTn id="15" dur="500"/>
+                                        <p:tgtEl>
+                                          <p:spTgt spid="62467">
+                                            <p:txEl>
+                                              <p:pRg st="2" end="2"/>
+                                            </p:txEl>
+                                          </p:spTgt>
+                                        </p:tgtEl>
+                                      </p:cBhvr>
+                                    </p:animEffect>
+                                  </p:childTnLst>
+                                </p:cTn>
+                              </p:par>
+                            </p:childTnLst>
+                          </p:cTn>
+                        </p:par>
+                      </p:childTnLst>
+                    </p:cTn>
+                  </p:par>
+                  <p:par>
+                    <p:cTn id="16" fill="hold">
+                      <p:stCondLst>
+                        <p:cond delay="indefinite"/>
+                      </p:stCondLst>
+                      <p:childTnLst>
+                        <p:par>
+                          <p:cTn id="17" fill="hold">
+                            <p:stCondLst>
+                              <p:cond delay="0"/>
+                            </p:stCondLst>
+                            <p:childTnLst>
+                              <p:par>
+                                <p:cTn id="18" presetID="10" presetClass="entr" presetSubtype="0" fill="hold" grpId="0" nodeType="clickEffect">
+                                  <p:stCondLst>
+                                    <p:cond delay="0"/>
+                                  </p:stCondLst>
+                                  <p:childTnLst>
+                                    <p:set>
+                                      <p:cBhvr>
+                                        <p:cTn id="19" dur="1" fill="hold">
+                                          <p:stCondLst>
+                                            <p:cond delay="0"/>
+                                          </p:stCondLst>
+                                        </p:cTn>
+                                        <p:tgtEl>
+                                          <p:spTgt spid="62467">
+                                            <p:txEl>
+                                              <p:pRg st="3" end="3"/>
+                                            </p:txEl>
+                                          </p:spTgt>
+                                        </p:tgtEl>
+                                        <p:attrNameLst>
+                                          <p:attrName>style.visibility</p:attrName>
+                                        </p:attrNameLst>
+                                      </p:cBhvr>
+                                      <p:to>
+                                        <p:strVal val="visible"/>
+                                      </p:to>
+                                    </p:set>
+                                    <p:animEffect transition="in" filter="fade">
+                                      <p:cBhvr>
+                                        <p:cTn id="20" dur="500"/>
+                                        <p:tgtEl>
+                                          <p:spTgt spid="62467">
+                                            <p:txEl>
+                                              <p:pRg st="3" end="3"/>
+                                            </p:txEl>
+                                          </p:spTgt>
+                                        </p:tgtEl>
+                                      </p:cBhvr>
+                                    </p:animEffect>
+                                  </p:childTnLst>
+                                </p:cTn>
+                              </p:par>
+                            </p:childTnLst>
+                          </p:cTn>
+                        </p:par>
+                      </p:childTnLst>
+                    </p:cTn>
+                  </p:par>
+                  <p:par>
+                    <p:cTn id="21" fill="hold">
+                      <p:stCondLst>
+                        <p:cond delay="indefinite"/>
+                      </p:stCondLst>
+                      <p:childTnLst>
+                        <p:par>
+                          <p:cTn id="22" fill="hold">
+                            <p:stCondLst>
+                              <p:cond delay="0"/>
+                            </p:stCondLst>
+                            <p:childTnLst>
+                              <p:par>
+                                <p:cTn id="23" presetID="10" presetClass="entr" presetSubtype="0" fill="hold" grpId="0" nodeType="clickEffect">
+                                  <p:stCondLst>
+                                    <p:cond delay="0"/>
+                                  </p:stCondLst>
+                                  <p:childTnLst>
+                                    <p:set>
+                                      <p:cBhvr>
+                                        <p:cTn id="24" dur="1" fill="hold">
+                                          <p:stCondLst>
+                                            <p:cond delay="0"/>
+                                          </p:stCondLst>
+                                        </p:cTn>
+                                        <p:tgtEl>
+                                          <p:spTgt spid="62467">
+                                            <p:txEl>
+                                              <p:pRg st="4" end="4"/>
+                                            </p:txEl>
+                                          </p:spTgt>
+                                        </p:tgtEl>
+                                        <p:attrNameLst>
+                                          <p:attrName>style.visibility</p:attrName>
+                                        </p:attrNameLst>
+                                      </p:cBhvr>
+                                      <p:to>
+                                        <p:strVal val="visible"/>
+                                      </p:to>
+                                    </p:set>
+                                    <p:animEffect transition="in" filter="fade">
+                                      <p:cBhvr>
+                                        <p:cTn id="25" dur="500"/>
+                                        <p:tgtEl>
+                                          <p:spTgt spid="62467">
+                                            <p:txEl>
+                                              <p:pRg st="4" end="4"/>
+                                            </p:txEl>
+                                          </p:spTgt>
+                                        </p:tgtEl>
+                                      </p:cBhvr>
+                                    </p:animEffect>
+                                  </p:childTnLst>
+                                </p:cTn>
+                              </p:par>
+                              <p:par>
+                                <p:cTn id="26" presetID="10" presetClass="entr" presetSubtype="0" fill="hold" grpId="0" nodeType="withEffect">
+                                  <p:stCondLst>
+                                    <p:cond delay="0"/>
+                                  </p:stCondLst>
+                                  <p:childTnLst>
+                                    <p:set>
+                                      <p:cBhvr>
+                                        <p:cTn id="27" dur="1" fill="hold">
+                                          <p:stCondLst>
+                                            <p:cond delay="0"/>
+                                          </p:stCondLst>
+                                        </p:cTn>
+                                        <p:tgtEl>
+                                          <p:spTgt spid="62467">
+                                            <p:txEl>
+                                              <p:pRg st="5" end="5"/>
+                                            </p:txEl>
+                                          </p:spTgt>
+                                        </p:tgtEl>
+                                        <p:attrNameLst>
+                                          <p:attrName>style.visibility</p:attrName>
+                                        </p:attrNameLst>
+                                      </p:cBhvr>
+                                      <p:to>
+                                        <p:strVal val="visible"/>
+                                      </p:to>
+                                    </p:set>
+                                    <p:animEffect transition="in" filter="fade">
+                                      <p:cBhvr>
+                                        <p:cTn id="28" dur="500"/>
+                                        <p:tgtEl>
+                                          <p:spTgt spid="62467">
+                                            <p:txEl>
+                                              <p:pRg st="5" end="5"/>
+                                            </p:txEl>
+                                          </p:spTgt>
+                                        </p:tgtEl>
+                                      </p:cBhvr>
+                                    </p:animEffect>
+                                  </p:childTnLst>
+                                </p:cTn>
+                              </p:par>
+                            </p:childTnLst>
+                          </p:cTn>
+                        </p:par>
+                      </p:childTnLst>
+                    </p:cTn>
+                  </p:par>
+                </p:childTnLst>
+              </p:cTn>
+              <p:prevCondLst>
+                <p:cond evt="onPrev" delay="0">
+                  <p:tgtEl>
+                    <p:sldTgt/>
+                  </p:tgtEl>
+                </p:cond>
+              </p:prevCondLst>
+              <p:nextCondLst>
+                <p:cond evt="onNext" delay="0">
+                  <p:tgtEl>
+                    <p:sldTgt/>
+                  </p:tgtEl>
+                </p:cond>
+              </p:nextCondLst>
+            </p:seq>
+          </p:childTnLst>
+        </p:cTn>
       </p:par>
     </p:tnLst>
+    <p:bldLst>
+      <p:bldP spid="62467" grpId="0" build="p"/>
+    </p:bldLst>
   </p:timing>
 </p:sld>
 </file>
@@ -19204,9 +20518,218 @@
   <p:timing>
     <p:tnLst>
       <p:par>
-        <p:cTn id="1" dur="indefinite" restart="never" nodeType="tmRoot"/>
+        <p:cTn id="1" dur="indefinite" restart="never" nodeType="tmRoot">
+          <p:childTnLst>
+            <p:seq concurrent="1" nextAc="seek">
+              <p:cTn id="2" dur="indefinite" nodeType="mainSeq">
+                <p:childTnLst>
+                  <p:par>
+                    <p:cTn id="3" fill="hold">
+                      <p:stCondLst>
+                        <p:cond delay="indefinite"/>
+                      </p:stCondLst>
+                      <p:childTnLst>
+                        <p:par>
+                          <p:cTn id="4" fill="hold">
+                            <p:stCondLst>
+                              <p:cond delay="0"/>
+                            </p:stCondLst>
+                            <p:childTnLst>
+                              <p:par>
+                                <p:cTn id="5" presetID="10" presetClass="entr" presetSubtype="0" fill="hold" grpId="0" nodeType="clickEffect">
+                                  <p:stCondLst>
+                                    <p:cond delay="0"/>
+                                  </p:stCondLst>
+                                  <p:childTnLst>
+                                    <p:set>
+                                      <p:cBhvr>
+                                        <p:cTn id="6" dur="1" fill="hold">
+                                          <p:stCondLst>
+                                            <p:cond delay="0"/>
+                                          </p:stCondLst>
+                                        </p:cTn>
+                                        <p:tgtEl>
+                                          <p:spTgt spid="63491">
+                                            <p:txEl>
+                                              <p:pRg st="0" end="0"/>
+                                            </p:txEl>
+                                          </p:spTgt>
+                                        </p:tgtEl>
+                                        <p:attrNameLst>
+                                          <p:attrName>style.visibility</p:attrName>
+                                        </p:attrNameLst>
+                                      </p:cBhvr>
+                                      <p:to>
+                                        <p:strVal val="visible"/>
+                                      </p:to>
+                                    </p:set>
+                                    <p:animEffect transition="in" filter="fade">
+                                      <p:cBhvr>
+                                        <p:cTn id="7" dur="500"/>
+                                        <p:tgtEl>
+                                          <p:spTgt spid="63491">
+                                            <p:txEl>
+                                              <p:pRg st="0" end="0"/>
+                                            </p:txEl>
+                                          </p:spTgt>
+                                        </p:tgtEl>
+                                      </p:cBhvr>
+                                    </p:animEffect>
+                                  </p:childTnLst>
+                                </p:cTn>
+                              </p:par>
+                            </p:childTnLst>
+                          </p:cTn>
+                        </p:par>
+                      </p:childTnLst>
+                    </p:cTn>
+                  </p:par>
+                  <p:par>
+                    <p:cTn id="8" fill="hold">
+                      <p:stCondLst>
+                        <p:cond delay="indefinite"/>
+                      </p:stCondLst>
+                      <p:childTnLst>
+                        <p:par>
+                          <p:cTn id="9" fill="hold">
+                            <p:stCondLst>
+                              <p:cond delay="0"/>
+                            </p:stCondLst>
+                            <p:childTnLst>
+                              <p:par>
+                                <p:cTn id="10" presetID="10" presetClass="entr" presetSubtype="0" fill="hold" grpId="0" nodeType="clickEffect">
+                                  <p:stCondLst>
+                                    <p:cond delay="0"/>
+                                  </p:stCondLst>
+                                  <p:childTnLst>
+                                    <p:set>
+                                      <p:cBhvr>
+                                        <p:cTn id="11" dur="1" fill="hold">
+                                          <p:stCondLst>
+                                            <p:cond delay="0"/>
+                                          </p:stCondLst>
+                                        </p:cTn>
+                                        <p:tgtEl>
+                                          <p:spTgt spid="63491">
+                                            <p:txEl>
+                                              <p:pRg st="1" end="1"/>
+                                            </p:txEl>
+                                          </p:spTgt>
+                                        </p:tgtEl>
+                                        <p:attrNameLst>
+                                          <p:attrName>style.visibility</p:attrName>
+                                        </p:attrNameLst>
+                                      </p:cBhvr>
+                                      <p:to>
+                                        <p:strVal val="visible"/>
+                                      </p:to>
+                                    </p:set>
+                                    <p:animEffect transition="in" filter="fade">
+                                      <p:cBhvr>
+                                        <p:cTn id="12" dur="500"/>
+                                        <p:tgtEl>
+                                          <p:spTgt spid="63491">
+                                            <p:txEl>
+                                              <p:pRg st="1" end="1"/>
+                                            </p:txEl>
+                                          </p:spTgt>
+                                        </p:tgtEl>
+                                      </p:cBhvr>
+                                    </p:animEffect>
+                                  </p:childTnLst>
+                                </p:cTn>
+                              </p:par>
+                            </p:childTnLst>
+                          </p:cTn>
+                        </p:par>
+                      </p:childTnLst>
+                    </p:cTn>
+                  </p:par>
+                  <p:par>
+                    <p:cTn id="13" fill="hold">
+                      <p:stCondLst>
+                        <p:cond delay="indefinite"/>
+                      </p:stCondLst>
+                      <p:childTnLst>
+                        <p:par>
+                          <p:cTn id="14" fill="hold">
+                            <p:stCondLst>
+                              <p:cond delay="0"/>
+                            </p:stCondLst>
+                            <p:childTnLst>
+                              <p:par>
+                                <p:cTn id="15" presetID="10" presetClass="entr" presetSubtype="0" fill="hold" grpId="0" nodeType="clickEffect">
+                                  <p:stCondLst>
+                                    <p:cond delay="0"/>
+                                  </p:stCondLst>
+                                  <p:childTnLst>
+                                    <p:set>
+                                      <p:cBhvr>
+                                        <p:cTn id="16" dur="1" fill="hold">
+                                          <p:stCondLst>
+                                            <p:cond delay="0"/>
+                                          </p:stCondLst>
+                                        </p:cTn>
+                                        <p:tgtEl>
+                                          <p:spTgt spid="63491">
+                                            <p:txEl>
+                                              <p:pRg st="2" end="2"/>
+                                            </p:txEl>
+                                          </p:spTgt>
+                                        </p:tgtEl>
+                                        <p:attrNameLst>
+                                          <p:attrName>style.visibility</p:attrName>
+                                        </p:attrNameLst>
+                                      </p:cBhvr>
+                                      <p:to>
+                                        <p:strVal val="visible"/>
+                                      </p:to>
+                                    </p:set>
+                                    <p:animEffect transition="in" filter="fade">
+                                      <p:cBhvr>
+                                        <p:cTn id="17" dur="500"/>
+                                        <p:tgtEl>
+                                          <p:spTgt spid="63491">
+                                            <p:txEl>
+                                              <p:pRg st="2" end="2"/>
+                                            </p:txEl>
+                                          </p:spTgt>
+                                        </p:tgtEl>
+                                      </p:cBhvr>
+                                    </p:animEffect>
+                                  </p:childTnLst>
+                                </p:cTn>
+                              </p:par>
+                            </p:childTnLst>
+                          </p:cTn>
+                        </p:par>
+                      </p:childTnLst>
+                    </p:cTn>
+                  </p:par>
+                </p:childTnLst>
+              </p:cTn>
+              <p:prevCondLst>
+                <p:cond evt="onPrev" delay="0">
+                  <p:tgtEl>
+                    <p:sldTgt/>
+                  </p:tgtEl>
+                </p:cond>
+              </p:prevCondLst>
+              <p:nextCondLst>
+                <p:cond evt="onNext" delay="0">
+                  <p:tgtEl>
+                    <p:sldTgt/>
+                  </p:tgtEl>
+                </p:cond>
+              </p:nextCondLst>
+            </p:seq>
+          </p:childTnLst>
+        </p:cTn>
       </p:par>
     </p:tnLst>
+    <p:bldLst>
+      <p:bldP spid="63491" grpId="0" build="p"/>
+    </p:bldLst>
   </p:timing>
 </p:sld>
 </file>
@@ -21626,9 +23149,645 @@
   <p:timing>
     <p:tnLst>
       <p:par>
-        <p:cTn id="1" dur="indefinite" restart="never" nodeType="tmRoot"/>
+        <p:cTn id="1" dur="indefinite" restart="never" nodeType="tmRoot">
+          <p:childTnLst>
+            <p:seq concurrent="1" nextAc="seek">
+              <p:cTn id="2" dur="indefinite" nodeType="mainSeq">
+                <p:childTnLst>
+                  <p:par>
+                    <p:cTn id="3" fill="hold">
+                      <p:stCondLst>
+                        <p:cond delay="indefinite"/>
+                      </p:stCondLst>
+                      <p:childTnLst>
+                        <p:par>
+                          <p:cTn id="4" fill="hold">
+                            <p:stCondLst>
+                              <p:cond delay="0"/>
+                            </p:stCondLst>
+                            <p:childTnLst>
+                              <p:par>
+                                <p:cTn id="5" presetID="10" presetClass="entr" presetSubtype="0" fill="hold" grpId="0" nodeType="clickEffect">
+                                  <p:stCondLst>
+                                    <p:cond delay="0"/>
+                                  </p:stCondLst>
+                                  <p:childTnLst>
+                                    <p:set>
+                                      <p:cBhvr>
+                                        <p:cTn id="6" dur="1" fill="hold">
+                                          <p:stCondLst>
+                                            <p:cond delay="0"/>
+                                          </p:stCondLst>
+                                        </p:cTn>
+                                        <p:tgtEl>
+                                          <p:spTgt spid="54275">
+                                            <p:txEl>
+                                              <p:pRg st="0" end="0"/>
+                                            </p:txEl>
+                                          </p:spTgt>
+                                        </p:tgtEl>
+                                        <p:attrNameLst>
+                                          <p:attrName>style.visibility</p:attrName>
+                                        </p:attrNameLst>
+                                      </p:cBhvr>
+                                      <p:to>
+                                        <p:strVal val="visible"/>
+                                      </p:to>
+                                    </p:set>
+                                    <p:animEffect transition="in" filter="fade">
+                                      <p:cBhvr>
+                                        <p:cTn id="7" dur="500"/>
+                                        <p:tgtEl>
+                                          <p:spTgt spid="54275">
+                                            <p:txEl>
+                                              <p:pRg st="0" end="0"/>
+                                            </p:txEl>
+                                          </p:spTgt>
+                                        </p:tgtEl>
+                                      </p:cBhvr>
+                                    </p:animEffect>
+                                  </p:childTnLst>
+                                </p:cTn>
+                              </p:par>
+                            </p:childTnLst>
+                          </p:cTn>
+                        </p:par>
+                      </p:childTnLst>
+                    </p:cTn>
+                  </p:par>
+                  <p:par>
+                    <p:cTn id="8" fill="hold">
+                      <p:stCondLst>
+                        <p:cond delay="indefinite"/>
+                      </p:stCondLst>
+                      <p:childTnLst>
+                        <p:par>
+                          <p:cTn id="9" fill="hold">
+                            <p:stCondLst>
+                              <p:cond delay="0"/>
+                            </p:stCondLst>
+                            <p:childTnLst>
+                              <p:par>
+                                <p:cTn id="10" presetID="10" presetClass="entr" presetSubtype="0" fill="hold" grpId="0" nodeType="clickEffect">
+                                  <p:stCondLst>
+                                    <p:cond delay="0"/>
+                                  </p:stCondLst>
+                                  <p:childTnLst>
+                                    <p:set>
+                                      <p:cBhvr>
+                                        <p:cTn id="11" dur="1" fill="hold">
+                                          <p:stCondLst>
+                                            <p:cond delay="0"/>
+                                          </p:stCondLst>
+                                        </p:cTn>
+                                        <p:tgtEl>
+                                          <p:spTgt spid="54275">
+                                            <p:txEl>
+                                              <p:pRg st="1" end="1"/>
+                                            </p:txEl>
+                                          </p:spTgt>
+                                        </p:tgtEl>
+                                        <p:attrNameLst>
+                                          <p:attrName>style.visibility</p:attrName>
+                                        </p:attrNameLst>
+                                      </p:cBhvr>
+                                      <p:to>
+                                        <p:strVal val="visible"/>
+                                      </p:to>
+                                    </p:set>
+                                    <p:animEffect transition="in" filter="fade">
+                                      <p:cBhvr>
+                                        <p:cTn id="12" dur="500"/>
+                                        <p:tgtEl>
+                                          <p:spTgt spid="54275">
+                                            <p:txEl>
+                                              <p:pRg st="1" end="1"/>
+                                            </p:txEl>
+                                          </p:spTgt>
+                                        </p:tgtEl>
+                                      </p:cBhvr>
+                                    </p:animEffect>
+                                  </p:childTnLst>
+                                </p:cTn>
+                              </p:par>
+                            </p:childTnLst>
+                          </p:cTn>
+                        </p:par>
+                      </p:childTnLst>
+                    </p:cTn>
+                  </p:par>
+                  <p:par>
+                    <p:cTn id="13" fill="hold">
+                      <p:stCondLst>
+                        <p:cond delay="indefinite"/>
+                      </p:stCondLst>
+                      <p:childTnLst>
+                        <p:par>
+                          <p:cTn id="14" fill="hold">
+                            <p:stCondLst>
+                              <p:cond delay="0"/>
+                            </p:stCondLst>
+                            <p:childTnLst>
+                              <p:par>
+                                <p:cTn id="15" presetID="10" presetClass="entr" presetSubtype="0" fill="hold" grpId="0" nodeType="clickEffect">
+                                  <p:stCondLst>
+                                    <p:cond delay="0"/>
+                                  </p:stCondLst>
+                                  <p:childTnLst>
+                                    <p:set>
+                                      <p:cBhvr>
+                                        <p:cTn id="16" dur="1" fill="hold">
+                                          <p:stCondLst>
+                                            <p:cond delay="0"/>
+                                          </p:stCondLst>
+                                        </p:cTn>
+                                        <p:tgtEl>
+                                          <p:spTgt spid="54275">
+                                            <p:txEl>
+                                              <p:pRg st="2" end="2"/>
+                                            </p:txEl>
+                                          </p:spTgt>
+                                        </p:tgtEl>
+                                        <p:attrNameLst>
+                                          <p:attrName>style.visibility</p:attrName>
+                                        </p:attrNameLst>
+                                      </p:cBhvr>
+                                      <p:to>
+                                        <p:strVal val="visible"/>
+                                      </p:to>
+                                    </p:set>
+                                    <p:animEffect transition="in" filter="fade">
+                                      <p:cBhvr>
+                                        <p:cTn id="17" dur="500"/>
+                                        <p:tgtEl>
+                                          <p:spTgt spid="54275">
+                                            <p:txEl>
+                                              <p:pRg st="2" end="2"/>
+                                            </p:txEl>
+                                          </p:spTgt>
+                                        </p:tgtEl>
+                                      </p:cBhvr>
+                                    </p:animEffect>
+                                  </p:childTnLst>
+                                </p:cTn>
+                              </p:par>
+                            </p:childTnLst>
+                          </p:cTn>
+                        </p:par>
+                      </p:childTnLst>
+                    </p:cTn>
+                  </p:par>
+                  <p:par>
+                    <p:cTn id="18" fill="hold">
+                      <p:stCondLst>
+                        <p:cond delay="indefinite"/>
+                      </p:stCondLst>
+                      <p:childTnLst>
+                        <p:par>
+                          <p:cTn id="19" fill="hold">
+                            <p:stCondLst>
+                              <p:cond delay="0"/>
+                            </p:stCondLst>
+                            <p:childTnLst>
+                              <p:par>
+                                <p:cTn id="20" presetID="10" presetClass="entr" presetSubtype="0" fill="hold" grpId="0" nodeType="clickEffect">
+                                  <p:stCondLst>
+                                    <p:cond delay="0"/>
+                                  </p:stCondLst>
+                                  <p:childTnLst>
+                                    <p:set>
+                                      <p:cBhvr>
+                                        <p:cTn id="21" dur="1" fill="hold">
+                                          <p:stCondLst>
+                                            <p:cond delay="0"/>
+                                          </p:stCondLst>
+                                        </p:cTn>
+                                        <p:tgtEl>
+                                          <p:spTgt spid="54275">
+                                            <p:txEl>
+                                              <p:pRg st="3" end="3"/>
+                                            </p:txEl>
+                                          </p:spTgt>
+                                        </p:tgtEl>
+                                        <p:attrNameLst>
+                                          <p:attrName>style.visibility</p:attrName>
+                                        </p:attrNameLst>
+                                      </p:cBhvr>
+                                      <p:to>
+                                        <p:strVal val="visible"/>
+                                      </p:to>
+                                    </p:set>
+                                    <p:animEffect transition="in" filter="fade">
+                                      <p:cBhvr>
+                                        <p:cTn id="22" dur="500"/>
+                                        <p:tgtEl>
+                                          <p:spTgt spid="54275">
+                                            <p:txEl>
+                                              <p:pRg st="3" end="3"/>
+                                            </p:txEl>
+                                          </p:spTgt>
+                                        </p:tgtEl>
+                                      </p:cBhvr>
+                                    </p:animEffect>
+                                  </p:childTnLst>
+                                </p:cTn>
+                              </p:par>
+                            </p:childTnLst>
+                          </p:cTn>
+                        </p:par>
+                      </p:childTnLst>
+                    </p:cTn>
+                  </p:par>
+                  <p:par>
+                    <p:cTn id="23" fill="hold">
+                      <p:stCondLst>
+                        <p:cond delay="indefinite"/>
+                      </p:stCondLst>
+                      <p:childTnLst>
+                        <p:par>
+                          <p:cTn id="24" fill="hold">
+                            <p:stCondLst>
+                              <p:cond delay="0"/>
+                            </p:stCondLst>
+                            <p:childTnLst>
+                              <p:par>
+                                <p:cTn id="25" presetID="10" presetClass="entr" presetSubtype="0" fill="hold" grpId="0" nodeType="clickEffect">
+                                  <p:stCondLst>
+                                    <p:cond delay="0"/>
+                                  </p:stCondLst>
+                                  <p:childTnLst>
+                                    <p:set>
+                                      <p:cBhvr>
+                                        <p:cTn id="26" dur="1" fill="hold">
+                                          <p:stCondLst>
+                                            <p:cond delay="0"/>
+                                          </p:stCondLst>
+                                        </p:cTn>
+                                        <p:tgtEl>
+                                          <p:spTgt spid="54275">
+                                            <p:txEl>
+                                              <p:pRg st="4" end="4"/>
+                                            </p:txEl>
+                                          </p:spTgt>
+                                        </p:tgtEl>
+                                        <p:attrNameLst>
+                                          <p:attrName>style.visibility</p:attrName>
+                                        </p:attrNameLst>
+                                      </p:cBhvr>
+                                      <p:to>
+                                        <p:strVal val="visible"/>
+                                      </p:to>
+                                    </p:set>
+                                    <p:animEffect transition="in" filter="fade">
+                                      <p:cBhvr>
+                                        <p:cTn id="27" dur="500"/>
+                                        <p:tgtEl>
+                                          <p:spTgt spid="54275">
+                                            <p:txEl>
+                                              <p:pRg st="4" end="4"/>
+                                            </p:txEl>
+                                          </p:spTgt>
+                                        </p:tgtEl>
+                                      </p:cBhvr>
+                                    </p:animEffect>
+                                  </p:childTnLst>
+                                </p:cTn>
+                              </p:par>
+                            </p:childTnLst>
+                          </p:cTn>
+                        </p:par>
+                      </p:childTnLst>
+                    </p:cTn>
+                  </p:par>
+                  <p:par>
+                    <p:cTn id="28" fill="hold">
+                      <p:stCondLst>
+                        <p:cond delay="indefinite"/>
+                      </p:stCondLst>
+                      <p:childTnLst>
+                        <p:par>
+                          <p:cTn id="29" fill="hold">
+                            <p:stCondLst>
+                              <p:cond delay="0"/>
+                            </p:stCondLst>
+                            <p:childTnLst>
+                              <p:par>
+                                <p:cTn id="30" presetID="10" presetClass="entr" presetSubtype="0" fill="hold" grpId="0" nodeType="clickEffect">
+                                  <p:stCondLst>
+                                    <p:cond delay="0"/>
+                                  </p:stCondLst>
+                                  <p:childTnLst>
+                                    <p:set>
+                                      <p:cBhvr>
+                                        <p:cTn id="31" dur="1" fill="hold">
+                                          <p:stCondLst>
+                                            <p:cond delay="0"/>
+                                          </p:stCondLst>
+                                        </p:cTn>
+                                        <p:tgtEl>
+                                          <p:spTgt spid="54275">
+                                            <p:txEl>
+                                              <p:pRg st="5" end="5"/>
+                                            </p:txEl>
+                                          </p:spTgt>
+                                        </p:tgtEl>
+                                        <p:attrNameLst>
+                                          <p:attrName>style.visibility</p:attrName>
+                                        </p:attrNameLst>
+                                      </p:cBhvr>
+                                      <p:to>
+                                        <p:strVal val="visible"/>
+                                      </p:to>
+                                    </p:set>
+                                    <p:animEffect transition="in" filter="fade">
+                                      <p:cBhvr>
+                                        <p:cTn id="32" dur="500"/>
+                                        <p:tgtEl>
+                                          <p:spTgt spid="54275">
+                                            <p:txEl>
+                                              <p:pRg st="5" end="5"/>
+                                            </p:txEl>
+                                          </p:spTgt>
+                                        </p:tgtEl>
+                                      </p:cBhvr>
+                                    </p:animEffect>
+                                  </p:childTnLst>
+                                </p:cTn>
+                              </p:par>
+                            </p:childTnLst>
+                          </p:cTn>
+                        </p:par>
+                      </p:childTnLst>
+                    </p:cTn>
+                  </p:par>
+                  <p:par>
+                    <p:cTn id="33" fill="hold">
+                      <p:stCondLst>
+                        <p:cond delay="indefinite"/>
+                      </p:stCondLst>
+                      <p:childTnLst>
+                        <p:par>
+                          <p:cTn id="34" fill="hold">
+                            <p:stCondLst>
+                              <p:cond delay="0"/>
+                            </p:stCondLst>
+                            <p:childTnLst>
+                              <p:par>
+                                <p:cTn id="35" presetID="10" presetClass="entr" presetSubtype="0" fill="hold" grpId="0" nodeType="clickEffect">
+                                  <p:stCondLst>
+                                    <p:cond delay="0"/>
+                                  </p:stCondLst>
+                                  <p:childTnLst>
+                                    <p:set>
+                                      <p:cBhvr>
+                                        <p:cTn id="36" dur="1" fill="hold">
+                                          <p:stCondLst>
+                                            <p:cond delay="0"/>
+                                          </p:stCondLst>
+                                        </p:cTn>
+                                        <p:tgtEl>
+                                          <p:spTgt spid="54275">
+                                            <p:txEl>
+                                              <p:pRg st="6" end="6"/>
+                                            </p:txEl>
+                                          </p:spTgt>
+                                        </p:tgtEl>
+                                        <p:attrNameLst>
+                                          <p:attrName>style.visibility</p:attrName>
+                                        </p:attrNameLst>
+                                      </p:cBhvr>
+                                      <p:to>
+                                        <p:strVal val="visible"/>
+                                      </p:to>
+                                    </p:set>
+                                    <p:animEffect transition="in" filter="fade">
+                                      <p:cBhvr>
+                                        <p:cTn id="37" dur="500"/>
+                                        <p:tgtEl>
+                                          <p:spTgt spid="54275">
+                                            <p:txEl>
+                                              <p:pRg st="6" end="6"/>
+                                            </p:txEl>
+                                          </p:spTgt>
+                                        </p:tgtEl>
+                                      </p:cBhvr>
+                                    </p:animEffect>
+                                  </p:childTnLst>
+                                </p:cTn>
+                              </p:par>
+                            </p:childTnLst>
+                          </p:cTn>
+                        </p:par>
+                      </p:childTnLst>
+                    </p:cTn>
+                  </p:par>
+                  <p:par>
+                    <p:cTn id="38" fill="hold">
+                      <p:stCondLst>
+                        <p:cond delay="indefinite"/>
+                      </p:stCondLst>
+                      <p:childTnLst>
+                        <p:par>
+                          <p:cTn id="39" fill="hold">
+                            <p:stCondLst>
+                              <p:cond delay="0"/>
+                            </p:stCondLst>
+                            <p:childTnLst>
+                              <p:par>
+                                <p:cTn id="40" presetID="10" presetClass="entr" presetSubtype="0" fill="hold" grpId="0" nodeType="clickEffect">
+                                  <p:stCondLst>
+                                    <p:cond delay="0"/>
+                                  </p:stCondLst>
+                                  <p:childTnLst>
+                                    <p:set>
+                                      <p:cBhvr>
+                                        <p:cTn id="41" dur="1" fill="hold">
+                                          <p:stCondLst>
+                                            <p:cond delay="0"/>
+                                          </p:stCondLst>
+                                        </p:cTn>
+                                        <p:tgtEl>
+                                          <p:spTgt spid="54275">
+                                            <p:txEl>
+                                              <p:pRg st="7" end="7"/>
+                                            </p:txEl>
+                                          </p:spTgt>
+                                        </p:tgtEl>
+                                        <p:attrNameLst>
+                                          <p:attrName>style.visibility</p:attrName>
+                                        </p:attrNameLst>
+                                      </p:cBhvr>
+                                      <p:to>
+                                        <p:strVal val="visible"/>
+                                      </p:to>
+                                    </p:set>
+                                    <p:animEffect transition="in" filter="fade">
+                                      <p:cBhvr>
+                                        <p:cTn id="42" dur="500"/>
+                                        <p:tgtEl>
+                                          <p:spTgt spid="54275">
+                                            <p:txEl>
+                                              <p:pRg st="7" end="7"/>
+                                            </p:txEl>
+                                          </p:spTgt>
+                                        </p:tgtEl>
+                                      </p:cBhvr>
+                                    </p:animEffect>
+                                  </p:childTnLst>
+                                </p:cTn>
+                              </p:par>
+                            </p:childTnLst>
+                          </p:cTn>
+                        </p:par>
+                      </p:childTnLst>
+                    </p:cTn>
+                  </p:par>
+                  <p:par>
+                    <p:cTn id="43" fill="hold">
+                      <p:stCondLst>
+                        <p:cond delay="indefinite"/>
+                      </p:stCondLst>
+                      <p:childTnLst>
+                        <p:par>
+                          <p:cTn id="44" fill="hold">
+                            <p:stCondLst>
+                              <p:cond delay="0"/>
+                            </p:stCondLst>
+                            <p:childTnLst>
+                              <p:par>
+                                <p:cTn id="45" presetID="10" presetClass="entr" presetSubtype="0" fill="hold" grpId="0" nodeType="clickEffect">
+                                  <p:stCondLst>
+                                    <p:cond delay="0"/>
+                                  </p:stCondLst>
+                                  <p:childTnLst>
+                                    <p:set>
+                                      <p:cBhvr>
+                                        <p:cTn id="46" dur="1" fill="hold">
+                                          <p:stCondLst>
+                                            <p:cond delay="0"/>
+                                          </p:stCondLst>
+                                        </p:cTn>
+                                        <p:tgtEl>
+                                          <p:spTgt spid="54275">
+                                            <p:txEl>
+                                              <p:pRg st="8" end="8"/>
+                                            </p:txEl>
+                                          </p:spTgt>
+                                        </p:tgtEl>
+                                        <p:attrNameLst>
+                                          <p:attrName>style.visibility</p:attrName>
+                                        </p:attrNameLst>
+                                      </p:cBhvr>
+                                      <p:to>
+                                        <p:strVal val="visible"/>
+                                      </p:to>
+                                    </p:set>
+                                    <p:animEffect transition="in" filter="fade">
+                                      <p:cBhvr>
+                                        <p:cTn id="47" dur="500"/>
+                                        <p:tgtEl>
+                                          <p:spTgt spid="54275">
+                                            <p:txEl>
+                                              <p:pRg st="8" end="8"/>
+                                            </p:txEl>
+                                          </p:spTgt>
+                                        </p:tgtEl>
+                                      </p:cBhvr>
+                                    </p:animEffect>
+                                  </p:childTnLst>
+                                </p:cTn>
+                              </p:par>
+                            </p:childTnLst>
+                          </p:cTn>
+                        </p:par>
+                      </p:childTnLst>
+                    </p:cTn>
+                  </p:par>
+                  <p:par>
+                    <p:cTn id="48" fill="hold">
+                      <p:stCondLst>
+                        <p:cond delay="indefinite"/>
+                      </p:stCondLst>
+                      <p:childTnLst>
+                        <p:par>
+                          <p:cTn id="49" fill="hold">
+                            <p:stCondLst>
+                              <p:cond delay="0"/>
+                            </p:stCondLst>
+                            <p:childTnLst>
+                              <p:par>
+                                <p:cTn id="50" presetID="10" presetClass="entr" presetSubtype="0" fill="hold" grpId="0" nodeType="clickEffect">
+                                  <p:stCondLst>
+                                    <p:cond delay="0"/>
+                                  </p:stCondLst>
+                                  <p:childTnLst>
+                                    <p:set>
+                                      <p:cBhvr>
+                                        <p:cTn id="51" dur="1" fill="hold">
+                                          <p:stCondLst>
+                                            <p:cond delay="0"/>
+                                          </p:stCondLst>
+                                        </p:cTn>
+                                        <p:tgtEl>
+                                          <p:spTgt spid="54275">
+                                            <p:txEl>
+                                              <p:pRg st="9" end="9"/>
+                                            </p:txEl>
+                                          </p:spTgt>
+                                        </p:tgtEl>
+                                        <p:attrNameLst>
+                                          <p:attrName>style.visibility</p:attrName>
+                                        </p:attrNameLst>
+                                      </p:cBhvr>
+                                      <p:to>
+                                        <p:strVal val="visible"/>
+                                      </p:to>
+                                    </p:set>
+                                    <p:animEffect transition="in" filter="fade">
+                                      <p:cBhvr>
+                                        <p:cTn id="52" dur="500"/>
+                                        <p:tgtEl>
+                                          <p:spTgt spid="54275">
+                                            <p:txEl>
+                                              <p:pRg st="9" end="9"/>
+                                            </p:txEl>
+                                          </p:spTgt>
+                                        </p:tgtEl>
+                                      </p:cBhvr>
+                                    </p:animEffect>
+                                  </p:childTnLst>
+                                </p:cTn>
+                              </p:par>
+                            </p:childTnLst>
+                          </p:cTn>
+                        </p:par>
+                      </p:childTnLst>
+                    </p:cTn>
+                  </p:par>
+                </p:childTnLst>
+              </p:cTn>
+              <p:prevCondLst>
+                <p:cond evt="onPrev" delay="0">
+                  <p:tgtEl>
+                    <p:sldTgt/>
+                  </p:tgtEl>
+                </p:cond>
+              </p:prevCondLst>
+              <p:nextCondLst>
+                <p:cond evt="onNext" delay="0">
+                  <p:tgtEl>
+                    <p:sldTgt/>
+                  </p:tgtEl>
+                </p:cond>
+              </p:nextCondLst>
+            </p:seq>
+          </p:childTnLst>
+        </p:cTn>
       </p:par>
     </p:tnLst>
+    <p:bldLst>
+      <p:bldP spid="54275" grpId="0" build="p" bldLvl="2"/>
+    </p:bldLst>
   </p:timing>
 </p:sld>
 </file>
@@ -21727,9 +23886,200 @@
   <p:timing>
     <p:tnLst>
       <p:par>
-        <p:cTn id="1" dur="indefinite" restart="never" nodeType="tmRoot"/>
+        <p:cTn id="1" dur="indefinite" restart="never" nodeType="tmRoot">
+          <p:childTnLst>
+            <p:seq concurrent="1" nextAc="seek">
+              <p:cTn id="2" dur="indefinite" nodeType="mainSeq">
+                <p:childTnLst>
+                  <p:par>
+                    <p:cTn id="3" fill="hold">
+                      <p:stCondLst>
+                        <p:cond delay="indefinite"/>
+                      </p:stCondLst>
+                      <p:childTnLst>
+                        <p:par>
+                          <p:cTn id="4" fill="hold">
+                            <p:stCondLst>
+                              <p:cond delay="0"/>
+                            </p:stCondLst>
+                            <p:childTnLst>
+                              <p:par>
+                                <p:cTn id="5" presetID="10" presetClass="entr" presetSubtype="0" fill="hold" grpId="0" nodeType="clickEffect">
+                                  <p:stCondLst>
+                                    <p:cond delay="0"/>
+                                  </p:stCondLst>
+                                  <p:childTnLst>
+                                    <p:set>
+                                      <p:cBhvr>
+                                        <p:cTn id="6" dur="1" fill="hold">
+                                          <p:stCondLst>
+                                            <p:cond delay="0"/>
+                                          </p:stCondLst>
+                                        </p:cTn>
+                                        <p:tgtEl>
+                                          <p:spTgt spid="3">
+                                            <p:txEl>
+                                              <p:pRg st="0" end="0"/>
+                                            </p:txEl>
+                                          </p:spTgt>
+                                        </p:tgtEl>
+                                        <p:attrNameLst>
+                                          <p:attrName>style.visibility</p:attrName>
+                                        </p:attrNameLst>
+                                      </p:cBhvr>
+                                      <p:to>
+                                        <p:strVal val="visible"/>
+                                      </p:to>
+                                    </p:set>
+                                    <p:animEffect transition="in" filter="fade">
+                                      <p:cBhvr>
+                                        <p:cTn id="7" dur="500"/>
+                                        <p:tgtEl>
+                                          <p:spTgt spid="3">
+                                            <p:txEl>
+                                              <p:pRg st="0" end="0"/>
+                                            </p:txEl>
+                                          </p:spTgt>
+                                        </p:tgtEl>
+                                      </p:cBhvr>
+                                    </p:animEffect>
+                                  </p:childTnLst>
+                                </p:cTn>
+                              </p:par>
+                              <p:par>
+                                <p:cTn id="8" presetID="10" presetClass="entr" presetSubtype="0" fill="hold" grpId="0" nodeType="withEffect">
+                                  <p:stCondLst>
+                                    <p:cond delay="0"/>
+                                  </p:stCondLst>
+                                  <p:childTnLst>
+                                    <p:set>
+                                      <p:cBhvr>
+                                        <p:cTn id="9" dur="1" fill="hold">
+                                          <p:stCondLst>
+                                            <p:cond delay="0"/>
+                                          </p:stCondLst>
+                                        </p:cTn>
+                                        <p:tgtEl>
+                                          <p:spTgt spid="3">
+                                            <p:txEl>
+                                              <p:pRg st="1" end="1"/>
+                                            </p:txEl>
+                                          </p:spTgt>
+                                        </p:tgtEl>
+                                        <p:attrNameLst>
+                                          <p:attrName>style.visibility</p:attrName>
+                                        </p:attrNameLst>
+                                      </p:cBhvr>
+                                      <p:to>
+                                        <p:strVal val="visible"/>
+                                      </p:to>
+                                    </p:set>
+                                    <p:animEffect transition="in" filter="fade">
+                                      <p:cBhvr>
+                                        <p:cTn id="10" dur="500"/>
+                                        <p:tgtEl>
+                                          <p:spTgt spid="3">
+                                            <p:txEl>
+                                              <p:pRg st="1" end="1"/>
+                                            </p:txEl>
+                                          </p:spTgt>
+                                        </p:tgtEl>
+                                      </p:cBhvr>
+                                    </p:animEffect>
+                                  </p:childTnLst>
+                                </p:cTn>
+                              </p:par>
+                            </p:childTnLst>
+                          </p:cTn>
+                        </p:par>
+                      </p:childTnLst>
+                    </p:cTn>
+                  </p:par>
+                  <p:par>
+                    <p:cTn id="11" fill="hold">
+                      <p:stCondLst>
+                        <p:cond delay="indefinite"/>
+                      </p:stCondLst>
+                      <p:childTnLst>
+                        <p:par>
+                          <p:cTn id="12" fill="hold">
+                            <p:stCondLst>
+                              <p:cond delay="0"/>
+                            </p:stCondLst>
+                            <p:childTnLst>
+                              <p:par>
+                                <p:cTn id="13" presetID="10" presetClass="entr" presetSubtype="0" fill="hold" grpId="0" nodeType="clickEffect">
+                                  <p:stCondLst>
+                                    <p:cond delay="0"/>
+                                  </p:stCondLst>
+                                  <p:childTnLst>
+                                    <p:set>
+                                      <p:cBhvr>
+                                        <p:cTn id="14" dur="1" fill="hold">
+                                          <p:stCondLst>
+                                            <p:cond delay="0"/>
+                                          </p:stCondLst>
+                                        </p:cTn>
+                                        <p:tgtEl>
+                                          <p:spTgt spid="3">
+                                            <p:txEl>
+                                              <p:pRg st="2" end="2"/>
+                                            </p:txEl>
+                                          </p:spTgt>
+                                        </p:tgtEl>
+                                        <p:attrNameLst>
+                                          <p:attrName>style.visibility</p:attrName>
+                                        </p:attrNameLst>
+                                      </p:cBhvr>
+                                      <p:to>
+                                        <p:strVal val="visible"/>
+                                      </p:to>
+                                    </p:set>
+                                    <p:animEffect transition="in" filter="fade">
+                                      <p:cBhvr>
+                                        <p:cTn id="15" dur="500"/>
+                                        <p:tgtEl>
+                                          <p:spTgt spid="3">
+                                            <p:txEl>
+                                              <p:pRg st="2" end="2"/>
+                                            </p:txEl>
+                                          </p:spTgt>
+                                        </p:tgtEl>
+                                      </p:cBhvr>
+                                    </p:animEffect>
+                                  </p:childTnLst>
+                                </p:cTn>
+                              </p:par>
+                            </p:childTnLst>
+                          </p:cTn>
+                        </p:par>
+                      </p:childTnLst>
+                    </p:cTn>
+                  </p:par>
+                </p:childTnLst>
+              </p:cTn>
+              <p:prevCondLst>
+                <p:cond evt="onPrev" delay="0">
+                  <p:tgtEl>
+                    <p:sldTgt/>
+                  </p:tgtEl>
+                </p:cond>
+              </p:prevCondLst>
+              <p:nextCondLst>
+                <p:cond evt="onNext" delay="0">
+                  <p:tgtEl>
+                    <p:sldTgt/>
+                  </p:tgtEl>
+                </p:cond>
+              </p:nextCondLst>
+            </p:seq>
+          </p:childTnLst>
+        </p:cTn>
       </p:par>
     </p:tnLst>
+    <p:bldLst>
+      <p:bldP spid="3" grpId="0" build="p"/>
+    </p:bldLst>
   </p:timing>
 </p:sld>
 </file>
@@ -22037,9 +24387,347 @@
   <p:timing>
     <p:tnLst>
       <p:par>
-        <p:cTn id="1" dur="indefinite" restart="never" nodeType="tmRoot"/>
+        <p:cTn id="1" dur="indefinite" restart="never" nodeType="tmRoot">
+          <p:childTnLst>
+            <p:seq concurrent="1" nextAc="seek">
+              <p:cTn id="2" dur="indefinite" nodeType="mainSeq">
+                <p:childTnLst>
+                  <p:par>
+                    <p:cTn id="3" fill="hold">
+                      <p:stCondLst>
+                        <p:cond delay="indefinite"/>
+                      </p:stCondLst>
+                      <p:childTnLst>
+                        <p:par>
+                          <p:cTn id="4" fill="hold">
+                            <p:stCondLst>
+                              <p:cond delay="0"/>
+                            </p:stCondLst>
+                            <p:childTnLst>
+                              <p:par>
+                                <p:cTn id="5" presetID="10" presetClass="entr" presetSubtype="0" fill="hold" grpId="0" nodeType="clickEffect">
+                                  <p:stCondLst>
+                                    <p:cond delay="0"/>
+                                  </p:stCondLst>
+                                  <p:childTnLst>
+                                    <p:set>
+                                      <p:cBhvr>
+                                        <p:cTn id="6" dur="1" fill="hold">
+                                          <p:stCondLst>
+                                            <p:cond delay="0"/>
+                                          </p:stCondLst>
+                                        </p:cTn>
+                                        <p:tgtEl>
+                                          <p:spTgt spid="3">
+                                            <p:txEl>
+                                              <p:pRg st="0" end="0"/>
+                                            </p:txEl>
+                                          </p:spTgt>
+                                        </p:tgtEl>
+                                        <p:attrNameLst>
+                                          <p:attrName>style.visibility</p:attrName>
+                                        </p:attrNameLst>
+                                      </p:cBhvr>
+                                      <p:to>
+                                        <p:strVal val="visible"/>
+                                      </p:to>
+                                    </p:set>
+                                    <p:animEffect transition="in" filter="fade">
+                                      <p:cBhvr>
+                                        <p:cTn id="7" dur="500"/>
+                                        <p:tgtEl>
+                                          <p:spTgt spid="3">
+                                            <p:txEl>
+                                              <p:pRg st="0" end="0"/>
+                                            </p:txEl>
+                                          </p:spTgt>
+                                        </p:tgtEl>
+                                      </p:cBhvr>
+                                    </p:animEffect>
+                                  </p:childTnLst>
+                                </p:cTn>
+                              </p:par>
+                            </p:childTnLst>
+                          </p:cTn>
+                        </p:par>
+                      </p:childTnLst>
+                    </p:cTn>
+                  </p:par>
+                  <p:par>
+                    <p:cTn id="8" fill="hold">
+                      <p:stCondLst>
+                        <p:cond delay="indefinite"/>
+                      </p:stCondLst>
+                      <p:childTnLst>
+                        <p:par>
+                          <p:cTn id="9" fill="hold">
+                            <p:stCondLst>
+                              <p:cond delay="0"/>
+                            </p:stCondLst>
+                            <p:childTnLst>
+                              <p:par>
+                                <p:cTn id="10" presetID="10" presetClass="entr" presetSubtype="0" fill="hold" grpId="0" nodeType="clickEffect">
+                                  <p:stCondLst>
+                                    <p:cond delay="0"/>
+                                  </p:stCondLst>
+                                  <p:childTnLst>
+                                    <p:set>
+                                      <p:cBhvr>
+                                        <p:cTn id="11" dur="1" fill="hold">
+                                          <p:stCondLst>
+                                            <p:cond delay="0"/>
+                                          </p:stCondLst>
+                                        </p:cTn>
+                                        <p:tgtEl>
+                                          <p:spTgt spid="3">
+                                            <p:txEl>
+                                              <p:pRg st="1" end="1"/>
+                                            </p:txEl>
+                                          </p:spTgt>
+                                        </p:tgtEl>
+                                        <p:attrNameLst>
+                                          <p:attrName>style.visibility</p:attrName>
+                                        </p:attrNameLst>
+                                      </p:cBhvr>
+                                      <p:to>
+                                        <p:strVal val="visible"/>
+                                      </p:to>
+                                    </p:set>
+                                    <p:animEffect transition="in" filter="fade">
+                                      <p:cBhvr>
+                                        <p:cTn id="12" dur="500"/>
+                                        <p:tgtEl>
+                                          <p:spTgt spid="3">
+                                            <p:txEl>
+                                              <p:pRg st="1" end="1"/>
+                                            </p:txEl>
+                                          </p:spTgt>
+                                        </p:tgtEl>
+                                      </p:cBhvr>
+                                    </p:animEffect>
+                                  </p:childTnLst>
+                                </p:cTn>
+                              </p:par>
+                              <p:par>
+                                <p:cTn id="13" presetID="10" presetClass="entr" presetSubtype="0" fill="hold" grpId="0" nodeType="withEffect">
+                                  <p:stCondLst>
+                                    <p:cond delay="0"/>
+                                  </p:stCondLst>
+                                  <p:childTnLst>
+                                    <p:set>
+                                      <p:cBhvr>
+                                        <p:cTn id="14" dur="1" fill="hold">
+                                          <p:stCondLst>
+                                            <p:cond delay="0"/>
+                                          </p:stCondLst>
+                                        </p:cTn>
+                                        <p:tgtEl>
+                                          <p:spTgt spid="3">
+                                            <p:txEl>
+                                              <p:pRg st="2" end="2"/>
+                                            </p:txEl>
+                                          </p:spTgt>
+                                        </p:tgtEl>
+                                        <p:attrNameLst>
+                                          <p:attrName>style.visibility</p:attrName>
+                                        </p:attrNameLst>
+                                      </p:cBhvr>
+                                      <p:to>
+                                        <p:strVal val="visible"/>
+                                      </p:to>
+                                    </p:set>
+                                    <p:animEffect transition="in" filter="fade">
+                                      <p:cBhvr>
+                                        <p:cTn id="15" dur="500"/>
+                                        <p:tgtEl>
+                                          <p:spTgt spid="3">
+                                            <p:txEl>
+                                              <p:pRg st="2" end="2"/>
+                                            </p:txEl>
+                                          </p:spTgt>
+                                        </p:tgtEl>
+                                      </p:cBhvr>
+                                    </p:animEffect>
+                                  </p:childTnLst>
+                                </p:cTn>
+                              </p:par>
+                              <p:par>
+                                <p:cTn id="16" presetID="10" presetClass="entr" presetSubtype="0" fill="hold" grpId="0" nodeType="withEffect">
+                                  <p:stCondLst>
+                                    <p:cond delay="0"/>
+                                  </p:stCondLst>
+                                  <p:childTnLst>
+                                    <p:set>
+                                      <p:cBhvr>
+                                        <p:cTn id="17" dur="1" fill="hold">
+                                          <p:stCondLst>
+                                            <p:cond delay="0"/>
+                                          </p:stCondLst>
+                                        </p:cTn>
+                                        <p:tgtEl>
+                                          <p:spTgt spid="3">
+                                            <p:txEl>
+                                              <p:pRg st="3" end="3"/>
+                                            </p:txEl>
+                                          </p:spTgt>
+                                        </p:tgtEl>
+                                        <p:attrNameLst>
+                                          <p:attrName>style.visibility</p:attrName>
+                                        </p:attrNameLst>
+                                      </p:cBhvr>
+                                      <p:to>
+                                        <p:strVal val="visible"/>
+                                      </p:to>
+                                    </p:set>
+                                    <p:animEffect transition="in" filter="fade">
+                                      <p:cBhvr>
+                                        <p:cTn id="18" dur="500"/>
+                                        <p:tgtEl>
+                                          <p:spTgt spid="3">
+                                            <p:txEl>
+                                              <p:pRg st="3" end="3"/>
+                                            </p:txEl>
+                                          </p:spTgt>
+                                        </p:tgtEl>
+                                      </p:cBhvr>
+                                    </p:animEffect>
+                                  </p:childTnLst>
+                                </p:cTn>
+                              </p:par>
+                              <p:par>
+                                <p:cTn id="19" presetID="10" presetClass="entr" presetSubtype="0" fill="hold" grpId="0" nodeType="withEffect">
+                                  <p:stCondLst>
+                                    <p:cond delay="0"/>
+                                  </p:stCondLst>
+                                  <p:childTnLst>
+                                    <p:set>
+                                      <p:cBhvr>
+                                        <p:cTn id="20" dur="1" fill="hold">
+                                          <p:stCondLst>
+                                            <p:cond delay="0"/>
+                                          </p:stCondLst>
+                                        </p:cTn>
+                                        <p:tgtEl>
+                                          <p:spTgt spid="3">
+                                            <p:txEl>
+                                              <p:pRg st="4" end="4"/>
+                                            </p:txEl>
+                                          </p:spTgt>
+                                        </p:tgtEl>
+                                        <p:attrNameLst>
+                                          <p:attrName>style.visibility</p:attrName>
+                                        </p:attrNameLst>
+                                      </p:cBhvr>
+                                      <p:to>
+                                        <p:strVal val="visible"/>
+                                      </p:to>
+                                    </p:set>
+                                    <p:animEffect transition="in" filter="fade">
+                                      <p:cBhvr>
+                                        <p:cTn id="21" dur="500"/>
+                                        <p:tgtEl>
+                                          <p:spTgt spid="3">
+                                            <p:txEl>
+                                              <p:pRg st="4" end="4"/>
+                                            </p:txEl>
+                                          </p:spTgt>
+                                        </p:tgtEl>
+                                      </p:cBhvr>
+                                    </p:animEffect>
+                                  </p:childTnLst>
+                                </p:cTn>
+                              </p:par>
+                            </p:childTnLst>
+                          </p:cTn>
+                        </p:par>
+                      </p:childTnLst>
+                    </p:cTn>
+                  </p:par>
+                  <p:par>
+                    <p:cTn id="22" fill="hold">
+                      <p:stCondLst>
+                        <p:cond delay="indefinite"/>
+                      </p:stCondLst>
+                      <p:childTnLst>
+                        <p:par>
+                          <p:cTn id="23" fill="hold">
+                            <p:stCondLst>
+                              <p:cond delay="0"/>
+                            </p:stCondLst>
+                            <p:childTnLst>
+                              <p:par>
+                                <p:cTn id="24" presetID="10" presetClass="entr" presetSubtype="0" fill="hold" grpId="0" nodeType="clickEffect">
+                                  <p:stCondLst>
+                                    <p:cond delay="0"/>
+                                  </p:stCondLst>
+                                  <p:childTnLst>
+                                    <p:set>
+                                      <p:cBhvr>
+                                        <p:cTn id="25" dur="1" fill="hold">
+                                          <p:stCondLst>
+                                            <p:cond delay="0"/>
+                                          </p:stCondLst>
+                                        </p:cTn>
+                                        <p:tgtEl>
+                                          <p:spTgt spid="3">
+                                            <p:txEl>
+                                              <p:pRg st="5" end="5"/>
+                                            </p:txEl>
+                                          </p:spTgt>
+                                        </p:tgtEl>
+                                        <p:attrNameLst>
+                                          <p:attrName>style.visibility</p:attrName>
+                                        </p:attrNameLst>
+                                      </p:cBhvr>
+                                      <p:to>
+                                        <p:strVal val="visible"/>
+                                      </p:to>
+                                    </p:set>
+                                    <p:animEffect transition="in" filter="fade">
+                                      <p:cBhvr>
+                                        <p:cTn id="26" dur="500"/>
+                                        <p:tgtEl>
+                                          <p:spTgt spid="3">
+                                            <p:txEl>
+                                              <p:pRg st="5" end="5"/>
+                                            </p:txEl>
+                                          </p:spTgt>
+                                        </p:tgtEl>
+                                      </p:cBhvr>
+                                    </p:animEffect>
+                                  </p:childTnLst>
+                                </p:cTn>
+                              </p:par>
+                            </p:childTnLst>
+                          </p:cTn>
+                        </p:par>
+                      </p:childTnLst>
+                    </p:cTn>
+                  </p:par>
+                </p:childTnLst>
+              </p:cTn>
+              <p:prevCondLst>
+                <p:cond evt="onPrev" delay="0">
+                  <p:tgtEl>
+                    <p:sldTgt/>
+                  </p:tgtEl>
+                </p:cond>
+              </p:prevCondLst>
+              <p:nextCondLst>
+                <p:cond evt="onNext" delay="0">
+                  <p:tgtEl>
+                    <p:sldTgt/>
+                  </p:tgtEl>
+                </p:cond>
+              </p:nextCondLst>
+            </p:seq>
+          </p:childTnLst>
+        </p:cTn>
       </p:par>
     </p:tnLst>
+    <p:bldLst>
+      <p:bldP spid="3" grpId="0" build="p"/>
+    </p:bldLst>
   </p:timing>
 </p:sld>
 </file>
@@ -22181,9 +24869,415 @@
   <p:timing>
     <p:tnLst>
       <p:par>
-        <p:cTn id="1" dur="indefinite" restart="never" nodeType="tmRoot"/>
+        <p:cTn id="1" dur="indefinite" restart="never" nodeType="tmRoot">
+          <p:childTnLst>
+            <p:seq concurrent="1" nextAc="seek">
+              <p:cTn id="2" dur="indefinite" nodeType="mainSeq">
+                <p:childTnLst>
+                  <p:par>
+                    <p:cTn id="3" fill="hold">
+                      <p:stCondLst>
+                        <p:cond delay="indefinite"/>
+                      </p:stCondLst>
+                      <p:childTnLst>
+                        <p:par>
+                          <p:cTn id="4" fill="hold">
+                            <p:stCondLst>
+                              <p:cond delay="0"/>
+                            </p:stCondLst>
+                            <p:childTnLst>
+                              <p:par>
+                                <p:cTn id="5" presetID="10" presetClass="entr" presetSubtype="0" fill="hold" grpId="0" nodeType="clickEffect">
+                                  <p:stCondLst>
+                                    <p:cond delay="0"/>
+                                  </p:stCondLst>
+                                  <p:childTnLst>
+                                    <p:set>
+                                      <p:cBhvr>
+                                        <p:cTn id="6" dur="1" fill="hold">
+                                          <p:stCondLst>
+                                            <p:cond delay="0"/>
+                                          </p:stCondLst>
+                                        </p:cTn>
+                                        <p:tgtEl>
+                                          <p:spTgt spid="3">
+                                            <p:txEl>
+                                              <p:pRg st="0" end="0"/>
+                                            </p:txEl>
+                                          </p:spTgt>
+                                        </p:tgtEl>
+                                        <p:attrNameLst>
+                                          <p:attrName>style.visibility</p:attrName>
+                                        </p:attrNameLst>
+                                      </p:cBhvr>
+                                      <p:to>
+                                        <p:strVal val="visible"/>
+                                      </p:to>
+                                    </p:set>
+                                    <p:animEffect transition="in" filter="fade">
+                                      <p:cBhvr>
+                                        <p:cTn id="7" dur="500"/>
+                                        <p:tgtEl>
+                                          <p:spTgt spid="3">
+                                            <p:txEl>
+                                              <p:pRg st="0" end="0"/>
+                                            </p:txEl>
+                                          </p:spTgt>
+                                        </p:tgtEl>
+                                      </p:cBhvr>
+                                    </p:animEffect>
+                                  </p:childTnLst>
+                                </p:cTn>
+                              </p:par>
+                              <p:par>
+                                <p:cTn id="8" presetID="10" presetClass="entr" presetSubtype="0" fill="hold" grpId="0" nodeType="withEffect">
+                                  <p:stCondLst>
+                                    <p:cond delay="0"/>
+                                  </p:stCondLst>
+                                  <p:childTnLst>
+                                    <p:set>
+                                      <p:cBhvr>
+                                        <p:cTn id="9" dur="1" fill="hold">
+                                          <p:stCondLst>
+                                            <p:cond delay="0"/>
+                                          </p:stCondLst>
+                                        </p:cTn>
+                                        <p:tgtEl>
+                                          <p:spTgt spid="3">
+                                            <p:txEl>
+                                              <p:pRg st="1" end="1"/>
+                                            </p:txEl>
+                                          </p:spTgt>
+                                        </p:tgtEl>
+                                        <p:attrNameLst>
+                                          <p:attrName>style.visibility</p:attrName>
+                                        </p:attrNameLst>
+                                      </p:cBhvr>
+                                      <p:to>
+                                        <p:strVal val="visible"/>
+                                      </p:to>
+                                    </p:set>
+                                    <p:animEffect transition="in" filter="fade">
+                                      <p:cBhvr>
+                                        <p:cTn id="10" dur="500"/>
+                                        <p:tgtEl>
+                                          <p:spTgt spid="3">
+                                            <p:txEl>
+                                              <p:pRg st="1" end="1"/>
+                                            </p:txEl>
+                                          </p:spTgt>
+                                        </p:tgtEl>
+                                      </p:cBhvr>
+                                    </p:animEffect>
+                                  </p:childTnLst>
+                                </p:cTn>
+                              </p:par>
+                              <p:par>
+                                <p:cTn id="11" presetID="10" presetClass="entr" presetSubtype="0" fill="hold" grpId="0" nodeType="withEffect">
+                                  <p:stCondLst>
+                                    <p:cond delay="0"/>
+                                  </p:stCondLst>
+                                  <p:childTnLst>
+                                    <p:set>
+                                      <p:cBhvr>
+                                        <p:cTn id="12" dur="1" fill="hold">
+                                          <p:stCondLst>
+                                            <p:cond delay="0"/>
+                                          </p:stCondLst>
+                                        </p:cTn>
+                                        <p:tgtEl>
+                                          <p:spTgt spid="3">
+                                            <p:txEl>
+                                              <p:pRg st="2" end="2"/>
+                                            </p:txEl>
+                                          </p:spTgt>
+                                        </p:tgtEl>
+                                        <p:attrNameLst>
+                                          <p:attrName>style.visibility</p:attrName>
+                                        </p:attrNameLst>
+                                      </p:cBhvr>
+                                      <p:to>
+                                        <p:strVal val="visible"/>
+                                      </p:to>
+                                    </p:set>
+                                    <p:animEffect transition="in" filter="fade">
+                                      <p:cBhvr>
+                                        <p:cTn id="13" dur="500"/>
+                                        <p:tgtEl>
+                                          <p:spTgt spid="3">
+                                            <p:txEl>
+                                              <p:pRg st="2" end="2"/>
+                                            </p:txEl>
+                                          </p:spTgt>
+                                        </p:tgtEl>
+                                      </p:cBhvr>
+                                    </p:animEffect>
+                                  </p:childTnLst>
+                                </p:cTn>
+                              </p:par>
+                            </p:childTnLst>
+                          </p:cTn>
+                        </p:par>
+                      </p:childTnLst>
+                    </p:cTn>
+                  </p:par>
+                  <p:par>
+                    <p:cTn id="14" fill="hold">
+                      <p:stCondLst>
+                        <p:cond delay="indefinite"/>
+                      </p:stCondLst>
+                      <p:childTnLst>
+                        <p:par>
+                          <p:cTn id="15" fill="hold">
+                            <p:stCondLst>
+                              <p:cond delay="0"/>
+                            </p:stCondLst>
+                            <p:childTnLst>
+                              <p:par>
+                                <p:cTn id="16" presetID="10" presetClass="entr" presetSubtype="0" fill="hold" grpId="0" nodeType="clickEffect">
+                                  <p:stCondLst>
+                                    <p:cond delay="0"/>
+                                  </p:stCondLst>
+                                  <p:childTnLst>
+                                    <p:set>
+                                      <p:cBhvr>
+                                        <p:cTn id="17" dur="1" fill="hold">
+                                          <p:stCondLst>
+                                            <p:cond delay="0"/>
+                                          </p:stCondLst>
+                                        </p:cTn>
+                                        <p:tgtEl>
+                                          <p:spTgt spid="3">
+                                            <p:txEl>
+                                              <p:pRg st="3" end="3"/>
+                                            </p:txEl>
+                                          </p:spTgt>
+                                        </p:tgtEl>
+                                        <p:attrNameLst>
+                                          <p:attrName>style.visibility</p:attrName>
+                                        </p:attrNameLst>
+                                      </p:cBhvr>
+                                      <p:to>
+                                        <p:strVal val="visible"/>
+                                      </p:to>
+                                    </p:set>
+                                    <p:animEffect transition="in" filter="fade">
+                                      <p:cBhvr>
+                                        <p:cTn id="18" dur="500"/>
+                                        <p:tgtEl>
+                                          <p:spTgt spid="3">
+                                            <p:txEl>
+                                              <p:pRg st="3" end="3"/>
+                                            </p:txEl>
+                                          </p:spTgt>
+                                        </p:tgtEl>
+                                      </p:cBhvr>
+                                    </p:animEffect>
+                                  </p:childTnLst>
+                                </p:cTn>
+                              </p:par>
+                              <p:par>
+                                <p:cTn id="19" presetID="10" presetClass="entr" presetSubtype="0" fill="hold" grpId="0" nodeType="withEffect">
+                                  <p:stCondLst>
+                                    <p:cond delay="0"/>
+                                  </p:stCondLst>
+                                  <p:childTnLst>
+                                    <p:set>
+                                      <p:cBhvr>
+                                        <p:cTn id="20" dur="1" fill="hold">
+                                          <p:stCondLst>
+                                            <p:cond delay="0"/>
+                                          </p:stCondLst>
+                                        </p:cTn>
+                                        <p:tgtEl>
+                                          <p:spTgt spid="3">
+                                            <p:txEl>
+                                              <p:pRg st="4" end="4"/>
+                                            </p:txEl>
+                                          </p:spTgt>
+                                        </p:tgtEl>
+                                        <p:attrNameLst>
+                                          <p:attrName>style.visibility</p:attrName>
+                                        </p:attrNameLst>
+                                      </p:cBhvr>
+                                      <p:to>
+                                        <p:strVal val="visible"/>
+                                      </p:to>
+                                    </p:set>
+                                    <p:animEffect transition="in" filter="fade">
+                                      <p:cBhvr>
+                                        <p:cTn id="21" dur="500"/>
+                                        <p:tgtEl>
+                                          <p:spTgt spid="3">
+                                            <p:txEl>
+                                              <p:pRg st="4" end="4"/>
+                                            </p:txEl>
+                                          </p:spTgt>
+                                        </p:tgtEl>
+                                      </p:cBhvr>
+                                    </p:animEffect>
+                                  </p:childTnLst>
+                                </p:cTn>
+                              </p:par>
+                              <p:par>
+                                <p:cTn id="22" presetID="10" presetClass="entr" presetSubtype="0" fill="hold" grpId="0" nodeType="withEffect">
+                                  <p:stCondLst>
+                                    <p:cond delay="0"/>
+                                  </p:stCondLst>
+                                  <p:childTnLst>
+                                    <p:set>
+                                      <p:cBhvr>
+                                        <p:cTn id="23" dur="1" fill="hold">
+                                          <p:stCondLst>
+                                            <p:cond delay="0"/>
+                                          </p:stCondLst>
+                                        </p:cTn>
+                                        <p:tgtEl>
+                                          <p:spTgt spid="3">
+                                            <p:txEl>
+                                              <p:pRg st="5" end="5"/>
+                                            </p:txEl>
+                                          </p:spTgt>
+                                        </p:tgtEl>
+                                        <p:attrNameLst>
+                                          <p:attrName>style.visibility</p:attrName>
+                                        </p:attrNameLst>
+                                      </p:cBhvr>
+                                      <p:to>
+                                        <p:strVal val="visible"/>
+                                      </p:to>
+                                    </p:set>
+                                    <p:animEffect transition="in" filter="fade">
+                                      <p:cBhvr>
+                                        <p:cTn id="24" dur="500"/>
+                                        <p:tgtEl>
+                                          <p:spTgt spid="3">
+                                            <p:txEl>
+                                              <p:pRg st="5" end="5"/>
+                                            </p:txEl>
+                                          </p:spTgt>
+                                        </p:tgtEl>
+                                      </p:cBhvr>
+                                    </p:animEffect>
+                                  </p:childTnLst>
+                                </p:cTn>
+                              </p:par>
+                              <p:par>
+                                <p:cTn id="25" presetID="10" presetClass="entr" presetSubtype="0" fill="hold" grpId="0" nodeType="withEffect">
+                                  <p:stCondLst>
+                                    <p:cond delay="0"/>
+                                  </p:stCondLst>
+                                  <p:childTnLst>
+                                    <p:set>
+                                      <p:cBhvr>
+                                        <p:cTn id="26" dur="1" fill="hold">
+                                          <p:stCondLst>
+                                            <p:cond delay="0"/>
+                                          </p:stCondLst>
+                                        </p:cTn>
+                                        <p:tgtEl>
+                                          <p:spTgt spid="3">
+                                            <p:txEl>
+                                              <p:pRg st="6" end="6"/>
+                                            </p:txEl>
+                                          </p:spTgt>
+                                        </p:tgtEl>
+                                        <p:attrNameLst>
+                                          <p:attrName>style.visibility</p:attrName>
+                                        </p:attrNameLst>
+                                      </p:cBhvr>
+                                      <p:to>
+                                        <p:strVal val="visible"/>
+                                      </p:to>
+                                    </p:set>
+                                    <p:animEffect transition="in" filter="fade">
+                                      <p:cBhvr>
+                                        <p:cTn id="27" dur="500"/>
+                                        <p:tgtEl>
+                                          <p:spTgt spid="3">
+                                            <p:txEl>
+                                              <p:pRg st="6" end="6"/>
+                                            </p:txEl>
+                                          </p:spTgt>
+                                        </p:tgtEl>
+                                      </p:cBhvr>
+                                    </p:animEffect>
+                                  </p:childTnLst>
+                                </p:cTn>
+                              </p:par>
+                              <p:par>
+                                <p:cTn id="28" presetID="10" presetClass="entr" presetSubtype="0" fill="hold" grpId="0" nodeType="withEffect">
+                                  <p:stCondLst>
+                                    <p:cond delay="0"/>
+                                  </p:stCondLst>
+                                  <p:childTnLst>
+                                    <p:set>
+                                      <p:cBhvr>
+                                        <p:cTn id="29" dur="1" fill="hold">
+                                          <p:stCondLst>
+                                            <p:cond delay="0"/>
+                                          </p:stCondLst>
+                                        </p:cTn>
+                                        <p:tgtEl>
+                                          <p:spTgt spid="3">
+                                            <p:txEl>
+                                              <p:pRg st="7" end="7"/>
+                                            </p:txEl>
+                                          </p:spTgt>
+                                        </p:tgtEl>
+                                        <p:attrNameLst>
+                                          <p:attrName>style.visibility</p:attrName>
+                                        </p:attrNameLst>
+                                      </p:cBhvr>
+                                      <p:to>
+                                        <p:strVal val="visible"/>
+                                      </p:to>
+                                    </p:set>
+                                    <p:animEffect transition="in" filter="fade">
+                                      <p:cBhvr>
+                                        <p:cTn id="30" dur="500"/>
+                                        <p:tgtEl>
+                                          <p:spTgt spid="3">
+                                            <p:txEl>
+                                              <p:pRg st="7" end="7"/>
+                                            </p:txEl>
+                                          </p:spTgt>
+                                        </p:tgtEl>
+                                      </p:cBhvr>
+                                    </p:animEffect>
+                                  </p:childTnLst>
+                                </p:cTn>
+                              </p:par>
+                            </p:childTnLst>
+                          </p:cTn>
+                        </p:par>
+                      </p:childTnLst>
+                    </p:cTn>
+                  </p:par>
+                </p:childTnLst>
+              </p:cTn>
+              <p:prevCondLst>
+                <p:cond evt="onPrev" delay="0">
+                  <p:tgtEl>
+                    <p:sldTgt/>
+                  </p:tgtEl>
+                </p:cond>
+              </p:prevCondLst>
+              <p:nextCondLst>
+                <p:cond evt="onNext" delay="0">
+                  <p:tgtEl>
+                    <p:sldTgt/>
+                  </p:tgtEl>
+                </p:cond>
+              </p:nextCondLst>
+            </p:seq>
+          </p:childTnLst>
+        </p:cTn>
       </p:par>
     </p:tnLst>
+    <p:bldLst>
+      <p:bldP spid="3" grpId="0" build="p"/>
+    </p:bldLst>
   </p:timing>
 </p:sld>
 </file>
@@ -22292,9 +25386,286 @@
   <p:timing>
     <p:tnLst>
       <p:par>
-        <p:cTn id="1" dur="indefinite" restart="never" nodeType="tmRoot"/>
+        <p:cTn id="1" dur="indefinite" restart="never" nodeType="tmRoot">
+          <p:childTnLst>
+            <p:seq concurrent="1" nextAc="seek">
+              <p:cTn id="2" dur="indefinite" nodeType="mainSeq">
+                <p:childTnLst>
+                  <p:par>
+                    <p:cTn id="3" fill="hold">
+                      <p:stCondLst>
+                        <p:cond delay="indefinite"/>
+                      </p:stCondLst>
+                      <p:childTnLst>
+                        <p:par>
+                          <p:cTn id="4" fill="hold">
+                            <p:stCondLst>
+                              <p:cond delay="0"/>
+                            </p:stCondLst>
+                            <p:childTnLst>
+                              <p:par>
+                                <p:cTn id="5" presetID="10" presetClass="entr" presetSubtype="0" fill="hold" grpId="0" nodeType="clickEffect">
+                                  <p:stCondLst>
+                                    <p:cond delay="0"/>
+                                  </p:stCondLst>
+                                  <p:childTnLst>
+                                    <p:set>
+                                      <p:cBhvr>
+                                        <p:cTn id="6" dur="1" fill="hold">
+                                          <p:stCondLst>
+                                            <p:cond delay="0"/>
+                                          </p:stCondLst>
+                                        </p:cTn>
+                                        <p:tgtEl>
+                                          <p:spTgt spid="3">
+                                            <p:txEl>
+                                              <p:pRg st="0" end="0"/>
+                                            </p:txEl>
+                                          </p:spTgt>
+                                        </p:tgtEl>
+                                        <p:attrNameLst>
+                                          <p:attrName>style.visibility</p:attrName>
+                                        </p:attrNameLst>
+                                      </p:cBhvr>
+                                      <p:to>
+                                        <p:strVal val="visible"/>
+                                      </p:to>
+                                    </p:set>
+                                    <p:animEffect transition="in" filter="fade">
+                                      <p:cBhvr>
+                                        <p:cTn id="7" dur="500"/>
+                                        <p:tgtEl>
+                                          <p:spTgt spid="3">
+                                            <p:txEl>
+                                              <p:pRg st="0" end="0"/>
+                                            </p:txEl>
+                                          </p:spTgt>
+                                        </p:tgtEl>
+                                      </p:cBhvr>
+                                    </p:animEffect>
+                                  </p:childTnLst>
+                                </p:cTn>
+                              </p:par>
+                              <p:par>
+                                <p:cTn id="8" presetID="10" presetClass="entr" presetSubtype="0" fill="hold" grpId="0" nodeType="withEffect">
+                                  <p:stCondLst>
+                                    <p:cond delay="0"/>
+                                  </p:stCondLst>
+                                  <p:childTnLst>
+                                    <p:set>
+                                      <p:cBhvr>
+                                        <p:cTn id="9" dur="1" fill="hold">
+                                          <p:stCondLst>
+                                            <p:cond delay="0"/>
+                                          </p:stCondLst>
+                                        </p:cTn>
+                                        <p:tgtEl>
+                                          <p:spTgt spid="3">
+                                            <p:txEl>
+                                              <p:pRg st="1" end="1"/>
+                                            </p:txEl>
+                                          </p:spTgt>
+                                        </p:tgtEl>
+                                        <p:attrNameLst>
+                                          <p:attrName>style.visibility</p:attrName>
+                                        </p:attrNameLst>
+                                      </p:cBhvr>
+                                      <p:to>
+                                        <p:strVal val="visible"/>
+                                      </p:to>
+                                    </p:set>
+                                    <p:animEffect transition="in" filter="fade">
+                                      <p:cBhvr>
+                                        <p:cTn id="10" dur="500"/>
+                                        <p:tgtEl>
+                                          <p:spTgt spid="3">
+                                            <p:txEl>
+                                              <p:pRg st="1" end="1"/>
+                                            </p:txEl>
+                                          </p:spTgt>
+                                        </p:tgtEl>
+                                      </p:cBhvr>
+                                    </p:animEffect>
+                                  </p:childTnLst>
+                                </p:cTn>
+                              </p:par>
+                              <p:par>
+                                <p:cTn id="11" presetID="10" presetClass="entr" presetSubtype="0" fill="hold" grpId="0" nodeType="withEffect">
+                                  <p:stCondLst>
+                                    <p:cond delay="0"/>
+                                  </p:stCondLst>
+                                  <p:childTnLst>
+                                    <p:set>
+                                      <p:cBhvr>
+                                        <p:cTn id="12" dur="1" fill="hold">
+                                          <p:stCondLst>
+                                            <p:cond delay="0"/>
+                                          </p:stCondLst>
+                                        </p:cTn>
+                                        <p:tgtEl>
+                                          <p:spTgt spid="3">
+                                            <p:txEl>
+                                              <p:pRg st="2" end="2"/>
+                                            </p:txEl>
+                                          </p:spTgt>
+                                        </p:tgtEl>
+                                        <p:attrNameLst>
+                                          <p:attrName>style.visibility</p:attrName>
+                                        </p:attrNameLst>
+                                      </p:cBhvr>
+                                      <p:to>
+                                        <p:strVal val="visible"/>
+                                      </p:to>
+                                    </p:set>
+                                    <p:animEffect transition="in" filter="fade">
+                                      <p:cBhvr>
+                                        <p:cTn id="13" dur="500"/>
+                                        <p:tgtEl>
+                                          <p:spTgt spid="3">
+                                            <p:txEl>
+                                              <p:pRg st="2" end="2"/>
+                                            </p:txEl>
+                                          </p:spTgt>
+                                        </p:tgtEl>
+                                      </p:cBhvr>
+                                    </p:animEffect>
+                                  </p:childTnLst>
+                                </p:cTn>
+                              </p:par>
+                              <p:par>
+                                <p:cTn id="14" presetID="10" presetClass="entr" presetSubtype="0" fill="hold" grpId="0" nodeType="withEffect">
+                                  <p:stCondLst>
+                                    <p:cond delay="0"/>
+                                  </p:stCondLst>
+                                  <p:childTnLst>
+                                    <p:set>
+                                      <p:cBhvr>
+                                        <p:cTn id="15" dur="1" fill="hold">
+                                          <p:stCondLst>
+                                            <p:cond delay="0"/>
+                                          </p:stCondLst>
+                                        </p:cTn>
+                                        <p:tgtEl>
+                                          <p:spTgt spid="3">
+                                            <p:txEl>
+                                              <p:pRg st="3" end="3"/>
+                                            </p:txEl>
+                                          </p:spTgt>
+                                        </p:tgtEl>
+                                        <p:attrNameLst>
+                                          <p:attrName>style.visibility</p:attrName>
+                                        </p:attrNameLst>
+                                      </p:cBhvr>
+                                      <p:to>
+                                        <p:strVal val="visible"/>
+                                      </p:to>
+                                    </p:set>
+                                    <p:animEffect transition="in" filter="fade">
+                                      <p:cBhvr>
+                                        <p:cTn id="16" dur="500"/>
+                                        <p:tgtEl>
+                                          <p:spTgt spid="3">
+                                            <p:txEl>
+                                              <p:pRg st="3" end="3"/>
+                                            </p:txEl>
+                                          </p:spTgt>
+                                        </p:tgtEl>
+                                      </p:cBhvr>
+                                    </p:animEffect>
+                                  </p:childTnLst>
+                                </p:cTn>
+                              </p:par>
+                            </p:childTnLst>
+                          </p:cTn>
+                        </p:par>
+                      </p:childTnLst>
+                    </p:cTn>
+                  </p:par>
+                  <p:par>
+                    <p:cTn id="17" fill="hold">
+                      <p:stCondLst>
+                        <p:cond delay="indefinite"/>
+                      </p:stCondLst>
+                      <p:childTnLst>
+                        <p:par>
+                          <p:cTn id="18" fill="hold">
+                            <p:stCondLst>
+                              <p:cond delay="0"/>
+                            </p:stCondLst>
+                            <p:childTnLst>
+                              <p:par>
+                                <p:cTn id="19" presetID="10" presetClass="entr" presetSubtype="0" fill="hold" grpId="0" nodeType="clickEffect">
+                                  <p:stCondLst>
+                                    <p:cond delay="0"/>
+                                  </p:stCondLst>
+                                  <p:childTnLst>
+                                    <p:set>
+                                      <p:cBhvr>
+                                        <p:cTn id="20" dur="1" fill="hold">
+                                          <p:stCondLst>
+                                            <p:cond delay="0"/>
+                                          </p:stCondLst>
+                                        </p:cTn>
+                                        <p:tgtEl>
+                                          <p:spTgt spid="3">
+                                            <p:txEl>
+                                              <p:pRg st="4" end="4"/>
+                                            </p:txEl>
+                                          </p:spTgt>
+                                        </p:tgtEl>
+                                        <p:attrNameLst>
+                                          <p:attrName>style.visibility</p:attrName>
+                                        </p:attrNameLst>
+                                      </p:cBhvr>
+                                      <p:to>
+                                        <p:strVal val="visible"/>
+                                      </p:to>
+                                    </p:set>
+                                    <p:animEffect transition="in" filter="fade">
+                                      <p:cBhvr>
+                                        <p:cTn id="21" dur="500"/>
+                                        <p:tgtEl>
+                                          <p:spTgt spid="3">
+                                            <p:txEl>
+                                              <p:pRg st="4" end="4"/>
+                                            </p:txEl>
+                                          </p:spTgt>
+                                        </p:tgtEl>
+                                      </p:cBhvr>
+                                    </p:animEffect>
+                                  </p:childTnLst>
+                                </p:cTn>
+                              </p:par>
+                            </p:childTnLst>
+                          </p:cTn>
+                        </p:par>
+                      </p:childTnLst>
+                    </p:cTn>
+                  </p:par>
+                </p:childTnLst>
+              </p:cTn>
+              <p:prevCondLst>
+                <p:cond evt="onPrev" delay="0">
+                  <p:tgtEl>
+                    <p:sldTgt/>
+                  </p:tgtEl>
+                </p:cond>
+              </p:prevCondLst>
+              <p:nextCondLst>
+                <p:cond evt="onNext" delay="0">
+                  <p:tgtEl>
+                    <p:sldTgt/>
+                  </p:tgtEl>
+                </p:cond>
+              </p:nextCondLst>
+            </p:seq>
+          </p:childTnLst>
+        </p:cTn>
       </p:par>
     </p:tnLst>
+    <p:bldLst>
+      <p:bldP spid="3" grpId="0" build="p"/>
+    </p:bldLst>
   </p:timing>
 </p:sld>
 </file>
@@ -22413,9 +25784,347 @@
   <p:timing>
     <p:tnLst>
       <p:par>
-        <p:cTn id="1" dur="indefinite" restart="never" nodeType="tmRoot"/>
+        <p:cTn id="1" dur="indefinite" restart="never" nodeType="tmRoot">
+          <p:childTnLst>
+            <p:seq concurrent="1" nextAc="seek">
+              <p:cTn id="2" dur="indefinite" nodeType="mainSeq">
+                <p:childTnLst>
+                  <p:par>
+                    <p:cTn id="3" fill="hold">
+                      <p:stCondLst>
+                        <p:cond delay="indefinite"/>
+                      </p:stCondLst>
+                      <p:childTnLst>
+                        <p:par>
+                          <p:cTn id="4" fill="hold">
+                            <p:stCondLst>
+                              <p:cond delay="0"/>
+                            </p:stCondLst>
+                            <p:childTnLst>
+                              <p:par>
+                                <p:cTn id="5" presetID="10" presetClass="entr" presetSubtype="0" fill="hold" grpId="0" nodeType="clickEffect">
+                                  <p:stCondLst>
+                                    <p:cond delay="0"/>
+                                  </p:stCondLst>
+                                  <p:childTnLst>
+                                    <p:set>
+                                      <p:cBhvr>
+                                        <p:cTn id="6" dur="1" fill="hold">
+                                          <p:stCondLst>
+                                            <p:cond delay="0"/>
+                                          </p:stCondLst>
+                                        </p:cTn>
+                                        <p:tgtEl>
+                                          <p:spTgt spid="3">
+                                            <p:txEl>
+                                              <p:pRg st="0" end="0"/>
+                                            </p:txEl>
+                                          </p:spTgt>
+                                        </p:tgtEl>
+                                        <p:attrNameLst>
+                                          <p:attrName>style.visibility</p:attrName>
+                                        </p:attrNameLst>
+                                      </p:cBhvr>
+                                      <p:to>
+                                        <p:strVal val="visible"/>
+                                      </p:to>
+                                    </p:set>
+                                    <p:animEffect transition="in" filter="fade">
+                                      <p:cBhvr>
+                                        <p:cTn id="7" dur="500"/>
+                                        <p:tgtEl>
+                                          <p:spTgt spid="3">
+                                            <p:txEl>
+                                              <p:pRg st="0" end="0"/>
+                                            </p:txEl>
+                                          </p:spTgt>
+                                        </p:tgtEl>
+                                      </p:cBhvr>
+                                    </p:animEffect>
+                                  </p:childTnLst>
+                                </p:cTn>
+                              </p:par>
+                              <p:par>
+                                <p:cTn id="8" presetID="10" presetClass="entr" presetSubtype="0" fill="hold" grpId="0" nodeType="withEffect">
+                                  <p:stCondLst>
+                                    <p:cond delay="0"/>
+                                  </p:stCondLst>
+                                  <p:childTnLst>
+                                    <p:set>
+                                      <p:cBhvr>
+                                        <p:cTn id="9" dur="1" fill="hold">
+                                          <p:stCondLst>
+                                            <p:cond delay="0"/>
+                                          </p:stCondLst>
+                                        </p:cTn>
+                                        <p:tgtEl>
+                                          <p:spTgt spid="3">
+                                            <p:txEl>
+                                              <p:pRg st="1" end="1"/>
+                                            </p:txEl>
+                                          </p:spTgt>
+                                        </p:tgtEl>
+                                        <p:attrNameLst>
+                                          <p:attrName>style.visibility</p:attrName>
+                                        </p:attrNameLst>
+                                      </p:cBhvr>
+                                      <p:to>
+                                        <p:strVal val="visible"/>
+                                      </p:to>
+                                    </p:set>
+                                    <p:animEffect transition="in" filter="fade">
+                                      <p:cBhvr>
+                                        <p:cTn id="10" dur="500"/>
+                                        <p:tgtEl>
+                                          <p:spTgt spid="3">
+                                            <p:txEl>
+                                              <p:pRg st="1" end="1"/>
+                                            </p:txEl>
+                                          </p:spTgt>
+                                        </p:tgtEl>
+                                      </p:cBhvr>
+                                    </p:animEffect>
+                                  </p:childTnLst>
+                                </p:cTn>
+                              </p:par>
+                              <p:par>
+                                <p:cTn id="11" presetID="10" presetClass="entr" presetSubtype="0" fill="hold" grpId="0" nodeType="withEffect">
+                                  <p:stCondLst>
+                                    <p:cond delay="0"/>
+                                  </p:stCondLst>
+                                  <p:childTnLst>
+                                    <p:set>
+                                      <p:cBhvr>
+                                        <p:cTn id="12" dur="1" fill="hold">
+                                          <p:stCondLst>
+                                            <p:cond delay="0"/>
+                                          </p:stCondLst>
+                                        </p:cTn>
+                                        <p:tgtEl>
+                                          <p:spTgt spid="3">
+                                            <p:txEl>
+                                              <p:pRg st="2" end="2"/>
+                                            </p:txEl>
+                                          </p:spTgt>
+                                        </p:tgtEl>
+                                        <p:attrNameLst>
+                                          <p:attrName>style.visibility</p:attrName>
+                                        </p:attrNameLst>
+                                      </p:cBhvr>
+                                      <p:to>
+                                        <p:strVal val="visible"/>
+                                      </p:to>
+                                    </p:set>
+                                    <p:animEffect transition="in" filter="fade">
+                                      <p:cBhvr>
+                                        <p:cTn id="13" dur="500"/>
+                                        <p:tgtEl>
+                                          <p:spTgt spid="3">
+                                            <p:txEl>
+                                              <p:pRg st="2" end="2"/>
+                                            </p:txEl>
+                                          </p:spTgt>
+                                        </p:tgtEl>
+                                      </p:cBhvr>
+                                    </p:animEffect>
+                                  </p:childTnLst>
+                                </p:cTn>
+                              </p:par>
+                              <p:par>
+                                <p:cTn id="14" presetID="10" presetClass="entr" presetSubtype="0" fill="hold" grpId="0" nodeType="withEffect">
+                                  <p:stCondLst>
+                                    <p:cond delay="0"/>
+                                  </p:stCondLst>
+                                  <p:childTnLst>
+                                    <p:set>
+                                      <p:cBhvr>
+                                        <p:cTn id="15" dur="1" fill="hold">
+                                          <p:stCondLst>
+                                            <p:cond delay="0"/>
+                                          </p:stCondLst>
+                                        </p:cTn>
+                                        <p:tgtEl>
+                                          <p:spTgt spid="3">
+                                            <p:txEl>
+                                              <p:pRg st="3" end="3"/>
+                                            </p:txEl>
+                                          </p:spTgt>
+                                        </p:tgtEl>
+                                        <p:attrNameLst>
+                                          <p:attrName>style.visibility</p:attrName>
+                                        </p:attrNameLst>
+                                      </p:cBhvr>
+                                      <p:to>
+                                        <p:strVal val="visible"/>
+                                      </p:to>
+                                    </p:set>
+                                    <p:animEffect transition="in" filter="fade">
+                                      <p:cBhvr>
+                                        <p:cTn id="16" dur="500"/>
+                                        <p:tgtEl>
+                                          <p:spTgt spid="3">
+                                            <p:txEl>
+                                              <p:pRg st="3" end="3"/>
+                                            </p:txEl>
+                                          </p:spTgt>
+                                        </p:tgtEl>
+                                      </p:cBhvr>
+                                    </p:animEffect>
+                                  </p:childTnLst>
+                                </p:cTn>
+                              </p:par>
+                            </p:childTnLst>
+                          </p:cTn>
+                        </p:par>
+                      </p:childTnLst>
+                    </p:cTn>
+                  </p:par>
+                  <p:par>
+                    <p:cTn id="17" fill="hold">
+                      <p:stCondLst>
+                        <p:cond delay="indefinite"/>
+                      </p:stCondLst>
+                      <p:childTnLst>
+                        <p:par>
+                          <p:cTn id="18" fill="hold">
+                            <p:stCondLst>
+                              <p:cond delay="0"/>
+                            </p:stCondLst>
+                            <p:childTnLst>
+                              <p:par>
+                                <p:cTn id="19" presetID="10" presetClass="entr" presetSubtype="0" fill="hold" grpId="0" nodeType="clickEffect">
+                                  <p:stCondLst>
+                                    <p:cond delay="0"/>
+                                  </p:stCondLst>
+                                  <p:childTnLst>
+                                    <p:set>
+                                      <p:cBhvr>
+                                        <p:cTn id="20" dur="1" fill="hold">
+                                          <p:stCondLst>
+                                            <p:cond delay="0"/>
+                                          </p:stCondLst>
+                                        </p:cTn>
+                                        <p:tgtEl>
+                                          <p:spTgt spid="3">
+                                            <p:txEl>
+                                              <p:pRg st="4" end="4"/>
+                                            </p:txEl>
+                                          </p:spTgt>
+                                        </p:tgtEl>
+                                        <p:attrNameLst>
+                                          <p:attrName>style.visibility</p:attrName>
+                                        </p:attrNameLst>
+                                      </p:cBhvr>
+                                      <p:to>
+                                        <p:strVal val="visible"/>
+                                      </p:to>
+                                    </p:set>
+                                    <p:animEffect transition="in" filter="fade">
+                                      <p:cBhvr>
+                                        <p:cTn id="21" dur="500"/>
+                                        <p:tgtEl>
+                                          <p:spTgt spid="3">
+                                            <p:txEl>
+                                              <p:pRg st="4" end="4"/>
+                                            </p:txEl>
+                                          </p:spTgt>
+                                        </p:tgtEl>
+                                      </p:cBhvr>
+                                    </p:animEffect>
+                                  </p:childTnLst>
+                                </p:cTn>
+                              </p:par>
+                            </p:childTnLst>
+                          </p:cTn>
+                        </p:par>
+                      </p:childTnLst>
+                    </p:cTn>
+                  </p:par>
+                  <p:par>
+                    <p:cTn id="22" fill="hold">
+                      <p:stCondLst>
+                        <p:cond delay="indefinite"/>
+                      </p:stCondLst>
+                      <p:childTnLst>
+                        <p:par>
+                          <p:cTn id="23" fill="hold">
+                            <p:stCondLst>
+                              <p:cond delay="0"/>
+                            </p:stCondLst>
+                            <p:childTnLst>
+                              <p:par>
+                                <p:cTn id="24" presetID="10" presetClass="entr" presetSubtype="0" fill="hold" grpId="0" nodeType="clickEffect">
+                                  <p:stCondLst>
+                                    <p:cond delay="0"/>
+                                  </p:stCondLst>
+                                  <p:childTnLst>
+                                    <p:set>
+                                      <p:cBhvr>
+                                        <p:cTn id="25" dur="1" fill="hold">
+                                          <p:stCondLst>
+                                            <p:cond delay="0"/>
+                                          </p:stCondLst>
+                                        </p:cTn>
+                                        <p:tgtEl>
+                                          <p:spTgt spid="3">
+                                            <p:txEl>
+                                              <p:pRg st="5" end="5"/>
+                                            </p:txEl>
+                                          </p:spTgt>
+                                        </p:tgtEl>
+                                        <p:attrNameLst>
+                                          <p:attrName>style.visibility</p:attrName>
+                                        </p:attrNameLst>
+                                      </p:cBhvr>
+                                      <p:to>
+                                        <p:strVal val="visible"/>
+                                      </p:to>
+                                    </p:set>
+                                    <p:animEffect transition="in" filter="fade">
+                                      <p:cBhvr>
+                                        <p:cTn id="26" dur="500"/>
+                                        <p:tgtEl>
+                                          <p:spTgt spid="3">
+                                            <p:txEl>
+                                              <p:pRg st="5" end="5"/>
+                                            </p:txEl>
+                                          </p:spTgt>
+                                        </p:tgtEl>
+                                      </p:cBhvr>
+                                    </p:animEffect>
+                                  </p:childTnLst>
+                                </p:cTn>
+                              </p:par>
+                            </p:childTnLst>
+                          </p:cTn>
+                        </p:par>
+                      </p:childTnLst>
+                    </p:cTn>
+                  </p:par>
+                </p:childTnLst>
+              </p:cTn>
+              <p:prevCondLst>
+                <p:cond evt="onPrev" delay="0">
+                  <p:tgtEl>
+                    <p:sldTgt/>
+                  </p:tgtEl>
+                </p:cond>
+              </p:prevCondLst>
+              <p:nextCondLst>
+                <p:cond evt="onNext" delay="0">
+                  <p:tgtEl>
+                    <p:sldTgt/>
+                  </p:tgtEl>
+                </p:cond>
+              </p:nextCondLst>
+            </p:seq>
+          </p:childTnLst>
+        </p:cTn>
       </p:par>
     </p:tnLst>
+    <p:bldLst>
+      <p:bldP spid="3" grpId="0" build="p"/>
+    </p:bldLst>
   </p:timing>
 </p:sld>
 </file>
@@ -22564,9 +26273,390 @@
   <p:timing>
     <p:tnLst>
       <p:par>
-        <p:cTn id="1" dur="indefinite" restart="never" nodeType="tmRoot"/>
+        <p:cTn id="1" dur="indefinite" restart="never" nodeType="tmRoot">
+          <p:childTnLst>
+            <p:seq concurrent="1" nextAc="seek">
+              <p:cTn id="2" dur="indefinite" nodeType="mainSeq">
+                <p:childTnLst>
+                  <p:par>
+                    <p:cTn id="3" fill="hold">
+                      <p:stCondLst>
+                        <p:cond delay="indefinite"/>
+                      </p:stCondLst>
+                      <p:childTnLst>
+                        <p:par>
+                          <p:cTn id="4" fill="hold">
+                            <p:stCondLst>
+                              <p:cond delay="0"/>
+                            </p:stCondLst>
+                            <p:childTnLst>
+                              <p:par>
+                                <p:cTn id="5" presetID="10" presetClass="entr" presetSubtype="0" fill="hold" grpId="0" nodeType="clickEffect">
+                                  <p:stCondLst>
+                                    <p:cond delay="0"/>
+                                  </p:stCondLst>
+                                  <p:childTnLst>
+                                    <p:set>
+                                      <p:cBhvr>
+                                        <p:cTn id="6" dur="1" fill="hold">
+                                          <p:stCondLst>
+                                            <p:cond delay="0"/>
+                                          </p:stCondLst>
+                                        </p:cTn>
+                                        <p:tgtEl>
+                                          <p:spTgt spid="3">
+                                            <p:txEl>
+                                              <p:pRg st="0" end="0"/>
+                                            </p:txEl>
+                                          </p:spTgt>
+                                        </p:tgtEl>
+                                        <p:attrNameLst>
+                                          <p:attrName>style.visibility</p:attrName>
+                                        </p:attrNameLst>
+                                      </p:cBhvr>
+                                      <p:to>
+                                        <p:strVal val="visible"/>
+                                      </p:to>
+                                    </p:set>
+                                    <p:animEffect transition="in" filter="fade">
+                                      <p:cBhvr>
+                                        <p:cTn id="7" dur="500"/>
+                                        <p:tgtEl>
+                                          <p:spTgt spid="3">
+                                            <p:txEl>
+                                              <p:pRg st="0" end="0"/>
+                                            </p:txEl>
+                                          </p:spTgt>
+                                        </p:tgtEl>
+                                      </p:cBhvr>
+                                    </p:animEffect>
+                                  </p:childTnLst>
+                                </p:cTn>
+                              </p:par>
+                              <p:par>
+                                <p:cTn id="8" presetID="10" presetClass="entr" presetSubtype="0" fill="hold" grpId="0" nodeType="withEffect">
+                                  <p:stCondLst>
+                                    <p:cond delay="0"/>
+                                  </p:stCondLst>
+                                  <p:childTnLst>
+                                    <p:set>
+                                      <p:cBhvr>
+                                        <p:cTn id="9" dur="1" fill="hold">
+                                          <p:stCondLst>
+                                            <p:cond delay="0"/>
+                                          </p:stCondLst>
+                                        </p:cTn>
+                                        <p:tgtEl>
+                                          <p:spTgt spid="3">
+                                            <p:txEl>
+                                              <p:pRg st="1" end="1"/>
+                                            </p:txEl>
+                                          </p:spTgt>
+                                        </p:tgtEl>
+                                        <p:attrNameLst>
+                                          <p:attrName>style.visibility</p:attrName>
+                                        </p:attrNameLst>
+                                      </p:cBhvr>
+                                      <p:to>
+                                        <p:strVal val="visible"/>
+                                      </p:to>
+                                    </p:set>
+                                    <p:animEffect transition="in" filter="fade">
+                                      <p:cBhvr>
+                                        <p:cTn id="10" dur="500"/>
+                                        <p:tgtEl>
+                                          <p:spTgt spid="3">
+                                            <p:txEl>
+                                              <p:pRg st="1" end="1"/>
+                                            </p:txEl>
+                                          </p:spTgt>
+                                        </p:tgtEl>
+                                      </p:cBhvr>
+                                    </p:animEffect>
+                                  </p:childTnLst>
+                                </p:cTn>
+                              </p:par>
+                            </p:childTnLst>
+                          </p:cTn>
+                        </p:par>
+                      </p:childTnLst>
+                    </p:cTn>
+                  </p:par>
+                  <p:par>
+                    <p:cTn id="11" fill="hold">
+                      <p:stCondLst>
+                        <p:cond delay="indefinite"/>
+                      </p:stCondLst>
+                      <p:childTnLst>
+                        <p:par>
+                          <p:cTn id="12" fill="hold">
+                            <p:stCondLst>
+                              <p:cond delay="0"/>
+                            </p:stCondLst>
+                            <p:childTnLst>
+                              <p:par>
+                                <p:cTn id="13" presetID="10" presetClass="entr" presetSubtype="0" fill="hold" grpId="0" nodeType="clickEffect">
+                                  <p:stCondLst>
+                                    <p:cond delay="0"/>
+                                  </p:stCondLst>
+                                  <p:childTnLst>
+                                    <p:set>
+                                      <p:cBhvr>
+                                        <p:cTn id="14" dur="1" fill="hold">
+                                          <p:stCondLst>
+                                            <p:cond delay="0"/>
+                                          </p:stCondLst>
+                                        </p:cTn>
+                                        <p:tgtEl>
+                                          <p:spTgt spid="3">
+                                            <p:txEl>
+                                              <p:pRg st="2" end="2"/>
+                                            </p:txEl>
+                                          </p:spTgt>
+                                        </p:tgtEl>
+                                        <p:attrNameLst>
+                                          <p:attrName>style.visibility</p:attrName>
+                                        </p:attrNameLst>
+                                      </p:cBhvr>
+                                      <p:to>
+                                        <p:strVal val="visible"/>
+                                      </p:to>
+                                    </p:set>
+                                    <p:animEffect transition="in" filter="fade">
+                                      <p:cBhvr>
+                                        <p:cTn id="15" dur="500"/>
+                                        <p:tgtEl>
+                                          <p:spTgt spid="3">
+                                            <p:txEl>
+                                              <p:pRg st="2" end="2"/>
+                                            </p:txEl>
+                                          </p:spTgt>
+                                        </p:tgtEl>
+                                      </p:cBhvr>
+                                    </p:animEffect>
+                                  </p:childTnLst>
+                                </p:cTn>
+                              </p:par>
+                              <p:par>
+                                <p:cTn id="16" presetID="10" presetClass="entr" presetSubtype="0" fill="hold" grpId="0" nodeType="withEffect">
+                                  <p:stCondLst>
+                                    <p:cond delay="0"/>
+                                  </p:stCondLst>
+                                  <p:childTnLst>
+                                    <p:set>
+                                      <p:cBhvr>
+                                        <p:cTn id="17" dur="1" fill="hold">
+                                          <p:stCondLst>
+                                            <p:cond delay="0"/>
+                                          </p:stCondLst>
+                                        </p:cTn>
+                                        <p:tgtEl>
+                                          <p:spTgt spid="3">
+                                            <p:txEl>
+                                              <p:pRg st="3" end="3"/>
+                                            </p:txEl>
+                                          </p:spTgt>
+                                        </p:tgtEl>
+                                        <p:attrNameLst>
+                                          <p:attrName>style.visibility</p:attrName>
+                                        </p:attrNameLst>
+                                      </p:cBhvr>
+                                      <p:to>
+                                        <p:strVal val="visible"/>
+                                      </p:to>
+                                    </p:set>
+                                    <p:animEffect transition="in" filter="fade">
+                                      <p:cBhvr>
+                                        <p:cTn id="18" dur="500"/>
+                                        <p:tgtEl>
+                                          <p:spTgt spid="3">
+                                            <p:txEl>
+                                              <p:pRg st="3" end="3"/>
+                                            </p:txEl>
+                                          </p:spTgt>
+                                        </p:tgtEl>
+                                      </p:cBhvr>
+                                    </p:animEffect>
+                                  </p:childTnLst>
+                                </p:cTn>
+                              </p:par>
+                            </p:childTnLst>
+                          </p:cTn>
+                        </p:par>
+                      </p:childTnLst>
+                    </p:cTn>
+                  </p:par>
+                  <p:par>
+                    <p:cTn id="19" fill="hold">
+                      <p:stCondLst>
+                        <p:cond delay="indefinite"/>
+                      </p:stCondLst>
+                      <p:childTnLst>
+                        <p:par>
+                          <p:cTn id="20" fill="hold">
+                            <p:stCondLst>
+                              <p:cond delay="0"/>
+                            </p:stCondLst>
+                            <p:childTnLst>
+                              <p:par>
+                                <p:cTn id="21" presetID="10" presetClass="entr" presetSubtype="0" fill="hold" grpId="0" nodeType="clickEffect">
+                                  <p:stCondLst>
+                                    <p:cond delay="0"/>
+                                  </p:stCondLst>
+                                  <p:childTnLst>
+                                    <p:set>
+                                      <p:cBhvr>
+                                        <p:cTn id="22" dur="1" fill="hold">
+                                          <p:stCondLst>
+                                            <p:cond delay="0"/>
+                                          </p:stCondLst>
+                                        </p:cTn>
+                                        <p:tgtEl>
+                                          <p:spTgt spid="3">
+                                            <p:txEl>
+                                              <p:pRg st="4" end="4"/>
+                                            </p:txEl>
+                                          </p:spTgt>
+                                        </p:tgtEl>
+                                        <p:attrNameLst>
+                                          <p:attrName>style.visibility</p:attrName>
+                                        </p:attrNameLst>
+                                      </p:cBhvr>
+                                      <p:to>
+                                        <p:strVal val="visible"/>
+                                      </p:to>
+                                    </p:set>
+                                    <p:animEffect transition="in" filter="fade">
+                                      <p:cBhvr>
+                                        <p:cTn id="23" dur="500"/>
+                                        <p:tgtEl>
+                                          <p:spTgt spid="3">
+                                            <p:txEl>
+                                              <p:pRg st="4" end="4"/>
+                                            </p:txEl>
+                                          </p:spTgt>
+                                        </p:tgtEl>
+                                      </p:cBhvr>
+                                    </p:animEffect>
+                                  </p:childTnLst>
+                                </p:cTn>
+                              </p:par>
+                              <p:par>
+                                <p:cTn id="24" presetID="10" presetClass="entr" presetSubtype="0" fill="hold" grpId="0" nodeType="withEffect">
+                                  <p:stCondLst>
+                                    <p:cond delay="0"/>
+                                  </p:stCondLst>
+                                  <p:childTnLst>
+                                    <p:set>
+                                      <p:cBhvr>
+                                        <p:cTn id="25" dur="1" fill="hold">
+                                          <p:stCondLst>
+                                            <p:cond delay="0"/>
+                                          </p:stCondLst>
+                                        </p:cTn>
+                                        <p:tgtEl>
+                                          <p:spTgt spid="3">
+                                            <p:txEl>
+                                              <p:pRg st="5" end="5"/>
+                                            </p:txEl>
+                                          </p:spTgt>
+                                        </p:tgtEl>
+                                        <p:attrNameLst>
+                                          <p:attrName>style.visibility</p:attrName>
+                                        </p:attrNameLst>
+                                      </p:cBhvr>
+                                      <p:to>
+                                        <p:strVal val="visible"/>
+                                      </p:to>
+                                    </p:set>
+                                    <p:animEffect transition="in" filter="fade">
+                                      <p:cBhvr>
+                                        <p:cTn id="26" dur="500"/>
+                                        <p:tgtEl>
+                                          <p:spTgt spid="3">
+                                            <p:txEl>
+                                              <p:pRg st="5" end="5"/>
+                                            </p:txEl>
+                                          </p:spTgt>
+                                        </p:tgtEl>
+                                      </p:cBhvr>
+                                    </p:animEffect>
+                                  </p:childTnLst>
+                                </p:cTn>
+                              </p:par>
+                              <p:par>
+                                <p:cTn id="27" presetID="10" presetClass="entr" presetSubtype="0" fill="hold" grpId="0" nodeType="withEffect">
+                                  <p:stCondLst>
+                                    <p:cond delay="0"/>
+                                  </p:stCondLst>
+                                  <p:childTnLst>
+                                    <p:set>
+                                      <p:cBhvr>
+                                        <p:cTn id="28" dur="1" fill="hold">
+                                          <p:stCondLst>
+                                            <p:cond delay="0"/>
+                                          </p:stCondLst>
+                                        </p:cTn>
+                                        <p:tgtEl>
+                                          <p:spTgt spid="3">
+                                            <p:txEl>
+                                              <p:pRg st="6" end="6"/>
+                                            </p:txEl>
+                                          </p:spTgt>
+                                        </p:tgtEl>
+                                        <p:attrNameLst>
+                                          <p:attrName>style.visibility</p:attrName>
+                                        </p:attrNameLst>
+                                      </p:cBhvr>
+                                      <p:to>
+                                        <p:strVal val="visible"/>
+                                      </p:to>
+                                    </p:set>
+                                    <p:animEffect transition="in" filter="fade">
+                                      <p:cBhvr>
+                                        <p:cTn id="29" dur="500"/>
+                                        <p:tgtEl>
+                                          <p:spTgt spid="3">
+                                            <p:txEl>
+                                              <p:pRg st="6" end="6"/>
+                                            </p:txEl>
+                                          </p:spTgt>
+                                        </p:tgtEl>
+                                      </p:cBhvr>
+                                    </p:animEffect>
+                                  </p:childTnLst>
+                                </p:cTn>
+                              </p:par>
+                            </p:childTnLst>
+                          </p:cTn>
+                        </p:par>
+                      </p:childTnLst>
+                    </p:cTn>
+                  </p:par>
+                </p:childTnLst>
+              </p:cTn>
+              <p:prevCondLst>
+                <p:cond evt="onPrev" delay="0">
+                  <p:tgtEl>
+                    <p:sldTgt/>
+                  </p:tgtEl>
+                </p:cond>
+              </p:prevCondLst>
+              <p:nextCondLst>
+                <p:cond evt="onNext" delay="0">
+                  <p:tgtEl>
+                    <p:sldTgt/>
+                  </p:tgtEl>
+                </p:cond>
+              </p:nextCondLst>
+            </p:seq>
+          </p:childTnLst>
+        </p:cTn>
       </p:par>
     </p:tnLst>
+    <p:bldLst>
+      <p:bldP spid="3" grpId="0" build="p"/>
+    </p:bldLst>
   </p:timing>
 </p:sld>
 </file>
@@ -22680,6 +26770,1005 @@
 </file>
 
 <file path=ppt/slides/slide29.xml><?xml version="1.0" encoding="utf-8"?>
+<p:sld xmlns:a="http://schemas.openxmlformats.org/drawingml/2006/main" xmlns:r="http://schemas.openxmlformats.org/officeDocument/2006/relationships" xmlns:p="http://schemas.openxmlformats.org/presentationml/2006/main">
+  <p:cSld>
+    <p:spTree>
+      <p:nvGrpSpPr>
+        <p:cNvPr id="1" name=""/>
+        <p:cNvGrpSpPr/>
+        <p:nvPr/>
+      </p:nvGrpSpPr>
+      <p:grpSpPr>
+        <a:xfrm>
+          <a:off x="0" y="0"/>
+          <a:ext cx="0" cy="0"/>
+          <a:chOff x="0" y="0"/>
+          <a:chExt cx="0" cy="0"/>
+        </a:xfrm>
+      </p:grpSpPr>
+      <p:sp>
+        <p:nvSpPr>
+          <p:cNvPr id="2" name="Заголовок 1"/>
+          <p:cNvSpPr>
+            <a:spLocks noGrp="1"/>
+          </p:cNvSpPr>
+          <p:nvPr>
+            <p:ph type="title"/>
+          </p:nvPr>
+        </p:nvSpPr>
+        <p:spPr/>
+        <p:txBody>
+          <a:bodyPr>
+            <a:normAutofit fontScale="90000"/>
+          </a:bodyPr>
+          <a:lstStyle/>
+          <a:p>
+            <a:r>
+              <a:rPr lang="ru-RU" dirty="0" smtClean="0"/>
+              <a:t>Анализ кода и возможные решения проблем</a:t>
+            </a:r>
+            <a:endParaRPr lang="ru-RU" dirty="0"/>
+          </a:p>
+        </p:txBody>
+      </p:sp>
+      <p:sp>
+        <p:nvSpPr>
+          <p:cNvPr id="3" name="Содержимое 2"/>
+          <p:cNvSpPr>
+            <a:spLocks noGrp="1"/>
+          </p:cNvSpPr>
+          <p:nvPr>
+            <p:ph idx="1"/>
+          </p:nvPr>
+        </p:nvSpPr>
+        <p:spPr/>
+        <p:txBody>
+          <a:bodyPr>
+            <a:normAutofit fontScale="92500" lnSpcReduction="10000"/>
+          </a:bodyPr>
+          <a:lstStyle/>
+          <a:p>
+            <a:r>
+              <a:rPr lang="ru-RU" dirty="0" smtClean="0"/>
+              <a:t>Считывание пустого файла приведет к </a:t>
+            </a:r>
+            <a:r>
+              <a:rPr lang="en-US" dirty="0" smtClean="0"/>
+              <a:t>assert-</a:t>
+            </a:r>
+            <a:r>
+              <a:rPr lang="ru-RU" dirty="0" smtClean="0"/>
+              <a:t>у</a:t>
+            </a:r>
+          </a:p>
+          <a:p>
+            <a:pPr lvl="1"/>
+            <a:r>
+              <a:rPr lang="ru-RU" dirty="0" smtClean="0"/>
+              <a:t>Решение: не читать пустой файл </a:t>
+            </a:r>
+            <a:r>
+              <a:rPr lang="ru-RU" dirty="0" smtClean="0">
+                <a:sym typeface="Wingdings" pitchFamily="2" charset="2"/>
+              </a:rPr>
+              <a:t></a:t>
+            </a:r>
+            <a:endParaRPr lang="ru-RU" dirty="0" smtClean="0"/>
+          </a:p>
+          <a:p>
+            <a:r>
+              <a:rPr lang="ru-RU" dirty="0" smtClean="0"/>
+              <a:t>Нет возможности отличить ошибку открытия файла от считывания содержимого пустого файла</a:t>
+            </a:r>
+            <a:endParaRPr lang="en-US" dirty="0" smtClean="0"/>
+          </a:p>
+          <a:p>
+            <a:pPr lvl="1"/>
+            <a:r>
+              <a:rPr lang="ru-RU" dirty="0" smtClean="0"/>
+              <a:t>Решение: Бросать исключение при ошибке открытия файла</a:t>
+            </a:r>
+          </a:p>
+          <a:p>
+            <a:r>
+              <a:rPr lang="ru-RU" dirty="0" smtClean="0"/>
+              <a:t>При выбросе исключения </a:t>
+            </a:r>
+            <a:r>
+              <a:rPr lang="en-US" dirty="0" err="1" smtClean="0"/>
+              <a:t>bad_alloc</a:t>
+            </a:r>
+            <a:r>
+              <a:rPr lang="ru-RU" dirty="0" smtClean="0"/>
+              <a:t> файл не будет закрыт</a:t>
+            </a:r>
+          </a:p>
+          <a:p>
+            <a:pPr lvl="1"/>
+            <a:r>
+              <a:rPr lang="ru-RU" dirty="0" smtClean="0"/>
+              <a:t>Возможные решения:</a:t>
+            </a:r>
+          </a:p>
+          <a:p>
+            <a:pPr lvl="2"/>
+            <a:r>
+              <a:rPr lang="ru-RU" dirty="0" smtClean="0"/>
+              <a:t>Явный перехват исключения с </a:t>
+            </a:r>
+            <a:r>
+              <a:rPr lang="ru-RU" dirty="0" err="1" smtClean="0"/>
+              <a:t>перевыбросом</a:t>
+            </a:r>
+            <a:r>
+              <a:rPr lang="ru-RU" dirty="0" smtClean="0"/>
+              <a:t> после закрытия</a:t>
+            </a:r>
+          </a:p>
+          <a:p>
+            <a:pPr lvl="2"/>
+            <a:r>
+              <a:rPr lang="en-US" dirty="0" smtClean="0"/>
+              <a:t>BOOST_SCOPE_EXIT</a:t>
+            </a:r>
+            <a:endParaRPr lang="ru-RU" dirty="0" smtClean="0"/>
+          </a:p>
+          <a:p>
+            <a:pPr lvl="2"/>
+            <a:r>
+              <a:rPr lang="ru-RU" dirty="0" smtClean="0"/>
+              <a:t>Отказ от </a:t>
+            </a:r>
+            <a:r>
+              <a:rPr lang="en-US" dirty="0" smtClean="0"/>
+              <a:t>FILE* </a:t>
+            </a:r>
+            <a:r>
+              <a:rPr lang="ru-RU" dirty="0" smtClean="0"/>
+              <a:t>в пользу классов с поддержкой идиомы </a:t>
+            </a:r>
+            <a:r>
+              <a:rPr lang="en-US" dirty="0" smtClean="0">
+                <a:hlinkClick r:id="rId3"/>
+              </a:rPr>
+              <a:t>RAII</a:t>
+            </a:r>
+            <a:endParaRPr lang="ru-RU" dirty="0" smtClean="0"/>
+          </a:p>
+          <a:p>
+            <a:endParaRPr lang="ru-RU" dirty="0"/>
+          </a:p>
+        </p:txBody>
+      </p:sp>
+    </p:spTree>
+    <p:extLst>
+      <p:ext uri="{BB962C8B-B14F-4D97-AF65-F5344CB8AC3E}">
+        <p14:creationId xmlns:p14="http://schemas.microsoft.com/office/powerpoint/2010/main" val="2019311717"/>
+      </p:ext>
+    </p:extLst>
+  </p:cSld>
+  <p:clrMapOvr>
+    <a:masterClrMapping/>
+  </p:clrMapOvr>
+  <p:timing>
+    <p:tnLst>
+      <p:par>
+        <p:cTn id="1" dur="indefinite" restart="never" nodeType="tmRoot">
+          <p:childTnLst>
+            <p:seq concurrent="1" nextAc="seek">
+              <p:cTn id="2" dur="indefinite" nodeType="mainSeq">
+                <p:childTnLst>
+                  <p:par>
+                    <p:cTn id="3" fill="hold">
+                      <p:stCondLst>
+                        <p:cond delay="indefinite"/>
+                      </p:stCondLst>
+                      <p:childTnLst>
+                        <p:par>
+                          <p:cTn id="4" fill="hold">
+                            <p:stCondLst>
+                              <p:cond delay="0"/>
+                            </p:stCondLst>
+                            <p:childTnLst>
+                              <p:par>
+                                <p:cTn id="5" presetID="10" presetClass="entr" presetSubtype="0" fill="hold" grpId="0" nodeType="clickEffect">
+                                  <p:stCondLst>
+                                    <p:cond delay="0"/>
+                                  </p:stCondLst>
+                                  <p:childTnLst>
+                                    <p:set>
+                                      <p:cBhvr>
+                                        <p:cTn id="6" dur="1" fill="hold">
+                                          <p:stCondLst>
+                                            <p:cond delay="0"/>
+                                          </p:stCondLst>
+                                        </p:cTn>
+                                        <p:tgtEl>
+                                          <p:spTgt spid="3">
+                                            <p:txEl>
+                                              <p:pRg st="0" end="0"/>
+                                            </p:txEl>
+                                          </p:spTgt>
+                                        </p:tgtEl>
+                                        <p:attrNameLst>
+                                          <p:attrName>style.visibility</p:attrName>
+                                        </p:attrNameLst>
+                                      </p:cBhvr>
+                                      <p:to>
+                                        <p:strVal val="visible"/>
+                                      </p:to>
+                                    </p:set>
+                                    <p:animEffect transition="in" filter="fade">
+                                      <p:cBhvr>
+                                        <p:cTn id="7" dur="500"/>
+                                        <p:tgtEl>
+                                          <p:spTgt spid="3">
+                                            <p:txEl>
+                                              <p:pRg st="0" end="0"/>
+                                            </p:txEl>
+                                          </p:spTgt>
+                                        </p:tgtEl>
+                                      </p:cBhvr>
+                                    </p:animEffect>
+                                  </p:childTnLst>
+                                </p:cTn>
+                              </p:par>
+                              <p:par>
+                                <p:cTn id="8" presetID="10" presetClass="entr" presetSubtype="0" fill="hold" grpId="0" nodeType="withEffect">
+                                  <p:stCondLst>
+                                    <p:cond delay="0"/>
+                                  </p:stCondLst>
+                                  <p:childTnLst>
+                                    <p:set>
+                                      <p:cBhvr>
+                                        <p:cTn id="9" dur="1" fill="hold">
+                                          <p:stCondLst>
+                                            <p:cond delay="0"/>
+                                          </p:stCondLst>
+                                        </p:cTn>
+                                        <p:tgtEl>
+                                          <p:spTgt spid="3">
+                                            <p:txEl>
+                                              <p:pRg st="1" end="1"/>
+                                            </p:txEl>
+                                          </p:spTgt>
+                                        </p:tgtEl>
+                                        <p:attrNameLst>
+                                          <p:attrName>style.visibility</p:attrName>
+                                        </p:attrNameLst>
+                                      </p:cBhvr>
+                                      <p:to>
+                                        <p:strVal val="visible"/>
+                                      </p:to>
+                                    </p:set>
+                                    <p:animEffect transition="in" filter="fade">
+                                      <p:cBhvr>
+                                        <p:cTn id="10" dur="500"/>
+                                        <p:tgtEl>
+                                          <p:spTgt spid="3">
+                                            <p:txEl>
+                                              <p:pRg st="1" end="1"/>
+                                            </p:txEl>
+                                          </p:spTgt>
+                                        </p:tgtEl>
+                                      </p:cBhvr>
+                                    </p:animEffect>
+                                  </p:childTnLst>
+                                </p:cTn>
+                              </p:par>
+                            </p:childTnLst>
+                          </p:cTn>
+                        </p:par>
+                      </p:childTnLst>
+                    </p:cTn>
+                  </p:par>
+                  <p:par>
+                    <p:cTn id="11" fill="hold">
+                      <p:stCondLst>
+                        <p:cond delay="indefinite"/>
+                      </p:stCondLst>
+                      <p:childTnLst>
+                        <p:par>
+                          <p:cTn id="12" fill="hold">
+                            <p:stCondLst>
+                              <p:cond delay="0"/>
+                            </p:stCondLst>
+                            <p:childTnLst>
+                              <p:par>
+                                <p:cTn id="13" presetID="10" presetClass="entr" presetSubtype="0" fill="hold" grpId="0" nodeType="clickEffect">
+                                  <p:stCondLst>
+                                    <p:cond delay="0"/>
+                                  </p:stCondLst>
+                                  <p:childTnLst>
+                                    <p:set>
+                                      <p:cBhvr>
+                                        <p:cTn id="14" dur="1" fill="hold">
+                                          <p:stCondLst>
+                                            <p:cond delay="0"/>
+                                          </p:stCondLst>
+                                        </p:cTn>
+                                        <p:tgtEl>
+                                          <p:spTgt spid="3">
+                                            <p:txEl>
+                                              <p:pRg st="2" end="2"/>
+                                            </p:txEl>
+                                          </p:spTgt>
+                                        </p:tgtEl>
+                                        <p:attrNameLst>
+                                          <p:attrName>style.visibility</p:attrName>
+                                        </p:attrNameLst>
+                                      </p:cBhvr>
+                                      <p:to>
+                                        <p:strVal val="visible"/>
+                                      </p:to>
+                                    </p:set>
+                                    <p:animEffect transition="in" filter="fade">
+                                      <p:cBhvr>
+                                        <p:cTn id="15" dur="500"/>
+                                        <p:tgtEl>
+                                          <p:spTgt spid="3">
+                                            <p:txEl>
+                                              <p:pRg st="2" end="2"/>
+                                            </p:txEl>
+                                          </p:spTgt>
+                                        </p:tgtEl>
+                                      </p:cBhvr>
+                                    </p:animEffect>
+                                  </p:childTnLst>
+                                </p:cTn>
+                              </p:par>
+                              <p:par>
+                                <p:cTn id="16" presetID="10" presetClass="entr" presetSubtype="0" fill="hold" grpId="0" nodeType="withEffect">
+                                  <p:stCondLst>
+                                    <p:cond delay="0"/>
+                                  </p:stCondLst>
+                                  <p:childTnLst>
+                                    <p:set>
+                                      <p:cBhvr>
+                                        <p:cTn id="17" dur="1" fill="hold">
+                                          <p:stCondLst>
+                                            <p:cond delay="0"/>
+                                          </p:stCondLst>
+                                        </p:cTn>
+                                        <p:tgtEl>
+                                          <p:spTgt spid="3">
+                                            <p:txEl>
+                                              <p:pRg st="3" end="3"/>
+                                            </p:txEl>
+                                          </p:spTgt>
+                                        </p:tgtEl>
+                                        <p:attrNameLst>
+                                          <p:attrName>style.visibility</p:attrName>
+                                        </p:attrNameLst>
+                                      </p:cBhvr>
+                                      <p:to>
+                                        <p:strVal val="visible"/>
+                                      </p:to>
+                                    </p:set>
+                                    <p:animEffect transition="in" filter="fade">
+                                      <p:cBhvr>
+                                        <p:cTn id="18" dur="500"/>
+                                        <p:tgtEl>
+                                          <p:spTgt spid="3">
+                                            <p:txEl>
+                                              <p:pRg st="3" end="3"/>
+                                            </p:txEl>
+                                          </p:spTgt>
+                                        </p:tgtEl>
+                                      </p:cBhvr>
+                                    </p:animEffect>
+                                  </p:childTnLst>
+                                </p:cTn>
+                              </p:par>
+                            </p:childTnLst>
+                          </p:cTn>
+                        </p:par>
+                      </p:childTnLst>
+                    </p:cTn>
+                  </p:par>
+                  <p:par>
+                    <p:cTn id="19" fill="hold">
+                      <p:stCondLst>
+                        <p:cond delay="indefinite"/>
+                      </p:stCondLst>
+                      <p:childTnLst>
+                        <p:par>
+                          <p:cTn id="20" fill="hold">
+                            <p:stCondLst>
+                              <p:cond delay="0"/>
+                            </p:stCondLst>
+                            <p:childTnLst>
+                              <p:par>
+                                <p:cTn id="21" presetID="10" presetClass="entr" presetSubtype="0" fill="hold" grpId="0" nodeType="clickEffect">
+                                  <p:stCondLst>
+                                    <p:cond delay="0"/>
+                                  </p:stCondLst>
+                                  <p:childTnLst>
+                                    <p:set>
+                                      <p:cBhvr>
+                                        <p:cTn id="22" dur="1" fill="hold">
+                                          <p:stCondLst>
+                                            <p:cond delay="0"/>
+                                          </p:stCondLst>
+                                        </p:cTn>
+                                        <p:tgtEl>
+                                          <p:spTgt spid="3">
+                                            <p:txEl>
+                                              <p:pRg st="4" end="4"/>
+                                            </p:txEl>
+                                          </p:spTgt>
+                                        </p:tgtEl>
+                                        <p:attrNameLst>
+                                          <p:attrName>style.visibility</p:attrName>
+                                        </p:attrNameLst>
+                                      </p:cBhvr>
+                                      <p:to>
+                                        <p:strVal val="visible"/>
+                                      </p:to>
+                                    </p:set>
+                                    <p:animEffect transition="in" filter="fade">
+                                      <p:cBhvr>
+                                        <p:cTn id="23" dur="500"/>
+                                        <p:tgtEl>
+                                          <p:spTgt spid="3">
+                                            <p:txEl>
+                                              <p:pRg st="4" end="4"/>
+                                            </p:txEl>
+                                          </p:spTgt>
+                                        </p:tgtEl>
+                                      </p:cBhvr>
+                                    </p:animEffect>
+                                  </p:childTnLst>
+                                </p:cTn>
+                              </p:par>
+                              <p:par>
+                                <p:cTn id="24" presetID="10" presetClass="entr" presetSubtype="0" fill="hold" grpId="0" nodeType="withEffect">
+                                  <p:stCondLst>
+                                    <p:cond delay="0"/>
+                                  </p:stCondLst>
+                                  <p:childTnLst>
+                                    <p:set>
+                                      <p:cBhvr>
+                                        <p:cTn id="25" dur="1" fill="hold">
+                                          <p:stCondLst>
+                                            <p:cond delay="0"/>
+                                          </p:stCondLst>
+                                        </p:cTn>
+                                        <p:tgtEl>
+                                          <p:spTgt spid="3">
+                                            <p:txEl>
+                                              <p:pRg st="5" end="5"/>
+                                            </p:txEl>
+                                          </p:spTgt>
+                                        </p:tgtEl>
+                                        <p:attrNameLst>
+                                          <p:attrName>style.visibility</p:attrName>
+                                        </p:attrNameLst>
+                                      </p:cBhvr>
+                                      <p:to>
+                                        <p:strVal val="visible"/>
+                                      </p:to>
+                                    </p:set>
+                                    <p:animEffect transition="in" filter="fade">
+                                      <p:cBhvr>
+                                        <p:cTn id="26" dur="500"/>
+                                        <p:tgtEl>
+                                          <p:spTgt spid="3">
+                                            <p:txEl>
+                                              <p:pRg st="5" end="5"/>
+                                            </p:txEl>
+                                          </p:spTgt>
+                                        </p:tgtEl>
+                                      </p:cBhvr>
+                                    </p:animEffect>
+                                  </p:childTnLst>
+                                </p:cTn>
+                              </p:par>
+                              <p:par>
+                                <p:cTn id="27" presetID="10" presetClass="entr" presetSubtype="0" fill="hold" grpId="0" nodeType="withEffect">
+                                  <p:stCondLst>
+                                    <p:cond delay="0"/>
+                                  </p:stCondLst>
+                                  <p:childTnLst>
+                                    <p:set>
+                                      <p:cBhvr>
+                                        <p:cTn id="28" dur="1" fill="hold">
+                                          <p:stCondLst>
+                                            <p:cond delay="0"/>
+                                          </p:stCondLst>
+                                        </p:cTn>
+                                        <p:tgtEl>
+                                          <p:spTgt spid="3">
+                                            <p:txEl>
+                                              <p:pRg st="6" end="6"/>
+                                            </p:txEl>
+                                          </p:spTgt>
+                                        </p:tgtEl>
+                                        <p:attrNameLst>
+                                          <p:attrName>style.visibility</p:attrName>
+                                        </p:attrNameLst>
+                                      </p:cBhvr>
+                                      <p:to>
+                                        <p:strVal val="visible"/>
+                                      </p:to>
+                                    </p:set>
+                                    <p:animEffect transition="in" filter="fade">
+                                      <p:cBhvr>
+                                        <p:cTn id="29" dur="500"/>
+                                        <p:tgtEl>
+                                          <p:spTgt spid="3">
+                                            <p:txEl>
+                                              <p:pRg st="6" end="6"/>
+                                            </p:txEl>
+                                          </p:spTgt>
+                                        </p:tgtEl>
+                                      </p:cBhvr>
+                                    </p:animEffect>
+                                  </p:childTnLst>
+                                </p:cTn>
+                              </p:par>
+                              <p:par>
+                                <p:cTn id="30" presetID="10" presetClass="entr" presetSubtype="0" fill="hold" grpId="0" nodeType="withEffect">
+                                  <p:stCondLst>
+                                    <p:cond delay="0"/>
+                                  </p:stCondLst>
+                                  <p:childTnLst>
+                                    <p:set>
+                                      <p:cBhvr>
+                                        <p:cTn id="31" dur="1" fill="hold">
+                                          <p:stCondLst>
+                                            <p:cond delay="0"/>
+                                          </p:stCondLst>
+                                        </p:cTn>
+                                        <p:tgtEl>
+                                          <p:spTgt spid="3">
+                                            <p:txEl>
+                                              <p:pRg st="7" end="7"/>
+                                            </p:txEl>
+                                          </p:spTgt>
+                                        </p:tgtEl>
+                                        <p:attrNameLst>
+                                          <p:attrName>style.visibility</p:attrName>
+                                        </p:attrNameLst>
+                                      </p:cBhvr>
+                                      <p:to>
+                                        <p:strVal val="visible"/>
+                                      </p:to>
+                                    </p:set>
+                                    <p:animEffect transition="in" filter="fade">
+                                      <p:cBhvr>
+                                        <p:cTn id="32" dur="500"/>
+                                        <p:tgtEl>
+                                          <p:spTgt spid="3">
+                                            <p:txEl>
+                                              <p:pRg st="7" end="7"/>
+                                            </p:txEl>
+                                          </p:spTgt>
+                                        </p:tgtEl>
+                                      </p:cBhvr>
+                                    </p:animEffect>
+                                  </p:childTnLst>
+                                </p:cTn>
+                              </p:par>
+                              <p:par>
+                                <p:cTn id="33" presetID="10" presetClass="entr" presetSubtype="0" fill="hold" grpId="0" nodeType="withEffect">
+                                  <p:stCondLst>
+                                    <p:cond delay="0"/>
+                                  </p:stCondLst>
+                                  <p:childTnLst>
+                                    <p:set>
+                                      <p:cBhvr>
+                                        <p:cTn id="34" dur="1" fill="hold">
+                                          <p:stCondLst>
+                                            <p:cond delay="0"/>
+                                          </p:stCondLst>
+                                        </p:cTn>
+                                        <p:tgtEl>
+                                          <p:spTgt spid="3">
+                                            <p:txEl>
+                                              <p:pRg st="8" end="8"/>
+                                            </p:txEl>
+                                          </p:spTgt>
+                                        </p:tgtEl>
+                                        <p:attrNameLst>
+                                          <p:attrName>style.visibility</p:attrName>
+                                        </p:attrNameLst>
+                                      </p:cBhvr>
+                                      <p:to>
+                                        <p:strVal val="visible"/>
+                                      </p:to>
+                                    </p:set>
+                                    <p:animEffect transition="in" filter="fade">
+                                      <p:cBhvr>
+                                        <p:cTn id="35" dur="500"/>
+                                        <p:tgtEl>
+                                          <p:spTgt spid="3">
+                                            <p:txEl>
+                                              <p:pRg st="8" end="8"/>
+                                            </p:txEl>
+                                          </p:spTgt>
+                                        </p:tgtEl>
+                                      </p:cBhvr>
+                                    </p:animEffect>
+                                  </p:childTnLst>
+                                </p:cTn>
+                              </p:par>
+                            </p:childTnLst>
+                          </p:cTn>
+                        </p:par>
+                      </p:childTnLst>
+                    </p:cTn>
+                  </p:par>
+                </p:childTnLst>
+              </p:cTn>
+              <p:prevCondLst>
+                <p:cond evt="onPrev" delay="0">
+                  <p:tgtEl>
+                    <p:sldTgt/>
+                  </p:tgtEl>
+                </p:cond>
+              </p:prevCondLst>
+              <p:nextCondLst>
+                <p:cond evt="onNext" delay="0">
+                  <p:tgtEl>
+                    <p:sldTgt/>
+                  </p:tgtEl>
+                </p:cond>
+              </p:nextCondLst>
+            </p:seq>
+          </p:childTnLst>
+        </p:cTn>
+      </p:par>
+    </p:tnLst>
+    <p:bldLst>
+      <p:bldP spid="3" grpId="0" build="p"/>
+    </p:bldLst>
+  </p:timing>
+</p:sld>
+</file>
+
+<file path=ppt/slides/slide3.xml><?xml version="1.0" encoding="utf-8"?>
+<p:sld xmlns:a="http://schemas.openxmlformats.org/drawingml/2006/main" xmlns:r="http://schemas.openxmlformats.org/officeDocument/2006/relationships" xmlns:p="http://schemas.openxmlformats.org/presentationml/2006/main">
+  <p:cSld>
+    <p:spTree>
+      <p:nvGrpSpPr>
+        <p:cNvPr id="1" name=""/>
+        <p:cNvGrpSpPr/>
+        <p:nvPr/>
+      </p:nvGrpSpPr>
+      <p:grpSpPr>
+        <a:xfrm>
+          <a:off x="0" y="0"/>
+          <a:ext cx="0" cy="0"/>
+          <a:chOff x="0" y="0"/>
+          <a:chExt cx="0" cy="0"/>
+        </a:xfrm>
+      </p:grpSpPr>
+      <p:sp>
+        <p:nvSpPr>
+          <p:cNvPr id="55298" name="Rectangle 2"/>
+          <p:cNvSpPr>
+            <a:spLocks noGrp="1" noChangeArrowheads="1"/>
+          </p:cNvSpPr>
+          <p:nvPr>
+            <p:ph type="title"/>
+          </p:nvPr>
+        </p:nvSpPr>
+        <p:spPr/>
+        <p:txBody>
+          <a:bodyPr>
+            <a:normAutofit fontScale="90000"/>
+          </a:bodyPr>
+          <a:lstStyle/>
+          <a:p>
+            <a:r>
+              <a:rPr lang="ru-RU"/>
+              <a:t>Обнаружение ошибочных ситуаций</a:t>
+            </a:r>
+          </a:p>
+        </p:txBody>
+      </p:sp>
+      <p:sp>
+        <p:nvSpPr>
+          <p:cNvPr id="55299" name="Rectangle 3"/>
+          <p:cNvSpPr>
+            <a:spLocks noGrp="1" noChangeArrowheads="1"/>
+          </p:cNvSpPr>
+          <p:nvPr>
+            <p:ph idx="1"/>
+          </p:nvPr>
+        </p:nvSpPr>
+        <p:spPr/>
+        <p:txBody>
+          <a:bodyPr/>
+          <a:lstStyle/>
+          <a:p>
+            <a:r>
+              <a:rPr lang="ru-RU" dirty="0"/>
+              <a:t>Проверяйте данные поступающие из внешних источников на корректность</a:t>
+            </a:r>
+          </a:p>
+          <a:p>
+            <a:pPr lvl="1"/>
+            <a:r>
+              <a:rPr lang="ru-RU" dirty="0"/>
+              <a:t>Файлы, введенные пользователем данные, сетевые пакеты и т.п.</a:t>
+            </a:r>
+          </a:p>
+          <a:p>
+            <a:r>
+              <a:rPr lang="ru-RU" dirty="0"/>
+              <a:t>Осуществляйте проверку успешности вызовов </a:t>
+            </a:r>
+            <a:r>
+              <a:rPr lang="ru-RU" dirty="0" smtClean="0"/>
+              <a:t>функций используемого </a:t>
+            </a:r>
+            <a:r>
+              <a:rPr lang="en-US" dirty="0" smtClean="0"/>
+              <a:t>API</a:t>
+            </a:r>
+            <a:endParaRPr lang="ru-RU" dirty="0"/>
+          </a:p>
+          <a:p>
+            <a:pPr lvl="1"/>
+            <a:r>
+              <a:rPr lang="ru-RU" dirty="0"/>
+              <a:t>Функции ввода/вывода, выделения/освобождения ресурсов</a:t>
+            </a:r>
+          </a:p>
+        </p:txBody>
+      </p:sp>
+    </p:spTree>
+  </p:cSld>
+  <p:clrMapOvr>
+    <a:masterClrMapping/>
+  </p:clrMapOvr>
+  <p:timing>
+    <p:tnLst>
+      <p:par>
+        <p:cTn id="1" dur="indefinite" restart="never" nodeType="tmRoot">
+          <p:childTnLst>
+            <p:seq concurrent="1" nextAc="seek">
+              <p:cTn id="2" dur="indefinite" nodeType="mainSeq">
+                <p:childTnLst>
+                  <p:par>
+                    <p:cTn id="3" fill="hold">
+                      <p:stCondLst>
+                        <p:cond delay="indefinite"/>
+                      </p:stCondLst>
+                      <p:childTnLst>
+                        <p:par>
+                          <p:cTn id="4" fill="hold">
+                            <p:stCondLst>
+                              <p:cond delay="0"/>
+                            </p:stCondLst>
+                            <p:childTnLst>
+                              <p:par>
+                                <p:cTn id="5" presetID="10" presetClass="entr" presetSubtype="0" fill="hold" grpId="0" nodeType="clickEffect">
+                                  <p:stCondLst>
+                                    <p:cond delay="0"/>
+                                  </p:stCondLst>
+                                  <p:childTnLst>
+                                    <p:set>
+                                      <p:cBhvr>
+                                        <p:cTn id="6" dur="1" fill="hold">
+                                          <p:stCondLst>
+                                            <p:cond delay="0"/>
+                                          </p:stCondLst>
+                                        </p:cTn>
+                                        <p:tgtEl>
+                                          <p:spTgt spid="55299">
+                                            <p:txEl>
+                                              <p:pRg st="0" end="0"/>
+                                            </p:txEl>
+                                          </p:spTgt>
+                                        </p:tgtEl>
+                                        <p:attrNameLst>
+                                          <p:attrName>style.visibility</p:attrName>
+                                        </p:attrNameLst>
+                                      </p:cBhvr>
+                                      <p:to>
+                                        <p:strVal val="visible"/>
+                                      </p:to>
+                                    </p:set>
+                                    <p:animEffect transition="in" filter="fade">
+                                      <p:cBhvr>
+                                        <p:cTn id="7" dur="500"/>
+                                        <p:tgtEl>
+                                          <p:spTgt spid="55299">
+                                            <p:txEl>
+                                              <p:pRg st="0" end="0"/>
+                                            </p:txEl>
+                                          </p:spTgt>
+                                        </p:tgtEl>
+                                      </p:cBhvr>
+                                    </p:animEffect>
+                                  </p:childTnLst>
+                                </p:cTn>
+                              </p:par>
+                              <p:par>
+                                <p:cTn id="8" presetID="10" presetClass="entr" presetSubtype="0" fill="hold" grpId="0" nodeType="withEffect">
+                                  <p:stCondLst>
+                                    <p:cond delay="0"/>
+                                  </p:stCondLst>
+                                  <p:childTnLst>
+                                    <p:set>
+                                      <p:cBhvr>
+                                        <p:cTn id="9" dur="1" fill="hold">
+                                          <p:stCondLst>
+                                            <p:cond delay="0"/>
+                                          </p:stCondLst>
+                                        </p:cTn>
+                                        <p:tgtEl>
+                                          <p:spTgt spid="55299">
+                                            <p:txEl>
+                                              <p:pRg st="1" end="1"/>
+                                            </p:txEl>
+                                          </p:spTgt>
+                                        </p:tgtEl>
+                                        <p:attrNameLst>
+                                          <p:attrName>style.visibility</p:attrName>
+                                        </p:attrNameLst>
+                                      </p:cBhvr>
+                                      <p:to>
+                                        <p:strVal val="visible"/>
+                                      </p:to>
+                                    </p:set>
+                                    <p:animEffect transition="in" filter="fade">
+                                      <p:cBhvr>
+                                        <p:cTn id="10" dur="500"/>
+                                        <p:tgtEl>
+                                          <p:spTgt spid="55299">
+                                            <p:txEl>
+                                              <p:pRg st="1" end="1"/>
+                                            </p:txEl>
+                                          </p:spTgt>
+                                        </p:tgtEl>
+                                      </p:cBhvr>
+                                    </p:animEffect>
+                                  </p:childTnLst>
+                                </p:cTn>
+                              </p:par>
+                            </p:childTnLst>
+                          </p:cTn>
+                        </p:par>
+                      </p:childTnLst>
+                    </p:cTn>
+                  </p:par>
+                  <p:par>
+                    <p:cTn id="11" fill="hold">
+                      <p:stCondLst>
+                        <p:cond delay="indefinite"/>
+                      </p:stCondLst>
+                      <p:childTnLst>
+                        <p:par>
+                          <p:cTn id="12" fill="hold">
+                            <p:stCondLst>
+                              <p:cond delay="0"/>
+                            </p:stCondLst>
+                            <p:childTnLst>
+                              <p:par>
+                                <p:cTn id="13" presetID="10" presetClass="entr" presetSubtype="0" fill="hold" grpId="0" nodeType="clickEffect">
+                                  <p:stCondLst>
+                                    <p:cond delay="0"/>
+                                  </p:stCondLst>
+                                  <p:childTnLst>
+                                    <p:set>
+                                      <p:cBhvr>
+                                        <p:cTn id="14" dur="1" fill="hold">
+                                          <p:stCondLst>
+                                            <p:cond delay="0"/>
+                                          </p:stCondLst>
+                                        </p:cTn>
+                                        <p:tgtEl>
+                                          <p:spTgt spid="55299">
+                                            <p:txEl>
+                                              <p:pRg st="2" end="2"/>
+                                            </p:txEl>
+                                          </p:spTgt>
+                                        </p:tgtEl>
+                                        <p:attrNameLst>
+                                          <p:attrName>style.visibility</p:attrName>
+                                        </p:attrNameLst>
+                                      </p:cBhvr>
+                                      <p:to>
+                                        <p:strVal val="visible"/>
+                                      </p:to>
+                                    </p:set>
+                                    <p:animEffect transition="in" filter="fade">
+                                      <p:cBhvr>
+                                        <p:cTn id="15" dur="500"/>
+                                        <p:tgtEl>
+                                          <p:spTgt spid="55299">
+                                            <p:txEl>
+                                              <p:pRg st="2" end="2"/>
+                                            </p:txEl>
+                                          </p:spTgt>
+                                        </p:tgtEl>
+                                      </p:cBhvr>
+                                    </p:animEffect>
+                                  </p:childTnLst>
+                                </p:cTn>
+                              </p:par>
+                              <p:par>
+                                <p:cTn id="16" presetID="10" presetClass="entr" presetSubtype="0" fill="hold" grpId="0" nodeType="withEffect">
+                                  <p:stCondLst>
+                                    <p:cond delay="0"/>
+                                  </p:stCondLst>
+                                  <p:childTnLst>
+                                    <p:set>
+                                      <p:cBhvr>
+                                        <p:cTn id="17" dur="1" fill="hold">
+                                          <p:stCondLst>
+                                            <p:cond delay="0"/>
+                                          </p:stCondLst>
+                                        </p:cTn>
+                                        <p:tgtEl>
+                                          <p:spTgt spid="55299">
+                                            <p:txEl>
+                                              <p:pRg st="3" end="3"/>
+                                            </p:txEl>
+                                          </p:spTgt>
+                                        </p:tgtEl>
+                                        <p:attrNameLst>
+                                          <p:attrName>style.visibility</p:attrName>
+                                        </p:attrNameLst>
+                                      </p:cBhvr>
+                                      <p:to>
+                                        <p:strVal val="visible"/>
+                                      </p:to>
+                                    </p:set>
+                                    <p:animEffect transition="in" filter="fade">
+                                      <p:cBhvr>
+                                        <p:cTn id="18" dur="500"/>
+                                        <p:tgtEl>
+                                          <p:spTgt spid="55299">
+                                            <p:txEl>
+                                              <p:pRg st="3" end="3"/>
+                                            </p:txEl>
+                                          </p:spTgt>
+                                        </p:tgtEl>
+                                      </p:cBhvr>
+                                    </p:animEffect>
+                                  </p:childTnLst>
+                                </p:cTn>
+                              </p:par>
+                            </p:childTnLst>
+                          </p:cTn>
+                        </p:par>
+                      </p:childTnLst>
+                    </p:cTn>
+                  </p:par>
+                </p:childTnLst>
+              </p:cTn>
+              <p:prevCondLst>
+                <p:cond evt="onPrev" delay="0">
+                  <p:tgtEl>
+                    <p:sldTgt/>
+                  </p:tgtEl>
+                </p:cond>
+              </p:prevCondLst>
+              <p:nextCondLst>
+                <p:cond evt="onNext" delay="0">
+                  <p:tgtEl>
+                    <p:sldTgt/>
+                  </p:tgtEl>
+                </p:cond>
+              </p:nextCondLst>
+            </p:seq>
+          </p:childTnLst>
+        </p:cTn>
+      </p:par>
+    </p:tnLst>
+    <p:bldLst>
+      <p:bldP spid="55299" grpId="0" build="p"/>
+    </p:bldLst>
+  </p:timing>
+</p:sld>
+</file>
+
+<file path=ppt/slides/slide30.xml><?xml version="1.0" encoding="utf-8"?>
 <p:sld xmlns:a="http://schemas.openxmlformats.org/drawingml/2006/main" xmlns:r="http://schemas.openxmlformats.org/officeDocument/2006/relationships" xmlns:p="http://schemas.openxmlformats.org/presentationml/2006/main">
   <p:cSld>
     <p:spTree>
@@ -23428,304 +28517,6 @@
     <p:extLst>
       <p:ext uri="{BB962C8B-B14F-4D97-AF65-F5344CB8AC3E}">
         <p14:creationId xmlns:p14="http://schemas.microsoft.com/office/powerpoint/2010/main" val="2028398948"/>
-      </p:ext>
-    </p:extLst>
-  </p:cSld>
-  <p:clrMapOvr>
-    <a:masterClrMapping/>
-  </p:clrMapOvr>
-  <p:timing>
-    <p:tnLst>
-      <p:par>
-        <p:cTn id="1" dur="indefinite" restart="never" nodeType="tmRoot"/>
-      </p:par>
-    </p:tnLst>
-  </p:timing>
-</p:sld>
-</file>
-
-<file path=ppt/slides/slide3.xml><?xml version="1.0" encoding="utf-8"?>
-<p:sld xmlns:a="http://schemas.openxmlformats.org/drawingml/2006/main" xmlns:r="http://schemas.openxmlformats.org/officeDocument/2006/relationships" xmlns:p="http://schemas.openxmlformats.org/presentationml/2006/main">
-  <p:cSld>
-    <p:spTree>
-      <p:nvGrpSpPr>
-        <p:cNvPr id="1" name=""/>
-        <p:cNvGrpSpPr/>
-        <p:nvPr/>
-      </p:nvGrpSpPr>
-      <p:grpSpPr>
-        <a:xfrm>
-          <a:off x="0" y="0"/>
-          <a:ext cx="0" cy="0"/>
-          <a:chOff x="0" y="0"/>
-          <a:chExt cx="0" cy="0"/>
-        </a:xfrm>
-      </p:grpSpPr>
-      <p:sp>
-        <p:nvSpPr>
-          <p:cNvPr id="55298" name="Rectangle 2"/>
-          <p:cNvSpPr>
-            <a:spLocks noGrp="1" noChangeArrowheads="1"/>
-          </p:cNvSpPr>
-          <p:nvPr>
-            <p:ph type="title"/>
-          </p:nvPr>
-        </p:nvSpPr>
-        <p:spPr/>
-        <p:txBody>
-          <a:bodyPr>
-            <a:normAutofit fontScale="90000"/>
-          </a:bodyPr>
-          <a:lstStyle/>
-          <a:p>
-            <a:r>
-              <a:rPr lang="ru-RU"/>
-              <a:t>Обнаружение ошибочных ситуаций</a:t>
-            </a:r>
-          </a:p>
-        </p:txBody>
-      </p:sp>
-      <p:sp>
-        <p:nvSpPr>
-          <p:cNvPr id="55299" name="Rectangle 3"/>
-          <p:cNvSpPr>
-            <a:spLocks noGrp="1" noChangeArrowheads="1"/>
-          </p:cNvSpPr>
-          <p:nvPr>
-            <p:ph idx="1"/>
-          </p:nvPr>
-        </p:nvSpPr>
-        <p:spPr/>
-        <p:txBody>
-          <a:bodyPr/>
-          <a:lstStyle/>
-          <a:p>
-            <a:r>
-              <a:rPr lang="ru-RU" dirty="0"/>
-              <a:t>Проверяйте данные поступающие из внешних источников на корректность</a:t>
-            </a:r>
-          </a:p>
-          <a:p>
-            <a:pPr lvl="1"/>
-            <a:r>
-              <a:rPr lang="ru-RU" dirty="0"/>
-              <a:t>Файлы, введенные пользователем данные, сетевые пакеты и т.п.</a:t>
-            </a:r>
-          </a:p>
-          <a:p>
-            <a:r>
-              <a:rPr lang="ru-RU" dirty="0"/>
-              <a:t>Осуществляйте проверку успешности вызовов </a:t>
-            </a:r>
-            <a:r>
-              <a:rPr lang="ru-RU" dirty="0" smtClean="0"/>
-              <a:t>функций используемого </a:t>
-            </a:r>
-            <a:r>
-              <a:rPr lang="en-US" dirty="0" smtClean="0"/>
-              <a:t>API</a:t>
-            </a:r>
-            <a:endParaRPr lang="ru-RU" dirty="0"/>
-          </a:p>
-          <a:p>
-            <a:pPr lvl="1"/>
-            <a:r>
-              <a:rPr lang="ru-RU" dirty="0"/>
-              <a:t>Функции ввода/вывода, выделения/освобождения ресурсов</a:t>
-            </a:r>
-          </a:p>
-        </p:txBody>
-      </p:sp>
-    </p:spTree>
-  </p:cSld>
-  <p:clrMapOvr>
-    <a:masterClrMapping/>
-  </p:clrMapOvr>
-  <p:timing>
-    <p:tnLst>
-      <p:par>
-        <p:cTn id="1" dur="indefinite" restart="never" nodeType="tmRoot"/>
-      </p:par>
-    </p:tnLst>
-  </p:timing>
-</p:sld>
-</file>
-
-<file path=ppt/slides/slide30.xml><?xml version="1.0" encoding="utf-8"?>
-<p:sld xmlns:a="http://schemas.openxmlformats.org/drawingml/2006/main" xmlns:r="http://schemas.openxmlformats.org/officeDocument/2006/relationships" xmlns:p="http://schemas.openxmlformats.org/presentationml/2006/main">
-  <p:cSld>
-    <p:spTree>
-      <p:nvGrpSpPr>
-        <p:cNvPr id="1" name=""/>
-        <p:cNvGrpSpPr/>
-        <p:nvPr/>
-      </p:nvGrpSpPr>
-      <p:grpSpPr>
-        <a:xfrm>
-          <a:off x="0" y="0"/>
-          <a:ext cx="0" cy="0"/>
-          <a:chOff x="0" y="0"/>
-          <a:chExt cx="0" cy="0"/>
-        </a:xfrm>
-      </p:grpSpPr>
-      <p:sp>
-        <p:nvSpPr>
-          <p:cNvPr id="2" name="Заголовок 1"/>
-          <p:cNvSpPr>
-            <a:spLocks noGrp="1"/>
-          </p:cNvSpPr>
-          <p:nvPr>
-            <p:ph type="title"/>
-          </p:nvPr>
-        </p:nvSpPr>
-        <p:spPr/>
-        <p:txBody>
-          <a:bodyPr>
-            <a:normAutofit fontScale="90000"/>
-          </a:bodyPr>
-          <a:lstStyle/>
-          <a:p>
-            <a:r>
-              <a:rPr lang="ru-RU" dirty="0" smtClean="0"/>
-              <a:t>Анализ кода и возможные решения проблем</a:t>
-            </a:r>
-            <a:endParaRPr lang="ru-RU" dirty="0"/>
-          </a:p>
-        </p:txBody>
-      </p:sp>
-      <p:sp>
-        <p:nvSpPr>
-          <p:cNvPr id="3" name="Содержимое 2"/>
-          <p:cNvSpPr>
-            <a:spLocks noGrp="1"/>
-          </p:cNvSpPr>
-          <p:nvPr>
-            <p:ph idx="1"/>
-          </p:nvPr>
-        </p:nvSpPr>
-        <p:spPr/>
-        <p:txBody>
-          <a:bodyPr>
-            <a:normAutofit fontScale="92500" lnSpcReduction="10000"/>
-          </a:bodyPr>
-          <a:lstStyle/>
-          <a:p>
-            <a:r>
-              <a:rPr lang="ru-RU" dirty="0" smtClean="0"/>
-              <a:t>Считывание пустого файла приведет к </a:t>
-            </a:r>
-            <a:r>
-              <a:rPr lang="en-US" dirty="0" smtClean="0"/>
-              <a:t>assert-</a:t>
-            </a:r>
-            <a:r>
-              <a:rPr lang="ru-RU" dirty="0" smtClean="0"/>
-              <a:t>у</a:t>
-            </a:r>
-          </a:p>
-          <a:p>
-            <a:pPr lvl="1"/>
-            <a:r>
-              <a:rPr lang="ru-RU" dirty="0" smtClean="0"/>
-              <a:t>Решение: не читать пустой файл </a:t>
-            </a:r>
-            <a:r>
-              <a:rPr lang="ru-RU" dirty="0" smtClean="0">
-                <a:sym typeface="Wingdings" pitchFamily="2" charset="2"/>
-              </a:rPr>
-              <a:t></a:t>
-            </a:r>
-            <a:endParaRPr lang="ru-RU" dirty="0" smtClean="0"/>
-          </a:p>
-          <a:p>
-            <a:r>
-              <a:rPr lang="ru-RU" dirty="0" smtClean="0"/>
-              <a:t>Нет возможности отличить ошибку открытия файла от считывания содержимого пустого файла</a:t>
-            </a:r>
-            <a:endParaRPr lang="en-US" dirty="0" smtClean="0"/>
-          </a:p>
-          <a:p>
-            <a:pPr lvl="1"/>
-            <a:r>
-              <a:rPr lang="ru-RU" dirty="0" smtClean="0"/>
-              <a:t>Решение: Бросать исключение при ошибке открытия файла</a:t>
-            </a:r>
-          </a:p>
-          <a:p>
-            <a:r>
-              <a:rPr lang="ru-RU" dirty="0" smtClean="0"/>
-              <a:t>При выбросе исключения </a:t>
-            </a:r>
-            <a:r>
-              <a:rPr lang="en-US" dirty="0" err="1" smtClean="0"/>
-              <a:t>bad_alloc</a:t>
-            </a:r>
-            <a:r>
-              <a:rPr lang="ru-RU" dirty="0" smtClean="0"/>
-              <a:t> файл не будет закрыт</a:t>
-            </a:r>
-          </a:p>
-          <a:p>
-            <a:pPr lvl="1"/>
-            <a:r>
-              <a:rPr lang="ru-RU" dirty="0" smtClean="0"/>
-              <a:t>Возможные решения:</a:t>
-            </a:r>
-          </a:p>
-          <a:p>
-            <a:pPr lvl="2"/>
-            <a:r>
-              <a:rPr lang="ru-RU" dirty="0" smtClean="0"/>
-              <a:t>Явный перехват исключения с </a:t>
-            </a:r>
-            <a:r>
-              <a:rPr lang="ru-RU" dirty="0" err="1" smtClean="0"/>
-              <a:t>перевыбросом</a:t>
-            </a:r>
-            <a:r>
-              <a:rPr lang="ru-RU" dirty="0" smtClean="0"/>
-              <a:t> после закрытия</a:t>
-            </a:r>
-          </a:p>
-          <a:p>
-            <a:pPr lvl="2"/>
-            <a:r>
-              <a:rPr lang="en-US" dirty="0" smtClean="0"/>
-              <a:t>BOOST_SCOPE_EXIT</a:t>
-            </a:r>
-            <a:endParaRPr lang="ru-RU" dirty="0" smtClean="0"/>
-          </a:p>
-          <a:p>
-            <a:pPr lvl="2"/>
-            <a:r>
-              <a:rPr lang="ru-RU" dirty="0" smtClean="0"/>
-              <a:t>Отказ от </a:t>
-            </a:r>
-            <a:r>
-              <a:rPr lang="en-US" dirty="0" smtClean="0"/>
-              <a:t>FILE* </a:t>
-            </a:r>
-            <a:r>
-              <a:rPr lang="ru-RU" dirty="0" smtClean="0"/>
-              <a:t>в пользу классов с поддержкой идиомы </a:t>
-            </a:r>
-            <a:r>
-              <a:rPr lang="en-US" dirty="0" smtClean="0">
-                <a:hlinkClick r:id="rId3"/>
-              </a:rPr>
-              <a:t>RAII</a:t>
-            </a:r>
-            <a:endParaRPr lang="ru-RU" dirty="0" smtClean="0"/>
-          </a:p>
-          <a:p>
-            <a:endParaRPr lang="ru-RU" dirty="0"/>
-          </a:p>
-        </p:txBody>
-      </p:sp>
-    </p:spTree>
-    <p:extLst>
-      <p:ext uri="{BB962C8B-B14F-4D97-AF65-F5344CB8AC3E}">
-        <p14:creationId xmlns:p14="http://schemas.microsoft.com/office/powerpoint/2010/main" val="2019311717"/>
       </p:ext>
     </p:extLst>
   </p:cSld>
@@ -25045,17 +29836,7 @@
                 <a:latin typeface="Courier New" pitchFamily="49" charset="0"/>
                 <a:cs typeface="Courier New" pitchFamily="49" charset="0"/>
               </a:rPr>
-              <a:t>	</a:t>
-            </a:r>
-            <a:r>
-              <a:rPr lang="en-US" sz="2000" b="1" dirty="0" smtClean="0">
-                <a:solidFill>
-                  <a:srgbClr val="FF0000"/>
-                </a:solidFill>
-                <a:latin typeface="Courier New" pitchFamily="49" charset="0"/>
-                <a:cs typeface="Courier New" pitchFamily="49" charset="0"/>
-              </a:rPr>
-              <a:t>BOOST_SCOPE_EXIT_ALL((</a:t>
+              <a:t>	BOOST_SCOPE_EXIT_ALL((</a:t>
             </a:r>
             <a:r>
               <a:rPr lang="en-US" sz="2000" b="1" dirty="0" err="1" smtClean="0">
@@ -25172,25 +29953,8 @@
                 <a:latin typeface="Courier New" pitchFamily="49" charset="0"/>
                 <a:cs typeface="Courier New" pitchFamily="49" charset="0"/>
               </a:rPr>
-              <a:t>	</a:t>
-            </a:r>
-            <a:r>
-              <a:rPr lang="en-US" sz="2000" b="1" dirty="0" smtClean="0">
-                <a:solidFill>
-                  <a:srgbClr val="FF0000"/>
-                </a:solidFill>
-                <a:latin typeface="Courier New" pitchFamily="49" charset="0"/>
-                <a:cs typeface="Courier New" pitchFamily="49" charset="0"/>
-              </a:rPr>
-              <a:t>};</a:t>
-            </a:r>
-            <a:endParaRPr lang="en-US" sz="2000" b="1" dirty="0" smtClean="0">
-              <a:solidFill>
-                <a:srgbClr val="FF0000"/>
-              </a:solidFill>
-              <a:latin typeface="Courier New" pitchFamily="49" charset="0"/>
-              <a:cs typeface="Courier New" pitchFamily="49" charset="0"/>
-            </a:endParaRPr>
+              <a:t>	};</a:t>
+            </a:r>
           </a:p>
           <a:p>
             <a:pPr>
@@ -26054,17 +30818,7 @@
                 <a:latin typeface="Courier New" pitchFamily="49" charset="0"/>
                 <a:cs typeface="Courier New" pitchFamily="49" charset="0"/>
               </a:rPr>
-              <a:t>&lt;char</a:t>
-            </a:r>
-            <a:r>
-              <a:rPr lang="en-US" sz="2000" b="1" dirty="0" smtClean="0">
-                <a:solidFill>
-                  <a:srgbClr val="FF0000"/>
-                </a:solidFill>
-                <a:latin typeface="Courier New" pitchFamily="49" charset="0"/>
-                <a:cs typeface="Courier New" pitchFamily="49" charset="0"/>
-              </a:rPr>
-              <a:t>&gt;(file),</a:t>
+              <a:t>&lt;char&gt;(file),</a:t>
             </a:r>
             <a:endParaRPr lang="ru-RU" sz="2000" b="1" dirty="0" smtClean="0">
               <a:solidFill>
@@ -26120,13 +30874,6 @@
               </a:rPr>
               <a:t>&lt;char&gt;()));</a:t>
             </a:r>
-            <a:endParaRPr lang="en-US" sz="2000" b="1" dirty="0" smtClean="0">
-              <a:solidFill>
-                <a:srgbClr val="FF0000"/>
-              </a:solidFill>
-              <a:latin typeface="Courier New" pitchFamily="49" charset="0"/>
-              <a:cs typeface="Courier New" pitchFamily="49" charset="0"/>
-            </a:endParaRPr>
           </a:p>
           <a:p>
             <a:pPr>
@@ -27105,9 +31852,390 @@
   <p:timing>
     <p:tnLst>
       <p:par>
-        <p:cTn id="1" dur="indefinite" restart="never" nodeType="tmRoot"/>
+        <p:cTn id="1" dur="indefinite" restart="never" nodeType="tmRoot">
+          <p:childTnLst>
+            <p:seq concurrent="1" nextAc="seek">
+              <p:cTn id="2" dur="indefinite" nodeType="mainSeq">
+                <p:childTnLst>
+                  <p:par>
+                    <p:cTn id="3" fill="hold">
+                      <p:stCondLst>
+                        <p:cond delay="indefinite"/>
+                      </p:stCondLst>
+                      <p:childTnLst>
+                        <p:par>
+                          <p:cTn id="4" fill="hold">
+                            <p:stCondLst>
+                              <p:cond delay="0"/>
+                            </p:stCondLst>
+                            <p:childTnLst>
+                              <p:par>
+                                <p:cTn id="5" presetID="10" presetClass="entr" presetSubtype="0" fill="hold" grpId="0" nodeType="clickEffect">
+                                  <p:stCondLst>
+                                    <p:cond delay="0"/>
+                                  </p:stCondLst>
+                                  <p:childTnLst>
+                                    <p:set>
+                                      <p:cBhvr>
+                                        <p:cTn id="6" dur="1" fill="hold">
+                                          <p:stCondLst>
+                                            <p:cond delay="0"/>
+                                          </p:stCondLst>
+                                        </p:cTn>
+                                        <p:tgtEl>
+                                          <p:spTgt spid="3">
+                                            <p:txEl>
+                                              <p:pRg st="0" end="0"/>
+                                            </p:txEl>
+                                          </p:spTgt>
+                                        </p:tgtEl>
+                                        <p:attrNameLst>
+                                          <p:attrName>style.visibility</p:attrName>
+                                        </p:attrNameLst>
+                                      </p:cBhvr>
+                                      <p:to>
+                                        <p:strVal val="visible"/>
+                                      </p:to>
+                                    </p:set>
+                                    <p:animEffect transition="in" filter="fade">
+                                      <p:cBhvr>
+                                        <p:cTn id="7" dur="500"/>
+                                        <p:tgtEl>
+                                          <p:spTgt spid="3">
+                                            <p:txEl>
+                                              <p:pRg st="0" end="0"/>
+                                            </p:txEl>
+                                          </p:spTgt>
+                                        </p:tgtEl>
+                                      </p:cBhvr>
+                                    </p:animEffect>
+                                  </p:childTnLst>
+                                </p:cTn>
+                              </p:par>
+                              <p:par>
+                                <p:cTn id="8" presetID="10" presetClass="entr" presetSubtype="0" fill="hold" grpId="0" nodeType="withEffect">
+                                  <p:stCondLst>
+                                    <p:cond delay="0"/>
+                                  </p:stCondLst>
+                                  <p:childTnLst>
+                                    <p:set>
+                                      <p:cBhvr>
+                                        <p:cTn id="9" dur="1" fill="hold">
+                                          <p:stCondLst>
+                                            <p:cond delay="0"/>
+                                          </p:stCondLst>
+                                        </p:cTn>
+                                        <p:tgtEl>
+                                          <p:spTgt spid="3">
+                                            <p:txEl>
+                                              <p:pRg st="1" end="1"/>
+                                            </p:txEl>
+                                          </p:spTgt>
+                                        </p:tgtEl>
+                                        <p:attrNameLst>
+                                          <p:attrName>style.visibility</p:attrName>
+                                        </p:attrNameLst>
+                                      </p:cBhvr>
+                                      <p:to>
+                                        <p:strVal val="visible"/>
+                                      </p:to>
+                                    </p:set>
+                                    <p:animEffect transition="in" filter="fade">
+                                      <p:cBhvr>
+                                        <p:cTn id="10" dur="500"/>
+                                        <p:tgtEl>
+                                          <p:spTgt spid="3">
+                                            <p:txEl>
+                                              <p:pRg st="1" end="1"/>
+                                            </p:txEl>
+                                          </p:spTgt>
+                                        </p:tgtEl>
+                                      </p:cBhvr>
+                                    </p:animEffect>
+                                  </p:childTnLst>
+                                </p:cTn>
+                              </p:par>
+                              <p:par>
+                                <p:cTn id="11" presetID="10" presetClass="entr" presetSubtype="0" fill="hold" grpId="0" nodeType="withEffect">
+                                  <p:stCondLst>
+                                    <p:cond delay="0"/>
+                                  </p:stCondLst>
+                                  <p:childTnLst>
+                                    <p:set>
+                                      <p:cBhvr>
+                                        <p:cTn id="12" dur="1" fill="hold">
+                                          <p:stCondLst>
+                                            <p:cond delay="0"/>
+                                          </p:stCondLst>
+                                        </p:cTn>
+                                        <p:tgtEl>
+                                          <p:spTgt spid="3">
+                                            <p:txEl>
+                                              <p:pRg st="2" end="2"/>
+                                            </p:txEl>
+                                          </p:spTgt>
+                                        </p:tgtEl>
+                                        <p:attrNameLst>
+                                          <p:attrName>style.visibility</p:attrName>
+                                        </p:attrNameLst>
+                                      </p:cBhvr>
+                                      <p:to>
+                                        <p:strVal val="visible"/>
+                                      </p:to>
+                                    </p:set>
+                                    <p:animEffect transition="in" filter="fade">
+                                      <p:cBhvr>
+                                        <p:cTn id="13" dur="500"/>
+                                        <p:tgtEl>
+                                          <p:spTgt spid="3">
+                                            <p:txEl>
+                                              <p:pRg st="2" end="2"/>
+                                            </p:txEl>
+                                          </p:spTgt>
+                                        </p:tgtEl>
+                                      </p:cBhvr>
+                                    </p:animEffect>
+                                  </p:childTnLst>
+                                </p:cTn>
+                              </p:par>
+                              <p:par>
+                                <p:cTn id="14" presetID="10" presetClass="entr" presetSubtype="0" fill="hold" grpId="0" nodeType="withEffect">
+                                  <p:stCondLst>
+                                    <p:cond delay="0"/>
+                                  </p:stCondLst>
+                                  <p:childTnLst>
+                                    <p:set>
+                                      <p:cBhvr>
+                                        <p:cTn id="15" dur="1" fill="hold">
+                                          <p:stCondLst>
+                                            <p:cond delay="0"/>
+                                          </p:stCondLst>
+                                        </p:cTn>
+                                        <p:tgtEl>
+                                          <p:spTgt spid="3">
+                                            <p:txEl>
+                                              <p:pRg st="3" end="3"/>
+                                            </p:txEl>
+                                          </p:spTgt>
+                                        </p:tgtEl>
+                                        <p:attrNameLst>
+                                          <p:attrName>style.visibility</p:attrName>
+                                        </p:attrNameLst>
+                                      </p:cBhvr>
+                                      <p:to>
+                                        <p:strVal val="visible"/>
+                                      </p:to>
+                                    </p:set>
+                                    <p:animEffect transition="in" filter="fade">
+                                      <p:cBhvr>
+                                        <p:cTn id="16" dur="500"/>
+                                        <p:tgtEl>
+                                          <p:spTgt spid="3">
+                                            <p:txEl>
+                                              <p:pRg st="3" end="3"/>
+                                            </p:txEl>
+                                          </p:spTgt>
+                                        </p:tgtEl>
+                                      </p:cBhvr>
+                                    </p:animEffect>
+                                  </p:childTnLst>
+                                </p:cTn>
+                              </p:par>
+                              <p:par>
+                                <p:cTn id="17" presetID="10" presetClass="entr" presetSubtype="0" fill="hold" grpId="0" nodeType="withEffect">
+                                  <p:stCondLst>
+                                    <p:cond delay="0"/>
+                                  </p:stCondLst>
+                                  <p:childTnLst>
+                                    <p:set>
+                                      <p:cBhvr>
+                                        <p:cTn id="18" dur="1" fill="hold">
+                                          <p:stCondLst>
+                                            <p:cond delay="0"/>
+                                          </p:stCondLst>
+                                        </p:cTn>
+                                        <p:tgtEl>
+                                          <p:spTgt spid="3">
+                                            <p:txEl>
+                                              <p:pRg st="4" end="4"/>
+                                            </p:txEl>
+                                          </p:spTgt>
+                                        </p:tgtEl>
+                                        <p:attrNameLst>
+                                          <p:attrName>style.visibility</p:attrName>
+                                        </p:attrNameLst>
+                                      </p:cBhvr>
+                                      <p:to>
+                                        <p:strVal val="visible"/>
+                                      </p:to>
+                                    </p:set>
+                                    <p:animEffect transition="in" filter="fade">
+                                      <p:cBhvr>
+                                        <p:cTn id="19" dur="500"/>
+                                        <p:tgtEl>
+                                          <p:spTgt spid="3">
+                                            <p:txEl>
+                                              <p:pRg st="4" end="4"/>
+                                            </p:txEl>
+                                          </p:spTgt>
+                                        </p:tgtEl>
+                                      </p:cBhvr>
+                                    </p:animEffect>
+                                  </p:childTnLst>
+                                </p:cTn>
+                              </p:par>
+                            </p:childTnLst>
+                          </p:cTn>
+                        </p:par>
+                      </p:childTnLst>
+                    </p:cTn>
+                  </p:par>
+                  <p:par>
+                    <p:cTn id="20" fill="hold">
+                      <p:stCondLst>
+                        <p:cond delay="indefinite"/>
+                      </p:stCondLst>
+                      <p:childTnLst>
+                        <p:par>
+                          <p:cTn id="21" fill="hold">
+                            <p:stCondLst>
+                              <p:cond delay="0"/>
+                            </p:stCondLst>
+                            <p:childTnLst>
+                              <p:par>
+                                <p:cTn id="22" presetID="10" presetClass="entr" presetSubtype="0" fill="hold" grpId="0" nodeType="clickEffect">
+                                  <p:stCondLst>
+                                    <p:cond delay="0"/>
+                                  </p:stCondLst>
+                                  <p:childTnLst>
+                                    <p:set>
+                                      <p:cBhvr>
+                                        <p:cTn id="23" dur="1" fill="hold">
+                                          <p:stCondLst>
+                                            <p:cond delay="0"/>
+                                          </p:stCondLst>
+                                        </p:cTn>
+                                        <p:tgtEl>
+                                          <p:spTgt spid="3">
+                                            <p:txEl>
+                                              <p:pRg st="5" end="5"/>
+                                            </p:txEl>
+                                          </p:spTgt>
+                                        </p:tgtEl>
+                                        <p:attrNameLst>
+                                          <p:attrName>style.visibility</p:attrName>
+                                        </p:attrNameLst>
+                                      </p:cBhvr>
+                                      <p:to>
+                                        <p:strVal val="visible"/>
+                                      </p:to>
+                                    </p:set>
+                                    <p:animEffect transition="in" filter="fade">
+                                      <p:cBhvr>
+                                        <p:cTn id="24" dur="500"/>
+                                        <p:tgtEl>
+                                          <p:spTgt spid="3">
+                                            <p:txEl>
+                                              <p:pRg st="5" end="5"/>
+                                            </p:txEl>
+                                          </p:spTgt>
+                                        </p:tgtEl>
+                                      </p:cBhvr>
+                                    </p:animEffect>
+                                  </p:childTnLst>
+                                </p:cTn>
+                              </p:par>
+                            </p:childTnLst>
+                          </p:cTn>
+                        </p:par>
+                      </p:childTnLst>
+                    </p:cTn>
+                  </p:par>
+                  <p:par>
+                    <p:cTn id="25" fill="hold">
+                      <p:stCondLst>
+                        <p:cond delay="indefinite"/>
+                      </p:stCondLst>
+                      <p:childTnLst>
+                        <p:par>
+                          <p:cTn id="26" fill="hold">
+                            <p:stCondLst>
+                              <p:cond delay="0"/>
+                            </p:stCondLst>
+                            <p:childTnLst>
+                              <p:par>
+                                <p:cTn id="27" presetID="10" presetClass="entr" presetSubtype="0" fill="hold" grpId="0" nodeType="clickEffect">
+                                  <p:stCondLst>
+                                    <p:cond delay="0"/>
+                                  </p:stCondLst>
+                                  <p:childTnLst>
+                                    <p:set>
+                                      <p:cBhvr>
+                                        <p:cTn id="28" dur="1" fill="hold">
+                                          <p:stCondLst>
+                                            <p:cond delay="0"/>
+                                          </p:stCondLst>
+                                        </p:cTn>
+                                        <p:tgtEl>
+                                          <p:spTgt spid="3">
+                                            <p:txEl>
+                                              <p:pRg st="6" end="6"/>
+                                            </p:txEl>
+                                          </p:spTgt>
+                                        </p:tgtEl>
+                                        <p:attrNameLst>
+                                          <p:attrName>style.visibility</p:attrName>
+                                        </p:attrNameLst>
+                                      </p:cBhvr>
+                                      <p:to>
+                                        <p:strVal val="visible"/>
+                                      </p:to>
+                                    </p:set>
+                                    <p:animEffect transition="in" filter="fade">
+                                      <p:cBhvr>
+                                        <p:cTn id="29" dur="500"/>
+                                        <p:tgtEl>
+                                          <p:spTgt spid="3">
+                                            <p:txEl>
+                                              <p:pRg st="6" end="6"/>
+                                            </p:txEl>
+                                          </p:spTgt>
+                                        </p:tgtEl>
+                                      </p:cBhvr>
+                                    </p:animEffect>
+                                  </p:childTnLst>
+                                </p:cTn>
+                              </p:par>
+                            </p:childTnLst>
+                          </p:cTn>
+                        </p:par>
+                      </p:childTnLst>
+                    </p:cTn>
+                  </p:par>
+                </p:childTnLst>
+              </p:cTn>
+              <p:prevCondLst>
+                <p:cond evt="onPrev" delay="0">
+                  <p:tgtEl>
+                    <p:sldTgt/>
+                  </p:tgtEl>
+                </p:cond>
+              </p:prevCondLst>
+              <p:nextCondLst>
+                <p:cond evt="onNext" delay="0">
+                  <p:tgtEl>
+                    <p:sldTgt/>
+                  </p:tgtEl>
+                </p:cond>
+              </p:nextCondLst>
+            </p:seq>
+          </p:childTnLst>
+        </p:cTn>
       </p:par>
     </p:tnLst>
+    <p:bldLst>
+      <p:bldP spid="3" grpId="0" build="p"/>
+    </p:bldLst>
   </p:timing>
 </p:sld>
 </file>
@@ -28659,7 +33787,6 @@
             <a:endParaRPr lang="ru-RU" dirty="0" smtClean="0"/>
           </a:p>
           <a:p>
-            <a:pPr lvl="1"/>
             <a:r>
               <a:rPr lang="ru-RU" dirty="0" smtClean="0"/>
               <a:t>Выбрасывание исключения в операторе </a:t>
@@ -28679,7 +33806,7 @@
             <a:endParaRPr lang="ru-RU" dirty="0" smtClean="0"/>
           </a:p>
           <a:p>
-            <a:pPr lvl="2"/>
+            <a:pPr lvl="1"/>
             <a:r>
               <a:rPr lang="en-US" dirty="0" smtClean="0"/>
               <a:t>UB </a:t>
@@ -28706,7 +33833,7 @@
             </a:r>
           </a:p>
           <a:p>
-            <a:pPr lvl="2"/>
+            <a:pPr lvl="1"/>
             <a:r>
               <a:rPr lang="ru-RU" dirty="0" smtClean="0"/>
               <a:t>Невозможность использования экземпляра из-за нарушенных инвариантов</a:t>
@@ -28727,9 +33854,329 @@
   <p:timing>
     <p:tnLst>
       <p:par>
-        <p:cTn id="1" dur="indefinite" restart="never" nodeType="tmRoot"/>
+        <p:cTn id="1" dur="indefinite" restart="never" nodeType="tmRoot">
+          <p:childTnLst>
+            <p:seq concurrent="1" nextAc="seek">
+              <p:cTn id="2" dur="indefinite" nodeType="mainSeq">
+                <p:childTnLst>
+                  <p:par>
+                    <p:cTn id="3" fill="hold">
+                      <p:stCondLst>
+                        <p:cond delay="indefinite"/>
+                      </p:stCondLst>
+                      <p:childTnLst>
+                        <p:par>
+                          <p:cTn id="4" fill="hold">
+                            <p:stCondLst>
+                              <p:cond delay="0"/>
+                            </p:stCondLst>
+                            <p:childTnLst>
+                              <p:par>
+                                <p:cTn id="5" presetID="10" presetClass="entr" presetSubtype="0" fill="hold" grpId="0" nodeType="clickEffect">
+                                  <p:stCondLst>
+                                    <p:cond delay="0"/>
+                                  </p:stCondLst>
+                                  <p:childTnLst>
+                                    <p:set>
+                                      <p:cBhvr>
+                                        <p:cTn id="6" dur="1" fill="hold">
+                                          <p:stCondLst>
+                                            <p:cond delay="0"/>
+                                          </p:stCondLst>
+                                        </p:cTn>
+                                        <p:tgtEl>
+                                          <p:spTgt spid="3">
+                                            <p:txEl>
+                                              <p:pRg st="0" end="0"/>
+                                            </p:txEl>
+                                          </p:spTgt>
+                                        </p:tgtEl>
+                                        <p:attrNameLst>
+                                          <p:attrName>style.visibility</p:attrName>
+                                        </p:attrNameLst>
+                                      </p:cBhvr>
+                                      <p:to>
+                                        <p:strVal val="visible"/>
+                                      </p:to>
+                                    </p:set>
+                                    <p:animEffect transition="in" filter="fade">
+                                      <p:cBhvr>
+                                        <p:cTn id="7" dur="500"/>
+                                        <p:tgtEl>
+                                          <p:spTgt spid="3">
+                                            <p:txEl>
+                                              <p:pRg st="0" end="0"/>
+                                            </p:txEl>
+                                          </p:spTgt>
+                                        </p:tgtEl>
+                                      </p:cBhvr>
+                                    </p:animEffect>
+                                  </p:childTnLst>
+                                </p:cTn>
+                              </p:par>
+                              <p:par>
+                                <p:cTn id="8" presetID="10" presetClass="entr" presetSubtype="0" fill="hold" grpId="0" nodeType="withEffect">
+                                  <p:stCondLst>
+                                    <p:cond delay="0"/>
+                                  </p:stCondLst>
+                                  <p:childTnLst>
+                                    <p:set>
+                                      <p:cBhvr>
+                                        <p:cTn id="9" dur="1" fill="hold">
+                                          <p:stCondLst>
+                                            <p:cond delay="0"/>
+                                          </p:stCondLst>
+                                        </p:cTn>
+                                        <p:tgtEl>
+                                          <p:spTgt spid="3">
+                                            <p:txEl>
+                                              <p:pRg st="1" end="1"/>
+                                            </p:txEl>
+                                          </p:spTgt>
+                                        </p:tgtEl>
+                                        <p:attrNameLst>
+                                          <p:attrName>style.visibility</p:attrName>
+                                        </p:attrNameLst>
+                                      </p:cBhvr>
+                                      <p:to>
+                                        <p:strVal val="visible"/>
+                                      </p:to>
+                                    </p:set>
+                                    <p:animEffect transition="in" filter="fade">
+                                      <p:cBhvr>
+                                        <p:cTn id="10" dur="500"/>
+                                        <p:tgtEl>
+                                          <p:spTgt spid="3">
+                                            <p:txEl>
+                                              <p:pRg st="1" end="1"/>
+                                            </p:txEl>
+                                          </p:spTgt>
+                                        </p:tgtEl>
+                                      </p:cBhvr>
+                                    </p:animEffect>
+                                  </p:childTnLst>
+                                </p:cTn>
+                              </p:par>
+                              <p:par>
+                                <p:cTn id="11" presetID="10" presetClass="entr" presetSubtype="0" fill="hold" grpId="0" nodeType="withEffect">
+                                  <p:stCondLst>
+                                    <p:cond delay="0"/>
+                                  </p:stCondLst>
+                                  <p:childTnLst>
+                                    <p:set>
+                                      <p:cBhvr>
+                                        <p:cTn id="12" dur="1" fill="hold">
+                                          <p:stCondLst>
+                                            <p:cond delay="0"/>
+                                          </p:stCondLst>
+                                        </p:cTn>
+                                        <p:tgtEl>
+                                          <p:spTgt spid="3">
+                                            <p:txEl>
+                                              <p:pRg st="2" end="2"/>
+                                            </p:txEl>
+                                          </p:spTgt>
+                                        </p:tgtEl>
+                                        <p:attrNameLst>
+                                          <p:attrName>style.visibility</p:attrName>
+                                        </p:attrNameLst>
+                                      </p:cBhvr>
+                                      <p:to>
+                                        <p:strVal val="visible"/>
+                                      </p:to>
+                                    </p:set>
+                                    <p:animEffect transition="in" filter="fade">
+                                      <p:cBhvr>
+                                        <p:cTn id="13" dur="500"/>
+                                        <p:tgtEl>
+                                          <p:spTgt spid="3">
+                                            <p:txEl>
+                                              <p:pRg st="2" end="2"/>
+                                            </p:txEl>
+                                          </p:spTgt>
+                                        </p:tgtEl>
+                                      </p:cBhvr>
+                                    </p:animEffect>
+                                  </p:childTnLst>
+                                </p:cTn>
+                              </p:par>
+                            </p:childTnLst>
+                          </p:cTn>
+                        </p:par>
+                      </p:childTnLst>
+                    </p:cTn>
+                  </p:par>
+                  <p:par>
+                    <p:cTn id="14" fill="hold">
+                      <p:stCondLst>
+                        <p:cond delay="indefinite"/>
+                      </p:stCondLst>
+                      <p:childTnLst>
+                        <p:par>
+                          <p:cTn id="15" fill="hold">
+                            <p:stCondLst>
+                              <p:cond delay="0"/>
+                            </p:stCondLst>
+                            <p:childTnLst>
+                              <p:par>
+                                <p:cTn id="16" presetID="10" presetClass="entr" presetSubtype="0" fill="hold" grpId="0" nodeType="clickEffect">
+                                  <p:stCondLst>
+                                    <p:cond delay="0"/>
+                                  </p:stCondLst>
+                                  <p:childTnLst>
+                                    <p:set>
+                                      <p:cBhvr>
+                                        <p:cTn id="17" dur="1" fill="hold">
+                                          <p:stCondLst>
+                                            <p:cond delay="0"/>
+                                          </p:stCondLst>
+                                        </p:cTn>
+                                        <p:tgtEl>
+                                          <p:spTgt spid="3">
+                                            <p:txEl>
+                                              <p:pRg st="3" end="3"/>
+                                            </p:txEl>
+                                          </p:spTgt>
+                                        </p:tgtEl>
+                                        <p:attrNameLst>
+                                          <p:attrName>style.visibility</p:attrName>
+                                        </p:attrNameLst>
+                                      </p:cBhvr>
+                                      <p:to>
+                                        <p:strVal val="visible"/>
+                                      </p:to>
+                                    </p:set>
+                                    <p:animEffect transition="in" filter="fade">
+                                      <p:cBhvr>
+                                        <p:cTn id="18" dur="500"/>
+                                        <p:tgtEl>
+                                          <p:spTgt spid="3">
+                                            <p:txEl>
+                                              <p:pRg st="3" end="3"/>
+                                            </p:txEl>
+                                          </p:spTgt>
+                                        </p:tgtEl>
+                                      </p:cBhvr>
+                                    </p:animEffect>
+                                  </p:childTnLst>
+                                </p:cTn>
+                              </p:par>
+                              <p:par>
+                                <p:cTn id="19" presetID="10" presetClass="entr" presetSubtype="0" fill="hold" grpId="0" nodeType="withEffect">
+                                  <p:stCondLst>
+                                    <p:cond delay="0"/>
+                                  </p:stCondLst>
+                                  <p:childTnLst>
+                                    <p:set>
+                                      <p:cBhvr>
+                                        <p:cTn id="20" dur="1" fill="hold">
+                                          <p:stCondLst>
+                                            <p:cond delay="0"/>
+                                          </p:stCondLst>
+                                        </p:cTn>
+                                        <p:tgtEl>
+                                          <p:spTgt spid="3">
+                                            <p:txEl>
+                                              <p:pRg st="4" end="4"/>
+                                            </p:txEl>
+                                          </p:spTgt>
+                                        </p:tgtEl>
+                                        <p:attrNameLst>
+                                          <p:attrName>style.visibility</p:attrName>
+                                        </p:attrNameLst>
+                                      </p:cBhvr>
+                                      <p:to>
+                                        <p:strVal val="visible"/>
+                                      </p:to>
+                                    </p:set>
+                                    <p:animEffect transition="in" filter="fade">
+                                      <p:cBhvr>
+                                        <p:cTn id="21" dur="500"/>
+                                        <p:tgtEl>
+                                          <p:spTgt spid="3">
+                                            <p:txEl>
+                                              <p:pRg st="4" end="4"/>
+                                            </p:txEl>
+                                          </p:spTgt>
+                                        </p:tgtEl>
+                                      </p:cBhvr>
+                                    </p:animEffect>
+                                  </p:childTnLst>
+                                </p:cTn>
+                              </p:par>
+                              <p:par>
+                                <p:cTn id="22" presetID="10" presetClass="entr" presetSubtype="0" fill="hold" grpId="0" nodeType="withEffect">
+                                  <p:stCondLst>
+                                    <p:cond delay="0"/>
+                                  </p:stCondLst>
+                                  <p:childTnLst>
+                                    <p:set>
+                                      <p:cBhvr>
+                                        <p:cTn id="23" dur="1" fill="hold">
+                                          <p:stCondLst>
+                                            <p:cond delay="0"/>
+                                          </p:stCondLst>
+                                        </p:cTn>
+                                        <p:tgtEl>
+                                          <p:spTgt spid="3">
+                                            <p:txEl>
+                                              <p:pRg st="5" end="5"/>
+                                            </p:txEl>
+                                          </p:spTgt>
+                                        </p:tgtEl>
+                                        <p:attrNameLst>
+                                          <p:attrName>style.visibility</p:attrName>
+                                        </p:attrNameLst>
+                                      </p:cBhvr>
+                                      <p:to>
+                                        <p:strVal val="visible"/>
+                                      </p:to>
+                                    </p:set>
+                                    <p:animEffect transition="in" filter="fade">
+                                      <p:cBhvr>
+                                        <p:cTn id="24" dur="500"/>
+                                        <p:tgtEl>
+                                          <p:spTgt spid="3">
+                                            <p:txEl>
+                                              <p:pRg st="5" end="5"/>
+                                            </p:txEl>
+                                          </p:spTgt>
+                                        </p:tgtEl>
+                                      </p:cBhvr>
+                                    </p:animEffect>
+                                  </p:childTnLst>
+                                </p:cTn>
+                              </p:par>
+                            </p:childTnLst>
+                          </p:cTn>
+                        </p:par>
+                      </p:childTnLst>
+                    </p:cTn>
+                  </p:par>
+                </p:childTnLst>
+              </p:cTn>
+              <p:prevCondLst>
+                <p:cond evt="onPrev" delay="0">
+                  <p:tgtEl>
+                    <p:sldTgt/>
+                  </p:tgtEl>
+                </p:cond>
+              </p:prevCondLst>
+              <p:nextCondLst>
+                <p:cond evt="onNext" delay="0">
+                  <p:tgtEl>
+                    <p:sldTgt/>
+                  </p:tgtEl>
+                </p:cond>
+              </p:nextCondLst>
+            </p:seq>
+          </p:childTnLst>
+        </p:cTn>
       </p:par>
     </p:tnLst>
+    <p:bldLst>
+      <p:bldP spid="3" grpId="0" build="p"/>
+    </p:bldLst>
   </p:timing>
 </p:sld>
 </file>
@@ -29538,9 +34985,659 @@
   <p:timing>
     <p:tnLst>
       <p:par>
-        <p:cTn id="1" dur="indefinite" restart="never" nodeType="tmRoot"/>
+        <p:cTn id="1" dur="indefinite" restart="never" nodeType="tmRoot">
+          <p:childTnLst>
+            <p:seq concurrent="1" nextAc="seek">
+              <p:cTn id="2" dur="indefinite" nodeType="mainSeq">
+                <p:childTnLst>
+                  <p:par>
+                    <p:cTn id="3" fill="hold">
+                      <p:stCondLst>
+                        <p:cond delay="indefinite"/>
+                      </p:stCondLst>
+                      <p:childTnLst>
+                        <p:par>
+                          <p:cTn id="4" fill="hold">
+                            <p:stCondLst>
+                              <p:cond delay="0"/>
+                            </p:stCondLst>
+                            <p:childTnLst>
+                              <p:par>
+                                <p:cTn id="5" presetID="10" presetClass="entr" presetSubtype="0" fill="hold" grpId="0" nodeType="clickEffect">
+                                  <p:stCondLst>
+                                    <p:cond delay="0"/>
+                                  </p:stCondLst>
+                                  <p:childTnLst>
+                                    <p:set>
+                                      <p:cBhvr>
+                                        <p:cTn id="6" dur="1" fill="hold">
+                                          <p:stCondLst>
+                                            <p:cond delay="0"/>
+                                          </p:stCondLst>
+                                        </p:cTn>
+                                        <p:tgtEl>
+                                          <p:spTgt spid="56323">
+                                            <p:txEl>
+                                              <p:pRg st="0" end="0"/>
+                                            </p:txEl>
+                                          </p:spTgt>
+                                        </p:tgtEl>
+                                        <p:attrNameLst>
+                                          <p:attrName>style.visibility</p:attrName>
+                                        </p:attrNameLst>
+                                      </p:cBhvr>
+                                      <p:to>
+                                        <p:strVal val="visible"/>
+                                      </p:to>
+                                    </p:set>
+                                    <p:animEffect transition="in" filter="fade">
+                                      <p:cBhvr>
+                                        <p:cTn id="7" dur="500"/>
+                                        <p:tgtEl>
+                                          <p:spTgt spid="56323">
+                                            <p:txEl>
+                                              <p:pRg st="0" end="0"/>
+                                            </p:txEl>
+                                          </p:spTgt>
+                                        </p:tgtEl>
+                                      </p:cBhvr>
+                                    </p:animEffect>
+                                  </p:childTnLst>
+                                </p:cTn>
+                              </p:par>
+                              <p:par>
+                                <p:cTn id="8" presetID="10" presetClass="entr" presetSubtype="0" fill="hold" grpId="0" nodeType="withEffect">
+                                  <p:stCondLst>
+                                    <p:cond delay="0"/>
+                                  </p:stCondLst>
+                                  <p:childTnLst>
+                                    <p:set>
+                                      <p:cBhvr>
+                                        <p:cTn id="9" dur="1" fill="hold">
+                                          <p:stCondLst>
+                                            <p:cond delay="0"/>
+                                          </p:stCondLst>
+                                        </p:cTn>
+                                        <p:tgtEl>
+                                          <p:spTgt spid="56323">
+                                            <p:txEl>
+                                              <p:pRg st="1" end="1"/>
+                                            </p:txEl>
+                                          </p:spTgt>
+                                        </p:tgtEl>
+                                        <p:attrNameLst>
+                                          <p:attrName>style.visibility</p:attrName>
+                                        </p:attrNameLst>
+                                      </p:cBhvr>
+                                      <p:to>
+                                        <p:strVal val="visible"/>
+                                      </p:to>
+                                    </p:set>
+                                    <p:animEffect transition="in" filter="fade">
+                                      <p:cBhvr>
+                                        <p:cTn id="10" dur="500"/>
+                                        <p:tgtEl>
+                                          <p:spTgt spid="56323">
+                                            <p:txEl>
+                                              <p:pRg st="1" end="1"/>
+                                            </p:txEl>
+                                          </p:spTgt>
+                                        </p:tgtEl>
+                                      </p:cBhvr>
+                                    </p:animEffect>
+                                  </p:childTnLst>
+                                </p:cTn>
+                              </p:par>
+                            </p:childTnLst>
+                          </p:cTn>
+                        </p:par>
+                      </p:childTnLst>
+                    </p:cTn>
+                  </p:par>
+                  <p:par>
+                    <p:cTn id="11" fill="hold">
+                      <p:stCondLst>
+                        <p:cond delay="indefinite"/>
+                      </p:stCondLst>
+                      <p:childTnLst>
+                        <p:par>
+                          <p:cTn id="12" fill="hold">
+                            <p:stCondLst>
+                              <p:cond delay="0"/>
+                            </p:stCondLst>
+                            <p:childTnLst>
+                              <p:par>
+                                <p:cTn id="13" presetID="10" presetClass="entr" presetSubtype="0" fill="hold" grpId="0" nodeType="clickEffect">
+                                  <p:stCondLst>
+                                    <p:cond delay="0"/>
+                                  </p:stCondLst>
+                                  <p:childTnLst>
+                                    <p:set>
+                                      <p:cBhvr>
+                                        <p:cTn id="14" dur="1" fill="hold">
+                                          <p:stCondLst>
+                                            <p:cond delay="0"/>
+                                          </p:stCondLst>
+                                        </p:cTn>
+                                        <p:tgtEl>
+                                          <p:spTgt spid="56323">
+                                            <p:txEl>
+                                              <p:pRg st="2" end="2"/>
+                                            </p:txEl>
+                                          </p:spTgt>
+                                        </p:tgtEl>
+                                        <p:attrNameLst>
+                                          <p:attrName>style.visibility</p:attrName>
+                                        </p:attrNameLst>
+                                      </p:cBhvr>
+                                      <p:to>
+                                        <p:strVal val="visible"/>
+                                      </p:to>
+                                    </p:set>
+                                    <p:animEffect transition="in" filter="fade">
+                                      <p:cBhvr>
+                                        <p:cTn id="15" dur="500"/>
+                                        <p:tgtEl>
+                                          <p:spTgt spid="56323">
+                                            <p:txEl>
+                                              <p:pRg st="2" end="2"/>
+                                            </p:txEl>
+                                          </p:spTgt>
+                                        </p:tgtEl>
+                                      </p:cBhvr>
+                                    </p:animEffect>
+                                  </p:childTnLst>
+                                </p:cTn>
+                              </p:par>
+                              <p:par>
+                                <p:cTn id="16" presetID="10" presetClass="entr" presetSubtype="0" fill="hold" grpId="0" nodeType="withEffect">
+                                  <p:stCondLst>
+                                    <p:cond delay="0"/>
+                                  </p:stCondLst>
+                                  <p:childTnLst>
+                                    <p:set>
+                                      <p:cBhvr>
+                                        <p:cTn id="17" dur="1" fill="hold">
+                                          <p:stCondLst>
+                                            <p:cond delay="0"/>
+                                          </p:stCondLst>
+                                        </p:cTn>
+                                        <p:tgtEl>
+                                          <p:spTgt spid="56323">
+                                            <p:txEl>
+                                              <p:pRg st="3" end="3"/>
+                                            </p:txEl>
+                                          </p:spTgt>
+                                        </p:tgtEl>
+                                        <p:attrNameLst>
+                                          <p:attrName>style.visibility</p:attrName>
+                                        </p:attrNameLst>
+                                      </p:cBhvr>
+                                      <p:to>
+                                        <p:strVal val="visible"/>
+                                      </p:to>
+                                    </p:set>
+                                    <p:animEffect transition="in" filter="fade">
+                                      <p:cBhvr>
+                                        <p:cTn id="18" dur="500"/>
+                                        <p:tgtEl>
+                                          <p:spTgt spid="56323">
+                                            <p:txEl>
+                                              <p:pRg st="3" end="3"/>
+                                            </p:txEl>
+                                          </p:spTgt>
+                                        </p:tgtEl>
+                                      </p:cBhvr>
+                                    </p:animEffect>
+                                  </p:childTnLst>
+                                </p:cTn>
+                              </p:par>
+                            </p:childTnLst>
+                          </p:cTn>
+                        </p:par>
+                      </p:childTnLst>
+                    </p:cTn>
+                  </p:par>
+                  <p:par>
+                    <p:cTn id="19" fill="hold">
+                      <p:stCondLst>
+                        <p:cond delay="indefinite"/>
+                      </p:stCondLst>
+                      <p:childTnLst>
+                        <p:par>
+                          <p:cTn id="20" fill="hold">
+                            <p:stCondLst>
+                              <p:cond delay="0"/>
+                            </p:stCondLst>
+                            <p:childTnLst>
+                              <p:par>
+                                <p:cTn id="21" presetID="10" presetClass="entr" presetSubtype="0" fill="hold" grpId="0" nodeType="clickEffect">
+                                  <p:stCondLst>
+                                    <p:cond delay="0"/>
+                                  </p:stCondLst>
+                                  <p:childTnLst>
+                                    <p:set>
+                                      <p:cBhvr>
+                                        <p:cTn id="22" dur="1" fill="hold">
+                                          <p:stCondLst>
+                                            <p:cond delay="0"/>
+                                          </p:stCondLst>
+                                        </p:cTn>
+                                        <p:tgtEl>
+                                          <p:spTgt spid="56323">
+                                            <p:txEl>
+                                              <p:pRg st="4" end="4"/>
+                                            </p:txEl>
+                                          </p:spTgt>
+                                        </p:tgtEl>
+                                        <p:attrNameLst>
+                                          <p:attrName>style.visibility</p:attrName>
+                                        </p:attrNameLst>
+                                      </p:cBhvr>
+                                      <p:to>
+                                        <p:strVal val="visible"/>
+                                      </p:to>
+                                    </p:set>
+                                    <p:animEffect transition="in" filter="fade">
+                                      <p:cBhvr>
+                                        <p:cTn id="23" dur="500"/>
+                                        <p:tgtEl>
+                                          <p:spTgt spid="56323">
+                                            <p:txEl>
+                                              <p:pRg st="4" end="4"/>
+                                            </p:txEl>
+                                          </p:spTgt>
+                                        </p:tgtEl>
+                                      </p:cBhvr>
+                                    </p:animEffect>
+                                  </p:childTnLst>
+                                </p:cTn>
+                              </p:par>
+                              <p:par>
+                                <p:cTn id="24" presetID="10" presetClass="entr" presetSubtype="0" fill="hold" grpId="0" nodeType="withEffect">
+                                  <p:stCondLst>
+                                    <p:cond delay="0"/>
+                                  </p:stCondLst>
+                                  <p:childTnLst>
+                                    <p:set>
+                                      <p:cBhvr>
+                                        <p:cTn id="25" dur="1" fill="hold">
+                                          <p:stCondLst>
+                                            <p:cond delay="0"/>
+                                          </p:stCondLst>
+                                        </p:cTn>
+                                        <p:tgtEl>
+                                          <p:spTgt spid="56323">
+                                            <p:txEl>
+                                              <p:pRg st="5" end="5"/>
+                                            </p:txEl>
+                                          </p:spTgt>
+                                        </p:tgtEl>
+                                        <p:attrNameLst>
+                                          <p:attrName>style.visibility</p:attrName>
+                                        </p:attrNameLst>
+                                      </p:cBhvr>
+                                      <p:to>
+                                        <p:strVal val="visible"/>
+                                      </p:to>
+                                    </p:set>
+                                    <p:animEffect transition="in" filter="fade">
+                                      <p:cBhvr>
+                                        <p:cTn id="26" dur="500"/>
+                                        <p:tgtEl>
+                                          <p:spTgt spid="56323">
+                                            <p:txEl>
+                                              <p:pRg st="5" end="5"/>
+                                            </p:txEl>
+                                          </p:spTgt>
+                                        </p:tgtEl>
+                                      </p:cBhvr>
+                                    </p:animEffect>
+                                  </p:childTnLst>
+                                </p:cTn>
+                              </p:par>
+                            </p:childTnLst>
+                          </p:cTn>
+                        </p:par>
+                      </p:childTnLst>
+                    </p:cTn>
+                  </p:par>
+                  <p:par>
+                    <p:cTn id="27" fill="hold">
+                      <p:stCondLst>
+                        <p:cond delay="indefinite"/>
+                      </p:stCondLst>
+                      <p:childTnLst>
+                        <p:par>
+                          <p:cTn id="28" fill="hold">
+                            <p:stCondLst>
+                              <p:cond delay="0"/>
+                            </p:stCondLst>
+                            <p:childTnLst>
+                              <p:par>
+                                <p:cTn id="29" presetID="10" presetClass="entr" presetSubtype="0" fill="hold" grpId="0" nodeType="clickEffect">
+                                  <p:stCondLst>
+                                    <p:cond delay="0"/>
+                                  </p:stCondLst>
+                                  <p:childTnLst>
+                                    <p:set>
+                                      <p:cBhvr>
+                                        <p:cTn id="30" dur="1" fill="hold">
+                                          <p:stCondLst>
+                                            <p:cond delay="0"/>
+                                          </p:stCondLst>
+                                        </p:cTn>
+                                        <p:tgtEl>
+                                          <p:spTgt spid="56323">
+                                            <p:txEl>
+                                              <p:pRg st="6" end="6"/>
+                                            </p:txEl>
+                                          </p:spTgt>
+                                        </p:tgtEl>
+                                        <p:attrNameLst>
+                                          <p:attrName>style.visibility</p:attrName>
+                                        </p:attrNameLst>
+                                      </p:cBhvr>
+                                      <p:to>
+                                        <p:strVal val="visible"/>
+                                      </p:to>
+                                    </p:set>
+                                    <p:animEffect transition="in" filter="fade">
+                                      <p:cBhvr>
+                                        <p:cTn id="31" dur="500"/>
+                                        <p:tgtEl>
+                                          <p:spTgt spid="56323">
+                                            <p:txEl>
+                                              <p:pRg st="6" end="6"/>
+                                            </p:txEl>
+                                          </p:spTgt>
+                                        </p:tgtEl>
+                                      </p:cBhvr>
+                                    </p:animEffect>
+                                  </p:childTnLst>
+                                </p:cTn>
+                              </p:par>
+                              <p:par>
+                                <p:cTn id="32" presetID="10" presetClass="entr" presetSubtype="0" fill="hold" grpId="0" nodeType="withEffect">
+                                  <p:stCondLst>
+                                    <p:cond delay="0"/>
+                                  </p:stCondLst>
+                                  <p:childTnLst>
+                                    <p:set>
+                                      <p:cBhvr>
+                                        <p:cTn id="33" dur="1" fill="hold">
+                                          <p:stCondLst>
+                                            <p:cond delay="0"/>
+                                          </p:stCondLst>
+                                        </p:cTn>
+                                        <p:tgtEl>
+                                          <p:spTgt spid="56323">
+                                            <p:txEl>
+                                              <p:pRg st="7" end="7"/>
+                                            </p:txEl>
+                                          </p:spTgt>
+                                        </p:tgtEl>
+                                        <p:attrNameLst>
+                                          <p:attrName>style.visibility</p:attrName>
+                                        </p:attrNameLst>
+                                      </p:cBhvr>
+                                      <p:to>
+                                        <p:strVal val="visible"/>
+                                      </p:to>
+                                    </p:set>
+                                    <p:animEffect transition="in" filter="fade">
+                                      <p:cBhvr>
+                                        <p:cTn id="34" dur="500"/>
+                                        <p:tgtEl>
+                                          <p:spTgt spid="56323">
+                                            <p:txEl>
+                                              <p:pRg st="7" end="7"/>
+                                            </p:txEl>
+                                          </p:spTgt>
+                                        </p:tgtEl>
+                                      </p:cBhvr>
+                                    </p:animEffect>
+                                  </p:childTnLst>
+                                </p:cTn>
+                              </p:par>
+                            </p:childTnLst>
+                          </p:cTn>
+                        </p:par>
+                      </p:childTnLst>
+                    </p:cTn>
+                  </p:par>
+                  <p:par>
+                    <p:cTn id="35" fill="hold">
+                      <p:stCondLst>
+                        <p:cond delay="indefinite"/>
+                      </p:stCondLst>
+                      <p:childTnLst>
+                        <p:par>
+                          <p:cTn id="36" fill="hold">
+                            <p:stCondLst>
+                              <p:cond delay="0"/>
+                            </p:stCondLst>
+                            <p:childTnLst>
+                              <p:par>
+                                <p:cTn id="37" presetID="10" presetClass="entr" presetSubtype="0" fill="hold" grpId="0" nodeType="clickEffect">
+                                  <p:stCondLst>
+                                    <p:cond delay="0"/>
+                                  </p:stCondLst>
+                                  <p:childTnLst>
+                                    <p:set>
+                                      <p:cBhvr>
+                                        <p:cTn id="38" dur="1" fill="hold">
+                                          <p:stCondLst>
+                                            <p:cond delay="0"/>
+                                          </p:stCondLst>
+                                        </p:cTn>
+                                        <p:tgtEl>
+                                          <p:spTgt spid="56323">
+                                            <p:txEl>
+                                              <p:pRg st="8" end="8"/>
+                                            </p:txEl>
+                                          </p:spTgt>
+                                        </p:tgtEl>
+                                        <p:attrNameLst>
+                                          <p:attrName>style.visibility</p:attrName>
+                                        </p:attrNameLst>
+                                      </p:cBhvr>
+                                      <p:to>
+                                        <p:strVal val="visible"/>
+                                      </p:to>
+                                    </p:set>
+                                    <p:animEffect transition="in" filter="fade">
+                                      <p:cBhvr>
+                                        <p:cTn id="39" dur="500"/>
+                                        <p:tgtEl>
+                                          <p:spTgt spid="56323">
+                                            <p:txEl>
+                                              <p:pRg st="8" end="8"/>
+                                            </p:txEl>
+                                          </p:spTgt>
+                                        </p:tgtEl>
+                                      </p:cBhvr>
+                                    </p:animEffect>
+                                  </p:childTnLst>
+                                </p:cTn>
+                              </p:par>
+                              <p:par>
+                                <p:cTn id="40" presetID="10" presetClass="entr" presetSubtype="0" fill="hold" grpId="0" nodeType="withEffect">
+                                  <p:stCondLst>
+                                    <p:cond delay="0"/>
+                                  </p:stCondLst>
+                                  <p:childTnLst>
+                                    <p:set>
+                                      <p:cBhvr>
+                                        <p:cTn id="41" dur="1" fill="hold">
+                                          <p:stCondLst>
+                                            <p:cond delay="0"/>
+                                          </p:stCondLst>
+                                        </p:cTn>
+                                        <p:tgtEl>
+                                          <p:spTgt spid="56323">
+                                            <p:txEl>
+                                              <p:pRg st="9" end="9"/>
+                                            </p:txEl>
+                                          </p:spTgt>
+                                        </p:tgtEl>
+                                        <p:attrNameLst>
+                                          <p:attrName>style.visibility</p:attrName>
+                                        </p:attrNameLst>
+                                      </p:cBhvr>
+                                      <p:to>
+                                        <p:strVal val="visible"/>
+                                      </p:to>
+                                    </p:set>
+                                    <p:animEffect transition="in" filter="fade">
+                                      <p:cBhvr>
+                                        <p:cTn id="42" dur="500"/>
+                                        <p:tgtEl>
+                                          <p:spTgt spid="56323">
+                                            <p:txEl>
+                                              <p:pRg st="9" end="9"/>
+                                            </p:txEl>
+                                          </p:spTgt>
+                                        </p:tgtEl>
+                                      </p:cBhvr>
+                                    </p:animEffect>
+                                  </p:childTnLst>
+                                </p:cTn>
+                              </p:par>
+                              <p:par>
+                                <p:cTn id="43" presetID="10" presetClass="entr" presetSubtype="0" fill="hold" grpId="0" nodeType="withEffect">
+                                  <p:stCondLst>
+                                    <p:cond delay="0"/>
+                                  </p:stCondLst>
+                                  <p:childTnLst>
+                                    <p:set>
+                                      <p:cBhvr>
+                                        <p:cTn id="44" dur="1" fill="hold">
+                                          <p:stCondLst>
+                                            <p:cond delay="0"/>
+                                          </p:stCondLst>
+                                        </p:cTn>
+                                        <p:tgtEl>
+                                          <p:spTgt spid="56323">
+                                            <p:txEl>
+                                              <p:pRg st="10" end="10"/>
+                                            </p:txEl>
+                                          </p:spTgt>
+                                        </p:tgtEl>
+                                        <p:attrNameLst>
+                                          <p:attrName>style.visibility</p:attrName>
+                                        </p:attrNameLst>
+                                      </p:cBhvr>
+                                      <p:to>
+                                        <p:strVal val="visible"/>
+                                      </p:to>
+                                    </p:set>
+                                    <p:animEffect transition="in" filter="fade">
+                                      <p:cBhvr>
+                                        <p:cTn id="45" dur="500"/>
+                                        <p:tgtEl>
+                                          <p:spTgt spid="56323">
+                                            <p:txEl>
+                                              <p:pRg st="10" end="10"/>
+                                            </p:txEl>
+                                          </p:spTgt>
+                                        </p:tgtEl>
+                                      </p:cBhvr>
+                                    </p:animEffect>
+                                  </p:childTnLst>
+                                </p:cTn>
+                              </p:par>
+                            </p:childTnLst>
+                          </p:cTn>
+                        </p:par>
+                      </p:childTnLst>
+                    </p:cTn>
+                  </p:par>
+                  <p:par>
+                    <p:cTn id="46" fill="hold">
+                      <p:stCondLst>
+                        <p:cond delay="indefinite"/>
+                      </p:stCondLst>
+                      <p:childTnLst>
+                        <p:par>
+                          <p:cTn id="47" fill="hold">
+                            <p:stCondLst>
+                              <p:cond delay="0"/>
+                            </p:stCondLst>
+                            <p:childTnLst>
+                              <p:par>
+                                <p:cTn id="48" presetID="10" presetClass="entr" presetSubtype="0" fill="hold" grpId="0" nodeType="clickEffect">
+                                  <p:stCondLst>
+                                    <p:cond delay="0"/>
+                                  </p:stCondLst>
+                                  <p:childTnLst>
+                                    <p:set>
+                                      <p:cBhvr>
+                                        <p:cTn id="49" dur="1" fill="hold">
+                                          <p:stCondLst>
+                                            <p:cond delay="0"/>
+                                          </p:stCondLst>
+                                        </p:cTn>
+                                        <p:tgtEl>
+                                          <p:spTgt spid="56323">
+                                            <p:txEl>
+                                              <p:pRg st="11" end="11"/>
+                                            </p:txEl>
+                                          </p:spTgt>
+                                        </p:tgtEl>
+                                        <p:attrNameLst>
+                                          <p:attrName>style.visibility</p:attrName>
+                                        </p:attrNameLst>
+                                      </p:cBhvr>
+                                      <p:to>
+                                        <p:strVal val="visible"/>
+                                      </p:to>
+                                    </p:set>
+                                    <p:animEffect transition="in" filter="fade">
+                                      <p:cBhvr>
+                                        <p:cTn id="50" dur="500"/>
+                                        <p:tgtEl>
+                                          <p:spTgt spid="56323">
+                                            <p:txEl>
+                                              <p:pRg st="11" end="11"/>
+                                            </p:txEl>
+                                          </p:spTgt>
+                                        </p:tgtEl>
+                                      </p:cBhvr>
+                                    </p:animEffect>
+                                  </p:childTnLst>
+                                </p:cTn>
+                              </p:par>
+                            </p:childTnLst>
+                          </p:cTn>
+                        </p:par>
+                      </p:childTnLst>
+                    </p:cTn>
+                  </p:par>
+                </p:childTnLst>
+              </p:cTn>
+              <p:prevCondLst>
+                <p:cond evt="onPrev" delay="0">
+                  <p:tgtEl>
+                    <p:sldTgt/>
+                  </p:tgtEl>
+                </p:cond>
+              </p:prevCondLst>
+              <p:nextCondLst>
+                <p:cond evt="onNext" delay="0">
+                  <p:tgtEl>
+                    <p:sldTgt/>
+                  </p:tgtEl>
+                </p:cond>
+              </p:nextCondLst>
+            </p:seq>
+          </p:childTnLst>
+        </p:cTn>
       </p:par>
     </p:tnLst>
+    <p:bldLst>
+      <p:bldP spid="56323" grpId="0" build="p"/>
+    </p:bldLst>
   </p:timing>
 </p:sld>
 </file>
@@ -30880,14 +36977,13 @@
             </a:r>
           </a:p>
           <a:p>
-            <a:pPr lvl="1"/>
             <a:r>
               <a:rPr lang="ru-RU" dirty="0" smtClean="0"/>
               <a:t>Возможные решения:</a:t>
             </a:r>
           </a:p>
           <a:p>
-            <a:pPr lvl="2"/>
+            <a:pPr lvl="1"/>
             <a:r>
               <a:rPr lang="ru-RU" dirty="0" smtClean="0"/>
               <a:t>Перехват исключения </a:t>
@@ -30910,7 +37006,7 @@
             </a:r>
           </a:p>
           <a:p>
-            <a:pPr lvl="2"/>
+            <a:pPr lvl="1"/>
             <a:r>
               <a:rPr lang="ru-RU" dirty="0" smtClean="0"/>
               <a:t>Использование контейнеров с поддержкой идиомы </a:t>
@@ -33341,9 +39437,218 @@
   <p:timing>
     <p:tnLst>
       <p:par>
-        <p:cTn id="1" dur="indefinite" restart="never" nodeType="tmRoot"/>
+        <p:cTn id="1" dur="indefinite" restart="never" nodeType="tmRoot">
+          <p:childTnLst>
+            <p:seq concurrent="1" nextAc="seek">
+              <p:cTn id="2" dur="indefinite" nodeType="mainSeq">
+                <p:childTnLst>
+                  <p:par>
+                    <p:cTn id="3" fill="hold">
+                      <p:stCondLst>
+                        <p:cond delay="indefinite"/>
+                      </p:stCondLst>
+                      <p:childTnLst>
+                        <p:par>
+                          <p:cTn id="4" fill="hold">
+                            <p:stCondLst>
+                              <p:cond delay="0"/>
+                            </p:stCondLst>
+                            <p:childTnLst>
+                              <p:par>
+                                <p:cTn id="5" presetID="10" presetClass="entr" presetSubtype="0" fill="hold" grpId="0" nodeType="clickEffect">
+                                  <p:stCondLst>
+                                    <p:cond delay="0"/>
+                                  </p:stCondLst>
+                                  <p:childTnLst>
+                                    <p:set>
+                                      <p:cBhvr>
+                                        <p:cTn id="6" dur="1" fill="hold">
+                                          <p:stCondLst>
+                                            <p:cond delay="0"/>
+                                          </p:stCondLst>
+                                        </p:cTn>
+                                        <p:tgtEl>
+                                          <p:spTgt spid="57347">
+                                            <p:txEl>
+                                              <p:pRg st="0" end="0"/>
+                                            </p:txEl>
+                                          </p:spTgt>
+                                        </p:tgtEl>
+                                        <p:attrNameLst>
+                                          <p:attrName>style.visibility</p:attrName>
+                                        </p:attrNameLst>
+                                      </p:cBhvr>
+                                      <p:to>
+                                        <p:strVal val="visible"/>
+                                      </p:to>
+                                    </p:set>
+                                    <p:animEffect transition="in" filter="fade">
+                                      <p:cBhvr>
+                                        <p:cTn id="7" dur="500"/>
+                                        <p:tgtEl>
+                                          <p:spTgt spid="57347">
+                                            <p:txEl>
+                                              <p:pRg st="0" end="0"/>
+                                            </p:txEl>
+                                          </p:spTgt>
+                                        </p:tgtEl>
+                                      </p:cBhvr>
+                                    </p:animEffect>
+                                  </p:childTnLst>
+                                </p:cTn>
+                              </p:par>
+                            </p:childTnLst>
+                          </p:cTn>
+                        </p:par>
+                      </p:childTnLst>
+                    </p:cTn>
+                  </p:par>
+                  <p:par>
+                    <p:cTn id="8" fill="hold">
+                      <p:stCondLst>
+                        <p:cond delay="indefinite"/>
+                      </p:stCondLst>
+                      <p:childTnLst>
+                        <p:par>
+                          <p:cTn id="9" fill="hold">
+                            <p:stCondLst>
+                              <p:cond delay="0"/>
+                            </p:stCondLst>
+                            <p:childTnLst>
+                              <p:par>
+                                <p:cTn id="10" presetID="10" presetClass="entr" presetSubtype="0" fill="hold" grpId="0" nodeType="clickEffect">
+                                  <p:stCondLst>
+                                    <p:cond delay="0"/>
+                                  </p:stCondLst>
+                                  <p:childTnLst>
+                                    <p:set>
+                                      <p:cBhvr>
+                                        <p:cTn id="11" dur="1" fill="hold">
+                                          <p:stCondLst>
+                                            <p:cond delay="0"/>
+                                          </p:stCondLst>
+                                        </p:cTn>
+                                        <p:tgtEl>
+                                          <p:spTgt spid="57347">
+                                            <p:txEl>
+                                              <p:pRg st="1" end="1"/>
+                                            </p:txEl>
+                                          </p:spTgt>
+                                        </p:tgtEl>
+                                        <p:attrNameLst>
+                                          <p:attrName>style.visibility</p:attrName>
+                                        </p:attrNameLst>
+                                      </p:cBhvr>
+                                      <p:to>
+                                        <p:strVal val="visible"/>
+                                      </p:to>
+                                    </p:set>
+                                    <p:animEffect transition="in" filter="fade">
+                                      <p:cBhvr>
+                                        <p:cTn id="12" dur="500"/>
+                                        <p:tgtEl>
+                                          <p:spTgt spid="57347">
+                                            <p:txEl>
+                                              <p:pRg st="1" end="1"/>
+                                            </p:txEl>
+                                          </p:spTgt>
+                                        </p:tgtEl>
+                                      </p:cBhvr>
+                                    </p:animEffect>
+                                  </p:childTnLst>
+                                </p:cTn>
+                              </p:par>
+                            </p:childTnLst>
+                          </p:cTn>
+                        </p:par>
+                      </p:childTnLst>
+                    </p:cTn>
+                  </p:par>
+                  <p:par>
+                    <p:cTn id="13" fill="hold">
+                      <p:stCondLst>
+                        <p:cond delay="indefinite"/>
+                      </p:stCondLst>
+                      <p:childTnLst>
+                        <p:par>
+                          <p:cTn id="14" fill="hold">
+                            <p:stCondLst>
+                              <p:cond delay="0"/>
+                            </p:stCondLst>
+                            <p:childTnLst>
+                              <p:par>
+                                <p:cTn id="15" presetID="10" presetClass="entr" presetSubtype="0" fill="hold" grpId="0" nodeType="clickEffect">
+                                  <p:stCondLst>
+                                    <p:cond delay="0"/>
+                                  </p:stCondLst>
+                                  <p:childTnLst>
+                                    <p:set>
+                                      <p:cBhvr>
+                                        <p:cTn id="16" dur="1" fill="hold">
+                                          <p:stCondLst>
+                                            <p:cond delay="0"/>
+                                          </p:stCondLst>
+                                        </p:cTn>
+                                        <p:tgtEl>
+                                          <p:spTgt spid="57347">
+                                            <p:txEl>
+                                              <p:pRg st="2" end="2"/>
+                                            </p:txEl>
+                                          </p:spTgt>
+                                        </p:tgtEl>
+                                        <p:attrNameLst>
+                                          <p:attrName>style.visibility</p:attrName>
+                                        </p:attrNameLst>
+                                      </p:cBhvr>
+                                      <p:to>
+                                        <p:strVal val="visible"/>
+                                      </p:to>
+                                    </p:set>
+                                    <p:animEffect transition="in" filter="fade">
+                                      <p:cBhvr>
+                                        <p:cTn id="17" dur="500"/>
+                                        <p:tgtEl>
+                                          <p:spTgt spid="57347">
+                                            <p:txEl>
+                                              <p:pRg st="2" end="2"/>
+                                            </p:txEl>
+                                          </p:spTgt>
+                                        </p:tgtEl>
+                                      </p:cBhvr>
+                                    </p:animEffect>
+                                  </p:childTnLst>
+                                </p:cTn>
+                              </p:par>
+                            </p:childTnLst>
+                          </p:cTn>
+                        </p:par>
+                      </p:childTnLst>
+                    </p:cTn>
+                  </p:par>
+                </p:childTnLst>
+              </p:cTn>
+              <p:prevCondLst>
+                <p:cond evt="onPrev" delay="0">
+                  <p:tgtEl>
+                    <p:sldTgt/>
+                  </p:tgtEl>
+                </p:cond>
+              </p:prevCondLst>
+              <p:nextCondLst>
+                <p:cond evt="onNext" delay="0">
+                  <p:tgtEl>
+                    <p:sldTgt/>
+                  </p:tgtEl>
+                </p:cond>
+              </p:nextCondLst>
+            </p:seq>
+          </p:childTnLst>
+        </p:cTn>
       </p:par>
     </p:tnLst>
+    <p:bldLst>
+      <p:bldP spid="57347" grpId="0" build="p"/>
+    </p:bldLst>
   </p:timing>
 </p:sld>
 </file>
@@ -33989,9 +40294,458 @@
   <p:timing>
     <p:tnLst>
       <p:par>
-        <p:cTn id="1" dur="indefinite" restart="never" nodeType="tmRoot"/>
+        <p:cTn id="1" dur="indefinite" restart="never" nodeType="tmRoot">
+          <p:childTnLst>
+            <p:seq concurrent="1" nextAc="seek">
+              <p:cTn id="2" dur="indefinite" nodeType="mainSeq">
+                <p:childTnLst>
+                  <p:par>
+                    <p:cTn id="3" fill="hold">
+                      <p:stCondLst>
+                        <p:cond delay="indefinite"/>
+                      </p:stCondLst>
+                      <p:childTnLst>
+                        <p:par>
+                          <p:cTn id="4" fill="hold">
+                            <p:stCondLst>
+                              <p:cond delay="0"/>
+                            </p:stCondLst>
+                            <p:childTnLst>
+                              <p:par>
+                                <p:cTn id="5" presetID="10" presetClass="entr" presetSubtype="0" fill="hold" grpId="0" nodeType="clickEffect">
+                                  <p:stCondLst>
+                                    <p:cond delay="0"/>
+                                  </p:stCondLst>
+                                  <p:childTnLst>
+                                    <p:set>
+                                      <p:cBhvr>
+                                        <p:cTn id="6" dur="1" fill="hold">
+                                          <p:stCondLst>
+                                            <p:cond delay="0"/>
+                                          </p:stCondLst>
+                                        </p:cTn>
+                                        <p:tgtEl>
+                                          <p:spTgt spid="3">
+                                            <p:txEl>
+                                              <p:pRg st="0" end="0"/>
+                                            </p:txEl>
+                                          </p:spTgt>
+                                        </p:tgtEl>
+                                        <p:attrNameLst>
+                                          <p:attrName>style.visibility</p:attrName>
+                                        </p:attrNameLst>
+                                      </p:cBhvr>
+                                      <p:to>
+                                        <p:strVal val="visible"/>
+                                      </p:to>
+                                    </p:set>
+                                    <p:animEffect transition="in" filter="fade">
+                                      <p:cBhvr>
+                                        <p:cTn id="7" dur="500"/>
+                                        <p:tgtEl>
+                                          <p:spTgt spid="3">
+                                            <p:txEl>
+                                              <p:pRg st="0" end="0"/>
+                                            </p:txEl>
+                                          </p:spTgt>
+                                        </p:tgtEl>
+                                      </p:cBhvr>
+                                    </p:animEffect>
+                                  </p:childTnLst>
+                                </p:cTn>
+                              </p:par>
+                              <p:par>
+                                <p:cTn id="8" presetID="10" presetClass="entr" presetSubtype="0" fill="hold" grpId="0" nodeType="withEffect">
+                                  <p:stCondLst>
+                                    <p:cond delay="0"/>
+                                  </p:stCondLst>
+                                  <p:childTnLst>
+                                    <p:set>
+                                      <p:cBhvr>
+                                        <p:cTn id="9" dur="1" fill="hold">
+                                          <p:stCondLst>
+                                            <p:cond delay="0"/>
+                                          </p:stCondLst>
+                                        </p:cTn>
+                                        <p:tgtEl>
+                                          <p:spTgt spid="3">
+                                            <p:txEl>
+                                              <p:pRg st="1" end="1"/>
+                                            </p:txEl>
+                                          </p:spTgt>
+                                        </p:tgtEl>
+                                        <p:attrNameLst>
+                                          <p:attrName>style.visibility</p:attrName>
+                                        </p:attrNameLst>
+                                      </p:cBhvr>
+                                      <p:to>
+                                        <p:strVal val="visible"/>
+                                      </p:to>
+                                    </p:set>
+                                    <p:animEffect transition="in" filter="fade">
+                                      <p:cBhvr>
+                                        <p:cTn id="10" dur="500"/>
+                                        <p:tgtEl>
+                                          <p:spTgt spid="3">
+                                            <p:txEl>
+                                              <p:pRg st="1" end="1"/>
+                                            </p:txEl>
+                                          </p:spTgt>
+                                        </p:tgtEl>
+                                      </p:cBhvr>
+                                    </p:animEffect>
+                                  </p:childTnLst>
+                                </p:cTn>
+                              </p:par>
+                            </p:childTnLst>
+                          </p:cTn>
+                        </p:par>
+                      </p:childTnLst>
+                    </p:cTn>
+                  </p:par>
+                  <p:par>
+                    <p:cTn id="11" fill="hold">
+                      <p:stCondLst>
+                        <p:cond delay="indefinite"/>
+                      </p:stCondLst>
+                      <p:childTnLst>
+                        <p:par>
+                          <p:cTn id="12" fill="hold">
+                            <p:stCondLst>
+                              <p:cond delay="0"/>
+                            </p:stCondLst>
+                            <p:childTnLst>
+                              <p:par>
+                                <p:cTn id="13" presetID="10" presetClass="entr" presetSubtype="0" fill="hold" grpId="0" nodeType="clickEffect">
+                                  <p:stCondLst>
+                                    <p:cond delay="0"/>
+                                  </p:stCondLst>
+                                  <p:childTnLst>
+                                    <p:set>
+                                      <p:cBhvr>
+                                        <p:cTn id="14" dur="1" fill="hold">
+                                          <p:stCondLst>
+                                            <p:cond delay="0"/>
+                                          </p:stCondLst>
+                                        </p:cTn>
+                                        <p:tgtEl>
+                                          <p:spTgt spid="3">
+                                            <p:txEl>
+                                              <p:pRg st="2" end="2"/>
+                                            </p:txEl>
+                                          </p:spTgt>
+                                        </p:tgtEl>
+                                        <p:attrNameLst>
+                                          <p:attrName>style.visibility</p:attrName>
+                                        </p:attrNameLst>
+                                      </p:cBhvr>
+                                      <p:to>
+                                        <p:strVal val="visible"/>
+                                      </p:to>
+                                    </p:set>
+                                    <p:animEffect transition="in" filter="fade">
+                                      <p:cBhvr>
+                                        <p:cTn id="15" dur="500"/>
+                                        <p:tgtEl>
+                                          <p:spTgt spid="3">
+                                            <p:txEl>
+                                              <p:pRg st="2" end="2"/>
+                                            </p:txEl>
+                                          </p:spTgt>
+                                        </p:tgtEl>
+                                      </p:cBhvr>
+                                    </p:animEffect>
+                                  </p:childTnLst>
+                                </p:cTn>
+                              </p:par>
+                              <p:par>
+                                <p:cTn id="16" presetID="10" presetClass="entr" presetSubtype="0" fill="hold" grpId="0" nodeType="withEffect">
+                                  <p:stCondLst>
+                                    <p:cond delay="0"/>
+                                  </p:stCondLst>
+                                  <p:childTnLst>
+                                    <p:set>
+                                      <p:cBhvr>
+                                        <p:cTn id="17" dur="1" fill="hold">
+                                          <p:stCondLst>
+                                            <p:cond delay="0"/>
+                                          </p:stCondLst>
+                                        </p:cTn>
+                                        <p:tgtEl>
+                                          <p:spTgt spid="3">
+                                            <p:txEl>
+                                              <p:pRg st="3" end="3"/>
+                                            </p:txEl>
+                                          </p:spTgt>
+                                        </p:tgtEl>
+                                        <p:attrNameLst>
+                                          <p:attrName>style.visibility</p:attrName>
+                                        </p:attrNameLst>
+                                      </p:cBhvr>
+                                      <p:to>
+                                        <p:strVal val="visible"/>
+                                      </p:to>
+                                    </p:set>
+                                    <p:animEffect transition="in" filter="fade">
+                                      <p:cBhvr>
+                                        <p:cTn id="18" dur="500"/>
+                                        <p:tgtEl>
+                                          <p:spTgt spid="3">
+                                            <p:txEl>
+                                              <p:pRg st="3" end="3"/>
+                                            </p:txEl>
+                                          </p:spTgt>
+                                        </p:tgtEl>
+                                      </p:cBhvr>
+                                    </p:animEffect>
+                                  </p:childTnLst>
+                                </p:cTn>
+                              </p:par>
+                              <p:par>
+                                <p:cTn id="19" presetID="10" presetClass="entr" presetSubtype="0" fill="hold" grpId="0" nodeType="withEffect">
+                                  <p:stCondLst>
+                                    <p:cond delay="0"/>
+                                  </p:stCondLst>
+                                  <p:childTnLst>
+                                    <p:set>
+                                      <p:cBhvr>
+                                        <p:cTn id="20" dur="1" fill="hold">
+                                          <p:stCondLst>
+                                            <p:cond delay="0"/>
+                                          </p:stCondLst>
+                                        </p:cTn>
+                                        <p:tgtEl>
+                                          <p:spTgt spid="3">
+                                            <p:txEl>
+                                              <p:pRg st="4" end="4"/>
+                                            </p:txEl>
+                                          </p:spTgt>
+                                        </p:tgtEl>
+                                        <p:attrNameLst>
+                                          <p:attrName>style.visibility</p:attrName>
+                                        </p:attrNameLst>
+                                      </p:cBhvr>
+                                      <p:to>
+                                        <p:strVal val="visible"/>
+                                      </p:to>
+                                    </p:set>
+                                    <p:animEffect transition="in" filter="fade">
+                                      <p:cBhvr>
+                                        <p:cTn id="21" dur="500"/>
+                                        <p:tgtEl>
+                                          <p:spTgt spid="3">
+                                            <p:txEl>
+                                              <p:pRg st="4" end="4"/>
+                                            </p:txEl>
+                                          </p:spTgt>
+                                        </p:tgtEl>
+                                      </p:cBhvr>
+                                    </p:animEffect>
+                                  </p:childTnLst>
+                                </p:cTn>
+                              </p:par>
+                              <p:par>
+                                <p:cTn id="22" presetID="10" presetClass="entr" presetSubtype="0" fill="hold" grpId="0" nodeType="withEffect">
+                                  <p:stCondLst>
+                                    <p:cond delay="0"/>
+                                  </p:stCondLst>
+                                  <p:childTnLst>
+                                    <p:set>
+                                      <p:cBhvr>
+                                        <p:cTn id="23" dur="1" fill="hold">
+                                          <p:stCondLst>
+                                            <p:cond delay="0"/>
+                                          </p:stCondLst>
+                                        </p:cTn>
+                                        <p:tgtEl>
+                                          <p:spTgt spid="3">
+                                            <p:txEl>
+                                              <p:pRg st="5" end="5"/>
+                                            </p:txEl>
+                                          </p:spTgt>
+                                        </p:tgtEl>
+                                        <p:attrNameLst>
+                                          <p:attrName>style.visibility</p:attrName>
+                                        </p:attrNameLst>
+                                      </p:cBhvr>
+                                      <p:to>
+                                        <p:strVal val="visible"/>
+                                      </p:to>
+                                    </p:set>
+                                    <p:animEffect transition="in" filter="fade">
+                                      <p:cBhvr>
+                                        <p:cTn id="24" dur="500"/>
+                                        <p:tgtEl>
+                                          <p:spTgt spid="3">
+                                            <p:txEl>
+                                              <p:pRg st="5" end="5"/>
+                                            </p:txEl>
+                                          </p:spTgt>
+                                        </p:tgtEl>
+                                      </p:cBhvr>
+                                    </p:animEffect>
+                                  </p:childTnLst>
+                                </p:cTn>
+                              </p:par>
+                              <p:par>
+                                <p:cTn id="25" presetID="10" presetClass="entr" presetSubtype="0" fill="hold" grpId="0" nodeType="withEffect">
+                                  <p:stCondLst>
+                                    <p:cond delay="0"/>
+                                  </p:stCondLst>
+                                  <p:childTnLst>
+                                    <p:set>
+                                      <p:cBhvr>
+                                        <p:cTn id="26" dur="1" fill="hold">
+                                          <p:stCondLst>
+                                            <p:cond delay="0"/>
+                                          </p:stCondLst>
+                                        </p:cTn>
+                                        <p:tgtEl>
+                                          <p:spTgt spid="3">
+                                            <p:txEl>
+                                              <p:pRg st="6" end="6"/>
+                                            </p:txEl>
+                                          </p:spTgt>
+                                        </p:tgtEl>
+                                        <p:attrNameLst>
+                                          <p:attrName>style.visibility</p:attrName>
+                                        </p:attrNameLst>
+                                      </p:cBhvr>
+                                      <p:to>
+                                        <p:strVal val="visible"/>
+                                      </p:to>
+                                    </p:set>
+                                    <p:animEffect transition="in" filter="fade">
+                                      <p:cBhvr>
+                                        <p:cTn id="27" dur="500"/>
+                                        <p:tgtEl>
+                                          <p:spTgt spid="3">
+                                            <p:txEl>
+                                              <p:pRg st="6" end="6"/>
+                                            </p:txEl>
+                                          </p:spTgt>
+                                        </p:tgtEl>
+                                      </p:cBhvr>
+                                    </p:animEffect>
+                                  </p:childTnLst>
+                                </p:cTn>
+                              </p:par>
+                              <p:par>
+                                <p:cTn id="28" presetID="10" presetClass="entr" presetSubtype="0" fill="hold" grpId="0" nodeType="withEffect">
+                                  <p:stCondLst>
+                                    <p:cond delay="0"/>
+                                  </p:stCondLst>
+                                  <p:childTnLst>
+                                    <p:set>
+                                      <p:cBhvr>
+                                        <p:cTn id="29" dur="1" fill="hold">
+                                          <p:stCondLst>
+                                            <p:cond delay="0"/>
+                                          </p:stCondLst>
+                                        </p:cTn>
+                                        <p:tgtEl>
+                                          <p:spTgt spid="3">
+                                            <p:txEl>
+                                              <p:pRg st="7" end="7"/>
+                                            </p:txEl>
+                                          </p:spTgt>
+                                        </p:tgtEl>
+                                        <p:attrNameLst>
+                                          <p:attrName>style.visibility</p:attrName>
+                                        </p:attrNameLst>
+                                      </p:cBhvr>
+                                      <p:to>
+                                        <p:strVal val="visible"/>
+                                      </p:to>
+                                    </p:set>
+                                    <p:animEffect transition="in" filter="fade">
+                                      <p:cBhvr>
+                                        <p:cTn id="30" dur="500"/>
+                                        <p:tgtEl>
+                                          <p:spTgt spid="3">
+                                            <p:txEl>
+                                              <p:pRg st="7" end="7"/>
+                                            </p:txEl>
+                                          </p:spTgt>
+                                        </p:tgtEl>
+                                      </p:cBhvr>
+                                    </p:animEffect>
+                                  </p:childTnLst>
+                                </p:cTn>
+                              </p:par>
+                              <p:par>
+                                <p:cTn id="31" presetID="10" presetClass="entr" presetSubtype="0" fill="hold" grpId="0" nodeType="withEffect">
+                                  <p:stCondLst>
+                                    <p:cond delay="0"/>
+                                  </p:stCondLst>
+                                  <p:childTnLst>
+                                    <p:set>
+                                      <p:cBhvr>
+                                        <p:cTn id="32" dur="1" fill="hold">
+                                          <p:stCondLst>
+                                            <p:cond delay="0"/>
+                                          </p:stCondLst>
+                                        </p:cTn>
+                                        <p:tgtEl>
+                                          <p:spTgt spid="3">
+                                            <p:txEl>
+                                              <p:pRg st="8" end="8"/>
+                                            </p:txEl>
+                                          </p:spTgt>
+                                        </p:tgtEl>
+                                        <p:attrNameLst>
+                                          <p:attrName>style.visibility</p:attrName>
+                                        </p:attrNameLst>
+                                      </p:cBhvr>
+                                      <p:to>
+                                        <p:strVal val="visible"/>
+                                      </p:to>
+                                    </p:set>
+                                    <p:animEffect transition="in" filter="fade">
+                                      <p:cBhvr>
+                                        <p:cTn id="33" dur="500"/>
+                                        <p:tgtEl>
+                                          <p:spTgt spid="3">
+                                            <p:txEl>
+                                              <p:pRg st="8" end="8"/>
+                                            </p:txEl>
+                                          </p:spTgt>
+                                        </p:tgtEl>
+                                      </p:cBhvr>
+                                    </p:animEffect>
+                                  </p:childTnLst>
+                                </p:cTn>
+                              </p:par>
+                            </p:childTnLst>
+                          </p:cTn>
+                        </p:par>
+                      </p:childTnLst>
+                    </p:cTn>
+                  </p:par>
+                </p:childTnLst>
+              </p:cTn>
+              <p:prevCondLst>
+                <p:cond evt="onPrev" delay="0">
+                  <p:tgtEl>
+                    <p:sldTgt/>
+                  </p:tgtEl>
+                </p:cond>
+              </p:prevCondLst>
+              <p:nextCondLst>
+                <p:cond evt="onNext" delay="0">
+                  <p:tgtEl>
+                    <p:sldTgt/>
+                  </p:tgtEl>
+                </p:cond>
+              </p:nextCondLst>
+            </p:seq>
+          </p:childTnLst>
+        </p:cTn>
       </p:par>
     </p:tnLst>
+    <p:bldLst>
+      <p:bldP spid="3" grpId="0" build="p"/>
+    </p:bldLst>
   </p:timing>
 </p:sld>
 </file>
@@ -35889,6 +42643,14 @@
               <a:rPr lang="en-US" dirty="0" err="1" smtClean="0"/>
               <a:t>shared_ptr</a:t>
             </a:r>
+            <a:r>
+              <a:rPr lang="en-US" dirty="0" smtClean="0"/>
+              <a:t>/</a:t>
+            </a:r>
+            <a:r>
+              <a:rPr lang="en-US" dirty="0" err="1" smtClean="0"/>
+              <a:t>unique_ptr</a:t>
+            </a:r>
             <a:endParaRPr lang="ru-RU" dirty="0"/>
           </a:p>
         </p:txBody>
@@ -36827,15 +43589,7 @@
             <a:pPr lvl="2"/>
             <a:r>
               <a:rPr lang="ru-RU" dirty="0" smtClean="0"/>
-              <a:t>Т.к. объект хранится вместе со счетчиком, он будет занимать память </a:t>
-            </a:r>
-            <a:r>
-              <a:rPr lang="ru-RU" smtClean="0"/>
-              <a:t>(будучи уже </a:t>
-            </a:r>
-            <a:r>
-              <a:rPr lang="ru-RU" dirty="0" smtClean="0"/>
-              <a:t>разрушен), пока существуют </a:t>
+              <a:t>Т.к. объект хранится вместе со счетчиком, он будет занимать память (будучи уже разрушен), пока существуют </a:t>
             </a:r>
             <a:r>
               <a:rPr lang="en-US" dirty="0" smtClean="0"/>
@@ -36862,9 +43616,501 @@
   <p:timing>
     <p:tnLst>
       <p:par>
-        <p:cTn id="1" dur="indefinite" restart="never" nodeType="tmRoot"/>
+        <p:cTn id="1" dur="indefinite" restart="never" nodeType="tmRoot">
+          <p:childTnLst>
+            <p:seq concurrent="1" nextAc="seek">
+              <p:cTn id="2" dur="indefinite" nodeType="mainSeq">
+                <p:childTnLst>
+                  <p:par>
+                    <p:cTn id="3" fill="hold">
+                      <p:stCondLst>
+                        <p:cond delay="indefinite"/>
+                      </p:stCondLst>
+                      <p:childTnLst>
+                        <p:par>
+                          <p:cTn id="4" fill="hold">
+                            <p:stCondLst>
+                              <p:cond delay="0"/>
+                            </p:stCondLst>
+                            <p:childTnLst>
+                              <p:par>
+                                <p:cTn id="5" presetID="10" presetClass="entr" presetSubtype="0" fill="hold" grpId="0" nodeType="clickEffect">
+                                  <p:stCondLst>
+                                    <p:cond delay="0"/>
+                                  </p:stCondLst>
+                                  <p:childTnLst>
+                                    <p:set>
+                                      <p:cBhvr>
+                                        <p:cTn id="6" dur="1" fill="hold">
+                                          <p:stCondLst>
+                                            <p:cond delay="0"/>
+                                          </p:stCondLst>
+                                        </p:cTn>
+                                        <p:tgtEl>
+                                          <p:spTgt spid="3">
+                                            <p:txEl>
+                                              <p:pRg st="0" end="0"/>
+                                            </p:txEl>
+                                          </p:spTgt>
+                                        </p:tgtEl>
+                                        <p:attrNameLst>
+                                          <p:attrName>style.visibility</p:attrName>
+                                        </p:attrNameLst>
+                                      </p:cBhvr>
+                                      <p:to>
+                                        <p:strVal val="visible"/>
+                                      </p:to>
+                                    </p:set>
+                                    <p:animEffect transition="in" filter="fade">
+                                      <p:cBhvr>
+                                        <p:cTn id="7" dur="500"/>
+                                        <p:tgtEl>
+                                          <p:spTgt spid="3">
+                                            <p:txEl>
+                                              <p:pRg st="0" end="0"/>
+                                            </p:txEl>
+                                          </p:spTgt>
+                                        </p:tgtEl>
+                                      </p:cBhvr>
+                                    </p:animEffect>
+                                  </p:childTnLst>
+                                </p:cTn>
+                              </p:par>
+                              <p:par>
+                                <p:cTn id="8" presetID="10" presetClass="entr" presetSubtype="0" fill="hold" grpId="0" nodeType="withEffect">
+                                  <p:stCondLst>
+                                    <p:cond delay="0"/>
+                                  </p:stCondLst>
+                                  <p:childTnLst>
+                                    <p:set>
+                                      <p:cBhvr>
+                                        <p:cTn id="9" dur="1" fill="hold">
+                                          <p:stCondLst>
+                                            <p:cond delay="0"/>
+                                          </p:stCondLst>
+                                        </p:cTn>
+                                        <p:tgtEl>
+                                          <p:spTgt spid="3">
+                                            <p:txEl>
+                                              <p:pRg st="1" end="1"/>
+                                            </p:txEl>
+                                          </p:spTgt>
+                                        </p:tgtEl>
+                                        <p:attrNameLst>
+                                          <p:attrName>style.visibility</p:attrName>
+                                        </p:attrNameLst>
+                                      </p:cBhvr>
+                                      <p:to>
+                                        <p:strVal val="visible"/>
+                                      </p:to>
+                                    </p:set>
+                                    <p:animEffect transition="in" filter="fade">
+                                      <p:cBhvr>
+                                        <p:cTn id="10" dur="500"/>
+                                        <p:tgtEl>
+                                          <p:spTgt spid="3">
+                                            <p:txEl>
+                                              <p:pRg st="1" end="1"/>
+                                            </p:txEl>
+                                          </p:spTgt>
+                                        </p:tgtEl>
+                                      </p:cBhvr>
+                                    </p:animEffect>
+                                  </p:childTnLst>
+                                </p:cTn>
+                              </p:par>
+                              <p:par>
+                                <p:cTn id="11" presetID="10" presetClass="entr" presetSubtype="0" fill="hold" grpId="0" nodeType="withEffect">
+                                  <p:stCondLst>
+                                    <p:cond delay="0"/>
+                                  </p:stCondLst>
+                                  <p:childTnLst>
+                                    <p:set>
+                                      <p:cBhvr>
+                                        <p:cTn id="12" dur="1" fill="hold">
+                                          <p:stCondLst>
+                                            <p:cond delay="0"/>
+                                          </p:stCondLst>
+                                        </p:cTn>
+                                        <p:tgtEl>
+                                          <p:spTgt spid="3">
+                                            <p:txEl>
+                                              <p:pRg st="2" end="2"/>
+                                            </p:txEl>
+                                          </p:spTgt>
+                                        </p:tgtEl>
+                                        <p:attrNameLst>
+                                          <p:attrName>style.visibility</p:attrName>
+                                        </p:attrNameLst>
+                                      </p:cBhvr>
+                                      <p:to>
+                                        <p:strVal val="visible"/>
+                                      </p:to>
+                                    </p:set>
+                                    <p:animEffect transition="in" filter="fade">
+                                      <p:cBhvr>
+                                        <p:cTn id="13" dur="500"/>
+                                        <p:tgtEl>
+                                          <p:spTgt spid="3">
+                                            <p:txEl>
+                                              <p:pRg st="2" end="2"/>
+                                            </p:txEl>
+                                          </p:spTgt>
+                                        </p:tgtEl>
+                                      </p:cBhvr>
+                                    </p:animEffect>
+                                  </p:childTnLst>
+                                </p:cTn>
+                              </p:par>
+                            </p:childTnLst>
+                          </p:cTn>
+                        </p:par>
+                      </p:childTnLst>
+                    </p:cTn>
+                  </p:par>
+                  <p:par>
+                    <p:cTn id="14" fill="hold">
+                      <p:stCondLst>
+                        <p:cond delay="indefinite"/>
+                      </p:stCondLst>
+                      <p:childTnLst>
+                        <p:par>
+                          <p:cTn id="15" fill="hold">
+                            <p:stCondLst>
+                              <p:cond delay="0"/>
+                            </p:stCondLst>
+                            <p:childTnLst>
+                              <p:par>
+                                <p:cTn id="16" presetID="10" presetClass="entr" presetSubtype="0" fill="hold" grpId="0" nodeType="clickEffect">
+                                  <p:stCondLst>
+                                    <p:cond delay="0"/>
+                                  </p:stCondLst>
+                                  <p:childTnLst>
+                                    <p:set>
+                                      <p:cBhvr>
+                                        <p:cTn id="17" dur="1" fill="hold">
+                                          <p:stCondLst>
+                                            <p:cond delay="0"/>
+                                          </p:stCondLst>
+                                        </p:cTn>
+                                        <p:tgtEl>
+                                          <p:spTgt spid="3">
+                                            <p:txEl>
+                                              <p:pRg st="3" end="3"/>
+                                            </p:txEl>
+                                          </p:spTgt>
+                                        </p:tgtEl>
+                                        <p:attrNameLst>
+                                          <p:attrName>style.visibility</p:attrName>
+                                        </p:attrNameLst>
+                                      </p:cBhvr>
+                                      <p:to>
+                                        <p:strVal val="visible"/>
+                                      </p:to>
+                                    </p:set>
+                                    <p:animEffect transition="in" filter="fade">
+                                      <p:cBhvr>
+                                        <p:cTn id="18" dur="500"/>
+                                        <p:tgtEl>
+                                          <p:spTgt spid="3">
+                                            <p:txEl>
+                                              <p:pRg st="3" end="3"/>
+                                            </p:txEl>
+                                          </p:spTgt>
+                                        </p:tgtEl>
+                                      </p:cBhvr>
+                                    </p:animEffect>
+                                  </p:childTnLst>
+                                </p:cTn>
+                              </p:par>
+                              <p:par>
+                                <p:cTn id="19" presetID="10" presetClass="entr" presetSubtype="0" fill="hold" grpId="0" nodeType="withEffect">
+                                  <p:stCondLst>
+                                    <p:cond delay="0"/>
+                                  </p:stCondLst>
+                                  <p:childTnLst>
+                                    <p:set>
+                                      <p:cBhvr>
+                                        <p:cTn id="20" dur="1" fill="hold">
+                                          <p:stCondLst>
+                                            <p:cond delay="0"/>
+                                          </p:stCondLst>
+                                        </p:cTn>
+                                        <p:tgtEl>
+                                          <p:spTgt spid="3">
+                                            <p:txEl>
+                                              <p:pRg st="4" end="4"/>
+                                            </p:txEl>
+                                          </p:spTgt>
+                                        </p:tgtEl>
+                                        <p:attrNameLst>
+                                          <p:attrName>style.visibility</p:attrName>
+                                        </p:attrNameLst>
+                                      </p:cBhvr>
+                                      <p:to>
+                                        <p:strVal val="visible"/>
+                                      </p:to>
+                                    </p:set>
+                                    <p:animEffect transition="in" filter="fade">
+                                      <p:cBhvr>
+                                        <p:cTn id="21" dur="500"/>
+                                        <p:tgtEl>
+                                          <p:spTgt spid="3">
+                                            <p:txEl>
+                                              <p:pRg st="4" end="4"/>
+                                            </p:txEl>
+                                          </p:spTgt>
+                                        </p:tgtEl>
+                                      </p:cBhvr>
+                                    </p:animEffect>
+                                  </p:childTnLst>
+                                </p:cTn>
+                              </p:par>
+                              <p:par>
+                                <p:cTn id="22" presetID="10" presetClass="entr" presetSubtype="0" fill="hold" grpId="0" nodeType="withEffect">
+                                  <p:stCondLst>
+                                    <p:cond delay="0"/>
+                                  </p:stCondLst>
+                                  <p:childTnLst>
+                                    <p:set>
+                                      <p:cBhvr>
+                                        <p:cTn id="23" dur="1" fill="hold">
+                                          <p:stCondLst>
+                                            <p:cond delay="0"/>
+                                          </p:stCondLst>
+                                        </p:cTn>
+                                        <p:tgtEl>
+                                          <p:spTgt spid="3">
+                                            <p:txEl>
+                                              <p:pRg st="5" end="5"/>
+                                            </p:txEl>
+                                          </p:spTgt>
+                                        </p:tgtEl>
+                                        <p:attrNameLst>
+                                          <p:attrName>style.visibility</p:attrName>
+                                        </p:attrNameLst>
+                                      </p:cBhvr>
+                                      <p:to>
+                                        <p:strVal val="visible"/>
+                                      </p:to>
+                                    </p:set>
+                                    <p:animEffect transition="in" filter="fade">
+                                      <p:cBhvr>
+                                        <p:cTn id="24" dur="500"/>
+                                        <p:tgtEl>
+                                          <p:spTgt spid="3">
+                                            <p:txEl>
+                                              <p:pRg st="5" end="5"/>
+                                            </p:txEl>
+                                          </p:spTgt>
+                                        </p:tgtEl>
+                                      </p:cBhvr>
+                                    </p:animEffect>
+                                  </p:childTnLst>
+                                </p:cTn>
+                              </p:par>
+                              <p:par>
+                                <p:cTn id="25" presetID="10" presetClass="entr" presetSubtype="0" fill="hold" grpId="0" nodeType="withEffect">
+                                  <p:stCondLst>
+                                    <p:cond delay="0"/>
+                                  </p:stCondLst>
+                                  <p:childTnLst>
+                                    <p:set>
+                                      <p:cBhvr>
+                                        <p:cTn id="26" dur="1" fill="hold">
+                                          <p:stCondLst>
+                                            <p:cond delay="0"/>
+                                          </p:stCondLst>
+                                        </p:cTn>
+                                        <p:tgtEl>
+                                          <p:spTgt spid="3">
+                                            <p:txEl>
+                                              <p:pRg st="6" end="6"/>
+                                            </p:txEl>
+                                          </p:spTgt>
+                                        </p:tgtEl>
+                                        <p:attrNameLst>
+                                          <p:attrName>style.visibility</p:attrName>
+                                        </p:attrNameLst>
+                                      </p:cBhvr>
+                                      <p:to>
+                                        <p:strVal val="visible"/>
+                                      </p:to>
+                                    </p:set>
+                                    <p:animEffect transition="in" filter="fade">
+                                      <p:cBhvr>
+                                        <p:cTn id="27" dur="500"/>
+                                        <p:tgtEl>
+                                          <p:spTgt spid="3">
+                                            <p:txEl>
+                                              <p:pRg st="6" end="6"/>
+                                            </p:txEl>
+                                          </p:spTgt>
+                                        </p:tgtEl>
+                                      </p:cBhvr>
+                                    </p:animEffect>
+                                  </p:childTnLst>
+                                </p:cTn>
+                              </p:par>
+                              <p:par>
+                                <p:cTn id="28" presetID="10" presetClass="entr" presetSubtype="0" fill="hold" grpId="0" nodeType="withEffect">
+                                  <p:stCondLst>
+                                    <p:cond delay="0"/>
+                                  </p:stCondLst>
+                                  <p:childTnLst>
+                                    <p:set>
+                                      <p:cBhvr>
+                                        <p:cTn id="29" dur="1" fill="hold">
+                                          <p:stCondLst>
+                                            <p:cond delay="0"/>
+                                          </p:stCondLst>
+                                        </p:cTn>
+                                        <p:tgtEl>
+                                          <p:spTgt spid="3">
+                                            <p:txEl>
+                                              <p:pRg st="7" end="7"/>
+                                            </p:txEl>
+                                          </p:spTgt>
+                                        </p:tgtEl>
+                                        <p:attrNameLst>
+                                          <p:attrName>style.visibility</p:attrName>
+                                        </p:attrNameLst>
+                                      </p:cBhvr>
+                                      <p:to>
+                                        <p:strVal val="visible"/>
+                                      </p:to>
+                                    </p:set>
+                                    <p:animEffect transition="in" filter="fade">
+                                      <p:cBhvr>
+                                        <p:cTn id="30" dur="500"/>
+                                        <p:tgtEl>
+                                          <p:spTgt spid="3">
+                                            <p:txEl>
+                                              <p:pRg st="7" end="7"/>
+                                            </p:txEl>
+                                          </p:spTgt>
+                                        </p:tgtEl>
+                                      </p:cBhvr>
+                                    </p:animEffect>
+                                  </p:childTnLst>
+                                </p:cTn>
+                              </p:par>
+                              <p:par>
+                                <p:cTn id="31" presetID="10" presetClass="entr" presetSubtype="0" fill="hold" grpId="0" nodeType="withEffect">
+                                  <p:stCondLst>
+                                    <p:cond delay="0"/>
+                                  </p:stCondLst>
+                                  <p:childTnLst>
+                                    <p:set>
+                                      <p:cBhvr>
+                                        <p:cTn id="32" dur="1" fill="hold">
+                                          <p:stCondLst>
+                                            <p:cond delay="0"/>
+                                          </p:stCondLst>
+                                        </p:cTn>
+                                        <p:tgtEl>
+                                          <p:spTgt spid="3">
+                                            <p:txEl>
+                                              <p:pRg st="8" end="8"/>
+                                            </p:txEl>
+                                          </p:spTgt>
+                                        </p:tgtEl>
+                                        <p:attrNameLst>
+                                          <p:attrName>style.visibility</p:attrName>
+                                        </p:attrNameLst>
+                                      </p:cBhvr>
+                                      <p:to>
+                                        <p:strVal val="visible"/>
+                                      </p:to>
+                                    </p:set>
+                                    <p:animEffect transition="in" filter="fade">
+                                      <p:cBhvr>
+                                        <p:cTn id="33" dur="500"/>
+                                        <p:tgtEl>
+                                          <p:spTgt spid="3">
+                                            <p:txEl>
+                                              <p:pRg st="8" end="8"/>
+                                            </p:txEl>
+                                          </p:spTgt>
+                                        </p:tgtEl>
+                                      </p:cBhvr>
+                                    </p:animEffect>
+                                  </p:childTnLst>
+                                </p:cTn>
+                              </p:par>
+                              <p:par>
+                                <p:cTn id="34" presetID="10" presetClass="entr" presetSubtype="0" fill="hold" grpId="0" nodeType="withEffect">
+                                  <p:stCondLst>
+                                    <p:cond delay="0"/>
+                                  </p:stCondLst>
+                                  <p:childTnLst>
+                                    <p:set>
+                                      <p:cBhvr>
+                                        <p:cTn id="35" dur="1" fill="hold">
+                                          <p:stCondLst>
+                                            <p:cond delay="0"/>
+                                          </p:stCondLst>
+                                        </p:cTn>
+                                        <p:tgtEl>
+                                          <p:spTgt spid="3">
+                                            <p:txEl>
+                                              <p:pRg st="9" end="9"/>
+                                            </p:txEl>
+                                          </p:spTgt>
+                                        </p:tgtEl>
+                                        <p:attrNameLst>
+                                          <p:attrName>style.visibility</p:attrName>
+                                        </p:attrNameLst>
+                                      </p:cBhvr>
+                                      <p:to>
+                                        <p:strVal val="visible"/>
+                                      </p:to>
+                                    </p:set>
+                                    <p:animEffect transition="in" filter="fade">
+                                      <p:cBhvr>
+                                        <p:cTn id="36" dur="500"/>
+                                        <p:tgtEl>
+                                          <p:spTgt spid="3">
+                                            <p:txEl>
+                                              <p:pRg st="9" end="9"/>
+                                            </p:txEl>
+                                          </p:spTgt>
+                                        </p:tgtEl>
+                                      </p:cBhvr>
+                                    </p:animEffect>
+                                  </p:childTnLst>
+                                </p:cTn>
+                              </p:par>
+                            </p:childTnLst>
+                          </p:cTn>
+                        </p:par>
+                      </p:childTnLst>
+                    </p:cTn>
+                  </p:par>
+                </p:childTnLst>
+              </p:cTn>
+              <p:prevCondLst>
+                <p:cond evt="onPrev" delay="0">
+                  <p:tgtEl>
+                    <p:sldTgt/>
+                  </p:tgtEl>
+                </p:cond>
+              </p:prevCondLst>
+              <p:nextCondLst>
+                <p:cond evt="onNext" delay="0">
+                  <p:tgtEl>
+                    <p:sldTgt/>
+                  </p:tgtEl>
+                </p:cond>
+              </p:nextCondLst>
+            </p:seq>
+          </p:childTnLst>
+        </p:cTn>
       </p:par>
     </p:tnLst>
+    <p:bldLst>
+      <p:bldP spid="3" grpId="0" build="p"/>
+    </p:bldLst>
   </p:timing>
 </p:sld>
 </file>
@@ -37352,9 +44598,537 @@
   <p:timing>
     <p:tnLst>
       <p:par>
-        <p:cTn id="1" dur="indefinite" restart="never" nodeType="tmRoot"/>
+        <p:cTn id="1" dur="indefinite" restart="never" nodeType="tmRoot">
+          <p:childTnLst>
+            <p:seq concurrent="1" nextAc="seek">
+              <p:cTn id="2" dur="indefinite" nodeType="mainSeq">
+                <p:childTnLst>
+                  <p:par>
+                    <p:cTn id="3" fill="hold">
+                      <p:stCondLst>
+                        <p:cond delay="indefinite"/>
+                      </p:stCondLst>
+                      <p:childTnLst>
+                        <p:par>
+                          <p:cTn id="4" fill="hold">
+                            <p:stCondLst>
+                              <p:cond delay="0"/>
+                            </p:stCondLst>
+                            <p:childTnLst>
+                              <p:par>
+                                <p:cTn id="5" presetID="10" presetClass="entr" presetSubtype="0" fill="hold" grpId="0" nodeType="clickEffect">
+                                  <p:stCondLst>
+                                    <p:cond delay="0"/>
+                                  </p:stCondLst>
+                                  <p:childTnLst>
+                                    <p:set>
+                                      <p:cBhvr>
+                                        <p:cTn id="6" dur="1" fill="hold">
+                                          <p:stCondLst>
+                                            <p:cond delay="0"/>
+                                          </p:stCondLst>
+                                        </p:cTn>
+                                        <p:tgtEl>
+                                          <p:spTgt spid="3">
+                                            <p:txEl>
+                                              <p:pRg st="0" end="0"/>
+                                            </p:txEl>
+                                          </p:spTgt>
+                                        </p:tgtEl>
+                                        <p:attrNameLst>
+                                          <p:attrName>style.visibility</p:attrName>
+                                        </p:attrNameLst>
+                                      </p:cBhvr>
+                                      <p:to>
+                                        <p:strVal val="visible"/>
+                                      </p:to>
+                                    </p:set>
+                                    <p:animEffect transition="in" filter="fade">
+                                      <p:cBhvr>
+                                        <p:cTn id="7" dur="500"/>
+                                        <p:tgtEl>
+                                          <p:spTgt spid="3">
+                                            <p:txEl>
+                                              <p:pRg st="0" end="0"/>
+                                            </p:txEl>
+                                          </p:spTgt>
+                                        </p:tgtEl>
+                                      </p:cBhvr>
+                                    </p:animEffect>
+                                  </p:childTnLst>
+                                </p:cTn>
+                              </p:par>
+                              <p:par>
+                                <p:cTn id="8" presetID="10" presetClass="entr" presetSubtype="0" fill="hold" grpId="0" nodeType="withEffect">
+                                  <p:stCondLst>
+                                    <p:cond delay="0"/>
+                                  </p:stCondLst>
+                                  <p:childTnLst>
+                                    <p:set>
+                                      <p:cBhvr>
+                                        <p:cTn id="9" dur="1" fill="hold">
+                                          <p:stCondLst>
+                                            <p:cond delay="0"/>
+                                          </p:stCondLst>
+                                        </p:cTn>
+                                        <p:tgtEl>
+                                          <p:spTgt spid="3">
+                                            <p:txEl>
+                                              <p:pRg st="1" end="1"/>
+                                            </p:txEl>
+                                          </p:spTgt>
+                                        </p:tgtEl>
+                                        <p:attrNameLst>
+                                          <p:attrName>style.visibility</p:attrName>
+                                        </p:attrNameLst>
+                                      </p:cBhvr>
+                                      <p:to>
+                                        <p:strVal val="visible"/>
+                                      </p:to>
+                                    </p:set>
+                                    <p:animEffect transition="in" filter="fade">
+                                      <p:cBhvr>
+                                        <p:cTn id="10" dur="500"/>
+                                        <p:tgtEl>
+                                          <p:spTgt spid="3">
+                                            <p:txEl>
+                                              <p:pRg st="1" end="1"/>
+                                            </p:txEl>
+                                          </p:spTgt>
+                                        </p:tgtEl>
+                                      </p:cBhvr>
+                                    </p:animEffect>
+                                  </p:childTnLst>
+                                </p:cTn>
+                              </p:par>
+                            </p:childTnLst>
+                          </p:cTn>
+                        </p:par>
+                      </p:childTnLst>
+                    </p:cTn>
+                  </p:par>
+                  <p:par>
+                    <p:cTn id="11" fill="hold">
+                      <p:stCondLst>
+                        <p:cond delay="indefinite"/>
+                      </p:stCondLst>
+                      <p:childTnLst>
+                        <p:par>
+                          <p:cTn id="12" fill="hold">
+                            <p:stCondLst>
+                              <p:cond delay="0"/>
+                            </p:stCondLst>
+                            <p:childTnLst>
+                              <p:par>
+                                <p:cTn id="13" presetID="10" presetClass="entr" presetSubtype="0" fill="hold" grpId="0" nodeType="clickEffect">
+                                  <p:stCondLst>
+                                    <p:cond delay="0"/>
+                                  </p:stCondLst>
+                                  <p:childTnLst>
+                                    <p:set>
+                                      <p:cBhvr>
+                                        <p:cTn id="14" dur="1" fill="hold">
+                                          <p:stCondLst>
+                                            <p:cond delay="0"/>
+                                          </p:stCondLst>
+                                        </p:cTn>
+                                        <p:tgtEl>
+                                          <p:spTgt spid="3">
+                                            <p:txEl>
+                                              <p:pRg st="2" end="2"/>
+                                            </p:txEl>
+                                          </p:spTgt>
+                                        </p:tgtEl>
+                                        <p:attrNameLst>
+                                          <p:attrName>style.visibility</p:attrName>
+                                        </p:attrNameLst>
+                                      </p:cBhvr>
+                                      <p:to>
+                                        <p:strVal val="visible"/>
+                                      </p:to>
+                                    </p:set>
+                                    <p:animEffect transition="in" filter="fade">
+                                      <p:cBhvr>
+                                        <p:cTn id="15" dur="500"/>
+                                        <p:tgtEl>
+                                          <p:spTgt spid="3">
+                                            <p:txEl>
+                                              <p:pRg st="2" end="2"/>
+                                            </p:txEl>
+                                          </p:spTgt>
+                                        </p:tgtEl>
+                                      </p:cBhvr>
+                                    </p:animEffect>
+                                  </p:childTnLst>
+                                </p:cTn>
+                              </p:par>
+                              <p:par>
+                                <p:cTn id="16" presetID="10" presetClass="entr" presetSubtype="0" fill="hold" grpId="0" nodeType="withEffect">
+                                  <p:stCondLst>
+                                    <p:cond delay="0"/>
+                                  </p:stCondLst>
+                                  <p:childTnLst>
+                                    <p:set>
+                                      <p:cBhvr>
+                                        <p:cTn id="17" dur="1" fill="hold">
+                                          <p:stCondLst>
+                                            <p:cond delay="0"/>
+                                          </p:stCondLst>
+                                        </p:cTn>
+                                        <p:tgtEl>
+                                          <p:spTgt spid="3">
+                                            <p:txEl>
+                                              <p:pRg st="3" end="3"/>
+                                            </p:txEl>
+                                          </p:spTgt>
+                                        </p:tgtEl>
+                                        <p:attrNameLst>
+                                          <p:attrName>style.visibility</p:attrName>
+                                        </p:attrNameLst>
+                                      </p:cBhvr>
+                                      <p:to>
+                                        <p:strVal val="visible"/>
+                                      </p:to>
+                                    </p:set>
+                                    <p:animEffect transition="in" filter="fade">
+                                      <p:cBhvr>
+                                        <p:cTn id="18" dur="500"/>
+                                        <p:tgtEl>
+                                          <p:spTgt spid="3">
+                                            <p:txEl>
+                                              <p:pRg st="3" end="3"/>
+                                            </p:txEl>
+                                          </p:spTgt>
+                                        </p:tgtEl>
+                                      </p:cBhvr>
+                                    </p:animEffect>
+                                  </p:childTnLst>
+                                </p:cTn>
+                              </p:par>
+                            </p:childTnLst>
+                          </p:cTn>
+                        </p:par>
+                      </p:childTnLst>
+                    </p:cTn>
+                  </p:par>
+                  <p:par>
+                    <p:cTn id="19" fill="hold">
+                      <p:stCondLst>
+                        <p:cond delay="indefinite"/>
+                      </p:stCondLst>
+                      <p:childTnLst>
+                        <p:par>
+                          <p:cTn id="20" fill="hold">
+                            <p:stCondLst>
+                              <p:cond delay="0"/>
+                            </p:stCondLst>
+                            <p:childTnLst>
+                              <p:par>
+                                <p:cTn id="21" presetID="10" presetClass="entr" presetSubtype="0" fill="hold" grpId="0" nodeType="clickEffect">
+                                  <p:stCondLst>
+                                    <p:cond delay="0"/>
+                                  </p:stCondLst>
+                                  <p:childTnLst>
+                                    <p:set>
+                                      <p:cBhvr>
+                                        <p:cTn id="22" dur="1" fill="hold">
+                                          <p:stCondLst>
+                                            <p:cond delay="0"/>
+                                          </p:stCondLst>
+                                        </p:cTn>
+                                        <p:tgtEl>
+                                          <p:spTgt spid="3">
+                                            <p:txEl>
+                                              <p:pRg st="4" end="4"/>
+                                            </p:txEl>
+                                          </p:spTgt>
+                                        </p:tgtEl>
+                                        <p:attrNameLst>
+                                          <p:attrName>style.visibility</p:attrName>
+                                        </p:attrNameLst>
+                                      </p:cBhvr>
+                                      <p:to>
+                                        <p:strVal val="visible"/>
+                                      </p:to>
+                                    </p:set>
+                                    <p:animEffect transition="in" filter="fade">
+                                      <p:cBhvr>
+                                        <p:cTn id="23" dur="500"/>
+                                        <p:tgtEl>
+                                          <p:spTgt spid="3">
+                                            <p:txEl>
+                                              <p:pRg st="4" end="4"/>
+                                            </p:txEl>
+                                          </p:spTgt>
+                                        </p:tgtEl>
+                                      </p:cBhvr>
+                                    </p:animEffect>
+                                  </p:childTnLst>
+                                </p:cTn>
+                              </p:par>
+                              <p:par>
+                                <p:cTn id="24" presetID="10" presetClass="entr" presetSubtype="0" fill="hold" grpId="0" nodeType="withEffect">
+                                  <p:stCondLst>
+                                    <p:cond delay="0"/>
+                                  </p:stCondLst>
+                                  <p:childTnLst>
+                                    <p:set>
+                                      <p:cBhvr>
+                                        <p:cTn id="25" dur="1" fill="hold">
+                                          <p:stCondLst>
+                                            <p:cond delay="0"/>
+                                          </p:stCondLst>
+                                        </p:cTn>
+                                        <p:tgtEl>
+                                          <p:spTgt spid="3">
+                                            <p:txEl>
+                                              <p:pRg st="5" end="5"/>
+                                            </p:txEl>
+                                          </p:spTgt>
+                                        </p:tgtEl>
+                                        <p:attrNameLst>
+                                          <p:attrName>style.visibility</p:attrName>
+                                        </p:attrNameLst>
+                                      </p:cBhvr>
+                                      <p:to>
+                                        <p:strVal val="visible"/>
+                                      </p:to>
+                                    </p:set>
+                                    <p:animEffect transition="in" filter="fade">
+                                      <p:cBhvr>
+                                        <p:cTn id="26" dur="500"/>
+                                        <p:tgtEl>
+                                          <p:spTgt spid="3">
+                                            <p:txEl>
+                                              <p:pRg st="5" end="5"/>
+                                            </p:txEl>
+                                          </p:spTgt>
+                                        </p:tgtEl>
+                                      </p:cBhvr>
+                                    </p:animEffect>
+                                  </p:childTnLst>
+                                </p:cTn>
+                              </p:par>
+                              <p:par>
+                                <p:cTn id="27" presetID="10" presetClass="entr" presetSubtype="0" fill="hold" grpId="0" nodeType="withEffect">
+                                  <p:stCondLst>
+                                    <p:cond delay="0"/>
+                                  </p:stCondLst>
+                                  <p:childTnLst>
+                                    <p:set>
+                                      <p:cBhvr>
+                                        <p:cTn id="28" dur="1" fill="hold">
+                                          <p:stCondLst>
+                                            <p:cond delay="0"/>
+                                          </p:stCondLst>
+                                        </p:cTn>
+                                        <p:tgtEl>
+                                          <p:spTgt spid="3">
+                                            <p:txEl>
+                                              <p:pRg st="6" end="6"/>
+                                            </p:txEl>
+                                          </p:spTgt>
+                                        </p:tgtEl>
+                                        <p:attrNameLst>
+                                          <p:attrName>style.visibility</p:attrName>
+                                        </p:attrNameLst>
+                                      </p:cBhvr>
+                                      <p:to>
+                                        <p:strVal val="visible"/>
+                                      </p:to>
+                                    </p:set>
+                                    <p:animEffect transition="in" filter="fade">
+                                      <p:cBhvr>
+                                        <p:cTn id="29" dur="500"/>
+                                        <p:tgtEl>
+                                          <p:spTgt spid="3">
+                                            <p:txEl>
+                                              <p:pRg st="6" end="6"/>
+                                            </p:txEl>
+                                          </p:spTgt>
+                                        </p:tgtEl>
+                                      </p:cBhvr>
+                                    </p:animEffect>
+                                  </p:childTnLst>
+                                </p:cTn>
+                              </p:par>
+                            </p:childTnLst>
+                          </p:cTn>
+                        </p:par>
+                      </p:childTnLst>
+                    </p:cTn>
+                  </p:par>
+                  <p:par>
+                    <p:cTn id="30" fill="hold">
+                      <p:stCondLst>
+                        <p:cond delay="indefinite"/>
+                      </p:stCondLst>
+                      <p:childTnLst>
+                        <p:par>
+                          <p:cTn id="31" fill="hold">
+                            <p:stCondLst>
+                              <p:cond delay="0"/>
+                            </p:stCondLst>
+                            <p:childTnLst>
+                              <p:par>
+                                <p:cTn id="32" presetID="10" presetClass="entr" presetSubtype="0" fill="hold" grpId="0" nodeType="clickEffect">
+                                  <p:stCondLst>
+                                    <p:cond delay="0"/>
+                                  </p:stCondLst>
+                                  <p:childTnLst>
+                                    <p:set>
+                                      <p:cBhvr>
+                                        <p:cTn id="33" dur="1" fill="hold">
+                                          <p:stCondLst>
+                                            <p:cond delay="0"/>
+                                          </p:stCondLst>
+                                        </p:cTn>
+                                        <p:tgtEl>
+                                          <p:spTgt spid="3">
+                                            <p:txEl>
+                                              <p:pRg st="7" end="7"/>
+                                            </p:txEl>
+                                          </p:spTgt>
+                                        </p:tgtEl>
+                                        <p:attrNameLst>
+                                          <p:attrName>style.visibility</p:attrName>
+                                        </p:attrNameLst>
+                                      </p:cBhvr>
+                                      <p:to>
+                                        <p:strVal val="visible"/>
+                                      </p:to>
+                                    </p:set>
+                                    <p:animEffect transition="in" filter="fade">
+                                      <p:cBhvr>
+                                        <p:cTn id="34" dur="500"/>
+                                        <p:tgtEl>
+                                          <p:spTgt spid="3">
+                                            <p:txEl>
+                                              <p:pRg st="7" end="7"/>
+                                            </p:txEl>
+                                          </p:spTgt>
+                                        </p:tgtEl>
+                                      </p:cBhvr>
+                                    </p:animEffect>
+                                  </p:childTnLst>
+                                </p:cTn>
+                              </p:par>
+                              <p:par>
+                                <p:cTn id="35" presetID="10" presetClass="entr" presetSubtype="0" fill="hold" grpId="0" nodeType="withEffect">
+                                  <p:stCondLst>
+                                    <p:cond delay="0"/>
+                                  </p:stCondLst>
+                                  <p:childTnLst>
+                                    <p:set>
+                                      <p:cBhvr>
+                                        <p:cTn id="36" dur="1" fill="hold">
+                                          <p:stCondLst>
+                                            <p:cond delay="0"/>
+                                          </p:stCondLst>
+                                        </p:cTn>
+                                        <p:tgtEl>
+                                          <p:spTgt spid="3">
+                                            <p:txEl>
+                                              <p:pRg st="8" end="8"/>
+                                            </p:txEl>
+                                          </p:spTgt>
+                                        </p:tgtEl>
+                                        <p:attrNameLst>
+                                          <p:attrName>style.visibility</p:attrName>
+                                        </p:attrNameLst>
+                                      </p:cBhvr>
+                                      <p:to>
+                                        <p:strVal val="visible"/>
+                                      </p:to>
+                                    </p:set>
+                                    <p:animEffect transition="in" filter="fade">
+                                      <p:cBhvr>
+                                        <p:cTn id="37" dur="500"/>
+                                        <p:tgtEl>
+                                          <p:spTgt spid="3">
+                                            <p:txEl>
+                                              <p:pRg st="8" end="8"/>
+                                            </p:txEl>
+                                          </p:spTgt>
+                                        </p:tgtEl>
+                                      </p:cBhvr>
+                                    </p:animEffect>
+                                  </p:childTnLst>
+                                </p:cTn>
+                              </p:par>
+                              <p:par>
+                                <p:cTn id="38" presetID="10" presetClass="entr" presetSubtype="0" fill="hold" grpId="0" nodeType="withEffect">
+                                  <p:stCondLst>
+                                    <p:cond delay="0"/>
+                                  </p:stCondLst>
+                                  <p:childTnLst>
+                                    <p:set>
+                                      <p:cBhvr>
+                                        <p:cTn id="39" dur="1" fill="hold">
+                                          <p:stCondLst>
+                                            <p:cond delay="0"/>
+                                          </p:stCondLst>
+                                        </p:cTn>
+                                        <p:tgtEl>
+                                          <p:spTgt spid="3">
+                                            <p:txEl>
+                                              <p:pRg st="9" end="9"/>
+                                            </p:txEl>
+                                          </p:spTgt>
+                                        </p:tgtEl>
+                                        <p:attrNameLst>
+                                          <p:attrName>style.visibility</p:attrName>
+                                        </p:attrNameLst>
+                                      </p:cBhvr>
+                                      <p:to>
+                                        <p:strVal val="visible"/>
+                                      </p:to>
+                                    </p:set>
+                                    <p:animEffect transition="in" filter="fade">
+                                      <p:cBhvr>
+                                        <p:cTn id="40" dur="500"/>
+                                        <p:tgtEl>
+                                          <p:spTgt spid="3">
+                                            <p:txEl>
+                                              <p:pRg st="9" end="9"/>
+                                            </p:txEl>
+                                          </p:spTgt>
+                                        </p:tgtEl>
+                                      </p:cBhvr>
+                                    </p:animEffect>
+                                  </p:childTnLst>
+                                </p:cTn>
+                              </p:par>
+                            </p:childTnLst>
+                          </p:cTn>
+                        </p:par>
+                      </p:childTnLst>
+                    </p:cTn>
+                  </p:par>
+                </p:childTnLst>
+              </p:cTn>
+              <p:prevCondLst>
+                <p:cond evt="onPrev" delay="0">
+                  <p:tgtEl>
+                    <p:sldTgt/>
+                  </p:tgtEl>
+                </p:cond>
+              </p:prevCondLst>
+              <p:nextCondLst>
+                <p:cond evt="onNext" delay="0">
+                  <p:tgtEl>
+                    <p:sldTgt/>
+                  </p:tgtEl>
+                </p:cond>
+              </p:nextCondLst>
+            </p:seq>
+          </p:childTnLst>
+        </p:cTn>
       </p:par>
     </p:tnLst>
+    <p:bldLst>
+      <p:bldP spid="3" grpId="0" build="p"/>
+    </p:bldLst>
   </p:timing>
 </p:sld>
 </file>
@@ -37680,9 +45454,487 @@
   <p:timing>
     <p:tnLst>
       <p:par>
-        <p:cTn id="1" dur="indefinite" restart="never" nodeType="tmRoot"/>
+        <p:cTn id="1" dur="indefinite" restart="never" nodeType="tmRoot">
+          <p:childTnLst>
+            <p:seq concurrent="1" nextAc="seek">
+              <p:cTn id="2" dur="indefinite" nodeType="mainSeq">
+                <p:childTnLst>
+                  <p:par>
+                    <p:cTn id="3" fill="hold">
+                      <p:stCondLst>
+                        <p:cond delay="indefinite"/>
+                      </p:stCondLst>
+                      <p:childTnLst>
+                        <p:par>
+                          <p:cTn id="4" fill="hold">
+                            <p:stCondLst>
+                              <p:cond delay="0"/>
+                            </p:stCondLst>
+                            <p:childTnLst>
+                              <p:par>
+                                <p:cTn id="5" presetID="10" presetClass="entr" presetSubtype="0" fill="hold" grpId="0" nodeType="clickEffect">
+                                  <p:stCondLst>
+                                    <p:cond delay="0"/>
+                                  </p:stCondLst>
+                                  <p:childTnLst>
+                                    <p:set>
+                                      <p:cBhvr>
+                                        <p:cTn id="6" dur="1" fill="hold">
+                                          <p:stCondLst>
+                                            <p:cond delay="0"/>
+                                          </p:stCondLst>
+                                        </p:cTn>
+                                        <p:tgtEl>
+                                          <p:spTgt spid="3">
+                                            <p:txEl>
+                                              <p:pRg st="0" end="0"/>
+                                            </p:txEl>
+                                          </p:spTgt>
+                                        </p:tgtEl>
+                                        <p:attrNameLst>
+                                          <p:attrName>style.visibility</p:attrName>
+                                        </p:attrNameLst>
+                                      </p:cBhvr>
+                                      <p:to>
+                                        <p:strVal val="visible"/>
+                                      </p:to>
+                                    </p:set>
+                                    <p:animEffect transition="in" filter="fade">
+                                      <p:cBhvr>
+                                        <p:cTn id="7" dur="500"/>
+                                        <p:tgtEl>
+                                          <p:spTgt spid="3">
+                                            <p:txEl>
+                                              <p:pRg st="0" end="0"/>
+                                            </p:txEl>
+                                          </p:spTgt>
+                                        </p:tgtEl>
+                                      </p:cBhvr>
+                                    </p:animEffect>
+                                  </p:childTnLst>
+                                </p:cTn>
+                              </p:par>
+                            </p:childTnLst>
+                          </p:cTn>
+                        </p:par>
+                      </p:childTnLst>
+                    </p:cTn>
+                  </p:par>
+                  <p:par>
+                    <p:cTn id="8" fill="hold">
+                      <p:stCondLst>
+                        <p:cond delay="indefinite"/>
+                      </p:stCondLst>
+                      <p:childTnLst>
+                        <p:par>
+                          <p:cTn id="9" fill="hold">
+                            <p:stCondLst>
+                              <p:cond delay="0"/>
+                            </p:stCondLst>
+                            <p:childTnLst>
+                              <p:par>
+                                <p:cTn id="10" presetID="10" presetClass="entr" presetSubtype="0" fill="hold" grpId="0" nodeType="clickEffect">
+                                  <p:stCondLst>
+                                    <p:cond delay="0"/>
+                                  </p:stCondLst>
+                                  <p:childTnLst>
+                                    <p:set>
+                                      <p:cBhvr>
+                                        <p:cTn id="11" dur="1" fill="hold">
+                                          <p:stCondLst>
+                                            <p:cond delay="0"/>
+                                          </p:stCondLst>
+                                        </p:cTn>
+                                        <p:tgtEl>
+                                          <p:spTgt spid="3">
+                                            <p:txEl>
+                                              <p:pRg st="1" end="1"/>
+                                            </p:txEl>
+                                          </p:spTgt>
+                                        </p:tgtEl>
+                                        <p:attrNameLst>
+                                          <p:attrName>style.visibility</p:attrName>
+                                        </p:attrNameLst>
+                                      </p:cBhvr>
+                                      <p:to>
+                                        <p:strVal val="visible"/>
+                                      </p:to>
+                                    </p:set>
+                                    <p:animEffect transition="in" filter="fade">
+                                      <p:cBhvr>
+                                        <p:cTn id="12" dur="500"/>
+                                        <p:tgtEl>
+                                          <p:spTgt spid="3">
+                                            <p:txEl>
+                                              <p:pRg st="1" end="1"/>
+                                            </p:txEl>
+                                          </p:spTgt>
+                                        </p:tgtEl>
+                                      </p:cBhvr>
+                                    </p:animEffect>
+                                  </p:childTnLst>
+                                </p:cTn>
+                              </p:par>
+                            </p:childTnLst>
+                          </p:cTn>
+                        </p:par>
+                      </p:childTnLst>
+                    </p:cTn>
+                  </p:par>
+                  <p:par>
+                    <p:cTn id="13" fill="hold">
+                      <p:stCondLst>
+                        <p:cond delay="indefinite"/>
+                      </p:stCondLst>
+                      <p:childTnLst>
+                        <p:par>
+                          <p:cTn id="14" fill="hold">
+                            <p:stCondLst>
+                              <p:cond delay="0"/>
+                            </p:stCondLst>
+                            <p:childTnLst>
+                              <p:par>
+                                <p:cTn id="15" presetID="10" presetClass="entr" presetSubtype="0" fill="hold" grpId="0" nodeType="clickEffect">
+                                  <p:stCondLst>
+                                    <p:cond delay="0"/>
+                                  </p:stCondLst>
+                                  <p:childTnLst>
+                                    <p:set>
+                                      <p:cBhvr>
+                                        <p:cTn id="16" dur="1" fill="hold">
+                                          <p:stCondLst>
+                                            <p:cond delay="0"/>
+                                          </p:stCondLst>
+                                        </p:cTn>
+                                        <p:tgtEl>
+                                          <p:spTgt spid="3">
+                                            <p:txEl>
+                                              <p:pRg st="2" end="2"/>
+                                            </p:txEl>
+                                          </p:spTgt>
+                                        </p:tgtEl>
+                                        <p:attrNameLst>
+                                          <p:attrName>style.visibility</p:attrName>
+                                        </p:attrNameLst>
+                                      </p:cBhvr>
+                                      <p:to>
+                                        <p:strVal val="visible"/>
+                                      </p:to>
+                                    </p:set>
+                                    <p:animEffect transition="in" filter="fade">
+                                      <p:cBhvr>
+                                        <p:cTn id="17" dur="500"/>
+                                        <p:tgtEl>
+                                          <p:spTgt spid="3">
+                                            <p:txEl>
+                                              <p:pRg st="2" end="2"/>
+                                            </p:txEl>
+                                          </p:spTgt>
+                                        </p:tgtEl>
+                                      </p:cBhvr>
+                                    </p:animEffect>
+                                  </p:childTnLst>
+                                </p:cTn>
+                              </p:par>
+                            </p:childTnLst>
+                          </p:cTn>
+                        </p:par>
+                      </p:childTnLst>
+                    </p:cTn>
+                  </p:par>
+                  <p:par>
+                    <p:cTn id="18" fill="hold">
+                      <p:stCondLst>
+                        <p:cond delay="indefinite"/>
+                      </p:stCondLst>
+                      <p:childTnLst>
+                        <p:par>
+                          <p:cTn id="19" fill="hold">
+                            <p:stCondLst>
+                              <p:cond delay="0"/>
+                            </p:stCondLst>
+                            <p:childTnLst>
+                              <p:par>
+                                <p:cTn id="20" presetID="10" presetClass="entr" presetSubtype="0" fill="hold" grpId="0" nodeType="clickEffect">
+                                  <p:stCondLst>
+                                    <p:cond delay="0"/>
+                                  </p:stCondLst>
+                                  <p:childTnLst>
+                                    <p:set>
+                                      <p:cBhvr>
+                                        <p:cTn id="21" dur="1" fill="hold">
+                                          <p:stCondLst>
+                                            <p:cond delay="0"/>
+                                          </p:stCondLst>
+                                        </p:cTn>
+                                        <p:tgtEl>
+                                          <p:spTgt spid="3">
+                                            <p:txEl>
+                                              <p:pRg st="3" end="3"/>
+                                            </p:txEl>
+                                          </p:spTgt>
+                                        </p:tgtEl>
+                                        <p:attrNameLst>
+                                          <p:attrName>style.visibility</p:attrName>
+                                        </p:attrNameLst>
+                                      </p:cBhvr>
+                                      <p:to>
+                                        <p:strVal val="visible"/>
+                                      </p:to>
+                                    </p:set>
+                                    <p:animEffect transition="in" filter="fade">
+                                      <p:cBhvr>
+                                        <p:cTn id="22" dur="500"/>
+                                        <p:tgtEl>
+                                          <p:spTgt spid="3">
+                                            <p:txEl>
+                                              <p:pRg st="3" end="3"/>
+                                            </p:txEl>
+                                          </p:spTgt>
+                                        </p:tgtEl>
+                                      </p:cBhvr>
+                                    </p:animEffect>
+                                  </p:childTnLst>
+                                </p:cTn>
+                              </p:par>
+                            </p:childTnLst>
+                          </p:cTn>
+                        </p:par>
+                      </p:childTnLst>
+                    </p:cTn>
+                  </p:par>
+                  <p:par>
+                    <p:cTn id="23" fill="hold">
+                      <p:stCondLst>
+                        <p:cond delay="indefinite"/>
+                      </p:stCondLst>
+                      <p:childTnLst>
+                        <p:par>
+                          <p:cTn id="24" fill="hold">
+                            <p:stCondLst>
+                              <p:cond delay="0"/>
+                            </p:stCondLst>
+                            <p:childTnLst>
+                              <p:par>
+                                <p:cTn id="25" presetID="10" presetClass="entr" presetSubtype="0" fill="hold" grpId="0" nodeType="clickEffect">
+                                  <p:stCondLst>
+                                    <p:cond delay="0"/>
+                                  </p:stCondLst>
+                                  <p:childTnLst>
+                                    <p:set>
+                                      <p:cBhvr>
+                                        <p:cTn id="26" dur="1" fill="hold">
+                                          <p:stCondLst>
+                                            <p:cond delay="0"/>
+                                          </p:stCondLst>
+                                        </p:cTn>
+                                        <p:tgtEl>
+                                          <p:spTgt spid="3">
+                                            <p:txEl>
+                                              <p:pRg st="4" end="4"/>
+                                            </p:txEl>
+                                          </p:spTgt>
+                                        </p:tgtEl>
+                                        <p:attrNameLst>
+                                          <p:attrName>style.visibility</p:attrName>
+                                        </p:attrNameLst>
+                                      </p:cBhvr>
+                                      <p:to>
+                                        <p:strVal val="visible"/>
+                                      </p:to>
+                                    </p:set>
+                                    <p:animEffect transition="in" filter="fade">
+                                      <p:cBhvr>
+                                        <p:cTn id="27" dur="500"/>
+                                        <p:tgtEl>
+                                          <p:spTgt spid="3">
+                                            <p:txEl>
+                                              <p:pRg st="4" end="4"/>
+                                            </p:txEl>
+                                          </p:spTgt>
+                                        </p:tgtEl>
+                                      </p:cBhvr>
+                                    </p:animEffect>
+                                  </p:childTnLst>
+                                </p:cTn>
+                              </p:par>
+                            </p:childTnLst>
+                          </p:cTn>
+                        </p:par>
+                      </p:childTnLst>
+                    </p:cTn>
+                  </p:par>
+                  <p:par>
+                    <p:cTn id="28" fill="hold">
+                      <p:stCondLst>
+                        <p:cond delay="indefinite"/>
+                      </p:stCondLst>
+                      <p:childTnLst>
+                        <p:par>
+                          <p:cTn id="29" fill="hold">
+                            <p:stCondLst>
+                              <p:cond delay="0"/>
+                            </p:stCondLst>
+                            <p:childTnLst>
+                              <p:par>
+                                <p:cTn id="30" presetID="10" presetClass="entr" presetSubtype="0" fill="hold" grpId="0" nodeType="clickEffect">
+                                  <p:stCondLst>
+                                    <p:cond delay="0"/>
+                                  </p:stCondLst>
+                                  <p:childTnLst>
+                                    <p:set>
+                                      <p:cBhvr>
+                                        <p:cTn id="31" dur="1" fill="hold">
+                                          <p:stCondLst>
+                                            <p:cond delay="0"/>
+                                          </p:stCondLst>
+                                        </p:cTn>
+                                        <p:tgtEl>
+                                          <p:spTgt spid="3">
+                                            <p:txEl>
+                                              <p:pRg st="5" end="5"/>
+                                            </p:txEl>
+                                          </p:spTgt>
+                                        </p:tgtEl>
+                                        <p:attrNameLst>
+                                          <p:attrName>style.visibility</p:attrName>
+                                        </p:attrNameLst>
+                                      </p:cBhvr>
+                                      <p:to>
+                                        <p:strVal val="visible"/>
+                                      </p:to>
+                                    </p:set>
+                                    <p:animEffect transition="in" filter="fade">
+                                      <p:cBhvr>
+                                        <p:cTn id="32" dur="500"/>
+                                        <p:tgtEl>
+                                          <p:spTgt spid="3">
+                                            <p:txEl>
+                                              <p:pRg st="5" end="5"/>
+                                            </p:txEl>
+                                          </p:spTgt>
+                                        </p:tgtEl>
+                                      </p:cBhvr>
+                                    </p:animEffect>
+                                  </p:childTnLst>
+                                </p:cTn>
+                              </p:par>
+                              <p:par>
+                                <p:cTn id="33" presetID="10" presetClass="entr" presetSubtype="0" fill="hold" grpId="0" nodeType="withEffect">
+                                  <p:stCondLst>
+                                    <p:cond delay="0"/>
+                                  </p:stCondLst>
+                                  <p:childTnLst>
+                                    <p:set>
+                                      <p:cBhvr>
+                                        <p:cTn id="34" dur="1" fill="hold">
+                                          <p:stCondLst>
+                                            <p:cond delay="0"/>
+                                          </p:stCondLst>
+                                        </p:cTn>
+                                        <p:tgtEl>
+                                          <p:spTgt spid="3">
+                                            <p:txEl>
+                                              <p:pRg st="6" end="6"/>
+                                            </p:txEl>
+                                          </p:spTgt>
+                                        </p:tgtEl>
+                                        <p:attrNameLst>
+                                          <p:attrName>style.visibility</p:attrName>
+                                        </p:attrNameLst>
+                                      </p:cBhvr>
+                                      <p:to>
+                                        <p:strVal val="visible"/>
+                                      </p:to>
+                                    </p:set>
+                                    <p:animEffect transition="in" filter="fade">
+                                      <p:cBhvr>
+                                        <p:cTn id="35" dur="500"/>
+                                        <p:tgtEl>
+                                          <p:spTgt spid="3">
+                                            <p:txEl>
+                                              <p:pRg st="6" end="6"/>
+                                            </p:txEl>
+                                          </p:spTgt>
+                                        </p:tgtEl>
+                                      </p:cBhvr>
+                                    </p:animEffect>
+                                  </p:childTnLst>
+                                </p:cTn>
+                              </p:par>
+                              <p:par>
+                                <p:cTn id="36" presetID="10" presetClass="entr" presetSubtype="0" fill="hold" grpId="0" nodeType="withEffect">
+                                  <p:stCondLst>
+                                    <p:cond delay="0"/>
+                                  </p:stCondLst>
+                                  <p:childTnLst>
+                                    <p:set>
+                                      <p:cBhvr>
+                                        <p:cTn id="37" dur="1" fill="hold">
+                                          <p:stCondLst>
+                                            <p:cond delay="0"/>
+                                          </p:stCondLst>
+                                        </p:cTn>
+                                        <p:tgtEl>
+                                          <p:spTgt spid="3">
+                                            <p:txEl>
+                                              <p:pRg st="7" end="7"/>
+                                            </p:txEl>
+                                          </p:spTgt>
+                                        </p:tgtEl>
+                                        <p:attrNameLst>
+                                          <p:attrName>style.visibility</p:attrName>
+                                        </p:attrNameLst>
+                                      </p:cBhvr>
+                                      <p:to>
+                                        <p:strVal val="visible"/>
+                                      </p:to>
+                                    </p:set>
+                                    <p:animEffect transition="in" filter="fade">
+                                      <p:cBhvr>
+                                        <p:cTn id="38" dur="500"/>
+                                        <p:tgtEl>
+                                          <p:spTgt spid="3">
+                                            <p:txEl>
+                                              <p:pRg st="7" end="7"/>
+                                            </p:txEl>
+                                          </p:spTgt>
+                                        </p:tgtEl>
+                                      </p:cBhvr>
+                                    </p:animEffect>
+                                  </p:childTnLst>
+                                </p:cTn>
+                              </p:par>
+                            </p:childTnLst>
+                          </p:cTn>
+                        </p:par>
+                      </p:childTnLst>
+                    </p:cTn>
+                  </p:par>
+                </p:childTnLst>
+              </p:cTn>
+              <p:prevCondLst>
+                <p:cond evt="onPrev" delay="0">
+                  <p:tgtEl>
+                    <p:sldTgt/>
+                  </p:tgtEl>
+                </p:cond>
+              </p:prevCondLst>
+              <p:nextCondLst>
+                <p:cond evt="onNext" delay="0">
+                  <p:tgtEl>
+                    <p:sldTgt/>
+                  </p:tgtEl>
+                </p:cond>
+              </p:nextCondLst>
+            </p:seq>
+          </p:childTnLst>
+        </p:cTn>
       </p:par>
     </p:tnLst>
+    <p:bldLst>
+      <p:bldP spid="3" grpId="0" build="p" bldLvl="2"/>
+    </p:bldLst>
   </p:timing>
 </p:sld>
 </file>
@@ -37804,7 +46056,11 @@
             </a:r>
             <a:r>
               <a:rPr lang="en-US" dirty="0" smtClean="0"/>
-              <a:t>;</a:t>
+              <a:t>();</a:t>
+            </a:r>
+            <a:r>
+              <a:rPr lang="en-US" dirty="0" smtClean="0"/>
+              <a:t/>
             </a:r>
             <a:br>
               <a:rPr lang="en-US" dirty="0" smtClean="0"/>

--- a/lectures/05/Обработка ошибок и исключительных ситуаций.pptx
+++ b/lectures/05/Обработка ошибок и исключительных ситуаций.pptx
@@ -36,8 +36,8 @@
     <p:sldId id="329" r:id="rId27"/>
     <p:sldId id="330" r:id="rId28"/>
     <p:sldId id="331" r:id="rId29"/>
-    <p:sldId id="333" r:id="rId30"/>
-    <p:sldId id="332" r:id="rId31"/>
+    <p:sldId id="332" r:id="rId30"/>
+    <p:sldId id="333" r:id="rId31"/>
     <p:sldId id="334" r:id="rId32"/>
     <p:sldId id="335" r:id="rId33"/>
     <p:sldId id="336" r:id="rId34"/>
@@ -202,7 +202,7 @@
   </p:defaultTextStyle>
   <p:extLst>
     <p:ext uri="{EFAFB233-063F-42B5-8137-9DF3F51BA10A}">
-      <p15:sldGuideLst xmlns:p15="http://schemas.microsoft.com/office/powerpoint/2012/main" xmlns="">
+      <p15:sldGuideLst xmlns="" xmlns:p15="http://schemas.microsoft.com/office/powerpoint/2012/main">
         <p15:guide id="1" orient="horz" pos="2160">
           <p15:clr>
             <a:srgbClr val="A4A3A4"/>
@@ -6899,7 +6899,7 @@
             <a:fld id="{66C85EC8-63E2-4E97-ABD1-AB8BE39E8F3E}" type="datetimeFigureOut">
               <a:rPr lang="ru-RU" smtClean="0"/>
               <a:pPr/>
-              <a:t>16.04.2020</a:t>
+              <a:t>23.04.2020</a:t>
             </a:fld>
             <a:endParaRPr lang="ru-RU"/>
           </a:p>
@@ -9032,7 +9032,7 @@
     </p:spTree>
     <p:extLst>
       <p:ext uri="{BB962C8B-B14F-4D97-AF65-F5344CB8AC3E}">
-        <p14:creationId xmlns:p14="http://schemas.microsoft.com/office/powerpoint/2010/main" val="268489734"/>
+        <p14:creationId xmlns:p14="http://schemas.microsoft.com/office/powerpoint/2010/main" val="4054074359"/>
       </p:ext>
     </p:extLst>
   </p:cSld>
@@ -9202,7 +9202,7 @@
     </p:spTree>
     <p:extLst>
       <p:ext uri="{BB962C8B-B14F-4D97-AF65-F5344CB8AC3E}">
-        <p14:creationId xmlns:p14="http://schemas.microsoft.com/office/powerpoint/2010/main" val="4054074359"/>
+        <p14:creationId xmlns:p14="http://schemas.microsoft.com/office/powerpoint/2010/main" val="268489734"/>
       </p:ext>
     </p:extLst>
   </p:cSld>
@@ -17019,13 +17019,7 @@
               <a:rPr lang="en-US" sz="1400" b="1" dirty="0" smtClean="0">
                 <a:latin typeface="Courier New" pitchFamily="49" charset="0"/>
               </a:rPr>
-              <a:t>	</a:t>
-            </a:r>
-            <a:r>
-              <a:rPr lang="en-US" sz="1400" b="1" dirty="0" smtClean="0">
-                <a:latin typeface="Courier New" pitchFamily="49" charset="0"/>
-              </a:rPr>
-              <a:t>void </a:t>
+              <a:t>	void </a:t>
             </a:r>
             <a:r>
               <a:rPr lang="en-US" sz="1400" b="1" dirty="0" err="1" smtClean="0">
@@ -18131,13 +18125,7 @@
               <a:rPr lang="en-US" sz="1400" b="1" dirty="0" smtClean="0">
                 <a:latin typeface="Courier New" pitchFamily="49" charset="0"/>
               </a:rPr>
-              <a:t>	</a:t>
-            </a:r>
-            <a:r>
-              <a:rPr lang="en-US" sz="1400" b="1" dirty="0" smtClean="0">
-                <a:latin typeface="Courier New" pitchFamily="49" charset="0"/>
-              </a:rPr>
-              <a:t>void </a:t>
+              <a:t>	void </a:t>
             </a:r>
             <a:r>
               <a:rPr lang="en-US" sz="1400" b="1" dirty="0" err="1" smtClean="0">
@@ -24118,7 +24106,19 @@
           <a:p>
             <a:r>
               <a:rPr lang="en-US" dirty="0" smtClean="0"/>
-              <a:t>Exception Safe Programming</a:t>
+              <a:t>Exception </a:t>
+            </a:r>
+            <a:r>
+              <a:rPr lang="en-US" dirty="0" smtClean="0"/>
+              <a:t>Safe</a:t>
+            </a:r>
+            <a:r>
+              <a:rPr lang="ru-RU" dirty="0" smtClean="0"/>
+              <a:t> </a:t>
+            </a:r>
+            <a:r>
+              <a:rPr lang="en-US" dirty="0" smtClean="0"/>
+              <a:t>Programming</a:t>
             </a:r>
             <a:endParaRPr lang="ru-RU" dirty="0"/>
           </a:p>
@@ -24139,7 +24139,11 @@
           <a:bodyPr/>
           <a:lstStyle/>
           <a:p>
-            <a:endParaRPr lang="ru-RU"/>
+            <a:r>
+              <a:rPr lang="ru-RU" dirty="0" smtClean="0"/>
+              <a:t>Разработка кода, безопасного к возникновению исключений</a:t>
+            </a:r>
+            <a:endParaRPr lang="ru-RU" dirty="0"/>
           </a:p>
         </p:txBody>
       </p:sp>
@@ -26770,6 +26774,1112 @@
 </file>
 
 <file path=ppt/slides/slide29.xml><?xml version="1.0" encoding="utf-8"?>
+<p:sld xmlns:a="http://schemas.openxmlformats.org/drawingml/2006/main" xmlns:r="http://schemas.openxmlformats.org/officeDocument/2006/relationships" xmlns:p="http://schemas.openxmlformats.org/presentationml/2006/main">
+  <p:cSld>
+    <p:spTree>
+      <p:nvGrpSpPr>
+        <p:cNvPr id="1" name=""/>
+        <p:cNvGrpSpPr/>
+        <p:nvPr/>
+      </p:nvGrpSpPr>
+      <p:grpSpPr>
+        <a:xfrm>
+          <a:off x="0" y="0"/>
+          <a:ext cx="0" cy="0"/>
+          <a:chOff x="0" y="0"/>
+          <a:chExt cx="0" cy="0"/>
+        </a:xfrm>
+      </p:grpSpPr>
+      <p:sp>
+        <p:nvSpPr>
+          <p:cNvPr id="4" name="Прямоугольник 3"/>
+          <p:cNvSpPr/>
+          <p:nvPr/>
+        </p:nvSpPr>
+        <p:spPr>
+          <a:xfrm>
+            <a:off x="899592" y="-5417"/>
+            <a:ext cx="7560840" cy="6863417"/>
+          </a:xfrm>
+          <a:prstGeom prst="rect">
+            <a:avLst/>
+          </a:prstGeom>
+        </p:spPr>
+        <p:style>
+          <a:lnRef idx="2">
+            <a:schemeClr val="dk1"/>
+          </a:lnRef>
+          <a:fillRef idx="1">
+            <a:schemeClr val="lt1"/>
+          </a:fillRef>
+          <a:effectRef idx="0">
+            <a:schemeClr val="dk1"/>
+          </a:effectRef>
+          <a:fontRef idx="minor">
+            <a:schemeClr val="dk1"/>
+          </a:fontRef>
+        </p:style>
+        <p:txBody>
+          <a:bodyPr wrap="square">
+            <a:spAutoFit/>
+          </a:bodyPr>
+          <a:lstStyle/>
+          <a:p>
+            <a:pPr>
+              <a:tabLst>
+                <a:tab pos="365125" algn="l"/>
+              </a:tabLst>
+            </a:pPr>
+            <a:r>
+              <a:rPr lang="en-US" sz="2000" dirty="0" smtClean="0">
+                <a:latin typeface="Courier New" pitchFamily="49" charset="0"/>
+                <a:cs typeface="Courier New" pitchFamily="49" charset="0"/>
+              </a:rPr>
+              <a:t>vector&lt;</a:t>
+            </a:r>
+            <a:r>
+              <a:rPr lang="en-US" sz="2000" dirty="0">
+                <a:latin typeface="Courier New" pitchFamily="49" charset="0"/>
+                <a:cs typeface="Courier New" pitchFamily="49" charset="0"/>
+              </a:rPr>
+              <a:t>char&gt; </a:t>
+            </a:r>
+            <a:r>
+              <a:rPr lang="en-US" sz="2000" dirty="0" err="1">
+                <a:latin typeface="Courier New" pitchFamily="49" charset="0"/>
+                <a:cs typeface="Courier New" pitchFamily="49" charset="0"/>
+              </a:rPr>
+              <a:t>ReadFileToVector</a:t>
+            </a:r>
+            <a:r>
+              <a:rPr lang="en-US" sz="2000" dirty="0">
+                <a:latin typeface="Courier New" pitchFamily="49" charset="0"/>
+                <a:cs typeface="Courier New" pitchFamily="49" charset="0"/>
+              </a:rPr>
+              <a:t>(char * </a:t>
+            </a:r>
+            <a:r>
+              <a:rPr lang="en-US" sz="2000" dirty="0" err="1">
+                <a:latin typeface="Courier New" pitchFamily="49" charset="0"/>
+                <a:cs typeface="Courier New" pitchFamily="49" charset="0"/>
+              </a:rPr>
+              <a:t>fileName</a:t>
+            </a:r>
+            <a:r>
+              <a:rPr lang="en-US" sz="2000" dirty="0">
+                <a:latin typeface="Courier New" pitchFamily="49" charset="0"/>
+                <a:cs typeface="Courier New" pitchFamily="49" charset="0"/>
+              </a:rPr>
+              <a:t>)</a:t>
+            </a:r>
+          </a:p>
+          <a:p>
+            <a:pPr>
+              <a:tabLst>
+                <a:tab pos="365125" algn="l"/>
+              </a:tabLst>
+            </a:pPr>
+            <a:r>
+              <a:rPr lang="ru-RU" sz="2000" dirty="0">
+                <a:latin typeface="Courier New" pitchFamily="49" charset="0"/>
+                <a:cs typeface="Courier New" pitchFamily="49" charset="0"/>
+              </a:rPr>
+              <a:t>{</a:t>
+            </a:r>
+          </a:p>
+          <a:p>
+            <a:pPr>
+              <a:tabLst>
+                <a:tab pos="365125" algn="l"/>
+              </a:tabLst>
+            </a:pPr>
+            <a:r>
+              <a:rPr lang="ru-RU" sz="2000" i="1" dirty="0">
+                <a:solidFill>
+                  <a:schemeClr val="bg1">
+                    <a:lumMod val="50000"/>
+                  </a:schemeClr>
+                </a:solidFill>
+                <a:latin typeface="Courier New" pitchFamily="49" charset="0"/>
+                <a:cs typeface="Courier New" pitchFamily="49" charset="0"/>
+              </a:rPr>
+              <a:t>	// Открываем</a:t>
+            </a:r>
+          </a:p>
+          <a:p>
+            <a:pPr>
+              <a:tabLst>
+                <a:tab pos="365125" algn="l"/>
+              </a:tabLst>
+            </a:pPr>
+            <a:r>
+              <a:rPr lang="en-US" sz="2000" b="1" dirty="0">
+                <a:latin typeface="Courier New" pitchFamily="49" charset="0"/>
+                <a:cs typeface="Courier New" pitchFamily="49" charset="0"/>
+              </a:rPr>
+              <a:t>	FILE * </a:t>
+            </a:r>
+            <a:r>
+              <a:rPr lang="en-US" sz="2000" b="1" dirty="0" err="1">
+                <a:latin typeface="Courier New" pitchFamily="49" charset="0"/>
+                <a:cs typeface="Courier New" pitchFamily="49" charset="0"/>
+              </a:rPr>
+              <a:t>pFile</a:t>
+            </a:r>
+            <a:r>
+              <a:rPr lang="en-US" sz="2000" b="1" dirty="0">
+                <a:latin typeface="Courier New" pitchFamily="49" charset="0"/>
+                <a:cs typeface="Courier New" pitchFamily="49" charset="0"/>
+              </a:rPr>
+              <a:t> = NULL;</a:t>
+            </a:r>
+          </a:p>
+          <a:p>
+            <a:pPr>
+              <a:tabLst>
+                <a:tab pos="365125" algn="l"/>
+              </a:tabLst>
+            </a:pPr>
+            <a:r>
+              <a:rPr lang="en-US" sz="2000" b="1" dirty="0">
+                <a:latin typeface="Courier New" pitchFamily="49" charset="0"/>
+                <a:cs typeface="Courier New" pitchFamily="49" charset="0"/>
+              </a:rPr>
+              <a:t>	</a:t>
+            </a:r>
+            <a:r>
+              <a:rPr lang="en-US" sz="2000" b="1" dirty="0" err="1">
+                <a:latin typeface="Courier New" pitchFamily="49" charset="0"/>
+                <a:cs typeface="Courier New" pitchFamily="49" charset="0"/>
+              </a:rPr>
+              <a:t>fopen_s</a:t>
+            </a:r>
+            <a:r>
+              <a:rPr lang="en-US" sz="2000" b="1" dirty="0">
+                <a:latin typeface="Courier New" pitchFamily="49" charset="0"/>
+                <a:cs typeface="Courier New" pitchFamily="49" charset="0"/>
+              </a:rPr>
+              <a:t>(&amp;</a:t>
+            </a:r>
+            <a:r>
+              <a:rPr lang="en-US" sz="2000" b="1" dirty="0" err="1">
+                <a:latin typeface="Courier New" pitchFamily="49" charset="0"/>
+                <a:cs typeface="Courier New" pitchFamily="49" charset="0"/>
+              </a:rPr>
+              <a:t>pFile</a:t>
+            </a:r>
+            <a:r>
+              <a:rPr lang="en-US" sz="2000" b="1" dirty="0">
+                <a:latin typeface="Courier New" pitchFamily="49" charset="0"/>
+                <a:cs typeface="Courier New" pitchFamily="49" charset="0"/>
+              </a:rPr>
+              <a:t>, </a:t>
+            </a:r>
+            <a:r>
+              <a:rPr lang="en-US" sz="2000" b="1" dirty="0" err="1">
+                <a:latin typeface="Courier New" pitchFamily="49" charset="0"/>
+                <a:cs typeface="Courier New" pitchFamily="49" charset="0"/>
+              </a:rPr>
+              <a:t>fileName</a:t>
+            </a:r>
+            <a:r>
+              <a:rPr lang="en-US" sz="2000" b="1" dirty="0">
+                <a:latin typeface="Courier New" pitchFamily="49" charset="0"/>
+                <a:cs typeface="Courier New" pitchFamily="49" charset="0"/>
+              </a:rPr>
+              <a:t>, "</a:t>
+            </a:r>
+            <a:r>
+              <a:rPr lang="en-US" sz="2000" b="1" dirty="0" err="1">
+                <a:latin typeface="Courier New" pitchFamily="49" charset="0"/>
+                <a:cs typeface="Courier New" pitchFamily="49" charset="0"/>
+              </a:rPr>
+              <a:t>rb</a:t>
+            </a:r>
+            <a:r>
+              <a:rPr lang="en-US" sz="2000" b="1" dirty="0">
+                <a:latin typeface="Courier New" pitchFamily="49" charset="0"/>
+                <a:cs typeface="Courier New" pitchFamily="49" charset="0"/>
+              </a:rPr>
+              <a:t>");</a:t>
+            </a:r>
+          </a:p>
+          <a:p>
+            <a:pPr>
+              <a:tabLst>
+                <a:tab pos="365125" algn="l"/>
+              </a:tabLst>
+            </a:pPr>
+            <a:endParaRPr lang="ru-RU" sz="2000" dirty="0">
+              <a:latin typeface="Courier New" pitchFamily="49" charset="0"/>
+              <a:cs typeface="Courier New" pitchFamily="49" charset="0"/>
+            </a:endParaRPr>
+          </a:p>
+          <a:p>
+            <a:pPr>
+              <a:tabLst>
+                <a:tab pos="365125" algn="l"/>
+              </a:tabLst>
+            </a:pPr>
+            <a:r>
+              <a:rPr lang="ru-RU" sz="2000" i="1" dirty="0">
+                <a:solidFill>
+                  <a:schemeClr val="bg1">
+                    <a:lumMod val="50000"/>
+                  </a:schemeClr>
+                </a:solidFill>
+                <a:latin typeface="Courier New" pitchFamily="49" charset="0"/>
+                <a:cs typeface="Courier New" pitchFamily="49" charset="0"/>
+              </a:rPr>
+              <a:t>	// Проверяем успешность</a:t>
+            </a:r>
+          </a:p>
+          <a:p>
+            <a:pPr>
+              <a:tabLst>
+                <a:tab pos="365125" algn="l"/>
+              </a:tabLst>
+            </a:pPr>
+            <a:r>
+              <a:rPr lang="en-US" sz="2000" b="1" dirty="0">
+                <a:latin typeface="Courier New" pitchFamily="49" charset="0"/>
+                <a:cs typeface="Courier New" pitchFamily="49" charset="0"/>
+              </a:rPr>
+              <a:t>	vector&lt;char&gt; </a:t>
+            </a:r>
+            <a:r>
+              <a:rPr lang="en-US" sz="2000" b="1" dirty="0" err="1">
+                <a:latin typeface="Courier New" pitchFamily="49" charset="0"/>
+                <a:cs typeface="Courier New" pitchFamily="49" charset="0"/>
+              </a:rPr>
+              <a:t>buf</a:t>
+            </a:r>
+            <a:r>
+              <a:rPr lang="en-US" sz="2000" b="1" dirty="0">
+                <a:latin typeface="Courier New" pitchFamily="49" charset="0"/>
+                <a:cs typeface="Courier New" pitchFamily="49" charset="0"/>
+              </a:rPr>
+              <a:t>;</a:t>
+            </a:r>
+          </a:p>
+          <a:p>
+            <a:pPr>
+              <a:tabLst>
+                <a:tab pos="365125" algn="l"/>
+              </a:tabLst>
+            </a:pPr>
+            <a:r>
+              <a:rPr lang="en-US" sz="2000" b="1" dirty="0">
+                <a:latin typeface="Courier New" pitchFamily="49" charset="0"/>
+                <a:cs typeface="Courier New" pitchFamily="49" charset="0"/>
+              </a:rPr>
+              <a:t>	if (!</a:t>
+            </a:r>
+            <a:r>
+              <a:rPr lang="en-US" sz="2000" b="1" dirty="0" err="1">
+                <a:latin typeface="Courier New" pitchFamily="49" charset="0"/>
+                <a:cs typeface="Courier New" pitchFamily="49" charset="0"/>
+              </a:rPr>
+              <a:t>pFile</a:t>
+            </a:r>
+            <a:r>
+              <a:rPr lang="en-US" sz="2000" b="1" dirty="0">
+                <a:latin typeface="Courier New" pitchFamily="49" charset="0"/>
+                <a:cs typeface="Courier New" pitchFamily="49" charset="0"/>
+              </a:rPr>
+              <a:t>) return </a:t>
+            </a:r>
+            <a:r>
+              <a:rPr lang="en-US" sz="2000" b="1" dirty="0" err="1">
+                <a:latin typeface="Courier New" pitchFamily="49" charset="0"/>
+                <a:cs typeface="Courier New" pitchFamily="49" charset="0"/>
+              </a:rPr>
+              <a:t>buf</a:t>
+            </a:r>
+            <a:r>
+              <a:rPr lang="en-US" sz="2000" b="1" dirty="0" smtClean="0">
+                <a:latin typeface="Courier New" pitchFamily="49" charset="0"/>
+                <a:cs typeface="Courier New" pitchFamily="49" charset="0"/>
+              </a:rPr>
+              <a:t>;</a:t>
+            </a:r>
+            <a:endParaRPr lang="en-US" sz="2000" b="1" dirty="0">
+              <a:latin typeface="Courier New" pitchFamily="49" charset="0"/>
+              <a:cs typeface="Courier New" pitchFamily="49" charset="0"/>
+            </a:endParaRPr>
+          </a:p>
+          <a:p>
+            <a:pPr>
+              <a:tabLst>
+                <a:tab pos="365125" algn="l"/>
+              </a:tabLst>
+            </a:pPr>
+            <a:endParaRPr lang="ru-RU" sz="2000" dirty="0">
+              <a:latin typeface="Courier New" pitchFamily="49" charset="0"/>
+              <a:cs typeface="Courier New" pitchFamily="49" charset="0"/>
+            </a:endParaRPr>
+          </a:p>
+          <a:p>
+            <a:pPr>
+              <a:tabLst>
+                <a:tab pos="365125" algn="l"/>
+              </a:tabLst>
+            </a:pPr>
+            <a:r>
+              <a:rPr lang="ru-RU" sz="2000" i="1" dirty="0">
+                <a:solidFill>
+                  <a:schemeClr val="bg1">
+                    <a:lumMod val="50000"/>
+                  </a:schemeClr>
+                </a:solidFill>
+                <a:latin typeface="Courier New" pitchFamily="49" charset="0"/>
+                <a:cs typeface="Courier New" pitchFamily="49" charset="0"/>
+              </a:rPr>
+              <a:t>	// </a:t>
+            </a:r>
+            <a:r>
+              <a:rPr lang="ru-RU" sz="2000" i="1" dirty="0" err="1">
+                <a:solidFill>
+                  <a:schemeClr val="bg1">
+                    <a:lumMod val="50000"/>
+                  </a:schemeClr>
+                </a:solidFill>
+                <a:latin typeface="Courier New" pitchFamily="49" charset="0"/>
+                <a:cs typeface="Courier New" pitchFamily="49" charset="0"/>
+              </a:rPr>
+              <a:t>Ресайзим</a:t>
+            </a:r>
+            <a:r>
+              <a:rPr lang="ru-RU" sz="2000" i="1" dirty="0">
+                <a:solidFill>
+                  <a:schemeClr val="bg1">
+                    <a:lumMod val="50000"/>
+                  </a:schemeClr>
+                </a:solidFill>
+                <a:latin typeface="Courier New" pitchFamily="49" charset="0"/>
+                <a:cs typeface="Courier New" pitchFamily="49" charset="0"/>
+              </a:rPr>
+              <a:t> буфер</a:t>
+            </a:r>
+          </a:p>
+          <a:p>
+            <a:pPr>
+              <a:tabLst>
+                <a:tab pos="365125" algn="l"/>
+              </a:tabLst>
+            </a:pPr>
+            <a:r>
+              <a:rPr lang="en-US" sz="2000" b="1" dirty="0">
+                <a:latin typeface="Courier New" pitchFamily="49" charset="0"/>
+                <a:cs typeface="Courier New" pitchFamily="49" charset="0"/>
+              </a:rPr>
+              <a:t>	</a:t>
+            </a:r>
+            <a:r>
+              <a:rPr lang="en-US" sz="2000" b="1" dirty="0" err="1">
+                <a:latin typeface="Courier New" pitchFamily="49" charset="0"/>
+                <a:cs typeface="Courier New" pitchFamily="49" charset="0"/>
+              </a:rPr>
+              <a:t>fseek</a:t>
+            </a:r>
+            <a:r>
+              <a:rPr lang="en-US" sz="2000" b="1" dirty="0">
+                <a:latin typeface="Courier New" pitchFamily="49" charset="0"/>
+                <a:cs typeface="Courier New" pitchFamily="49" charset="0"/>
+              </a:rPr>
+              <a:t>(</a:t>
+            </a:r>
+            <a:r>
+              <a:rPr lang="en-US" sz="2000" b="1" dirty="0" err="1">
+                <a:latin typeface="Courier New" pitchFamily="49" charset="0"/>
+                <a:cs typeface="Courier New" pitchFamily="49" charset="0"/>
+              </a:rPr>
+              <a:t>pFile</a:t>
+            </a:r>
+            <a:r>
+              <a:rPr lang="en-US" sz="2000" b="1" dirty="0">
+                <a:latin typeface="Courier New" pitchFamily="49" charset="0"/>
+                <a:cs typeface="Courier New" pitchFamily="49" charset="0"/>
+              </a:rPr>
+              <a:t>, 0, SEEK_END);</a:t>
+            </a:r>
+          </a:p>
+          <a:p>
+            <a:pPr>
+              <a:tabLst>
+                <a:tab pos="365125" algn="l"/>
+              </a:tabLst>
+            </a:pPr>
+            <a:r>
+              <a:rPr lang="en-US" sz="2000" b="1" dirty="0">
+                <a:latin typeface="Courier New" pitchFamily="49" charset="0"/>
+                <a:cs typeface="Courier New" pitchFamily="49" charset="0"/>
+              </a:rPr>
+              <a:t>	</a:t>
+            </a:r>
+            <a:r>
+              <a:rPr lang="en-US" sz="2000" b="1" dirty="0" err="1">
+                <a:latin typeface="Courier New" pitchFamily="49" charset="0"/>
+                <a:cs typeface="Courier New" pitchFamily="49" charset="0"/>
+              </a:rPr>
+              <a:t>buf.resize</a:t>
+            </a:r>
+            <a:r>
+              <a:rPr lang="en-US" sz="2000" b="1" dirty="0">
+                <a:latin typeface="Courier New" pitchFamily="49" charset="0"/>
+                <a:cs typeface="Courier New" pitchFamily="49" charset="0"/>
+              </a:rPr>
+              <a:t>(</a:t>
+            </a:r>
+            <a:r>
+              <a:rPr lang="en-US" sz="2000" b="1" dirty="0" err="1">
+                <a:latin typeface="Courier New" pitchFamily="49" charset="0"/>
+                <a:cs typeface="Courier New" pitchFamily="49" charset="0"/>
+              </a:rPr>
+              <a:t>ftell</a:t>
+            </a:r>
+            <a:r>
+              <a:rPr lang="en-US" sz="2000" b="1" dirty="0">
+                <a:latin typeface="Courier New" pitchFamily="49" charset="0"/>
+                <a:cs typeface="Courier New" pitchFamily="49" charset="0"/>
+              </a:rPr>
+              <a:t>(</a:t>
+            </a:r>
+            <a:r>
+              <a:rPr lang="en-US" sz="2000" b="1" dirty="0" err="1">
+                <a:latin typeface="Courier New" pitchFamily="49" charset="0"/>
+                <a:cs typeface="Courier New" pitchFamily="49" charset="0"/>
+              </a:rPr>
+              <a:t>pFile</a:t>
+            </a:r>
+            <a:r>
+              <a:rPr lang="en-US" sz="2000" b="1" dirty="0">
+                <a:latin typeface="Courier New" pitchFamily="49" charset="0"/>
+                <a:cs typeface="Courier New" pitchFamily="49" charset="0"/>
+              </a:rPr>
+              <a:t>));</a:t>
+            </a:r>
+          </a:p>
+          <a:p>
+            <a:pPr>
+              <a:tabLst>
+                <a:tab pos="365125" algn="l"/>
+              </a:tabLst>
+            </a:pPr>
+            <a:r>
+              <a:rPr lang="en-US" sz="2000" b="1" dirty="0">
+                <a:latin typeface="Courier New" pitchFamily="49" charset="0"/>
+                <a:cs typeface="Courier New" pitchFamily="49" charset="0"/>
+              </a:rPr>
+              <a:t>	</a:t>
+            </a:r>
+            <a:r>
+              <a:rPr lang="en-US" sz="2000" b="1" dirty="0" err="1">
+                <a:latin typeface="Courier New" pitchFamily="49" charset="0"/>
+                <a:cs typeface="Courier New" pitchFamily="49" charset="0"/>
+              </a:rPr>
+              <a:t>fseek</a:t>
+            </a:r>
+            <a:r>
+              <a:rPr lang="en-US" sz="2000" b="1" dirty="0">
+                <a:latin typeface="Courier New" pitchFamily="49" charset="0"/>
+                <a:cs typeface="Courier New" pitchFamily="49" charset="0"/>
+              </a:rPr>
+              <a:t>(</a:t>
+            </a:r>
+            <a:r>
+              <a:rPr lang="en-US" sz="2000" b="1" dirty="0" err="1">
+                <a:latin typeface="Courier New" pitchFamily="49" charset="0"/>
+                <a:cs typeface="Courier New" pitchFamily="49" charset="0"/>
+              </a:rPr>
+              <a:t>pFile</a:t>
+            </a:r>
+            <a:r>
+              <a:rPr lang="en-US" sz="2000" b="1" dirty="0">
+                <a:latin typeface="Courier New" pitchFamily="49" charset="0"/>
+                <a:cs typeface="Courier New" pitchFamily="49" charset="0"/>
+              </a:rPr>
+              <a:t>, 0, SEEK_SET);</a:t>
+            </a:r>
+          </a:p>
+          <a:p>
+            <a:pPr>
+              <a:tabLst>
+                <a:tab pos="365125" algn="l"/>
+              </a:tabLst>
+            </a:pPr>
+            <a:endParaRPr lang="ru-RU" sz="2000" dirty="0">
+              <a:latin typeface="Courier New" pitchFamily="49" charset="0"/>
+              <a:cs typeface="Courier New" pitchFamily="49" charset="0"/>
+            </a:endParaRPr>
+          </a:p>
+          <a:p>
+            <a:pPr>
+              <a:tabLst>
+                <a:tab pos="365125" algn="l"/>
+              </a:tabLst>
+            </a:pPr>
+            <a:r>
+              <a:rPr lang="ru-RU" sz="2000" i="1" dirty="0">
+                <a:solidFill>
+                  <a:schemeClr val="bg1">
+                    <a:lumMod val="50000"/>
+                  </a:schemeClr>
+                </a:solidFill>
+                <a:latin typeface="Courier New" pitchFamily="49" charset="0"/>
+                <a:cs typeface="Courier New" pitchFamily="49" charset="0"/>
+              </a:rPr>
+              <a:t>	// Читаем</a:t>
+            </a:r>
+          </a:p>
+          <a:p>
+            <a:pPr>
+              <a:tabLst>
+                <a:tab pos="365125" algn="l"/>
+              </a:tabLst>
+            </a:pPr>
+            <a:r>
+              <a:rPr lang="en-US" sz="2000" b="1" dirty="0">
+                <a:latin typeface="Courier New" pitchFamily="49" charset="0"/>
+                <a:cs typeface="Courier New" pitchFamily="49" charset="0"/>
+              </a:rPr>
+              <a:t>	</a:t>
+            </a:r>
+            <a:r>
+              <a:rPr lang="en-US" sz="2000" b="1" dirty="0" err="1">
+                <a:latin typeface="Courier New" pitchFamily="49" charset="0"/>
+                <a:cs typeface="Courier New" pitchFamily="49" charset="0"/>
+              </a:rPr>
+              <a:t>fread</a:t>
+            </a:r>
+            <a:r>
+              <a:rPr lang="en-US" sz="2000" b="1" dirty="0">
+                <a:latin typeface="Courier New" pitchFamily="49" charset="0"/>
+                <a:cs typeface="Courier New" pitchFamily="49" charset="0"/>
+              </a:rPr>
+              <a:t>(&amp;</a:t>
+            </a:r>
+            <a:r>
+              <a:rPr lang="en-US" sz="2000" b="1" dirty="0" err="1">
+                <a:latin typeface="Courier New" pitchFamily="49" charset="0"/>
+                <a:cs typeface="Courier New" pitchFamily="49" charset="0"/>
+              </a:rPr>
+              <a:t>buf</a:t>
+            </a:r>
+            <a:r>
+              <a:rPr lang="en-US" sz="2000" b="1" dirty="0">
+                <a:latin typeface="Courier New" pitchFamily="49" charset="0"/>
+                <a:cs typeface="Courier New" pitchFamily="49" charset="0"/>
+              </a:rPr>
+              <a:t>[0], 1, </a:t>
+            </a:r>
+            <a:r>
+              <a:rPr lang="en-US" sz="2000" b="1" dirty="0" err="1">
+                <a:latin typeface="Courier New" pitchFamily="49" charset="0"/>
+                <a:cs typeface="Courier New" pitchFamily="49" charset="0"/>
+              </a:rPr>
+              <a:t>buf.size</a:t>
+            </a:r>
+            <a:r>
+              <a:rPr lang="en-US" sz="2000" b="1" dirty="0">
+                <a:latin typeface="Courier New" pitchFamily="49" charset="0"/>
+                <a:cs typeface="Courier New" pitchFamily="49" charset="0"/>
+              </a:rPr>
+              <a:t>(), </a:t>
+            </a:r>
+            <a:r>
+              <a:rPr lang="en-US" sz="2000" b="1" dirty="0" err="1">
+                <a:latin typeface="Courier New" pitchFamily="49" charset="0"/>
+                <a:cs typeface="Courier New" pitchFamily="49" charset="0"/>
+              </a:rPr>
+              <a:t>pFile</a:t>
+            </a:r>
+            <a:r>
+              <a:rPr lang="en-US" sz="2000" b="1" dirty="0">
+                <a:latin typeface="Courier New" pitchFamily="49" charset="0"/>
+                <a:cs typeface="Courier New" pitchFamily="49" charset="0"/>
+              </a:rPr>
+              <a:t>);</a:t>
+            </a:r>
+          </a:p>
+          <a:p>
+            <a:pPr>
+              <a:tabLst>
+                <a:tab pos="365125" algn="l"/>
+              </a:tabLst>
+            </a:pPr>
+            <a:endParaRPr lang="ru-RU" sz="2000" dirty="0">
+              <a:latin typeface="Courier New" pitchFamily="49" charset="0"/>
+              <a:cs typeface="Courier New" pitchFamily="49" charset="0"/>
+            </a:endParaRPr>
+          </a:p>
+          <a:p>
+            <a:pPr>
+              <a:tabLst>
+                <a:tab pos="365125" algn="l"/>
+              </a:tabLst>
+            </a:pPr>
+            <a:r>
+              <a:rPr lang="ru-RU" sz="2000" i="1" dirty="0">
+                <a:solidFill>
+                  <a:schemeClr val="bg1">
+                    <a:lumMod val="50000"/>
+                  </a:schemeClr>
+                </a:solidFill>
+                <a:latin typeface="Courier New" pitchFamily="49" charset="0"/>
+                <a:cs typeface="Courier New" pitchFamily="49" charset="0"/>
+              </a:rPr>
+              <a:t>	// Выходим и возвращаем результат</a:t>
+            </a:r>
+          </a:p>
+          <a:p>
+            <a:pPr>
+              <a:tabLst>
+                <a:tab pos="365125" algn="l"/>
+              </a:tabLst>
+            </a:pPr>
+            <a:r>
+              <a:rPr lang="en-US" sz="2000" b="1" dirty="0">
+                <a:latin typeface="Courier New" pitchFamily="49" charset="0"/>
+                <a:cs typeface="Courier New" pitchFamily="49" charset="0"/>
+              </a:rPr>
+              <a:t>	</a:t>
+            </a:r>
+            <a:r>
+              <a:rPr lang="en-US" sz="2000" b="1" dirty="0" err="1">
+                <a:latin typeface="Courier New" pitchFamily="49" charset="0"/>
+                <a:cs typeface="Courier New" pitchFamily="49" charset="0"/>
+              </a:rPr>
+              <a:t>fclose</a:t>
+            </a:r>
+            <a:r>
+              <a:rPr lang="en-US" sz="2000" b="1" dirty="0">
+                <a:latin typeface="Courier New" pitchFamily="49" charset="0"/>
+                <a:cs typeface="Courier New" pitchFamily="49" charset="0"/>
+              </a:rPr>
+              <a:t>(</a:t>
+            </a:r>
+            <a:r>
+              <a:rPr lang="en-US" sz="2000" b="1" dirty="0" err="1">
+                <a:latin typeface="Courier New" pitchFamily="49" charset="0"/>
+                <a:cs typeface="Courier New" pitchFamily="49" charset="0"/>
+              </a:rPr>
+              <a:t>pFile</a:t>
+            </a:r>
+            <a:r>
+              <a:rPr lang="en-US" sz="2000" b="1" dirty="0">
+                <a:latin typeface="Courier New" pitchFamily="49" charset="0"/>
+                <a:cs typeface="Courier New" pitchFamily="49" charset="0"/>
+              </a:rPr>
+              <a:t>);</a:t>
+            </a:r>
+          </a:p>
+          <a:p>
+            <a:pPr>
+              <a:tabLst>
+                <a:tab pos="365125" algn="l"/>
+              </a:tabLst>
+            </a:pPr>
+            <a:r>
+              <a:rPr lang="en-US" sz="2000" b="1" dirty="0">
+                <a:latin typeface="Courier New" pitchFamily="49" charset="0"/>
+                <a:cs typeface="Courier New" pitchFamily="49" charset="0"/>
+              </a:rPr>
+              <a:t>	return </a:t>
+            </a:r>
+            <a:r>
+              <a:rPr lang="en-US" sz="2000" b="1" dirty="0" err="1">
+                <a:latin typeface="Courier New" pitchFamily="49" charset="0"/>
+                <a:cs typeface="Courier New" pitchFamily="49" charset="0"/>
+              </a:rPr>
+              <a:t>buf</a:t>
+            </a:r>
+            <a:r>
+              <a:rPr lang="en-US" sz="2000" b="1" dirty="0">
+                <a:latin typeface="Courier New" pitchFamily="49" charset="0"/>
+                <a:cs typeface="Courier New" pitchFamily="49" charset="0"/>
+              </a:rPr>
+              <a:t>;</a:t>
+            </a:r>
+          </a:p>
+          <a:p>
+            <a:pPr>
+              <a:tabLst>
+                <a:tab pos="365125" algn="l"/>
+              </a:tabLst>
+            </a:pPr>
+            <a:r>
+              <a:rPr lang="ru-RU" sz="2000" dirty="0">
+                <a:latin typeface="Courier New" pitchFamily="49" charset="0"/>
+                <a:cs typeface="Courier New" pitchFamily="49" charset="0"/>
+              </a:rPr>
+              <a:t>}</a:t>
+            </a:r>
+          </a:p>
+        </p:txBody>
+      </p:sp>
+    </p:spTree>
+    <p:extLst>
+      <p:ext uri="{BB962C8B-B14F-4D97-AF65-F5344CB8AC3E}">
+        <p14:creationId xmlns:p14="http://schemas.microsoft.com/office/powerpoint/2010/main" val="2028398948"/>
+      </p:ext>
+    </p:extLst>
+  </p:cSld>
+  <p:clrMapOvr>
+    <a:masterClrMapping/>
+  </p:clrMapOvr>
+  <p:timing>
+    <p:tnLst>
+      <p:par>
+        <p:cTn id="1" dur="indefinite" restart="never" nodeType="tmRoot"/>
+      </p:par>
+    </p:tnLst>
+  </p:timing>
+</p:sld>
+</file>
+
+<file path=ppt/slides/slide3.xml><?xml version="1.0" encoding="utf-8"?>
+<p:sld xmlns:a="http://schemas.openxmlformats.org/drawingml/2006/main" xmlns:r="http://schemas.openxmlformats.org/officeDocument/2006/relationships" xmlns:p="http://schemas.openxmlformats.org/presentationml/2006/main">
+  <p:cSld>
+    <p:spTree>
+      <p:nvGrpSpPr>
+        <p:cNvPr id="1" name=""/>
+        <p:cNvGrpSpPr/>
+        <p:nvPr/>
+      </p:nvGrpSpPr>
+      <p:grpSpPr>
+        <a:xfrm>
+          <a:off x="0" y="0"/>
+          <a:ext cx="0" cy="0"/>
+          <a:chOff x="0" y="0"/>
+          <a:chExt cx="0" cy="0"/>
+        </a:xfrm>
+      </p:grpSpPr>
+      <p:sp>
+        <p:nvSpPr>
+          <p:cNvPr id="55298" name="Rectangle 2"/>
+          <p:cNvSpPr>
+            <a:spLocks noGrp="1" noChangeArrowheads="1"/>
+          </p:cNvSpPr>
+          <p:nvPr>
+            <p:ph type="title"/>
+          </p:nvPr>
+        </p:nvSpPr>
+        <p:spPr/>
+        <p:txBody>
+          <a:bodyPr>
+            <a:normAutofit fontScale="90000"/>
+          </a:bodyPr>
+          <a:lstStyle/>
+          <a:p>
+            <a:r>
+              <a:rPr lang="ru-RU"/>
+              <a:t>Обнаружение ошибочных ситуаций</a:t>
+            </a:r>
+          </a:p>
+        </p:txBody>
+      </p:sp>
+      <p:sp>
+        <p:nvSpPr>
+          <p:cNvPr id="55299" name="Rectangle 3"/>
+          <p:cNvSpPr>
+            <a:spLocks noGrp="1" noChangeArrowheads="1"/>
+          </p:cNvSpPr>
+          <p:nvPr>
+            <p:ph idx="1"/>
+          </p:nvPr>
+        </p:nvSpPr>
+        <p:spPr/>
+        <p:txBody>
+          <a:bodyPr/>
+          <a:lstStyle/>
+          <a:p>
+            <a:r>
+              <a:rPr lang="ru-RU" dirty="0"/>
+              <a:t>Проверяйте данные поступающие из внешних источников на корректность</a:t>
+            </a:r>
+          </a:p>
+          <a:p>
+            <a:pPr lvl="1"/>
+            <a:r>
+              <a:rPr lang="ru-RU" dirty="0"/>
+              <a:t>Файлы, введенные пользователем данные, сетевые пакеты и т.п.</a:t>
+            </a:r>
+          </a:p>
+          <a:p>
+            <a:r>
+              <a:rPr lang="ru-RU" dirty="0"/>
+              <a:t>Осуществляйте проверку успешности вызовов </a:t>
+            </a:r>
+            <a:r>
+              <a:rPr lang="ru-RU" dirty="0" smtClean="0"/>
+              <a:t>функций используемого </a:t>
+            </a:r>
+            <a:r>
+              <a:rPr lang="en-US" dirty="0" smtClean="0"/>
+              <a:t>API</a:t>
+            </a:r>
+            <a:endParaRPr lang="ru-RU" dirty="0"/>
+          </a:p>
+          <a:p>
+            <a:pPr lvl="1"/>
+            <a:r>
+              <a:rPr lang="ru-RU" dirty="0"/>
+              <a:t>Функции ввода/вывода, выделения/освобождения ресурсов</a:t>
+            </a:r>
+          </a:p>
+        </p:txBody>
+      </p:sp>
+    </p:spTree>
+  </p:cSld>
+  <p:clrMapOvr>
+    <a:masterClrMapping/>
+  </p:clrMapOvr>
+  <p:timing>
+    <p:tnLst>
+      <p:par>
+        <p:cTn id="1" dur="indefinite" restart="never" nodeType="tmRoot">
+          <p:childTnLst>
+            <p:seq concurrent="1" nextAc="seek">
+              <p:cTn id="2" dur="indefinite" nodeType="mainSeq">
+                <p:childTnLst>
+                  <p:par>
+                    <p:cTn id="3" fill="hold">
+                      <p:stCondLst>
+                        <p:cond delay="indefinite"/>
+                      </p:stCondLst>
+                      <p:childTnLst>
+                        <p:par>
+                          <p:cTn id="4" fill="hold">
+                            <p:stCondLst>
+                              <p:cond delay="0"/>
+                            </p:stCondLst>
+                            <p:childTnLst>
+                              <p:par>
+                                <p:cTn id="5" presetID="10" presetClass="entr" presetSubtype="0" fill="hold" grpId="0" nodeType="clickEffect">
+                                  <p:stCondLst>
+                                    <p:cond delay="0"/>
+                                  </p:stCondLst>
+                                  <p:childTnLst>
+                                    <p:set>
+                                      <p:cBhvr>
+                                        <p:cTn id="6" dur="1" fill="hold">
+                                          <p:stCondLst>
+                                            <p:cond delay="0"/>
+                                          </p:stCondLst>
+                                        </p:cTn>
+                                        <p:tgtEl>
+                                          <p:spTgt spid="55299">
+                                            <p:txEl>
+                                              <p:pRg st="0" end="0"/>
+                                            </p:txEl>
+                                          </p:spTgt>
+                                        </p:tgtEl>
+                                        <p:attrNameLst>
+                                          <p:attrName>style.visibility</p:attrName>
+                                        </p:attrNameLst>
+                                      </p:cBhvr>
+                                      <p:to>
+                                        <p:strVal val="visible"/>
+                                      </p:to>
+                                    </p:set>
+                                    <p:animEffect transition="in" filter="fade">
+                                      <p:cBhvr>
+                                        <p:cTn id="7" dur="500"/>
+                                        <p:tgtEl>
+                                          <p:spTgt spid="55299">
+                                            <p:txEl>
+                                              <p:pRg st="0" end="0"/>
+                                            </p:txEl>
+                                          </p:spTgt>
+                                        </p:tgtEl>
+                                      </p:cBhvr>
+                                    </p:animEffect>
+                                  </p:childTnLst>
+                                </p:cTn>
+                              </p:par>
+                              <p:par>
+                                <p:cTn id="8" presetID="10" presetClass="entr" presetSubtype="0" fill="hold" grpId="0" nodeType="withEffect">
+                                  <p:stCondLst>
+                                    <p:cond delay="0"/>
+                                  </p:stCondLst>
+                                  <p:childTnLst>
+                                    <p:set>
+                                      <p:cBhvr>
+                                        <p:cTn id="9" dur="1" fill="hold">
+                                          <p:stCondLst>
+                                            <p:cond delay="0"/>
+                                          </p:stCondLst>
+                                        </p:cTn>
+                                        <p:tgtEl>
+                                          <p:spTgt spid="55299">
+                                            <p:txEl>
+                                              <p:pRg st="1" end="1"/>
+                                            </p:txEl>
+                                          </p:spTgt>
+                                        </p:tgtEl>
+                                        <p:attrNameLst>
+                                          <p:attrName>style.visibility</p:attrName>
+                                        </p:attrNameLst>
+                                      </p:cBhvr>
+                                      <p:to>
+                                        <p:strVal val="visible"/>
+                                      </p:to>
+                                    </p:set>
+                                    <p:animEffect transition="in" filter="fade">
+                                      <p:cBhvr>
+                                        <p:cTn id="10" dur="500"/>
+                                        <p:tgtEl>
+                                          <p:spTgt spid="55299">
+                                            <p:txEl>
+                                              <p:pRg st="1" end="1"/>
+                                            </p:txEl>
+                                          </p:spTgt>
+                                        </p:tgtEl>
+                                      </p:cBhvr>
+                                    </p:animEffect>
+                                  </p:childTnLst>
+                                </p:cTn>
+                              </p:par>
+                            </p:childTnLst>
+                          </p:cTn>
+                        </p:par>
+                      </p:childTnLst>
+                    </p:cTn>
+                  </p:par>
+                  <p:par>
+                    <p:cTn id="11" fill="hold">
+                      <p:stCondLst>
+                        <p:cond delay="indefinite"/>
+                      </p:stCondLst>
+                      <p:childTnLst>
+                        <p:par>
+                          <p:cTn id="12" fill="hold">
+                            <p:stCondLst>
+                              <p:cond delay="0"/>
+                            </p:stCondLst>
+                            <p:childTnLst>
+                              <p:par>
+                                <p:cTn id="13" presetID="10" presetClass="entr" presetSubtype="0" fill="hold" grpId="0" nodeType="clickEffect">
+                                  <p:stCondLst>
+                                    <p:cond delay="0"/>
+                                  </p:stCondLst>
+                                  <p:childTnLst>
+                                    <p:set>
+                                      <p:cBhvr>
+                                        <p:cTn id="14" dur="1" fill="hold">
+                                          <p:stCondLst>
+                                            <p:cond delay="0"/>
+                                          </p:stCondLst>
+                                        </p:cTn>
+                                        <p:tgtEl>
+                                          <p:spTgt spid="55299">
+                                            <p:txEl>
+                                              <p:pRg st="2" end="2"/>
+                                            </p:txEl>
+                                          </p:spTgt>
+                                        </p:tgtEl>
+                                        <p:attrNameLst>
+                                          <p:attrName>style.visibility</p:attrName>
+                                        </p:attrNameLst>
+                                      </p:cBhvr>
+                                      <p:to>
+                                        <p:strVal val="visible"/>
+                                      </p:to>
+                                    </p:set>
+                                    <p:animEffect transition="in" filter="fade">
+                                      <p:cBhvr>
+                                        <p:cTn id="15" dur="500"/>
+                                        <p:tgtEl>
+                                          <p:spTgt spid="55299">
+                                            <p:txEl>
+                                              <p:pRg st="2" end="2"/>
+                                            </p:txEl>
+                                          </p:spTgt>
+                                        </p:tgtEl>
+                                      </p:cBhvr>
+                                    </p:animEffect>
+                                  </p:childTnLst>
+                                </p:cTn>
+                              </p:par>
+                              <p:par>
+                                <p:cTn id="16" presetID="10" presetClass="entr" presetSubtype="0" fill="hold" grpId="0" nodeType="withEffect">
+                                  <p:stCondLst>
+                                    <p:cond delay="0"/>
+                                  </p:stCondLst>
+                                  <p:childTnLst>
+                                    <p:set>
+                                      <p:cBhvr>
+                                        <p:cTn id="17" dur="1" fill="hold">
+                                          <p:stCondLst>
+                                            <p:cond delay="0"/>
+                                          </p:stCondLst>
+                                        </p:cTn>
+                                        <p:tgtEl>
+                                          <p:spTgt spid="55299">
+                                            <p:txEl>
+                                              <p:pRg st="3" end="3"/>
+                                            </p:txEl>
+                                          </p:spTgt>
+                                        </p:tgtEl>
+                                        <p:attrNameLst>
+                                          <p:attrName>style.visibility</p:attrName>
+                                        </p:attrNameLst>
+                                      </p:cBhvr>
+                                      <p:to>
+                                        <p:strVal val="visible"/>
+                                      </p:to>
+                                    </p:set>
+                                    <p:animEffect transition="in" filter="fade">
+                                      <p:cBhvr>
+                                        <p:cTn id="18" dur="500"/>
+                                        <p:tgtEl>
+                                          <p:spTgt spid="55299">
+                                            <p:txEl>
+                                              <p:pRg st="3" end="3"/>
+                                            </p:txEl>
+                                          </p:spTgt>
+                                        </p:tgtEl>
+                                      </p:cBhvr>
+                                    </p:animEffect>
+                                  </p:childTnLst>
+                                </p:cTn>
+                              </p:par>
+                            </p:childTnLst>
+                          </p:cTn>
+                        </p:par>
+                      </p:childTnLst>
+                    </p:cTn>
+                  </p:par>
+                </p:childTnLst>
+              </p:cTn>
+              <p:prevCondLst>
+                <p:cond evt="onPrev" delay="0">
+                  <p:tgtEl>
+                    <p:sldTgt/>
+                  </p:tgtEl>
+                </p:cond>
+              </p:prevCondLst>
+              <p:nextCondLst>
+                <p:cond evt="onNext" delay="0">
+                  <p:tgtEl>
+                    <p:sldTgt/>
+                  </p:tgtEl>
+                </p:cond>
+              </p:nextCondLst>
+            </p:seq>
+          </p:childTnLst>
+        </p:cTn>
+      </p:par>
+    </p:tnLst>
+    <p:bldLst>
+      <p:bldP spid="55299" grpId="0" build="p"/>
+    </p:bldLst>
+  </p:timing>
+</p:sld>
+</file>
+
+<file path=ppt/slides/slide30.xml><?xml version="1.0" encoding="utf-8"?>
 <p:sld xmlns:a="http://schemas.openxmlformats.org/drawingml/2006/main" xmlns:r="http://schemas.openxmlformats.org/officeDocument/2006/relationships" xmlns:p="http://schemas.openxmlformats.org/presentationml/2006/main">
   <p:cSld>
     <p:spTree>
@@ -27423,1112 +28533,6 @@
     <p:bldLst>
       <p:bldP spid="3" grpId="0" build="p"/>
     </p:bldLst>
-  </p:timing>
-</p:sld>
-</file>
-
-<file path=ppt/slides/slide3.xml><?xml version="1.0" encoding="utf-8"?>
-<p:sld xmlns:a="http://schemas.openxmlformats.org/drawingml/2006/main" xmlns:r="http://schemas.openxmlformats.org/officeDocument/2006/relationships" xmlns:p="http://schemas.openxmlformats.org/presentationml/2006/main">
-  <p:cSld>
-    <p:spTree>
-      <p:nvGrpSpPr>
-        <p:cNvPr id="1" name=""/>
-        <p:cNvGrpSpPr/>
-        <p:nvPr/>
-      </p:nvGrpSpPr>
-      <p:grpSpPr>
-        <a:xfrm>
-          <a:off x="0" y="0"/>
-          <a:ext cx="0" cy="0"/>
-          <a:chOff x="0" y="0"/>
-          <a:chExt cx="0" cy="0"/>
-        </a:xfrm>
-      </p:grpSpPr>
-      <p:sp>
-        <p:nvSpPr>
-          <p:cNvPr id="55298" name="Rectangle 2"/>
-          <p:cNvSpPr>
-            <a:spLocks noGrp="1" noChangeArrowheads="1"/>
-          </p:cNvSpPr>
-          <p:nvPr>
-            <p:ph type="title"/>
-          </p:nvPr>
-        </p:nvSpPr>
-        <p:spPr/>
-        <p:txBody>
-          <a:bodyPr>
-            <a:normAutofit fontScale="90000"/>
-          </a:bodyPr>
-          <a:lstStyle/>
-          <a:p>
-            <a:r>
-              <a:rPr lang="ru-RU"/>
-              <a:t>Обнаружение ошибочных ситуаций</a:t>
-            </a:r>
-          </a:p>
-        </p:txBody>
-      </p:sp>
-      <p:sp>
-        <p:nvSpPr>
-          <p:cNvPr id="55299" name="Rectangle 3"/>
-          <p:cNvSpPr>
-            <a:spLocks noGrp="1" noChangeArrowheads="1"/>
-          </p:cNvSpPr>
-          <p:nvPr>
-            <p:ph idx="1"/>
-          </p:nvPr>
-        </p:nvSpPr>
-        <p:spPr/>
-        <p:txBody>
-          <a:bodyPr/>
-          <a:lstStyle/>
-          <a:p>
-            <a:r>
-              <a:rPr lang="ru-RU" dirty="0"/>
-              <a:t>Проверяйте данные поступающие из внешних источников на корректность</a:t>
-            </a:r>
-          </a:p>
-          <a:p>
-            <a:pPr lvl="1"/>
-            <a:r>
-              <a:rPr lang="ru-RU" dirty="0"/>
-              <a:t>Файлы, введенные пользователем данные, сетевые пакеты и т.п.</a:t>
-            </a:r>
-          </a:p>
-          <a:p>
-            <a:r>
-              <a:rPr lang="ru-RU" dirty="0"/>
-              <a:t>Осуществляйте проверку успешности вызовов </a:t>
-            </a:r>
-            <a:r>
-              <a:rPr lang="ru-RU" dirty="0" smtClean="0"/>
-              <a:t>функций используемого </a:t>
-            </a:r>
-            <a:r>
-              <a:rPr lang="en-US" dirty="0" smtClean="0"/>
-              <a:t>API</a:t>
-            </a:r>
-            <a:endParaRPr lang="ru-RU" dirty="0"/>
-          </a:p>
-          <a:p>
-            <a:pPr lvl="1"/>
-            <a:r>
-              <a:rPr lang="ru-RU" dirty="0"/>
-              <a:t>Функции ввода/вывода, выделения/освобождения ресурсов</a:t>
-            </a:r>
-          </a:p>
-        </p:txBody>
-      </p:sp>
-    </p:spTree>
-  </p:cSld>
-  <p:clrMapOvr>
-    <a:masterClrMapping/>
-  </p:clrMapOvr>
-  <p:timing>
-    <p:tnLst>
-      <p:par>
-        <p:cTn id="1" dur="indefinite" restart="never" nodeType="tmRoot">
-          <p:childTnLst>
-            <p:seq concurrent="1" nextAc="seek">
-              <p:cTn id="2" dur="indefinite" nodeType="mainSeq">
-                <p:childTnLst>
-                  <p:par>
-                    <p:cTn id="3" fill="hold">
-                      <p:stCondLst>
-                        <p:cond delay="indefinite"/>
-                      </p:stCondLst>
-                      <p:childTnLst>
-                        <p:par>
-                          <p:cTn id="4" fill="hold">
-                            <p:stCondLst>
-                              <p:cond delay="0"/>
-                            </p:stCondLst>
-                            <p:childTnLst>
-                              <p:par>
-                                <p:cTn id="5" presetID="10" presetClass="entr" presetSubtype="0" fill="hold" grpId="0" nodeType="clickEffect">
-                                  <p:stCondLst>
-                                    <p:cond delay="0"/>
-                                  </p:stCondLst>
-                                  <p:childTnLst>
-                                    <p:set>
-                                      <p:cBhvr>
-                                        <p:cTn id="6" dur="1" fill="hold">
-                                          <p:stCondLst>
-                                            <p:cond delay="0"/>
-                                          </p:stCondLst>
-                                        </p:cTn>
-                                        <p:tgtEl>
-                                          <p:spTgt spid="55299">
-                                            <p:txEl>
-                                              <p:pRg st="0" end="0"/>
-                                            </p:txEl>
-                                          </p:spTgt>
-                                        </p:tgtEl>
-                                        <p:attrNameLst>
-                                          <p:attrName>style.visibility</p:attrName>
-                                        </p:attrNameLst>
-                                      </p:cBhvr>
-                                      <p:to>
-                                        <p:strVal val="visible"/>
-                                      </p:to>
-                                    </p:set>
-                                    <p:animEffect transition="in" filter="fade">
-                                      <p:cBhvr>
-                                        <p:cTn id="7" dur="500"/>
-                                        <p:tgtEl>
-                                          <p:spTgt spid="55299">
-                                            <p:txEl>
-                                              <p:pRg st="0" end="0"/>
-                                            </p:txEl>
-                                          </p:spTgt>
-                                        </p:tgtEl>
-                                      </p:cBhvr>
-                                    </p:animEffect>
-                                  </p:childTnLst>
-                                </p:cTn>
-                              </p:par>
-                              <p:par>
-                                <p:cTn id="8" presetID="10" presetClass="entr" presetSubtype="0" fill="hold" grpId="0" nodeType="withEffect">
-                                  <p:stCondLst>
-                                    <p:cond delay="0"/>
-                                  </p:stCondLst>
-                                  <p:childTnLst>
-                                    <p:set>
-                                      <p:cBhvr>
-                                        <p:cTn id="9" dur="1" fill="hold">
-                                          <p:stCondLst>
-                                            <p:cond delay="0"/>
-                                          </p:stCondLst>
-                                        </p:cTn>
-                                        <p:tgtEl>
-                                          <p:spTgt spid="55299">
-                                            <p:txEl>
-                                              <p:pRg st="1" end="1"/>
-                                            </p:txEl>
-                                          </p:spTgt>
-                                        </p:tgtEl>
-                                        <p:attrNameLst>
-                                          <p:attrName>style.visibility</p:attrName>
-                                        </p:attrNameLst>
-                                      </p:cBhvr>
-                                      <p:to>
-                                        <p:strVal val="visible"/>
-                                      </p:to>
-                                    </p:set>
-                                    <p:animEffect transition="in" filter="fade">
-                                      <p:cBhvr>
-                                        <p:cTn id="10" dur="500"/>
-                                        <p:tgtEl>
-                                          <p:spTgt spid="55299">
-                                            <p:txEl>
-                                              <p:pRg st="1" end="1"/>
-                                            </p:txEl>
-                                          </p:spTgt>
-                                        </p:tgtEl>
-                                      </p:cBhvr>
-                                    </p:animEffect>
-                                  </p:childTnLst>
-                                </p:cTn>
-                              </p:par>
-                            </p:childTnLst>
-                          </p:cTn>
-                        </p:par>
-                      </p:childTnLst>
-                    </p:cTn>
-                  </p:par>
-                  <p:par>
-                    <p:cTn id="11" fill="hold">
-                      <p:stCondLst>
-                        <p:cond delay="indefinite"/>
-                      </p:stCondLst>
-                      <p:childTnLst>
-                        <p:par>
-                          <p:cTn id="12" fill="hold">
-                            <p:stCondLst>
-                              <p:cond delay="0"/>
-                            </p:stCondLst>
-                            <p:childTnLst>
-                              <p:par>
-                                <p:cTn id="13" presetID="10" presetClass="entr" presetSubtype="0" fill="hold" grpId="0" nodeType="clickEffect">
-                                  <p:stCondLst>
-                                    <p:cond delay="0"/>
-                                  </p:stCondLst>
-                                  <p:childTnLst>
-                                    <p:set>
-                                      <p:cBhvr>
-                                        <p:cTn id="14" dur="1" fill="hold">
-                                          <p:stCondLst>
-                                            <p:cond delay="0"/>
-                                          </p:stCondLst>
-                                        </p:cTn>
-                                        <p:tgtEl>
-                                          <p:spTgt spid="55299">
-                                            <p:txEl>
-                                              <p:pRg st="2" end="2"/>
-                                            </p:txEl>
-                                          </p:spTgt>
-                                        </p:tgtEl>
-                                        <p:attrNameLst>
-                                          <p:attrName>style.visibility</p:attrName>
-                                        </p:attrNameLst>
-                                      </p:cBhvr>
-                                      <p:to>
-                                        <p:strVal val="visible"/>
-                                      </p:to>
-                                    </p:set>
-                                    <p:animEffect transition="in" filter="fade">
-                                      <p:cBhvr>
-                                        <p:cTn id="15" dur="500"/>
-                                        <p:tgtEl>
-                                          <p:spTgt spid="55299">
-                                            <p:txEl>
-                                              <p:pRg st="2" end="2"/>
-                                            </p:txEl>
-                                          </p:spTgt>
-                                        </p:tgtEl>
-                                      </p:cBhvr>
-                                    </p:animEffect>
-                                  </p:childTnLst>
-                                </p:cTn>
-                              </p:par>
-                              <p:par>
-                                <p:cTn id="16" presetID="10" presetClass="entr" presetSubtype="0" fill="hold" grpId="0" nodeType="withEffect">
-                                  <p:stCondLst>
-                                    <p:cond delay="0"/>
-                                  </p:stCondLst>
-                                  <p:childTnLst>
-                                    <p:set>
-                                      <p:cBhvr>
-                                        <p:cTn id="17" dur="1" fill="hold">
-                                          <p:stCondLst>
-                                            <p:cond delay="0"/>
-                                          </p:stCondLst>
-                                        </p:cTn>
-                                        <p:tgtEl>
-                                          <p:spTgt spid="55299">
-                                            <p:txEl>
-                                              <p:pRg st="3" end="3"/>
-                                            </p:txEl>
-                                          </p:spTgt>
-                                        </p:tgtEl>
-                                        <p:attrNameLst>
-                                          <p:attrName>style.visibility</p:attrName>
-                                        </p:attrNameLst>
-                                      </p:cBhvr>
-                                      <p:to>
-                                        <p:strVal val="visible"/>
-                                      </p:to>
-                                    </p:set>
-                                    <p:animEffect transition="in" filter="fade">
-                                      <p:cBhvr>
-                                        <p:cTn id="18" dur="500"/>
-                                        <p:tgtEl>
-                                          <p:spTgt spid="55299">
-                                            <p:txEl>
-                                              <p:pRg st="3" end="3"/>
-                                            </p:txEl>
-                                          </p:spTgt>
-                                        </p:tgtEl>
-                                      </p:cBhvr>
-                                    </p:animEffect>
-                                  </p:childTnLst>
-                                </p:cTn>
-                              </p:par>
-                            </p:childTnLst>
-                          </p:cTn>
-                        </p:par>
-                      </p:childTnLst>
-                    </p:cTn>
-                  </p:par>
-                </p:childTnLst>
-              </p:cTn>
-              <p:prevCondLst>
-                <p:cond evt="onPrev" delay="0">
-                  <p:tgtEl>
-                    <p:sldTgt/>
-                  </p:tgtEl>
-                </p:cond>
-              </p:prevCondLst>
-              <p:nextCondLst>
-                <p:cond evt="onNext" delay="0">
-                  <p:tgtEl>
-                    <p:sldTgt/>
-                  </p:tgtEl>
-                </p:cond>
-              </p:nextCondLst>
-            </p:seq>
-          </p:childTnLst>
-        </p:cTn>
-      </p:par>
-    </p:tnLst>
-    <p:bldLst>
-      <p:bldP spid="55299" grpId="0" build="p"/>
-    </p:bldLst>
-  </p:timing>
-</p:sld>
-</file>
-
-<file path=ppt/slides/slide30.xml><?xml version="1.0" encoding="utf-8"?>
-<p:sld xmlns:a="http://schemas.openxmlformats.org/drawingml/2006/main" xmlns:r="http://schemas.openxmlformats.org/officeDocument/2006/relationships" xmlns:p="http://schemas.openxmlformats.org/presentationml/2006/main">
-  <p:cSld>
-    <p:spTree>
-      <p:nvGrpSpPr>
-        <p:cNvPr id="1" name=""/>
-        <p:cNvGrpSpPr/>
-        <p:nvPr/>
-      </p:nvGrpSpPr>
-      <p:grpSpPr>
-        <a:xfrm>
-          <a:off x="0" y="0"/>
-          <a:ext cx="0" cy="0"/>
-          <a:chOff x="0" y="0"/>
-          <a:chExt cx="0" cy="0"/>
-        </a:xfrm>
-      </p:grpSpPr>
-      <p:sp>
-        <p:nvSpPr>
-          <p:cNvPr id="4" name="Прямоугольник 3"/>
-          <p:cNvSpPr/>
-          <p:nvPr/>
-        </p:nvSpPr>
-        <p:spPr>
-          <a:xfrm>
-            <a:off x="899592" y="-5417"/>
-            <a:ext cx="7560840" cy="6863417"/>
-          </a:xfrm>
-          <a:prstGeom prst="rect">
-            <a:avLst/>
-          </a:prstGeom>
-        </p:spPr>
-        <p:style>
-          <a:lnRef idx="2">
-            <a:schemeClr val="dk1"/>
-          </a:lnRef>
-          <a:fillRef idx="1">
-            <a:schemeClr val="lt1"/>
-          </a:fillRef>
-          <a:effectRef idx="0">
-            <a:schemeClr val="dk1"/>
-          </a:effectRef>
-          <a:fontRef idx="minor">
-            <a:schemeClr val="dk1"/>
-          </a:fontRef>
-        </p:style>
-        <p:txBody>
-          <a:bodyPr wrap="square">
-            <a:spAutoFit/>
-          </a:bodyPr>
-          <a:lstStyle/>
-          <a:p>
-            <a:pPr>
-              <a:tabLst>
-                <a:tab pos="365125" algn="l"/>
-              </a:tabLst>
-            </a:pPr>
-            <a:r>
-              <a:rPr lang="en-US" sz="2000" dirty="0" smtClean="0">
-                <a:latin typeface="Courier New" pitchFamily="49" charset="0"/>
-                <a:cs typeface="Courier New" pitchFamily="49" charset="0"/>
-              </a:rPr>
-              <a:t>vector&lt;</a:t>
-            </a:r>
-            <a:r>
-              <a:rPr lang="en-US" sz="2000" dirty="0">
-                <a:latin typeface="Courier New" pitchFamily="49" charset="0"/>
-                <a:cs typeface="Courier New" pitchFamily="49" charset="0"/>
-              </a:rPr>
-              <a:t>char&gt; </a:t>
-            </a:r>
-            <a:r>
-              <a:rPr lang="en-US" sz="2000" dirty="0" err="1">
-                <a:latin typeface="Courier New" pitchFamily="49" charset="0"/>
-                <a:cs typeface="Courier New" pitchFamily="49" charset="0"/>
-              </a:rPr>
-              <a:t>ReadFileToVector</a:t>
-            </a:r>
-            <a:r>
-              <a:rPr lang="en-US" sz="2000" dirty="0">
-                <a:latin typeface="Courier New" pitchFamily="49" charset="0"/>
-                <a:cs typeface="Courier New" pitchFamily="49" charset="0"/>
-              </a:rPr>
-              <a:t>(char * </a:t>
-            </a:r>
-            <a:r>
-              <a:rPr lang="en-US" sz="2000" dirty="0" err="1">
-                <a:latin typeface="Courier New" pitchFamily="49" charset="0"/>
-                <a:cs typeface="Courier New" pitchFamily="49" charset="0"/>
-              </a:rPr>
-              <a:t>fileName</a:t>
-            </a:r>
-            <a:r>
-              <a:rPr lang="en-US" sz="2000" dirty="0">
-                <a:latin typeface="Courier New" pitchFamily="49" charset="0"/>
-                <a:cs typeface="Courier New" pitchFamily="49" charset="0"/>
-              </a:rPr>
-              <a:t>)</a:t>
-            </a:r>
-          </a:p>
-          <a:p>
-            <a:pPr>
-              <a:tabLst>
-                <a:tab pos="365125" algn="l"/>
-              </a:tabLst>
-            </a:pPr>
-            <a:r>
-              <a:rPr lang="ru-RU" sz="2000" dirty="0">
-                <a:latin typeface="Courier New" pitchFamily="49" charset="0"/>
-                <a:cs typeface="Courier New" pitchFamily="49" charset="0"/>
-              </a:rPr>
-              <a:t>{</a:t>
-            </a:r>
-          </a:p>
-          <a:p>
-            <a:pPr>
-              <a:tabLst>
-                <a:tab pos="365125" algn="l"/>
-              </a:tabLst>
-            </a:pPr>
-            <a:r>
-              <a:rPr lang="ru-RU" sz="2000" i="1" dirty="0">
-                <a:solidFill>
-                  <a:schemeClr val="bg1">
-                    <a:lumMod val="50000"/>
-                  </a:schemeClr>
-                </a:solidFill>
-                <a:latin typeface="Courier New" pitchFamily="49" charset="0"/>
-                <a:cs typeface="Courier New" pitchFamily="49" charset="0"/>
-              </a:rPr>
-              <a:t>	// Открываем</a:t>
-            </a:r>
-          </a:p>
-          <a:p>
-            <a:pPr>
-              <a:tabLst>
-                <a:tab pos="365125" algn="l"/>
-              </a:tabLst>
-            </a:pPr>
-            <a:r>
-              <a:rPr lang="en-US" sz="2000" b="1" dirty="0">
-                <a:latin typeface="Courier New" pitchFamily="49" charset="0"/>
-                <a:cs typeface="Courier New" pitchFamily="49" charset="0"/>
-              </a:rPr>
-              <a:t>	FILE * </a:t>
-            </a:r>
-            <a:r>
-              <a:rPr lang="en-US" sz="2000" b="1" dirty="0" err="1">
-                <a:latin typeface="Courier New" pitchFamily="49" charset="0"/>
-                <a:cs typeface="Courier New" pitchFamily="49" charset="0"/>
-              </a:rPr>
-              <a:t>pFile</a:t>
-            </a:r>
-            <a:r>
-              <a:rPr lang="en-US" sz="2000" b="1" dirty="0">
-                <a:latin typeface="Courier New" pitchFamily="49" charset="0"/>
-                <a:cs typeface="Courier New" pitchFamily="49" charset="0"/>
-              </a:rPr>
-              <a:t> = NULL;</a:t>
-            </a:r>
-          </a:p>
-          <a:p>
-            <a:pPr>
-              <a:tabLst>
-                <a:tab pos="365125" algn="l"/>
-              </a:tabLst>
-            </a:pPr>
-            <a:r>
-              <a:rPr lang="en-US" sz="2000" b="1" dirty="0">
-                <a:latin typeface="Courier New" pitchFamily="49" charset="0"/>
-                <a:cs typeface="Courier New" pitchFamily="49" charset="0"/>
-              </a:rPr>
-              <a:t>	</a:t>
-            </a:r>
-            <a:r>
-              <a:rPr lang="en-US" sz="2000" b="1" dirty="0" err="1">
-                <a:latin typeface="Courier New" pitchFamily="49" charset="0"/>
-                <a:cs typeface="Courier New" pitchFamily="49" charset="0"/>
-              </a:rPr>
-              <a:t>fopen_s</a:t>
-            </a:r>
-            <a:r>
-              <a:rPr lang="en-US" sz="2000" b="1" dirty="0">
-                <a:latin typeface="Courier New" pitchFamily="49" charset="0"/>
-                <a:cs typeface="Courier New" pitchFamily="49" charset="0"/>
-              </a:rPr>
-              <a:t>(&amp;</a:t>
-            </a:r>
-            <a:r>
-              <a:rPr lang="en-US" sz="2000" b="1" dirty="0" err="1">
-                <a:latin typeface="Courier New" pitchFamily="49" charset="0"/>
-                <a:cs typeface="Courier New" pitchFamily="49" charset="0"/>
-              </a:rPr>
-              <a:t>pFile</a:t>
-            </a:r>
-            <a:r>
-              <a:rPr lang="en-US" sz="2000" b="1" dirty="0">
-                <a:latin typeface="Courier New" pitchFamily="49" charset="0"/>
-                <a:cs typeface="Courier New" pitchFamily="49" charset="0"/>
-              </a:rPr>
-              <a:t>, </a:t>
-            </a:r>
-            <a:r>
-              <a:rPr lang="en-US" sz="2000" b="1" dirty="0" err="1">
-                <a:latin typeface="Courier New" pitchFamily="49" charset="0"/>
-                <a:cs typeface="Courier New" pitchFamily="49" charset="0"/>
-              </a:rPr>
-              <a:t>fileName</a:t>
-            </a:r>
-            <a:r>
-              <a:rPr lang="en-US" sz="2000" b="1" dirty="0">
-                <a:latin typeface="Courier New" pitchFamily="49" charset="0"/>
-                <a:cs typeface="Courier New" pitchFamily="49" charset="0"/>
-              </a:rPr>
-              <a:t>, "</a:t>
-            </a:r>
-            <a:r>
-              <a:rPr lang="en-US" sz="2000" b="1" dirty="0" err="1">
-                <a:latin typeface="Courier New" pitchFamily="49" charset="0"/>
-                <a:cs typeface="Courier New" pitchFamily="49" charset="0"/>
-              </a:rPr>
-              <a:t>rb</a:t>
-            </a:r>
-            <a:r>
-              <a:rPr lang="en-US" sz="2000" b="1" dirty="0">
-                <a:latin typeface="Courier New" pitchFamily="49" charset="0"/>
-                <a:cs typeface="Courier New" pitchFamily="49" charset="0"/>
-              </a:rPr>
-              <a:t>");</a:t>
-            </a:r>
-          </a:p>
-          <a:p>
-            <a:pPr>
-              <a:tabLst>
-                <a:tab pos="365125" algn="l"/>
-              </a:tabLst>
-            </a:pPr>
-            <a:endParaRPr lang="ru-RU" sz="2000" dirty="0">
-              <a:latin typeface="Courier New" pitchFamily="49" charset="0"/>
-              <a:cs typeface="Courier New" pitchFamily="49" charset="0"/>
-            </a:endParaRPr>
-          </a:p>
-          <a:p>
-            <a:pPr>
-              <a:tabLst>
-                <a:tab pos="365125" algn="l"/>
-              </a:tabLst>
-            </a:pPr>
-            <a:r>
-              <a:rPr lang="ru-RU" sz="2000" i="1" dirty="0">
-                <a:solidFill>
-                  <a:schemeClr val="bg1">
-                    <a:lumMod val="50000"/>
-                  </a:schemeClr>
-                </a:solidFill>
-                <a:latin typeface="Courier New" pitchFamily="49" charset="0"/>
-                <a:cs typeface="Courier New" pitchFamily="49" charset="0"/>
-              </a:rPr>
-              <a:t>	// Проверяем успешность</a:t>
-            </a:r>
-          </a:p>
-          <a:p>
-            <a:pPr>
-              <a:tabLst>
-                <a:tab pos="365125" algn="l"/>
-              </a:tabLst>
-            </a:pPr>
-            <a:r>
-              <a:rPr lang="en-US" sz="2000" b="1" dirty="0">
-                <a:latin typeface="Courier New" pitchFamily="49" charset="0"/>
-                <a:cs typeface="Courier New" pitchFamily="49" charset="0"/>
-              </a:rPr>
-              <a:t>	vector&lt;char&gt; </a:t>
-            </a:r>
-            <a:r>
-              <a:rPr lang="en-US" sz="2000" b="1" dirty="0" err="1">
-                <a:latin typeface="Courier New" pitchFamily="49" charset="0"/>
-                <a:cs typeface="Courier New" pitchFamily="49" charset="0"/>
-              </a:rPr>
-              <a:t>buf</a:t>
-            </a:r>
-            <a:r>
-              <a:rPr lang="en-US" sz="2000" b="1" dirty="0">
-                <a:latin typeface="Courier New" pitchFamily="49" charset="0"/>
-                <a:cs typeface="Courier New" pitchFamily="49" charset="0"/>
-              </a:rPr>
-              <a:t>;</a:t>
-            </a:r>
-          </a:p>
-          <a:p>
-            <a:pPr>
-              <a:tabLst>
-                <a:tab pos="365125" algn="l"/>
-              </a:tabLst>
-            </a:pPr>
-            <a:r>
-              <a:rPr lang="en-US" sz="2000" b="1" dirty="0">
-                <a:latin typeface="Courier New" pitchFamily="49" charset="0"/>
-                <a:cs typeface="Courier New" pitchFamily="49" charset="0"/>
-              </a:rPr>
-              <a:t>	if (!</a:t>
-            </a:r>
-            <a:r>
-              <a:rPr lang="en-US" sz="2000" b="1" dirty="0" err="1">
-                <a:latin typeface="Courier New" pitchFamily="49" charset="0"/>
-                <a:cs typeface="Courier New" pitchFamily="49" charset="0"/>
-              </a:rPr>
-              <a:t>pFile</a:t>
-            </a:r>
-            <a:r>
-              <a:rPr lang="en-US" sz="2000" b="1" dirty="0">
-                <a:latin typeface="Courier New" pitchFamily="49" charset="0"/>
-                <a:cs typeface="Courier New" pitchFamily="49" charset="0"/>
-              </a:rPr>
-              <a:t>) return </a:t>
-            </a:r>
-            <a:r>
-              <a:rPr lang="en-US" sz="2000" b="1" dirty="0" err="1">
-                <a:latin typeface="Courier New" pitchFamily="49" charset="0"/>
-                <a:cs typeface="Courier New" pitchFamily="49" charset="0"/>
-              </a:rPr>
-              <a:t>buf</a:t>
-            </a:r>
-            <a:r>
-              <a:rPr lang="en-US" sz="2000" b="1" dirty="0" smtClean="0">
-                <a:latin typeface="Courier New" pitchFamily="49" charset="0"/>
-                <a:cs typeface="Courier New" pitchFamily="49" charset="0"/>
-              </a:rPr>
-              <a:t>;</a:t>
-            </a:r>
-            <a:endParaRPr lang="en-US" sz="2000" b="1" dirty="0">
-              <a:latin typeface="Courier New" pitchFamily="49" charset="0"/>
-              <a:cs typeface="Courier New" pitchFamily="49" charset="0"/>
-            </a:endParaRPr>
-          </a:p>
-          <a:p>
-            <a:pPr>
-              <a:tabLst>
-                <a:tab pos="365125" algn="l"/>
-              </a:tabLst>
-            </a:pPr>
-            <a:endParaRPr lang="ru-RU" sz="2000" dirty="0">
-              <a:latin typeface="Courier New" pitchFamily="49" charset="0"/>
-              <a:cs typeface="Courier New" pitchFamily="49" charset="0"/>
-            </a:endParaRPr>
-          </a:p>
-          <a:p>
-            <a:pPr>
-              <a:tabLst>
-                <a:tab pos="365125" algn="l"/>
-              </a:tabLst>
-            </a:pPr>
-            <a:r>
-              <a:rPr lang="ru-RU" sz="2000" i="1" dirty="0">
-                <a:solidFill>
-                  <a:schemeClr val="bg1">
-                    <a:lumMod val="50000"/>
-                  </a:schemeClr>
-                </a:solidFill>
-                <a:latin typeface="Courier New" pitchFamily="49" charset="0"/>
-                <a:cs typeface="Courier New" pitchFamily="49" charset="0"/>
-              </a:rPr>
-              <a:t>	// </a:t>
-            </a:r>
-            <a:r>
-              <a:rPr lang="ru-RU" sz="2000" i="1" dirty="0" err="1">
-                <a:solidFill>
-                  <a:schemeClr val="bg1">
-                    <a:lumMod val="50000"/>
-                  </a:schemeClr>
-                </a:solidFill>
-                <a:latin typeface="Courier New" pitchFamily="49" charset="0"/>
-                <a:cs typeface="Courier New" pitchFamily="49" charset="0"/>
-              </a:rPr>
-              <a:t>Ресайзим</a:t>
-            </a:r>
-            <a:r>
-              <a:rPr lang="ru-RU" sz="2000" i="1" dirty="0">
-                <a:solidFill>
-                  <a:schemeClr val="bg1">
-                    <a:lumMod val="50000"/>
-                  </a:schemeClr>
-                </a:solidFill>
-                <a:latin typeface="Courier New" pitchFamily="49" charset="0"/>
-                <a:cs typeface="Courier New" pitchFamily="49" charset="0"/>
-              </a:rPr>
-              <a:t> буфер</a:t>
-            </a:r>
-          </a:p>
-          <a:p>
-            <a:pPr>
-              <a:tabLst>
-                <a:tab pos="365125" algn="l"/>
-              </a:tabLst>
-            </a:pPr>
-            <a:r>
-              <a:rPr lang="en-US" sz="2000" b="1" dirty="0">
-                <a:latin typeface="Courier New" pitchFamily="49" charset="0"/>
-                <a:cs typeface="Courier New" pitchFamily="49" charset="0"/>
-              </a:rPr>
-              <a:t>	</a:t>
-            </a:r>
-            <a:r>
-              <a:rPr lang="en-US" sz="2000" b="1" dirty="0" err="1">
-                <a:latin typeface="Courier New" pitchFamily="49" charset="0"/>
-                <a:cs typeface="Courier New" pitchFamily="49" charset="0"/>
-              </a:rPr>
-              <a:t>fseek</a:t>
-            </a:r>
-            <a:r>
-              <a:rPr lang="en-US" sz="2000" b="1" dirty="0">
-                <a:latin typeface="Courier New" pitchFamily="49" charset="0"/>
-                <a:cs typeface="Courier New" pitchFamily="49" charset="0"/>
-              </a:rPr>
-              <a:t>(</a:t>
-            </a:r>
-            <a:r>
-              <a:rPr lang="en-US" sz="2000" b="1" dirty="0" err="1">
-                <a:latin typeface="Courier New" pitchFamily="49" charset="0"/>
-                <a:cs typeface="Courier New" pitchFamily="49" charset="0"/>
-              </a:rPr>
-              <a:t>pFile</a:t>
-            </a:r>
-            <a:r>
-              <a:rPr lang="en-US" sz="2000" b="1" dirty="0">
-                <a:latin typeface="Courier New" pitchFamily="49" charset="0"/>
-                <a:cs typeface="Courier New" pitchFamily="49" charset="0"/>
-              </a:rPr>
-              <a:t>, 0, SEEK_END);</a:t>
-            </a:r>
-          </a:p>
-          <a:p>
-            <a:pPr>
-              <a:tabLst>
-                <a:tab pos="365125" algn="l"/>
-              </a:tabLst>
-            </a:pPr>
-            <a:r>
-              <a:rPr lang="en-US" sz="2000" b="1" dirty="0">
-                <a:latin typeface="Courier New" pitchFamily="49" charset="0"/>
-                <a:cs typeface="Courier New" pitchFamily="49" charset="0"/>
-              </a:rPr>
-              <a:t>	</a:t>
-            </a:r>
-            <a:r>
-              <a:rPr lang="en-US" sz="2000" b="1" dirty="0" err="1">
-                <a:latin typeface="Courier New" pitchFamily="49" charset="0"/>
-                <a:cs typeface="Courier New" pitchFamily="49" charset="0"/>
-              </a:rPr>
-              <a:t>buf.resize</a:t>
-            </a:r>
-            <a:r>
-              <a:rPr lang="en-US" sz="2000" b="1" dirty="0">
-                <a:latin typeface="Courier New" pitchFamily="49" charset="0"/>
-                <a:cs typeface="Courier New" pitchFamily="49" charset="0"/>
-              </a:rPr>
-              <a:t>(</a:t>
-            </a:r>
-            <a:r>
-              <a:rPr lang="en-US" sz="2000" b="1" dirty="0" err="1">
-                <a:latin typeface="Courier New" pitchFamily="49" charset="0"/>
-                <a:cs typeface="Courier New" pitchFamily="49" charset="0"/>
-              </a:rPr>
-              <a:t>ftell</a:t>
-            </a:r>
-            <a:r>
-              <a:rPr lang="en-US" sz="2000" b="1" dirty="0">
-                <a:latin typeface="Courier New" pitchFamily="49" charset="0"/>
-                <a:cs typeface="Courier New" pitchFamily="49" charset="0"/>
-              </a:rPr>
-              <a:t>(</a:t>
-            </a:r>
-            <a:r>
-              <a:rPr lang="en-US" sz="2000" b="1" dirty="0" err="1">
-                <a:latin typeface="Courier New" pitchFamily="49" charset="0"/>
-                <a:cs typeface="Courier New" pitchFamily="49" charset="0"/>
-              </a:rPr>
-              <a:t>pFile</a:t>
-            </a:r>
-            <a:r>
-              <a:rPr lang="en-US" sz="2000" b="1" dirty="0">
-                <a:latin typeface="Courier New" pitchFamily="49" charset="0"/>
-                <a:cs typeface="Courier New" pitchFamily="49" charset="0"/>
-              </a:rPr>
-              <a:t>));</a:t>
-            </a:r>
-          </a:p>
-          <a:p>
-            <a:pPr>
-              <a:tabLst>
-                <a:tab pos="365125" algn="l"/>
-              </a:tabLst>
-            </a:pPr>
-            <a:r>
-              <a:rPr lang="en-US" sz="2000" b="1" dirty="0">
-                <a:latin typeface="Courier New" pitchFamily="49" charset="0"/>
-                <a:cs typeface="Courier New" pitchFamily="49" charset="0"/>
-              </a:rPr>
-              <a:t>	</a:t>
-            </a:r>
-            <a:r>
-              <a:rPr lang="en-US" sz="2000" b="1" dirty="0" err="1">
-                <a:latin typeface="Courier New" pitchFamily="49" charset="0"/>
-                <a:cs typeface="Courier New" pitchFamily="49" charset="0"/>
-              </a:rPr>
-              <a:t>fseek</a:t>
-            </a:r>
-            <a:r>
-              <a:rPr lang="en-US" sz="2000" b="1" dirty="0">
-                <a:latin typeface="Courier New" pitchFamily="49" charset="0"/>
-                <a:cs typeface="Courier New" pitchFamily="49" charset="0"/>
-              </a:rPr>
-              <a:t>(</a:t>
-            </a:r>
-            <a:r>
-              <a:rPr lang="en-US" sz="2000" b="1" dirty="0" err="1">
-                <a:latin typeface="Courier New" pitchFamily="49" charset="0"/>
-                <a:cs typeface="Courier New" pitchFamily="49" charset="0"/>
-              </a:rPr>
-              <a:t>pFile</a:t>
-            </a:r>
-            <a:r>
-              <a:rPr lang="en-US" sz="2000" b="1" dirty="0">
-                <a:latin typeface="Courier New" pitchFamily="49" charset="0"/>
-                <a:cs typeface="Courier New" pitchFamily="49" charset="0"/>
-              </a:rPr>
-              <a:t>, 0, SEEK_SET);</a:t>
-            </a:r>
-          </a:p>
-          <a:p>
-            <a:pPr>
-              <a:tabLst>
-                <a:tab pos="365125" algn="l"/>
-              </a:tabLst>
-            </a:pPr>
-            <a:endParaRPr lang="ru-RU" sz="2000" dirty="0">
-              <a:latin typeface="Courier New" pitchFamily="49" charset="0"/>
-              <a:cs typeface="Courier New" pitchFamily="49" charset="0"/>
-            </a:endParaRPr>
-          </a:p>
-          <a:p>
-            <a:pPr>
-              <a:tabLst>
-                <a:tab pos="365125" algn="l"/>
-              </a:tabLst>
-            </a:pPr>
-            <a:r>
-              <a:rPr lang="ru-RU" sz="2000" i="1" dirty="0">
-                <a:solidFill>
-                  <a:schemeClr val="bg1">
-                    <a:lumMod val="50000"/>
-                  </a:schemeClr>
-                </a:solidFill>
-                <a:latin typeface="Courier New" pitchFamily="49" charset="0"/>
-                <a:cs typeface="Courier New" pitchFamily="49" charset="0"/>
-              </a:rPr>
-              <a:t>	// Читаем</a:t>
-            </a:r>
-          </a:p>
-          <a:p>
-            <a:pPr>
-              <a:tabLst>
-                <a:tab pos="365125" algn="l"/>
-              </a:tabLst>
-            </a:pPr>
-            <a:r>
-              <a:rPr lang="en-US" sz="2000" b="1" dirty="0">
-                <a:latin typeface="Courier New" pitchFamily="49" charset="0"/>
-                <a:cs typeface="Courier New" pitchFamily="49" charset="0"/>
-              </a:rPr>
-              <a:t>	</a:t>
-            </a:r>
-            <a:r>
-              <a:rPr lang="en-US" sz="2000" b="1" dirty="0" err="1">
-                <a:latin typeface="Courier New" pitchFamily="49" charset="0"/>
-                <a:cs typeface="Courier New" pitchFamily="49" charset="0"/>
-              </a:rPr>
-              <a:t>fread</a:t>
-            </a:r>
-            <a:r>
-              <a:rPr lang="en-US" sz="2000" b="1" dirty="0">
-                <a:latin typeface="Courier New" pitchFamily="49" charset="0"/>
-                <a:cs typeface="Courier New" pitchFamily="49" charset="0"/>
-              </a:rPr>
-              <a:t>(&amp;</a:t>
-            </a:r>
-            <a:r>
-              <a:rPr lang="en-US" sz="2000" b="1" dirty="0" err="1">
-                <a:latin typeface="Courier New" pitchFamily="49" charset="0"/>
-                <a:cs typeface="Courier New" pitchFamily="49" charset="0"/>
-              </a:rPr>
-              <a:t>buf</a:t>
-            </a:r>
-            <a:r>
-              <a:rPr lang="en-US" sz="2000" b="1" dirty="0">
-                <a:latin typeface="Courier New" pitchFamily="49" charset="0"/>
-                <a:cs typeface="Courier New" pitchFamily="49" charset="0"/>
-              </a:rPr>
-              <a:t>[0], 1, </a:t>
-            </a:r>
-            <a:r>
-              <a:rPr lang="en-US" sz="2000" b="1" dirty="0" err="1">
-                <a:latin typeface="Courier New" pitchFamily="49" charset="0"/>
-                <a:cs typeface="Courier New" pitchFamily="49" charset="0"/>
-              </a:rPr>
-              <a:t>buf.size</a:t>
-            </a:r>
-            <a:r>
-              <a:rPr lang="en-US" sz="2000" b="1" dirty="0">
-                <a:latin typeface="Courier New" pitchFamily="49" charset="0"/>
-                <a:cs typeface="Courier New" pitchFamily="49" charset="0"/>
-              </a:rPr>
-              <a:t>(), </a:t>
-            </a:r>
-            <a:r>
-              <a:rPr lang="en-US" sz="2000" b="1" dirty="0" err="1">
-                <a:latin typeface="Courier New" pitchFamily="49" charset="0"/>
-                <a:cs typeface="Courier New" pitchFamily="49" charset="0"/>
-              </a:rPr>
-              <a:t>pFile</a:t>
-            </a:r>
-            <a:r>
-              <a:rPr lang="en-US" sz="2000" b="1" dirty="0">
-                <a:latin typeface="Courier New" pitchFamily="49" charset="0"/>
-                <a:cs typeface="Courier New" pitchFamily="49" charset="0"/>
-              </a:rPr>
-              <a:t>);</a:t>
-            </a:r>
-          </a:p>
-          <a:p>
-            <a:pPr>
-              <a:tabLst>
-                <a:tab pos="365125" algn="l"/>
-              </a:tabLst>
-            </a:pPr>
-            <a:endParaRPr lang="ru-RU" sz="2000" dirty="0">
-              <a:latin typeface="Courier New" pitchFamily="49" charset="0"/>
-              <a:cs typeface="Courier New" pitchFamily="49" charset="0"/>
-            </a:endParaRPr>
-          </a:p>
-          <a:p>
-            <a:pPr>
-              <a:tabLst>
-                <a:tab pos="365125" algn="l"/>
-              </a:tabLst>
-            </a:pPr>
-            <a:r>
-              <a:rPr lang="ru-RU" sz="2000" i="1" dirty="0">
-                <a:solidFill>
-                  <a:schemeClr val="bg1">
-                    <a:lumMod val="50000"/>
-                  </a:schemeClr>
-                </a:solidFill>
-                <a:latin typeface="Courier New" pitchFamily="49" charset="0"/>
-                <a:cs typeface="Courier New" pitchFamily="49" charset="0"/>
-              </a:rPr>
-              <a:t>	// Выходим и возвращаем результат</a:t>
-            </a:r>
-          </a:p>
-          <a:p>
-            <a:pPr>
-              <a:tabLst>
-                <a:tab pos="365125" algn="l"/>
-              </a:tabLst>
-            </a:pPr>
-            <a:r>
-              <a:rPr lang="en-US" sz="2000" b="1" dirty="0">
-                <a:latin typeface="Courier New" pitchFamily="49" charset="0"/>
-                <a:cs typeface="Courier New" pitchFamily="49" charset="0"/>
-              </a:rPr>
-              <a:t>	</a:t>
-            </a:r>
-            <a:r>
-              <a:rPr lang="en-US" sz="2000" b="1" dirty="0" err="1">
-                <a:latin typeface="Courier New" pitchFamily="49" charset="0"/>
-                <a:cs typeface="Courier New" pitchFamily="49" charset="0"/>
-              </a:rPr>
-              <a:t>fclose</a:t>
-            </a:r>
-            <a:r>
-              <a:rPr lang="en-US" sz="2000" b="1" dirty="0">
-                <a:latin typeface="Courier New" pitchFamily="49" charset="0"/>
-                <a:cs typeface="Courier New" pitchFamily="49" charset="0"/>
-              </a:rPr>
-              <a:t>(</a:t>
-            </a:r>
-            <a:r>
-              <a:rPr lang="en-US" sz="2000" b="1" dirty="0" err="1">
-                <a:latin typeface="Courier New" pitchFamily="49" charset="0"/>
-                <a:cs typeface="Courier New" pitchFamily="49" charset="0"/>
-              </a:rPr>
-              <a:t>pFile</a:t>
-            </a:r>
-            <a:r>
-              <a:rPr lang="en-US" sz="2000" b="1" dirty="0">
-                <a:latin typeface="Courier New" pitchFamily="49" charset="0"/>
-                <a:cs typeface="Courier New" pitchFamily="49" charset="0"/>
-              </a:rPr>
-              <a:t>);</a:t>
-            </a:r>
-          </a:p>
-          <a:p>
-            <a:pPr>
-              <a:tabLst>
-                <a:tab pos="365125" algn="l"/>
-              </a:tabLst>
-            </a:pPr>
-            <a:r>
-              <a:rPr lang="en-US" sz="2000" b="1" dirty="0">
-                <a:latin typeface="Courier New" pitchFamily="49" charset="0"/>
-                <a:cs typeface="Courier New" pitchFamily="49" charset="0"/>
-              </a:rPr>
-              <a:t>	return </a:t>
-            </a:r>
-            <a:r>
-              <a:rPr lang="en-US" sz="2000" b="1" dirty="0" err="1">
-                <a:latin typeface="Courier New" pitchFamily="49" charset="0"/>
-                <a:cs typeface="Courier New" pitchFamily="49" charset="0"/>
-              </a:rPr>
-              <a:t>buf</a:t>
-            </a:r>
-            <a:r>
-              <a:rPr lang="en-US" sz="2000" b="1" dirty="0">
-                <a:latin typeface="Courier New" pitchFamily="49" charset="0"/>
-                <a:cs typeface="Courier New" pitchFamily="49" charset="0"/>
-              </a:rPr>
-              <a:t>;</a:t>
-            </a:r>
-          </a:p>
-          <a:p>
-            <a:pPr>
-              <a:tabLst>
-                <a:tab pos="365125" algn="l"/>
-              </a:tabLst>
-            </a:pPr>
-            <a:r>
-              <a:rPr lang="ru-RU" sz="2000" dirty="0">
-                <a:latin typeface="Courier New" pitchFamily="49" charset="0"/>
-                <a:cs typeface="Courier New" pitchFamily="49" charset="0"/>
-              </a:rPr>
-              <a:t>}</a:t>
-            </a:r>
-          </a:p>
-        </p:txBody>
-      </p:sp>
-    </p:spTree>
-    <p:extLst>
-      <p:ext uri="{BB962C8B-B14F-4D97-AF65-F5344CB8AC3E}">
-        <p14:creationId xmlns:p14="http://schemas.microsoft.com/office/powerpoint/2010/main" val="2028398948"/>
-      </p:ext>
-    </p:extLst>
-  </p:cSld>
-  <p:clrMapOvr>
-    <a:masterClrMapping/>
-  </p:clrMapOvr>
-  <p:timing>
-    <p:tnLst>
-      <p:par>
-        <p:cTn id="1" dur="indefinite" restart="never" nodeType="tmRoot"/>
-      </p:par>
-    </p:tnLst>
   </p:timing>
 </p:sld>
 </file>
@@ -46058,10 +46062,6 @@
               <a:rPr lang="en-US" dirty="0" smtClean="0"/>
               <a:t>();</a:t>
             </a:r>
-            <a:r>
-              <a:rPr lang="en-US" dirty="0" smtClean="0"/>
-              <a:t/>
-            </a:r>
             <a:br>
               <a:rPr lang="en-US" dirty="0" smtClean="0"/>
             </a:br>

--- a/lectures/05/Обработка ошибок и исключительных ситуаций.pptx
+++ b/lectures/05/Обработка ошибок и исключительных ситуаций.pptx
@@ -6704,7 +6704,7 @@
             <a:fld id="{66C85EC8-63E2-4E97-ABD1-AB8BE39E8F3E}" type="datetimeFigureOut">
               <a:rPr lang="ru-RU" smtClean="0"/>
               <a:pPr/>
-              <a:t>13.05.2021</a:t>
+              <a:t>26.05.2022</a:t>
             </a:fld>
             <a:endParaRPr lang="ru-RU"/>
           </a:p>
@@ -38167,7 +38167,7 @@
         <p:spPr>
           <a:xfrm>
             <a:off x="0" y="0"/>
-            <a:ext cx="9144000" cy="6863417"/>
+            <a:ext cx="9144000" cy="6740307"/>
           </a:xfrm>
           <a:prstGeom prst="rect">
             <a:avLst/>
@@ -38195,21 +38195,21 @@
           <a:p>
             <a:pPr defTabSz="180975"/>
             <a:r>
-              <a:rPr lang="en-US" sz="2000" b="1" dirty="0">
+              <a:rPr lang="en-US" b="1" dirty="0">
                 <a:latin typeface="Courier New" pitchFamily="49" charset="0"/>
                 <a:cs typeface="Courier New" pitchFamily="49" charset="0"/>
               </a:rPr>
               <a:t>template &lt;</a:t>
             </a:r>
             <a:r>
-              <a:rPr lang="en-US" sz="2000" b="1" dirty="0" err="1">
+              <a:rPr lang="en-US" b="1" dirty="0" err="1">
                 <a:latin typeface="Courier New" pitchFamily="49" charset="0"/>
                 <a:cs typeface="Courier New" pitchFamily="49" charset="0"/>
               </a:rPr>
               <a:t>typename</a:t>
             </a:r>
             <a:r>
-              <a:rPr lang="en-US" sz="2000" b="1" dirty="0">
+              <a:rPr lang="en-US" b="1" dirty="0">
                 <a:latin typeface="Courier New" pitchFamily="49" charset="0"/>
                 <a:cs typeface="Courier New" pitchFamily="49" charset="0"/>
               </a:rPr>
@@ -38219,20 +38219,23 @@
           <a:p>
             <a:pPr defTabSz="180975"/>
             <a:r>
-              <a:rPr lang="en-US" sz="2000" b="1" dirty="0">
-                <a:latin typeface="Courier New" pitchFamily="49" charset="0"/>
-                <a:cs typeface="Courier New" pitchFamily="49" charset="0"/>
-              </a:rPr>
-              <a:t>class Stack : boost::</a:t>
-            </a:r>
-            <a:r>
-              <a:rPr lang="en-US" sz="2000" b="1" dirty="0" err="1">
-                <a:latin typeface="Courier New" pitchFamily="49" charset="0"/>
-                <a:cs typeface="Courier New" pitchFamily="49" charset="0"/>
-              </a:rPr>
-              <a:t>noncopyable</a:t>
-            </a:r>
-            <a:endParaRPr lang="en-US" sz="2000" b="1" dirty="0">
+              <a:rPr lang="en-US" b="1" dirty="0">
+                <a:latin typeface="Courier New" pitchFamily="49" charset="0"/>
+                <a:cs typeface="Courier New" pitchFamily="49" charset="0"/>
+              </a:rPr>
+              <a:t>class Stack</a:t>
+            </a:r>
+          </a:p>
+          <a:p>
+            <a:pPr defTabSz="180975"/>
+            <a:r>
+              <a:rPr lang="ru-RU" b="1" dirty="0">
+                <a:latin typeface="Courier New" pitchFamily="49" charset="0"/>
+                <a:cs typeface="Courier New" pitchFamily="49" charset="0"/>
+              </a:rPr>
+              <a:t>{</a:t>
+            </a:r>
+            <a:endParaRPr lang="en-US" b="1" dirty="0">
               <a:latin typeface="Courier New" pitchFamily="49" charset="0"/>
               <a:cs typeface="Courier New" pitchFamily="49" charset="0"/>
             </a:endParaRPr>
@@ -38240,17 +38243,7 @@
           <a:p>
             <a:pPr defTabSz="180975"/>
             <a:r>
-              <a:rPr lang="ru-RU" sz="2000" b="1" dirty="0">
-                <a:latin typeface="Courier New" pitchFamily="49" charset="0"/>
-                <a:cs typeface="Courier New" pitchFamily="49" charset="0"/>
-              </a:rPr>
-              <a:t>{</a:t>
-            </a:r>
-          </a:p>
-          <a:p>
-            <a:pPr defTabSz="180975"/>
-            <a:r>
-              <a:rPr lang="ru-RU" sz="2000" i="1" dirty="0">
+              <a:rPr lang="ru-RU" i="1" dirty="0">
                 <a:solidFill>
                   <a:schemeClr val="bg1">
                     <a:lumMod val="50000"/>
@@ -38262,7 +38255,7 @@
               <a:t>	</a:t>
             </a:r>
             <a:r>
-              <a:rPr lang="en-US" sz="2000" i="1" dirty="0">
+              <a:rPr lang="en-US" i="1" dirty="0">
                 <a:solidFill>
                   <a:schemeClr val="bg1">
                     <a:lumMod val="50000"/>
@@ -38274,7 +38267,7 @@
               <a:t>// </a:t>
             </a:r>
             <a:r>
-              <a:rPr lang="ru-RU" sz="2000" i="1" dirty="0">
+              <a:rPr lang="ru-RU" i="1" dirty="0">
                 <a:solidFill>
                   <a:schemeClr val="bg1">
                     <a:lumMod val="50000"/>
@@ -38289,34 +38282,34 @@
           <a:p>
             <a:pPr defTabSz="180975"/>
             <a:r>
-              <a:rPr lang="en-US" sz="2000" b="1" dirty="0">
+              <a:rPr lang="en-US" b="1" dirty="0">
                 <a:latin typeface="Courier New" pitchFamily="49" charset="0"/>
                 <a:cs typeface="Courier New" pitchFamily="49" charset="0"/>
               </a:rPr>
               <a:t>	</a:t>
             </a:r>
             <a:r>
-              <a:rPr lang="en-US" sz="2000" b="1" dirty="0" err="1">
+              <a:rPr lang="en-US" b="1" dirty="0" err="1">
                 <a:latin typeface="Courier New" pitchFamily="49" charset="0"/>
                 <a:cs typeface="Courier New" pitchFamily="49" charset="0"/>
               </a:rPr>
               <a:t>struct</a:t>
             </a:r>
             <a:r>
-              <a:rPr lang="en-US" sz="2000" b="1" dirty="0">
+              <a:rPr lang="en-US" b="1" dirty="0">
                 <a:latin typeface="Courier New" pitchFamily="49" charset="0"/>
                 <a:cs typeface="Courier New" pitchFamily="49" charset="0"/>
               </a:rPr>
               <a:t> Item : boost::</a:t>
             </a:r>
             <a:r>
-              <a:rPr lang="en-US" sz="2000" b="1" dirty="0" err="1">
+              <a:rPr lang="en-US" b="1" dirty="0" err="1">
                 <a:latin typeface="Courier New" pitchFamily="49" charset="0"/>
                 <a:cs typeface="Courier New" pitchFamily="49" charset="0"/>
               </a:rPr>
               <a:t>noncopyable</a:t>
             </a:r>
-            <a:endParaRPr lang="en-US" sz="2000" b="1" dirty="0">
+            <a:endParaRPr lang="en-US" b="1" dirty="0">
               <a:latin typeface="Courier New" pitchFamily="49" charset="0"/>
               <a:cs typeface="Courier New" pitchFamily="49" charset="0"/>
             </a:endParaRPr>
@@ -38324,7 +38317,7 @@
           <a:p>
             <a:pPr defTabSz="180975"/>
             <a:r>
-              <a:rPr lang="ru-RU" sz="2000" b="1" dirty="0">
+              <a:rPr lang="ru-RU" b="1" dirty="0">
                 <a:latin typeface="Courier New" pitchFamily="49" charset="0"/>
                 <a:cs typeface="Courier New" pitchFamily="49" charset="0"/>
               </a:rPr>
@@ -38334,41 +38327,41 @@
           <a:p>
             <a:pPr defTabSz="180975"/>
             <a:r>
-              <a:rPr lang="en-US" sz="2000" b="1" dirty="0">
+              <a:rPr lang="en-US" b="1" dirty="0">
                 <a:latin typeface="Courier New" pitchFamily="49" charset="0"/>
                 <a:cs typeface="Courier New" pitchFamily="49" charset="0"/>
               </a:rPr>
               <a:t>		Item(T const&amp; v, </a:t>
             </a:r>
             <a:r>
-              <a:rPr lang="en-US" sz="2000" b="1" dirty="0" err="1">
+              <a:rPr lang="en-US" b="1" dirty="0" err="1">
                 <a:latin typeface="Courier New" pitchFamily="49" charset="0"/>
                 <a:cs typeface="Courier New" pitchFamily="49" charset="0"/>
               </a:rPr>
               <a:t>shared_ptr</a:t>
             </a:r>
             <a:r>
-              <a:rPr lang="en-US" sz="2000" b="1" dirty="0">
+              <a:rPr lang="en-US" b="1" dirty="0">
                 <a:latin typeface="Courier New" pitchFamily="49" charset="0"/>
                 <a:cs typeface="Courier New" pitchFamily="49" charset="0"/>
               </a:rPr>
               <a:t>&lt;Item&gt;</a:t>
             </a:r>
             <a:r>
-              <a:rPr lang="ru-RU" sz="2000" b="1" dirty="0">
+              <a:rPr lang="ru-RU" b="1" dirty="0">
                 <a:latin typeface="Courier New" pitchFamily="49" charset="0"/>
                 <a:cs typeface="Courier New" pitchFamily="49" charset="0"/>
               </a:rPr>
               <a:t> </a:t>
             </a:r>
             <a:r>
-              <a:rPr lang="en-US" sz="2000" b="1" dirty="0">
+              <a:rPr lang="en-US" b="1" dirty="0">
                 <a:latin typeface="Courier New" pitchFamily="49" charset="0"/>
                 <a:cs typeface="Courier New" pitchFamily="49" charset="0"/>
               </a:rPr>
               <a:t>const&amp; p)</a:t>
             </a:r>
-            <a:endParaRPr lang="ru-RU" sz="2000" b="1" dirty="0">
+            <a:endParaRPr lang="ru-RU" b="1" dirty="0">
               <a:latin typeface="Courier New" pitchFamily="49" charset="0"/>
               <a:cs typeface="Courier New" pitchFamily="49" charset="0"/>
             </a:endParaRPr>
@@ -38376,20 +38369,20 @@
           <a:p>
             <a:pPr defTabSz="180975"/>
             <a:r>
-              <a:rPr lang="ru-RU" sz="2000" b="1" dirty="0">
+              <a:rPr lang="ru-RU" b="1" dirty="0">
                 <a:latin typeface="Courier New" pitchFamily="49" charset="0"/>
                 <a:cs typeface="Courier New" pitchFamily="49" charset="0"/>
               </a:rPr>
               <a:t>		</a:t>
             </a:r>
             <a:r>
-              <a:rPr lang="en-US" sz="2000" b="1" dirty="0">
+              <a:rPr lang="en-US" b="1" dirty="0">
                 <a:latin typeface="Courier New" pitchFamily="49" charset="0"/>
                 <a:cs typeface="Courier New" pitchFamily="49" charset="0"/>
               </a:rPr>
               <a:t>:value(v)</a:t>
             </a:r>
-            <a:endParaRPr lang="ru-RU" sz="2000" b="1" dirty="0">
+            <a:endParaRPr lang="ru-RU" b="1" dirty="0">
               <a:latin typeface="Courier New" pitchFamily="49" charset="0"/>
               <a:cs typeface="Courier New" pitchFamily="49" charset="0"/>
             </a:endParaRPr>
@@ -38397,41 +38390,41 @@
           <a:p>
             <a:pPr defTabSz="180975"/>
             <a:r>
-              <a:rPr lang="ru-RU" sz="2000" b="1" dirty="0">
+              <a:rPr lang="ru-RU" b="1" dirty="0">
                 <a:latin typeface="Courier New" pitchFamily="49" charset="0"/>
                 <a:cs typeface="Courier New" pitchFamily="49" charset="0"/>
               </a:rPr>
               <a:t>		</a:t>
             </a:r>
             <a:r>
-              <a:rPr lang="en-US" sz="2000" b="1" dirty="0">
+              <a:rPr lang="en-US" b="1" dirty="0">
                 <a:latin typeface="Courier New" pitchFamily="49" charset="0"/>
                 <a:cs typeface="Courier New" pitchFamily="49" charset="0"/>
               </a:rPr>
               <a:t>,</a:t>
             </a:r>
             <a:r>
-              <a:rPr lang="en-US" sz="2000" b="1" dirty="0" err="1">
+              <a:rPr lang="en-US" b="1" dirty="0" err="1">
                 <a:latin typeface="Courier New" pitchFamily="49" charset="0"/>
                 <a:cs typeface="Courier New" pitchFamily="49" charset="0"/>
               </a:rPr>
               <a:t>pNext</a:t>
             </a:r>
             <a:r>
-              <a:rPr lang="en-US" sz="2000" b="1" dirty="0">
+              <a:rPr lang="en-US" b="1" dirty="0">
                 <a:latin typeface="Courier New" pitchFamily="49" charset="0"/>
                 <a:cs typeface="Courier New" pitchFamily="49" charset="0"/>
               </a:rPr>
               <a:t>(p){}</a:t>
             </a:r>
-            <a:endParaRPr lang="ru-RU" sz="2000" b="1" dirty="0">
+            <a:endParaRPr lang="ru-RU" b="1" dirty="0">
               <a:latin typeface="Courier New" pitchFamily="49" charset="0"/>
               <a:cs typeface="Courier New" pitchFamily="49" charset="0"/>
             </a:endParaRPr>
           </a:p>
           <a:p>
             <a:pPr defTabSz="180975"/>
-            <a:endParaRPr lang="en-US" sz="2000" b="1" dirty="0">
+            <a:endParaRPr lang="en-US" b="1" dirty="0">
               <a:latin typeface="Courier New" pitchFamily="49" charset="0"/>
               <a:cs typeface="Courier New" pitchFamily="49" charset="0"/>
             </a:endParaRPr>
@@ -38439,7 +38432,7 @@
           <a:p>
             <a:pPr defTabSz="180975"/>
             <a:r>
-              <a:rPr lang="en-US" sz="2000" b="1" dirty="0">
+              <a:rPr lang="en-US" b="1" dirty="0">
                 <a:latin typeface="Courier New" pitchFamily="49" charset="0"/>
                 <a:cs typeface="Courier New" pitchFamily="49" charset="0"/>
               </a:rPr>
@@ -38449,35 +38442,35 @@
           <a:p>
             <a:pPr defTabSz="180975"/>
             <a:r>
-              <a:rPr lang="en-US" sz="2000" b="1" dirty="0">
+              <a:rPr lang="en-US" b="1" dirty="0">
                 <a:latin typeface="Courier New" pitchFamily="49" charset="0"/>
                 <a:cs typeface="Courier New" pitchFamily="49" charset="0"/>
               </a:rPr>
               <a:t>		</a:t>
             </a:r>
             <a:r>
-              <a:rPr lang="en-US" sz="2000" b="1" dirty="0" err="1">
+              <a:rPr lang="en-US" b="1" dirty="0" err="1">
                 <a:latin typeface="Courier New" pitchFamily="49" charset="0"/>
                 <a:cs typeface="Courier New" pitchFamily="49" charset="0"/>
               </a:rPr>
               <a:t>shared_ptr</a:t>
             </a:r>
             <a:r>
-              <a:rPr lang="en-US" sz="2000" b="1" dirty="0">
+              <a:rPr lang="en-US" b="1" dirty="0">
                 <a:latin typeface="Courier New" pitchFamily="49" charset="0"/>
                 <a:cs typeface="Courier New" pitchFamily="49" charset="0"/>
               </a:rPr>
               <a:t>&lt;Item&gt; </a:t>
             </a:r>
             <a:r>
-              <a:rPr lang="en-US" sz="2000" b="1" dirty="0" err="1">
+              <a:rPr lang="en-US" b="1" dirty="0" err="1">
                 <a:latin typeface="Courier New" pitchFamily="49" charset="0"/>
                 <a:cs typeface="Courier New" pitchFamily="49" charset="0"/>
               </a:rPr>
               <a:t>pNext</a:t>
             </a:r>
             <a:r>
-              <a:rPr lang="en-US" sz="2000" b="1" dirty="0">
+              <a:rPr lang="en-US" b="1" dirty="0">
                 <a:latin typeface="Courier New" pitchFamily="49" charset="0"/>
                 <a:cs typeface="Courier New" pitchFamily="49" charset="0"/>
               </a:rPr>
@@ -38487,7 +38480,7 @@
           <a:p>
             <a:pPr defTabSz="180975"/>
             <a:r>
-              <a:rPr lang="ru-RU" sz="2000" b="1" dirty="0">
+              <a:rPr lang="ru-RU" b="1" dirty="0">
                 <a:latin typeface="Courier New" pitchFamily="49" charset="0"/>
                 <a:cs typeface="Courier New" pitchFamily="49" charset="0"/>
               </a:rPr>
@@ -38496,7 +38489,7 @@
           </a:p>
           <a:p>
             <a:pPr defTabSz="180975"/>
-            <a:endParaRPr lang="ru-RU" sz="2000" b="1" dirty="0">
+            <a:endParaRPr lang="ru-RU" b="1" dirty="0">
               <a:latin typeface="Courier New" pitchFamily="49" charset="0"/>
               <a:cs typeface="Courier New" pitchFamily="49" charset="0"/>
             </a:endParaRPr>
@@ -38504,49 +38497,49 @@
           <a:p>
             <a:pPr defTabSz="180975"/>
             <a:r>
-              <a:rPr lang="en-US" sz="2000" b="1" dirty="0">
+              <a:rPr lang="en-US" b="1" dirty="0">
                 <a:latin typeface="Courier New" pitchFamily="49" charset="0"/>
                 <a:cs typeface="Courier New" pitchFamily="49" charset="0"/>
               </a:rPr>
               <a:t>	</a:t>
             </a:r>
             <a:r>
-              <a:rPr lang="en-US" sz="2000" b="1" dirty="0" err="1">
+              <a:rPr lang="en-US" b="1" dirty="0" err="1">
                 <a:latin typeface="Courier New" pitchFamily="49" charset="0"/>
                 <a:cs typeface="Courier New" pitchFamily="49" charset="0"/>
               </a:rPr>
               <a:t>typedef</a:t>
             </a:r>
             <a:r>
-              <a:rPr lang="en-US" sz="2000" b="1" dirty="0">
+              <a:rPr lang="en-US" b="1" dirty="0">
                 <a:latin typeface="Courier New" pitchFamily="49" charset="0"/>
                 <a:cs typeface="Courier New" pitchFamily="49" charset="0"/>
               </a:rPr>
               <a:t> </a:t>
             </a:r>
             <a:r>
-              <a:rPr lang="en-US" sz="2000" b="1" dirty="0" err="1">
+              <a:rPr lang="en-US" b="1" dirty="0" err="1">
                 <a:latin typeface="Courier New" pitchFamily="49" charset="0"/>
                 <a:cs typeface="Courier New" pitchFamily="49" charset="0"/>
               </a:rPr>
               <a:t>shared_ptr</a:t>
             </a:r>
             <a:r>
-              <a:rPr lang="en-US" sz="2000" b="1" dirty="0">
+              <a:rPr lang="en-US" b="1" dirty="0">
                 <a:latin typeface="Courier New" pitchFamily="49" charset="0"/>
                 <a:cs typeface="Courier New" pitchFamily="49" charset="0"/>
               </a:rPr>
               <a:t>&lt;Item&gt; </a:t>
             </a:r>
             <a:r>
-              <a:rPr lang="en-US" sz="2000" b="1" dirty="0" err="1">
+              <a:rPr lang="en-US" b="1" dirty="0" err="1">
                 <a:latin typeface="Courier New" pitchFamily="49" charset="0"/>
                 <a:cs typeface="Courier New" pitchFamily="49" charset="0"/>
               </a:rPr>
               <a:t>ItemPtr</a:t>
             </a:r>
             <a:r>
-              <a:rPr lang="en-US" sz="2000" b="1" dirty="0">
+              <a:rPr lang="en-US" b="1" dirty="0">
                 <a:latin typeface="Courier New" pitchFamily="49" charset="0"/>
                 <a:cs typeface="Courier New" pitchFamily="49" charset="0"/>
               </a:rPr>
@@ -38556,35 +38549,35 @@
           <a:p>
             <a:pPr defTabSz="180975"/>
             <a:r>
-              <a:rPr lang="en-US" sz="2000" b="1" dirty="0">
+              <a:rPr lang="en-US" b="1" dirty="0">
                 <a:latin typeface="Courier New" pitchFamily="49" charset="0"/>
                 <a:cs typeface="Courier New" pitchFamily="49" charset="0"/>
               </a:rPr>
               <a:t>	</a:t>
             </a:r>
             <a:r>
-              <a:rPr lang="en-US" sz="2000" b="1" dirty="0" err="1">
+              <a:rPr lang="en-US" b="1" dirty="0" err="1">
                 <a:latin typeface="Courier New" pitchFamily="49" charset="0"/>
                 <a:cs typeface="Courier New" pitchFamily="49" charset="0"/>
               </a:rPr>
               <a:t>ItemPtr</a:t>
             </a:r>
             <a:r>
-              <a:rPr lang="en-US" sz="2000" b="1" dirty="0">
+              <a:rPr lang="en-US" b="1" dirty="0">
                 <a:latin typeface="Courier New" pitchFamily="49" charset="0"/>
                 <a:cs typeface="Courier New" pitchFamily="49" charset="0"/>
               </a:rPr>
               <a:t> </a:t>
             </a:r>
             <a:r>
-              <a:rPr lang="en-US" sz="2000" b="1" dirty="0" err="1">
+              <a:rPr lang="en-US" b="1" dirty="0" err="1">
                 <a:latin typeface="Courier New" pitchFamily="49" charset="0"/>
                 <a:cs typeface="Courier New" pitchFamily="49" charset="0"/>
               </a:rPr>
               <a:t>m_pTop</a:t>
             </a:r>
             <a:r>
-              <a:rPr lang="en-US" sz="2000" b="1" dirty="0">
+              <a:rPr lang="en-US" b="1" dirty="0">
                 <a:latin typeface="Courier New" pitchFamily="49" charset="0"/>
                 <a:cs typeface="Courier New" pitchFamily="49" charset="0"/>
               </a:rPr>
@@ -38594,7 +38587,7 @@
           <a:p>
             <a:pPr defTabSz="180975"/>
             <a:r>
-              <a:rPr lang="en-US" sz="2000" b="1" dirty="0">
+              <a:rPr lang="en-US" b="1" dirty="0">
                 <a:latin typeface="Courier New" pitchFamily="49" charset="0"/>
                 <a:cs typeface="Courier New" pitchFamily="49" charset="0"/>
               </a:rPr>
@@ -38604,35 +38597,66 @@
           <a:p>
             <a:pPr defTabSz="180975"/>
             <a:r>
-              <a:rPr lang="en-US" sz="2000" b="1" dirty="0">
+              <a:rPr lang="en-US" b="1" dirty="0">
+                <a:latin typeface="Courier New" pitchFamily="49" charset="0"/>
+                <a:cs typeface="Courier New" pitchFamily="49" charset="0"/>
+              </a:rPr>
+              <a:t> </a:t>
+            </a:r>
+            <a:r>
+              <a:rPr lang="en-US" sz="1800" b="1" dirty="0">
+                <a:latin typeface="Courier New" pitchFamily="49" charset="0"/>
+                <a:cs typeface="Courier New" pitchFamily="49" charset="0"/>
+              </a:rPr>
+              <a:t>Stack(const Stack&amp;) = delete;</a:t>
+            </a:r>
+          </a:p>
+          <a:p>
+            <a:pPr defTabSz="180975"/>
+            <a:r>
+              <a:rPr lang="en-US" b="1" dirty="0">
+                <a:latin typeface="Courier New" pitchFamily="49" charset="0"/>
+                <a:cs typeface="Courier New" pitchFamily="49" charset="0"/>
+              </a:rPr>
+              <a:t> Stack&amp; operator=(const Stack&amp;) = delete;</a:t>
+            </a:r>
+            <a:endParaRPr lang="ru-RU" b="1" dirty="0">
+              <a:latin typeface="Courier New" pitchFamily="49" charset="0"/>
+              <a:cs typeface="Courier New" pitchFamily="49" charset="0"/>
+            </a:endParaRPr>
+          </a:p>
+          <a:p>
+            <a:pPr defTabSz="180975"/>
+            <a:r>
+              <a:rPr lang="en-US" b="1" dirty="0">
                 <a:latin typeface="Courier New" pitchFamily="49" charset="0"/>
                 <a:cs typeface="Courier New" pitchFamily="49" charset="0"/>
               </a:rPr>
               <a:t>	</a:t>
             </a:r>
             <a:r>
-              <a:rPr lang="en-US" sz="2000" b="1" dirty="0" err="1">
+              <a:rPr lang="en-US" b="1" dirty="0" err="1">
                 <a:latin typeface="Courier New" pitchFamily="49" charset="0"/>
                 <a:cs typeface="Courier New" pitchFamily="49" charset="0"/>
               </a:rPr>
               <a:t>bool</a:t>
             </a:r>
             <a:r>
-              <a:rPr lang="en-US" sz="2000" b="1" dirty="0">
+              <a:rPr lang="en-US" b="1" dirty="0">
                 <a:latin typeface="Courier New" pitchFamily="49" charset="0"/>
                 <a:cs typeface="Courier New" pitchFamily="49" charset="0"/>
               </a:rPr>
               <a:t> </a:t>
             </a:r>
             <a:r>
-              <a:rPr lang="en-US" sz="2000" b="1" dirty="0" err="1">
+              <a:rPr lang="en-US" b="1" dirty="0" err="1">
                 <a:latin typeface="Courier New" pitchFamily="49" charset="0"/>
                 <a:cs typeface="Courier New" pitchFamily="49" charset="0"/>
               </a:rPr>
               <a:t>IsEmpty</a:t>
             </a:r>
             <a:r>
-              <a:rPr lang="en-US" sz="2000" b="1" dirty="0">
+              <a:rPr lang="en-US" b="1" dirty="0">
                 <a:latin typeface="Courier New" pitchFamily="49" charset="0"/>
                 <a:cs typeface="Courier New" pitchFamily="49" charset="0"/>
               </a:rPr>
@@ -38642,7 +38666,7 @@
           <a:p>
             <a:pPr defTabSz="180975"/>
             <a:r>
-              <a:rPr lang="ru-RU" sz="2000" b="1" dirty="0">
+              <a:rPr lang="ru-RU" b="1" dirty="0">
                 <a:latin typeface="Courier New" pitchFamily="49" charset="0"/>
                 <a:cs typeface="Courier New" pitchFamily="49" charset="0"/>
               </a:rPr>
@@ -38652,21 +38676,21 @@
           <a:p>
             <a:pPr defTabSz="180975"/>
             <a:r>
-              <a:rPr lang="en-US" sz="2000" b="1" dirty="0">
+              <a:rPr lang="en-US" b="1" dirty="0">
                 <a:latin typeface="Courier New" pitchFamily="49" charset="0"/>
                 <a:cs typeface="Courier New" pitchFamily="49" charset="0"/>
               </a:rPr>
               <a:t>		return !</a:t>
             </a:r>
             <a:r>
-              <a:rPr lang="en-US" sz="2000" b="1" dirty="0" err="1">
+              <a:rPr lang="en-US" b="1" dirty="0" err="1">
                 <a:latin typeface="Courier New" pitchFamily="49" charset="0"/>
                 <a:cs typeface="Courier New" pitchFamily="49" charset="0"/>
               </a:rPr>
               <a:t>m_pTop</a:t>
             </a:r>
             <a:r>
-              <a:rPr lang="en-US" sz="2000" b="1" dirty="0">
+              <a:rPr lang="en-US" b="1" dirty="0">
                 <a:latin typeface="Courier New" pitchFamily="49" charset="0"/>
                 <a:cs typeface="Courier New" pitchFamily="49" charset="0"/>
               </a:rPr>
@@ -38676,7 +38700,7 @@
           <a:p>
             <a:pPr defTabSz="180975"/>
             <a:r>
-              <a:rPr lang="ru-RU" sz="2000" b="1" dirty="0">
+              <a:rPr lang="ru-RU" b="1" dirty="0">
                 <a:latin typeface="Courier New" pitchFamily="49" charset="0"/>
                 <a:cs typeface="Courier New" pitchFamily="49" charset="0"/>
               </a:rPr>
@@ -38686,7 +38710,7 @@
           <a:p>
             <a:pPr defTabSz="180975"/>
             <a:r>
-              <a:rPr lang="ru-RU" sz="2000" b="1" dirty="0">
+              <a:rPr lang="ru-RU" b="1" dirty="0">
                 <a:latin typeface="Courier New" pitchFamily="49" charset="0"/>
                 <a:cs typeface="Courier New" pitchFamily="49" charset="0"/>
               </a:rPr>
@@ -42516,12 +42540,16 @@
               <a:t>C++ </a:t>
             </a:r>
             <a:r>
-              <a:rPr lang="ru-RU" dirty="0" err="1"/>
-              <a:t>неопределен</a:t>
-            </a:r>
-            <a:r>
               <a:rPr lang="ru-RU" dirty="0"/>
-              <a:t> порядок вычисления значений аргументов функций</a:t>
+              <a:t>не</a:t>
+            </a:r>
+            <a:r>
+              <a:rPr lang="en-US" dirty="0"/>
+              <a:t> </a:t>
+            </a:r>
+            <a:r>
+              <a:rPr lang="ru-RU" dirty="0"/>
+              <a:t>определен порядок вычисления значений аргументов функций</a:t>
             </a:r>
           </a:p>
           <a:p>
@@ -43433,14 +43461,12 @@
             </a:r>
           </a:p>
           <a:p>
-            <a:pPr lvl="1"/>
             <a:r>
               <a:rPr lang="ru-RU" dirty="0"/>
               <a:t>Реорганизовать код функции или метода так, чтобы исключения не выбрасывались в процессе изменения состояния объекта (программы)</a:t>
             </a:r>
           </a:p>
           <a:p>
-            <a:pPr lvl="1"/>
             <a:r>
               <a:rPr lang="ru-RU" dirty="0"/>
               <a:t>После выполнения подготовительных операций можно изменить состояние, используя операции, не выбрасывающие исключений</a:t>
@@ -43458,6 +43484,265 @@
   <p:clrMapOvr>
     <a:masterClrMapping/>
   </p:clrMapOvr>
+  <p:timing>
+    <p:tnLst>
+      <p:par>
+        <p:cTn id="1" dur="indefinite" restart="never" nodeType="tmRoot">
+          <p:childTnLst>
+            <p:seq concurrent="1" nextAc="seek">
+              <p:cTn id="2" dur="indefinite" nodeType="mainSeq">
+                <p:childTnLst>
+                  <p:par>
+                    <p:cTn id="3" fill="hold">
+                      <p:stCondLst>
+                        <p:cond delay="indefinite"/>
+                      </p:stCondLst>
+                      <p:childTnLst>
+                        <p:par>
+                          <p:cTn id="4" fill="hold">
+                            <p:stCondLst>
+                              <p:cond delay="0"/>
+                            </p:stCondLst>
+                            <p:childTnLst>
+                              <p:par>
+                                <p:cTn id="5" presetID="10" presetClass="entr" presetSubtype="0" fill="hold" grpId="0" nodeType="clickEffect">
+                                  <p:stCondLst>
+                                    <p:cond delay="0"/>
+                                  </p:stCondLst>
+                                  <p:childTnLst>
+                                    <p:set>
+                                      <p:cBhvr>
+                                        <p:cTn id="6" dur="1" fill="hold">
+                                          <p:stCondLst>
+                                            <p:cond delay="0"/>
+                                          </p:stCondLst>
+                                        </p:cTn>
+                                        <p:tgtEl>
+                                          <p:spTgt spid="3">
+                                            <p:txEl>
+                                              <p:pRg st="0" end="0"/>
+                                            </p:txEl>
+                                          </p:spTgt>
+                                        </p:tgtEl>
+                                        <p:attrNameLst>
+                                          <p:attrName>style.visibility</p:attrName>
+                                        </p:attrNameLst>
+                                      </p:cBhvr>
+                                      <p:to>
+                                        <p:strVal val="visible"/>
+                                      </p:to>
+                                    </p:set>
+                                    <p:animEffect transition="in" filter="fade">
+                                      <p:cBhvr>
+                                        <p:cTn id="7" dur="500"/>
+                                        <p:tgtEl>
+                                          <p:spTgt spid="3">
+                                            <p:txEl>
+                                              <p:pRg st="0" end="0"/>
+                                            </p:txEl>
+                                          </p:spTgt>
+                                        </p:tgtEl>
+                                      </p:cBhvr>
+                                    </p:animEffect>
+                                  </p:childTnLst>
+                                </p:cTn>
+                              </p:par>
+                              <p:par>
+                                <p:cTn id="8" presetID="10" presetClass="entr" presetSubtype="0" fill="hold" grpId="0" nodeType="withEffect">
+                                  <p:stCondLst>
+                                    <p:cond delay="0"/>
+                                  </p:stCondLst>
+                                  <p:childTnLst>
+                                    <p:set>
+                                      <p:cBhvr>
+                                        <p:cTn id="9" dur="1" fill="hold">
+                                          <p:stCondLst>
+                                            <p:cond delay="0"/>
+                                          </p:stCondLst>
+                                        </p:cTn>
+                                        <p:tgtEl>
+                                          <p:spTgt spid="3">
+                                            <p:txEl>
+                                              <p:pRg st="1" end="1"/>
+                                            </p:txEl>
+                                          </p:spTgt>
+                                        </p:tgtEl>
+                                        <p:attrNameLst>
+                                          <p:attrName>style.visibility</p:attrName>
+                                        </p:attrNameLst>
+                                      </p:cBhvr>
+                                      <p:to>
+                                        <p:strVal val="visible"/>
+                                      </p:to>
+                                    </p:set>
+                                    <p:animEffect transition="in" filter="fade">
+                                      <p:cBhvr>
+                                        <p:cTn id="10" dur="500"/>
+                                        <p:tgtEl>
+                                          <p:spTgt spid="3">
+                                            <p:txEl>
+                                              <p:pRg st="1" end="1"/>
+                                            </p:txEl>
+                                          </p:spTgt>
+                                        </p:tgtEl>
+                                      </p:cBhvr>
+                                    </p:animEffect>
+                                  </p:childTnLst>
+                                </p:cTn>
+                              </p:par>
+                            </p:childTnLst>
+                          </p:cTn>
+                        </p:par>
+                      </p:childTnLst>
+                    </p:cTn>
+                  </p:par>
+                  <p:par>
+                    <p:cTn id="11" fill="hold">
+                      <p:stCondLst>
+                        <p:cond delay="indefinite"/>
+                      </p:stCondLst>
+                      <p:childTnLst>
+                        <p:par>
+                          <p:cTn id="12" fill="hold">
+                            <p:stCondLst>
+                              <p:cond delay="0"/>
+                            </p:stCondLst>
+                            <p:childTnLst>
+                              <p:par>
+                                <p:cTn id="13" presetID="10" presetClass="entr" presetSubtype="0" fill="hold" grpId="0" nodeType="clickEffect">
+                                  <p:stCondLst>
+                                    <p:cond delay="0"/>
+                                  </p:stCondLst>
+                                  <p:childTnLst>
+                                    <p:set>
+                                      <p:cBhvr>
+                                        <p:cTn id="14" dur="1" fill="hold">
+                                          <p:stCondLst>
+                                            <p:cond delay="0"/>
+                                          </p:stCondLst>
+                                        </p:cTn>
+                                        <p:tgtEl>
+                                          <p:spTgt spid="3">
+                                            <p:txEl>
+                                              <p:pRg st="2" end="2"/>
+                                            </p:txEl>
+                                          </p:spTgt>
+                                        </p:tgtEl>
+                                        <p:attrNameLst>
+                                          <p:attrName>style.visibility</p:attrName>
+                                        </p:attrNameLst>
+                                      </p:cBhvr>
+                                      <p:to>
+                                        <p:strVal val="visible"/>
+                                      </p:to>
+                                    </p:set>
+                                    <p:animEffect transition="in" filter="fade">
+                                      <p:cBhvr>
+                                        <p:cTn id="15" dur="500"/>
+                                        <p:tgtEl>
+                                          <p:spTgt spid="3">
+                                            <p:txEl>
+                                              <p:pRg st="2" end="2"/>
+                                            </p:txEl>
+                                          </p:spTgt>
+                                        </p:tgtEl>
+                                      </p:cBhvr>
+                                    </p:animEffect>
+                                  </p:childTnLst>
+                                </p:cTn>
+                              </p:par>
+                            </p:childTnLst>
+                          </p:cTn>
+                        </p:par>
+                      </p:childTnLst>
+                    </p:cTn>
+                  </p:par>
+                  <p:par>
+                    <p:cTn id="16" fill="hold">
+                      <p:stCondLst>
+                        <p:cond delay="indefinite"/>
+                      </p:stCondLst>
+                      <p:childTnLst>
+                        <p:par>
+                          <p:cTn id="17" fill="hold">
+                            <p:stCondLst>
+                              <p:cond delay="0"/>
+                            </p:stCondLst>
+                            <p:childTnLst>
+                              <p:par>
+                                <p:cTn id="18" presetID="10" presetClass="entr" presetSubtype="0" fill="hold" grpId="0" nodeType="clickEffect">
+                                  <p:stCondLst>
+                                    <p:cond delay="0"/>
+                                  </p:stCondLst>
+                                  <p:childTnLst>
+                                    <p:set>
+                                      <p:cBhvr>
+                                        <p:cTn id="19" dur="1" fill="hold">
+                                          <p:stCondLst>
+                                            <p:cond delay="0"/>
+                                          </p:stCondLst>
+                                        </p:cTn>
+                                        <p:tgtEl>
+                                          <p:spTgt spid="3">
+                                            <p:txEl>
+                                              <p:pRg st="3" end="3"/>
+                                            </p:txEl>
+                                          </p:spTgt>
+                                        </p:tgtEl>
+                                        <p:attrNameLst>
+                                          <p:attrName>style.visibility</p:attrName>
+                                        </p:attrNameLst>
+                                      </p:cBhvr>
+                                      <p:to>
+                                        <p:strVal val="visible"/>
+                                      </p:to>
+                                    </p:set>
+                                    <p:animEffect transition="in" filter="fade">
+                                      <p:cBhvr>
+                                        <p:cTn id="20" dur="500"/>
+                                        <p:tgtEl>
+                                          <p:spTgt spid="3">
+                                            <p:txEl>
+                                              <p:pRg st="3" end="3"/>
+                                            </p:txEl>
+                                          </p:spTgt>
+                                        </p:tgtEl>
+                                      </p:cBhvr>
+                                    </p:animEffect>
+                                  </p:childTnLst>
+                                </p:cTn>
+                              </p:par>
+                            </p:childTnLst>
+                          </p:cTn>
+                        </p:par>
+                      </p:childTnLst>
+                    </p:cTn>
+                  </p:par>
+                </p:childTnLst>
+              </p:cTn>
+              <p:prevCondLst>
+                <p:cond evt="onPrev" delay="0">
+                  <p:tgtEl>
+                    <p:sldTgt/>
+                  </p:tgtEl>
+                </p:cond>
+              </p:prevCondLst>
+              <p:nextCondLst>
+                <p:cond evt="onNext" delay="0">
+                  <p:tgtEl>
+                    <p:sldTgt/>
+                  </p:tgtEl>
+                </p:cond>
+              </p:nextCondLst>
+            </p:seq>
+          </p:childTnLst>
+        </p:cTn>
+      </p:par>
+    </p:tnLst>
+    <p:bldLst>
+      <p:bldP spid="3" grpId="0" build="p"/>
+    </p:bldLst>
+  </p:timing>
 </p:sld>
 </file>
 
